--- a/Poster Stuff/cs470poster.pptx
+++ b/Poster Stuff/cs470poster.pptx
@@ -1,19 +1,114 @@
 
 <file path=ppt/presentation.xml><?xml version="1.0" encoding="utf-8"?>
-<p:presentation xmlns:a="http://schemas.openxmlformats.org/drawingml/2006/main" xmlns:p="http://schemas.openxmlformats.org/presentationml/2006/main" xmlns:r="http://schemas.openxmlformats.org/officeDocument/2006/relationships" xmlns:p14="http://schemas.microsoft.com/office/powerpoint/2010/main" xmlns:p15="http://schemas.microsoft.com/office/powerpoint/2012/main" xmlns:mc="http://schemas.openxmlformats.org/markup-compatibility/2006">
+<p:presentation xmlns:a="http://schemas.openxmlformats.org/drawingml/2006/main" xmlns:r="http://schemas.openxmlformats.org/officeDocument/2006/relationships" xmlns:p="http://schemas.openxmlformats.org/presentationml/2006/main">
   <p:sldMasterIdLst>
-    <p:sldMasterId id="2147483648" r:id="rId2"/>
+    <p:sldMasterId id="2147483648" r:id="rId1"/>
   </p:sldMasterIdLst>
   <p:sldIdLst>
-    <p:sldId id="256" r:id="rId3"/>
+    <p:sldId id="256" r:id="rId2"/>
   </p:sldIdLst>
   <p:sldSz cx="32918400" cy="21945600"/>
   <p:notesSz cx="7772400" cy="10058400"/>
+  <p:defaultTextStyle>
+    <a:defPPr>
+      <a:defRPr lang="en-US"/>
+    </a:defPPr>
+    <a:lvl1pPr marL="0" algn="l" defTabSz="914400" rtl="0" eaLnBrk="1" latinLnBrk="0" hangingPunct="1">
+      <a:defRPr sz="1800" kern="1200">
+        <a:solidFill>
+          <a:schemeClr val="tx1"/>
+        </a:solidFill>
+        <a:latin typeface="+mn-lt"/>
+        <a:ea typeface="+mn-ea"/>
+        <a:cs typeface="+mn-cs"/>
+      </a:defRPr>
+    </a:lvl1pPr>
+    <a:lvl2pPr marL="457200" algn="l" defTabSz="914400" rtl="0" eaLnBrk="1" latinLnBrk="0" hangingPunct="1">
+      <a:defRPr sz="1800" kern="1200">
+        <a:solidFill>
+          <a:schemeClr val="tx1"/>
+        </a:solidFill>
+        <a:latin typeface="+mn-lt"/>
+        <a:ea typeface="+mn-ea"/>
+        <a:cs typeface="+mn-cs"/>
+      </a:defRPr>
+    </a:lvl2pPr>
+    <a:lvl3pPr marL="914400" algn="l" defTabSz="914400" rtl="0" eaLnBrk="1" latinLnBrk="0" hangingPunct="1">
+      <a:defRPr sz="1800" kern="1200">
+        <a:solidFill>
+          <a:schemeClr val="tx1"/>
+        </a:solidFill>
+        <a:latin typeface="+mn-lt"/>
+        <a:ea typeface="+mn-ea"/>
+        <a:cs typeface="+mn-cs"/>
+      </a:defRPr>
+    </a:lvl3pPr>
+    <a:lvl4pPr marL="1371600" algn="l" defTabSz="914400" rtl="0" eaLnBrk="1" latinLnBrk="0" hangingPunct="1">
+      <a:defRPr sz="1800" kern="1200">
+        <a:solidFill>
+          <a:schemeClr val="tx1"/>
+        </a:solidFill>
+        <a:latin typeface="+mn-lt"/>
+        <a:ea typeface="+mn-ea"/>
+        <a:cs typeface="+mn-cs"/>
+      </a:defRPr>
+    </a:lvl4pPr>
+    <a:lvl5pPr marL="1828800" algn="l" defTabSz="914400" rtl="0" eaLnBrk="1" latinLnBrk="0" hangingPunct="1">
+      <a:defRPr sz="1800" kern="1200">
+        <a:solidFill>
+          <a:schemeClr val="tx1"/>
+        </a:solidFill>
+        <a:latin typeface="+mn-lt"/>
+        <a:ea typeface="+mn-ea"/>
+        <a:cs typeface="+mn-cs"/>
+      </a:defRPr>
+    </a:lvl5pPr>
+    <a:lvl6pPr marL="2286000" algn="l" defTabSz="914400" rtl="0" eaLnBrk="1" latinLnBrk="0" hangingPunct="1">
+      <a:defRPr sz="1800" kern="1200">
+        <a:solidFill>
+          <a:schemeClr val="tx1"/>
+        </a:solidFill>
+        <a:latin typeface="+mn-lt"/>
+        <a:ea typeface="+mn-ea"/>
+        <a:cs typeface="+mn-cs"/>
+      </a:defRPr>
+    </a:lvl6pPr>
+    <a:lvl7pPr marL="2743200" algn="l" defTabSz="914400" rtl="0" eaLnBrk="1" latinLnBrk="0" hangingPunct="1">
+      <a:defRPr sz="1800" kern="1200">
+        <a:solidFill>
+          <a:schemeClr val="tx1"/>
+        </a:solidFill>
+        <a:latin typeface="+mn-lt"/>
+        <a:ea typeface="+mn-ea"/>
+        <a:cs typeface="+mn-cs"/>
+      </a:defRPr>
+    </a:lvl7pPr>
+    <a:lvl8pPr marL="3200400" algn="l" defTabSz="914400" rtl="0" eaLnBrk="1" latinLnBrk="0" hangingPunct="1">
+      <a:defRPr sz="1800" kern="1200">
+        <a:solidFill>
+          <a:schemeClr val="tx1"/>
+        </a:solidFill>
+        <a:latin typeface="+mn-lt"/>
+        <a:ea typeface="+mn-ea"/>
+        <a:cs typeface="+mn-cs"/>
+      </a:defRPr>
+    </a:lvl8pPr>
+    <a:lvl9pPr marL="3657600" algn="l" defTabSz="914400" rtl="0" eaLnBrk="1" latinLnBrk="0" hangingPunct="1">
+      <a:defRPr sz="1800" kern="1200">
+        <a:solidFill>
+          <a:schemeClr val="tx1"/>
+        </a:solidFill>
+        <a:latin typeface="+mn-lt"/>
+        <a:ea typeface="+mn-ea"/>
+        <a:cs typeface="+mn-cs"/>
+      </a:defRPr>
+    </a:lvl9pPr>
+  </p:defaultTextStyle>
 </p:presentation>
 </file>
 
 <file path=ppt/slideLayouts/slideLayout1.xml><?xml version="1.0" encoding="utf-8"?>
-<p:sldLayout xmlns:a="http://schemas.openxmlformats.org/drawingml/2006/main" xmlns:p="http://schemas.openxmlformats.org/presentationml/2006/main" xmlns:r="http://schemas.openxmlformats.org/officeDocument/2006/relationships" xmlns:p14="http://schemas.microsoft.com/office/powerpoint/2010/main" xmlns:p15="http://schemas.microsoft.com/office/powerpoint/2012/main" xmlns:mc="http://schemas.openxmlformats.org/markup-compatibility/2006" type="blank" preserve="1">
+<p:sldLayout xmlns:a="http://schemas.openxmlformats.org/drawingml/2006/main" xmlns:r="http://schemas.openxmlformats.org/officeDocument/2006/relationships" xmlns:p="http://schemas.openxmlformats.org/presentationml/2006/main" type="blank" preserve="1">
   <p:cSld name="Blank Slide">
     <p:spTree>
       <p:nvGrpSpPr>
@@ -31,11 +126,14 @@
       </p:grpSpPr>
     </p:spTree>
   </p:cSld>
+  <p:clrMapOvr>
+    <a:masterClrMapping/>
+  </p:clrMapOvr>
 </p:sldLayout>
 </file>
 
 <file path=ppt/slideLayouts/slideLayout10.xml><?xml version="1.0" encoding="utf-8"?>
-<p:sldLayout xmlns:a="http://schemas.openxmlformats.org/drawingml/2006/main" xmlns:p="http://schemas.openxmlformats.org/presentationml/2006/main" xmlns:r="http://schemas.openxmlformats.org/officeDocument/2006/relationships" xmlns:p14="http://schemas.microsoft.com/office/powerpoint/2010/main" xmlns:p15="http://schemas.microsoft.com/office/powerpoint/2012/main" xmlns:mc="http://schemas.openxmlformats.org/markup-compatibility/2006" type="objOverTx" preserve="1">
+<p:sldLayout xmlns:a="http://schemas.openxmlformats.org/drawingml/2006/main" xmlns:r="http://schemas.openxmlformats.org/officeDocument/2006/relationships" xmlns:p="http://schemas.openxmlformats.org/presentationml/2006/main" type="objOverTx" preserve="1">
   <p:cSld name="Title, Content over Content">
     <p:spTree>
       <p:nvGrpSpPr>
@@ -71,10 +169,11 @@
           </a:prstGeom>
         </p:spPr>
         <p:txBody>
-          <a:bodyPr lIns="0" rIns="0" tIns="0" bIns="0" anchor="ctr"/>
+          <a:bodyPr lIns="0" tIns="0" rIns="0" bIns="0" anchor="ctr"/>
+          <a:lstStyle/>
           <a:p>
             <a:pPr algn="ctr"/>
-            <a:endParaRPr b="0" lang="en-US" sz="4400" spc="-1" strike="noStrike">
+            <a:endParaRPr lang="en-US" sz="4400" b="0" strike="noStrike" spc="-1">
               <a:latin typeface="Arial"/>
             </a:endParaRPr>
           </a:p>
@@ -100,11 +199,12 @@
           </a:prstGeom>
         </p:spPr>
         <p:txBody>
-          <a:bodyPr lIns="0" rIns="0" tIns="0" bIns="0">
+          <a:bodyPr lIns="0" tIns="0" rIns="0" bIns="0">
             <a:normAutofit/>
           </a:bodyPr>
-          <a:p>
-            <a:endParaRPr b="0" lang="en-US" sz="3200" spc="-1" strike="noStrike">
+          <a:lstStyle/>
+          <a:p>
+            <a:endParaRPr lang="en-US" sz="3200" b="0" strike="noStrike" spc="-1">
               <a:latin typeface="Arial"/>
             </a:endParaRPr>
           </a:p>
@@ -130,11 +230,12 @@
           </a:prstGeom>
         </p:spPr>
         <p:txBody>
-          <a:bodyPr lIns="0" rIns="0" tIns="0" bIns="0">
+          <a:bodyPr lIns="0" tIns="0" rIns="0" bIns="0">
             <a:normAutofit/>
           </a:bodyPr>
-          <a:p>
-            <a:endParaRPr b="0" lang="en-US" sz="3200" spc="-1" strike="noStrike">
+          <a:lstStyle/>
+          <a:p>
+            <a:endParaRPr lang="en-US" sz="3200" b="0" strike="noStrike" spc="-1">
               <a:latin typeface="Arial"/>
             </a:endParaRPr>
           </a:p>
@@ -142,11 +243,14 @@
       </p:sp>
     </p:spTree>
   </p:cSld>
+  <p:clrMapOvr>
+    <a:masterClrMapping/>
+  </p:clrMapOvr>
 </p:sldLayout>
 </file>
 
 <file path=ppt/slideLayouts/slideLayout11.xml><?xml version="1.0" encoding="utf-8"?>
-<p:sldLayout xmlns:a="http://schemas.openxmlformats.org/drawingml/2006/main" xmlns:p="http://schemas.openxmlformats.org/presentationml/2006/main" xmlns:r="http://schemas.openxmlformats.org/officeDocument/2006/relationships" xmlns:p14="http://schemas.microsoft.com/office/powerpoint/2010/main" xmlns:p15="http://schemas.microsoft.com/office/powerpoint/2012/main" xmlns:mc="http://schemas.openxmlformats.org/markup-compatibility/2006" type="fourObj" preserve="1">
+<p:sldLayout xmlns:a="http://schemas.openxmlformats.org/drawingml/2006/main" xmlns:r="http://schemas.openxmlformats.org/officeDocument/2006/relationships" xmlns:p="http://schemas.openxmlformats.org/presentationml/2006/main" type="fourObj" preserve="1">
   <p:cSld name="Title, 4 Content">
     <p:spTree>
       <p:nvGrpSpPr>
@@ -182,10 +286,11 @@
           </a:prstGeom>
         </p:spPr>
         <p:txBody>
-          <a:bodyPr lIns="0" rIns="0" tIns="0" bIns="0" anchor="ctr"/>
+          <a:bodyPr lIns="0" tIns="0" rIns="0" bIns="0" anchor="ctr"/>
+          <a:lstStyle/>
           <a:p>
             <a:pPr algn="ctr"/>
-            <a:endParaRPr b="0" lang="en-US" sz="4400" spc="-1" strike="noStrike">
+            <a:endParaRPr lang="en-US" sz="4400" b="0" strike="noStrike" spc="-1">
               <a:latin typeface="Arial"/>
             </a:endParaRPr>
           </a:p>
@@ -211,11 +316,12 @@
           </a:prstGeom>
         </p:spPr>
         <p:txBody>
-          <a:bodyPr lIns="0" rIns="0" tIns="0" bIns="0">
+          <a:bodyPr lIns="0" tIns="0" rIns="0" bIns="0">
             <a:normAutofit/>
           </a:bodyPr>
-          <a:p>
-            <a:endParaRPr b="0" lang="en-US" sz="3200" spc="-1" strike="noStrike">
+          <a:lstStyle/>
+          <a:p>
+            <a:endParaRPr lang="en-US" sz="3200" b="0" strike="noStrike" spc="-1">
               <a:latin typeface="Arial"/>
             </a:endParaRPr>
           </a:p>
@@ -241,11 +347,12 @@
           </a:prstGeom>
         </p:spPr>
         <p:txBody>
-          <a:bodyPr lIns="0" rIns="0" tIns="0" bIns="0">
+          <a:bodyPr lIns="0" tIns="0" rIns="0" bIns="0">
             <a:normAutofit/>
           </a:bodyPr>
-          <a:p>
-            <a:endParaRPr b="0" lang="en-US" sz="3200" spc="-1" strike="noStrike">
+          <a:lstStyle/>
+          <a:p>
+            <a:endParaRPr lang="en-US" sz="3200" b="0" strike="noStrike" spc="-1">
               <a:latin typeface="Arial"/>
             </a:endParaRPr>
           </a:p>
@@ -271,11 +378,12 @@
           </a:prstGeom>
         </p:spPr>
         <p:txBody>
-          <a:bodyPr lIns="0" rIns="0" tIns="0" bIns="0">
+          <a:bodyPr lIns="0" tIns="0" rIns="0" bIns="0">
             <a:normAutofit/>
           </a:bodyPr>
-          <a:p>
-            <a:endParaRPr b="0" lang="en-US" sz="3200" spc="-1" strike="noStrike">
+          <a:lstStyle/>
+          <a:p>
+            <a:endParaRPr lang="en-US" sz="3200" b="0" strike="noStrike" spc="-1">
               <a:latin typeface="Arial"/>
             </a:endParaRPr>
           </a:p>
@@ -301,11 +409,12 @@
           </a:prstGeom>
         </p:spPr>
         <p:txBody>
-          <a:bodyPr lIns="0" rIns="0" tIns="0" bIns="0">
+          <a:bodyPr lIns="0" tIns="0" rIns="0" bIns="0">
             <a:normAutofit/>
           </a:bodyPr>
-          <a:p>
-            <a:endParaRPr b="0" lang="en-US" sz="3200" spc="-1" strike="noStrike">
+          <a:lstStyle/>
+          <a:p>
+            <a:endParaRPr lang="en-US" sz="3200" b="0" strike="noStrike" spc="-1">
               <a:latin typeface="Arial"/>
             </a:endParaRPr>
           </a:p>
@@ -313,11 +422,14 @@
       </p:sp>
     </p:spTree>
   </p:cSld>
+  <p:clrMapOvr>
+    <a:masterClrMapping/>
+  </p:clrMapOvr>
 </p:sldLayout>
 </file>
 
 <file path=ppt/slideLayouts/slideLayout12.xml><?xml version="1.0" encoding="utf-8"?>
-<p:sldLayout xmlns:a="http://schemas.openxmlformats.org/drawingml/2006/main" xmlns:p="http://schemas.openxmlformats.org/presentationml/2006/main" xmlns:r="http://schemas.openxmlformats.org/officeDocument/2006/relationships" xmlns:p14="http://schemas.microsoft.com/office/powerpoint/2010/main" xmlns:p15="http://schemas.microsoft.com/office/powerpoint/2012/main" xmlns:mc="http://schemas.openxmlformats.org/markup-compatibility/2006" type="blank" preserve="1">
+<p:sldLayout xmlns:a="http://schemas.openxmlformats.org/drawingml/2006/main" xmlns:r="http://schemas.openxmlformats.org/officeDocument/2006/relationships" xmlns:p="http://schemas.openxmlformats.org/presentationml/2006/main" type="blank" preserve="1">
   <p:cSld name="Title, 6 Content">
     <p:spTree>
       <p:nvGrpSpPr>
@@ -353,10 +465,11 @@
           </a:prstGeom>
         </p:spPr>
         <p:txBody>
-          <a:bodyPr lIns="0" rIns="0" tIns="0" bIns="0" anchor="ctr"/>
+          <a:bodyPr lIns="0" tIns="0" rIns="0" bIns="0" anchor="ctr"/>
+          <a:lstStyle/>
           <a:p>
             <a:pPr algn="ctr"/>
-            <a:endParaRPr b="0" lang="en-US" sz="4400" spc="-1" strike="noStrike">
+            <a:endParaRPr lang="en-US" sz="4400" b="0" strike="noStrike" spc="-1">
               <a:latin typeface="Arial"/>
             </a:endParaRPr>
           </a:p>
@@ -382,11 +495,12 @@
           </a:prstGeom>
         </p:spPr>
         <p:txBody>
-          <a:bodyPr lIns="0" rIns="0" tIns="0" bIns="0">
+          <a:bodyPr lIns="0" tIns="0" rIns="0" bIns="0">
             <a:normAutofit/>
           </a:bodyPr>
-          <a:p>
-            <a:endParaRPr b="0" lang="en-US" sz="3200" spc="-1" strike="noStrike">
+          <a:lstStyle/>
+          <a:p>
+            <a:endParaRPr lang="en-US" sz="3200" b="0" strike="noStrike" spc="-1">
               <a:latin typeface="Arial"/>
             </a:endParaRPr>
           </a:p>
@@ -412,11 +526,12 @@
           </a:prstGeom>
         </p:spPr>
         <p:txBody>
-          <a:bodyPr lIns="0" rIns="0" tIns="0" bIns="0">
+          <a:bodyPr lIns="0" tIns="0" rIns="0" bIns="0">
             <a:normAutofit/>
           </a:bodyPr>
-          <a:p>
-            <a:endParaRPr b="0" lang="en-US" sz="3200" spc="-1" strike="noStrike">
+          <a:lstStyle/>
+          <a:p>
+            <a:endParaRPr lang="en-US" sz="3200" b="0" strike="noStrike" spc="-1">
               <a:latin typeface="Arial"/>
             </a:endParaRPr>
           </a:p>
@@ -442,11 +557,12 @@
           </a:prstGeom>
         </p:spPr>
         <p:txBody>
-          <a:bodyPr lIns="0" rIns="0" tIns="0" bIns="0">
+          <a:bodyPr lIns="0" tIns="0" rIns="0" bIns="0">
             <a:normAutofit/>
           </a:bodyPr>
-          <a:p>
-            <a:endParaRPr b="0" lang="en-US" sz="3200" spc="-1" strike="noStrike">
+          <a:lstStyle/>
+          <a:p>
+            <a:endParaRPr lang="en-US" sz="3200" b="0" strike="noStrike" spc="-1">
               <a:latin typeface="Arial"/>
             </a:endParaRPr>
           </a:p>
@@ -472,11 +588,12 @@
           </a:prstGeom>
         </p:spPr>
         <p:txBody>
-          <a:bodyPr lIns="0" rIns="0" tIns="0" bIns="0">
+          <a:bodyPr lIns="0" tIns="0" rIns="0" bIns="0">
             <a:normAutofit/>
           </a:bodyPr>
-          <a:p>
-            <a:endParaRPr b="0" lang="en-US" sz="3200" spc="-1" strike="noStrike">
+          <a:lstStyle/>
+          <a:p>
+            <a:endParaRPr lang="en-US" sz="3200" b="0" strike="noStrike" spc="-1">
               <a:latin typeface="Arial"/>
             </a:endParaRPr>
           </a:p>
@@ -502,11 +619,12 @@
           </a:prstGeom>
         </p:spPr>
         <p:txBody>
-          <a:bodyPr lIns="0" rIns="0" tIns="0" bIns="0">
+          <a:bodyPr lIns="0" tIns="0" rIns="0" bIns="0">
             <a:normAutofit/>
           </a:bodyPr>
-          <a:p>
-            <a:endParaRPr b="0" lang="en-US" sz="3200" spc="-1" strike="noStrike">
+          <a:lstStyle/>
+          <a:p>
+            <a:endParaRPr lang="en-US" sz="3200" b="0" strike="noStrike" spc="-1">
               <a:latin typeface="Arial"/>
             </a:endParaRPr>
           </a:p>
@@ -532,11 +650,12 @@
           </a:prstGeom>
         </p:spPr>
         <p:txBody>
-          <a:bodyPr lIns="0" rIns="0" tIns="0" bIns="0">
+          <a:bodyPr lIns="0" tIns="0" rIns="0" bIns="0">
             <a:normAutofit/>
           </a:bodyPr>
-          <a:p>
-            <a:endParaRPr b="0" lang="en-US" sz="3200" spc="-1" strike="noStrike">
+          <a:lstStyle/>
+          <a:p>
+            <a:endParaRPr lang="en-US" sz="3200" b="0" strike="noStrike" spc="-1">
               <a:latin typeface="Arial"/>
             </a:endParaRPr>
           </a:p>
@@ -544,11 +663,14 @@
       </p:sp>
     </p:spTree>
   </p:cSld>
+  <p:clrMapOvr>
+    <a:masterClrMapping/>
+  </p:clrMapOvr>
 </p:sldLayout>
 </file>
 
 <file path=ppt/slideLayouts/slideLayout2.xml><?xml version="1.0" encoding="utf-8"?>
-<p:sldLayout xmlns:a="http://schemas.openxmlformats.org/drawingml/2006/main" xmlns:p="http://schemas.openxmlformats.org/presentationml/2006/main" xmlns:r="http://schemas.openxmlformats.org/officeDocument/2006/relationships" xmlns:p14="http://schemas.microsoft.com/office/powerpoint/2010/main" xmlns:p15="http://schemas.microsoft.com/office/powerpoint/2012/main" xmlns:mc="http://schemas.openxmlformats.org/markup-compatibility/2006" type="tx" preserve="1">
+<p:sldLayout xmlns:a="http://schemas.openxmlformats.org/drawingml/2006/main" xmlns:r="http://schemas.openxmlformats.org/officeDocument/2006/relationships" xmlns:p="http://schemas.openxmlformats.org/presentationml/2006/main" type="tx" preserve="1">
   <p:cSld name="Title Slide">
     <p:spTree>
       <p:nvGrpSpPr>
@@ -584,10 +706,11 @@
           </a:prstGeom>
         </p:spPr>
         <p:txBody>
-          <a:bodyPr lIns="0" rIns="0" tIns="0" bIns="0" anchor="ctr"/>
+          <a:bodyPr lIns="0" tIns="0" rIns="0" bIns="0" anchor="ctr"/>
+          <a:lstStyle/>
           <a:p>
             <a:pPr algn="ctr"/>
-            <a:endParaRPr b="0" lang="en-US" sz="4400" spc="-1" strike="noStrike">
+            <a:endParaRPr lang="en-US" sz="4400" b="0" strike="noStrike" spc="-1">
               <a:latin typeface="Arial"/>
             </a:endParaRPr>
           </a:p>
@@ -613,10 +736,11 @@
           </a:prstGeom>
         </p:spPr>
         <p:txBody>
-          <a:bodyPr lIns="0" rIns="0" tIns="0" bIns="0" anchor="ctr"/>
+          <a:bodyPr lIns="0" tIns="0" rIns="0" bIns="0" anchor="ctr"/>
+          <a:lstStyle/>
           <a:p>
             <a:pPr algn="ctr"/>
-            <a:endParaRPr b="0" lang="en-US" sz="3200" spc="-1" strike="noStrike">
+            <a:endParaRPr lang="en-US" sz="3200" b="0" strike="noStrike" spc="-1">
               <a:latin typeface="Arial"/>
             </a:endParaRPr>
           </a:p>
@@ -624,11 +748,14 @@
       </p:sp>
     </p:spTree>
   </p:cSld>
+  <p:clrMapOvr>
+    <a:masterClrMapping/>
+  </p:clrMapOvr>
 </p:sldLayout>
 </file>
 
 <file path=ppt/slideLayouts/slideLayout3.xml><?xml version="1.0" encoding="utf-8"?>
-<p:sldLayout xmlns:a="http://schemas.openxmlformats.org/drawingml/2006/main" xmlns:p="http://schemas.openxmlformats.org/presentationml/2006/main" xmlns:r="http://schemas.openxmlformats.org/officeDocument/2006/relationships" xmlns:p14="http://schemas.microsoft.com/office/powerpoint/2010/main" xmlns:p15="http://schemas.microsoft.com/office/powerpoint/2012/main" xmlns:mc="http://schemas.openxmlformats.org/markup-compatibility/2006" type="obj" preserve="1">
+<p:sldLayout xmlns:a="http://schemas.openxmlformats.org/drawingml/2006/main" xmlns:r="http://schemas.openxmlformats.org/officeDocument/2006/relationships" xmlns:p="http://schemas.openxmlformats.org/presentationml/2006/main" type="obj" preserve="1">
   <p:cSld name="Title, Content">
     <p:spTree>
       <p:nvGrpSpPr>
@@ -664,10 +791,11 @@
           </a:prstGeom>
         </p:spPr>
         <p:txBody>
-          <a:bodyPr lIns="0" rIns="0" tIns="0" bIns="0" anchor="ctr"/>
+          <a:bodyPr lIns="0" tIns="0" rIns="0" bIns="0" anchor="ctr"/>
+          <a:lstStyle/>
           <a:p>
             <a:pPr algn="ctr"/>
-            <a:endParaRPr b="0" lang="en-US" sz="4400" spc="-1" strike="noStrike">
+            <a:endParaRPr lang="en-US" sz="4400" b="0" strike="noStrike" spc="-1">
               <a:latin typeface="Arial"/>
             </a:endParaRPr>
           </a:p>
@@ -693,11 +821,12 @@
           </a:prstGeom>
         </p:spPr>
         <p:txBody>
-          <a:bodyPr lIns="0" rIns="0" tIns="0" bIns="0">
+          <a:bodyPr lIns="0" tIns="0" rIns="0" bIns="0">
             <a:normAutofit/>
           </a:bodyPr>
-          <a:p>
-            <a:endParaRPr b="0" lang="en-US" sz="3200" spc="-1" strike="noStrike">
+          <a:lstStyle/>
+          <a:p>
+            <a:endParaRPr lang="en-US" sz="3200" b="0" strike="noStrike" spc="-1">
               <a:latin typeface="Arial"/>
             </a:endParaRPr>
           </a:p>
@@ -705,11 +834,14 @@
       </p:sp>
     </p:spTree>
   </p:cSld>
+  <p:clrMapOvr>
+    <a:masterClrMapping/>
+  </p:clrMapOvr>
 </p:sldLayout>
 </file>
 
 <file path=ppt/slideLayouts/slideLayout4.xml><?xml version="1.0" encoding="utf-8"?>
-<p:sldLayout xmlns:a="http://schemas.openxmlformats.org/drawingml/2006/main" xmlns:p="http://schemas.openxmlformats.org/presentationml/2006/main" xmlns:r="http://schemas.openxmlformats.org/officeDocument/2006/relationships" xmlns:p14="http://schemas.microsoft.com/office/powerpoint/2010/main" xmlns:p15="http://schemas.microsoft.com/office/powerpoint/2012/main" xmlns:mc="http://schemas.openxmlformats.org/markup-compatibility/2006" type="twoObj" preserve="1">
+<p:sldLayout xmlns:a="http://schemas.openxmlformats.org/drawingml/2006/main" xmlns:r="http://schemas.openxmlformats.org/officeDocument/2006/relationships" xmlns:p="http://schemas.openxmlformats.org/presentationml/2006/main" type="twoObj" preserve="1">
   <p:cSld name="Title, 2 Content">
     <p:spTree>
       <p:nvGrpSpPr>
@@ -745,10 +877,11 @@
           </a:prstGeom>
         </p:spPr>
         <p:txBody>
-          <a:bodyPr lIns="0" rIns="0" tIns="0" bIns="0" anchor="ctr"/>
+          <a:bodyPr lIns="0" tIns="0" rIns="0" bIns="0" anchor="ctr"/>
+          <a:lstStyle/>
           <a:p>
             <a:pPr algn="ctr"/>
-            <a:endParaRPr b="0" lang="en-US" sz="4400" spc="-1" strike="noStrike">
+            <a:endParaRPr lang="en-US" sz="4400" b="0" strike="noStrike" spc="-1">
               <a:latin typeface="Arial"/>
             </a:endParaRPr>
           </a:p>
@@ -774,11 +907,12 @@
           </a:prstGeom>
         </p:spPr>
         <p:txBody>
-          <a:bodyPr lIns="0" rIns="0" tIns="0" bIns="0">
+          <a:bodyPr lIns="0" tIns="0" rIns="0" bIns="0">
             <a:normAutofit/>
           </a:bodyPr>
-          <a:p>
-            <a:endParaRPr b="0" lang="en-US" sz="3200" spc="-1" strike="noStrike">
+          <a:lstStyle/>
+          <a:p>
+            <a:endParaRPr lang="en-US" sz="3200" b="0" strike="noStrike" spc="-1">
               <a:latin typeface="Arial"/>
             </a:endParaRPr>
           </a:p>
@@ -804,11 +938,12 @@
           </a:prstGeom>
         </p:spPr>
         <p:txBody>
-          <a:bodyPr lIns="0" rIns="0" tIns="0" bIns="0">
+          <a:bodyPr lIns="0" tIns="0" rIns="0" bIns="0">
             <a:normAutofit/>
           </a:bodyPr>
-          <a:p>
-            <a:endParaRPr b="0" lang="en-US" sz="3200" spc="-1" strike="noStrike">
+          <a:lstStyle/>
+          <a:p>
+            <a:endParaRPr lang="en-US" sz="3200" b="0" strike="noStrike" spc="-1">
               <a:latin typeface="Arial"/>
             </a:endParaRPr>
           </a:p>
@@ -816,11 +951,14 @@
       </p:sp>
     </p:spTree>
   </p:cSld>
+  <p:clrMapOvr>
+    <a:masterClrMapping/>
+  </p:clrMapOvr>
 </p:sldLayout>
 </file>
 
 <file path=ppt/slideLayouts/slideLayout5.xml><?xml version="1.0" encoding="utf-8"?>
-<p:sldLayout xmlns:a="http://schemas.openxmlformats.org/drawingml/2006/main" xmlns:p="http://schemas.openxmlformats.org/presentationml/2006/main" xmlns:r="http://schemas.openxmlformats.org/officeDocument/2006/relationships" xmlns:p14="http://schemas.microsoft.com/office/powerpoint/2010/main" xmlns:p15="http://schemas.microsoft.com/office/powerpoint/2012/main" xmlns:mc="http://schemas.openxmlformats.org/markup-compatibility/2006" type="titleOnly" preserve="1">
+<p:sldLayout xmlns:a="http://schemas.openxmlformats.org/drawingml/2006/main" xmlns:r="http://schemas.openxmlformats.org/officeDocument/2006/relationships" xmlns:p="http://schemas.openxmlformats.org/presentationml/2006/main" type="titleOnly" preserve="1">
   <p:cSld name="Title Only">
     <p:spTree>
       <p:nvGrpSpPr>
@@ -856,10 +994,11 @@
           </a:prstGeom>
         </p:spPr>
         <p:txBody>
-          <a:bodyPr lIns="0" rIns="0" tIns="0" bIns="0" anchor="ctr"/>
+          <a:bodyPr lIns="0" tIns="0" rIns="0" bIns="0" anchor="ctr"/>
+          <a:lstStyle/>
           <a:p>
             <a:pPr algn="ctr"/>
-            <a:endParaRPr b="0" lang="en-US" sz="4400" spc="-1" strike="noStrike">
+            <a:endParaRPr lang="en-US" sz="4400" b="0" strike="noStrike" spc="-1">
               <a:latin typeface="Arial"/>
             </a:endParaRPr>
           </a:p>
@@ -867,11 +1006,14 @@
       </p:sp>
     </p:spTree>
   </p:cSld>
+  <p:clrMapOvr>
+    <a:masterClrMapping/>
+  </p:clrMapOvr>
 </p:sldLayout>
 </file>
 
 <file path=ppt/slideLayouts/slideLayout6.xml><?xml version="1.0" encoding="utf-8"?>
-<p:sldLayout xmlns:a="http://schemas.openxmlformats.org/drawingml/2006/main" xmlns:p="http://schemas.openxmlformats.org/presentationml/2006/main" xmlns:r="http://schemas.openxmlformats.org/officeDocument/2006/relationships" xmlns:p14="http://schemas.microsoft.com/office/powerpoint/2010/main" xmlns:p15="http://schemas.microsoft.com/office/powerpoint/2012/main" xmlns:mc="http://schemas.openxmlformats.org/markup-compatibility/2006" type="objOnly" preserve="1">
+<p:sldLayout xmlns:a="http://schemas.openxmlformats.org/drawingml/2006/main" xmlns:r="http://schemas.openxmlformats.org/officeDocument/2006/relationships" xmlns:p="http://schemas.openxmlformats.org/presentationml/2006/main" type="objOnly" preserve="1">
   <p:cSld name="Centered Text">
     <p:spTree>
       <p:nvGrpSpPr>
@@ -907,10 +1049,11 @@
           </a:prstGeom>
         </p:spPr>
         <p:txBody>
-          <a:bodyPr lIns="0" rIns="0" tIns="0" bIns="0" anchor="ctr"/>
+          <a:bodyPr lIns="0" tIns="0" rIns="0" bIns="0" anchor="ctr"/>
+          <a:lstStyle/>
           <a:p>
             <a:pPr algn="ctr"/>
-            <a:endParaRPr b="0" lang="en-US" sz="3200" spc="-1" strike="noStrike">
+            <a:endParaRPr lang="en-US" sz="3200" b="0" strike="noStrike" spc="-1">
               <a:latin typeface="Arial"/>
             </a:endParaRPr>
           </a:p>
@@ -918,11 +1061,14 @@
       </p:sp>
     </p:spTree>
   </p:cSld>
+  <p:clrMapOvr>
+    <a:masterClrMapping/>
+  </p:clrMapOvr>
 </p:sldLayout>
 </file>
 
 <file path=ppt/slideLayouts/slideLayout7.xml><?xml version="1.0" encoding="utf-8"?>
-<p:sldLayout xmlns:a="http://schemas.openxmlformats.org/drawingml/2006/main" xmlns:p="http://schemas.openxmlformats.org/presentationml/2006/main" xmlns:r="http://schemas.openxmlformats.org/officeDocument/2006/relationships" xmlns:p14="http://schemas.microsoft.com/office/powerpoint/2010/main" xmlns:p15="http://schemas.microsoft.com/office/powerpoint/2012/main" xmlns:mc="http://schemas.openxmlformats.org/markup-compatibility/2006" type="twoObjAndObj" preserve="1">
+<p:sldLayout xmlns:a="http://schemas.openxmlformats.org/drawingml/2006/main" xmlns:r="http://schemas.openxmlformats.org/officeDocument/2006/relationships" xmlns:p="http://schemas.openxmlformats.org/presentationml/2006/main" type="twoObjAndObj" preserve="1">
   <p:cSld name="Title, 2 Content and Content">
     <p:spTree>
       <p:nvGrpSpPr>
@@ -958,10 +1104,11 @@
           </a:prstGeom>
         </p:spPr>
         <p:txBody>
-          <a:bodyPr lIns="0" rIns="0" tIns="0" bIns="0" anchor="ctr"/>
+          <a:bodyPr lIns="0" tIns="0" rIns="0" bIns="0" anchor="ctr"/>
+          <a:lstStyle/>
           <a:p>
             <a:pPr algn="ctr"/>
-            <a:endParaRPr b="0" lang="en-US" sz="4400" spc="-1" strike="noStrike">
+            <a:endParaRPr lang="en-US" sz="4400" b="0" strike="noStrike" spc="-1">
               <a:latin typeface="Arial"/>
             </a:endParaRPr>
           </a:p>
@@ -987,11 +1134,12 @@
           </a:prstGeom>
         </p:spPr>
         <p:txBody>
-          <a:bodyPr lIns="0" rIns="0" tIns="0" bIns="0">
+          <a:bodyPr lIns="0" tIns="0" rIns="0" bIns="0">
             <a:normAutofit/>
           </a:bodyPr>
-          <a:p>
-            <a:endParaRPr b="0" lang="en-US" sz="3200" spc="-1" strike="noStrike">
+          <a:lstStyle/>
+          <a:p>
+            <a:endParaRPr lang="en-US" sz="3200" b="0" strike="noStrike" spc="-1">
               <a:latin typeface="Arial"/>
             </a:endParaRPr>
           </a:p>
@@ -1017,11 +1165,12 @@
           </a:prstGeom>
         </p:spPr>
         <p:txBody>
-          <a:bodyPr lIns="0" rIns="0" tIns="0" bIns="0">
+          <a:bodyPr lIns="0" tIns="0" rIns="0" bIns="0">
             <a:normAutofit/>
           </a:bodyPr>
-          <a:p>
-            <a:endParaRPr b="0" lang="en-US" sz="3200" spc="-1" strike="noStrike">
+          <a:lstStyle/>
+          <a:p>
+            <a:endParaRPr lang="en-US" sz="3200" b="0" strike="noStrike" spc="-1">
               <a:latin typeface="Arial"/>
             </a:endParaRPr>
           </a:p>
@@ -1047,11 +1196,12 @@
           </a:prstGeom>
         </p:spPr>
         <p:txBody>
-          <a:bodyPr lIns="0" rIns="0" tIns="0" bIns="0">
+          <a:bodyPr lIns="0" tIns="0" rIns="0" bIns="0">
             <a:normAutofit/>
           </a:bodyPr>
-          <a:p>
-            <a:endParaRPr b="0" lang="en-US" sz="3200" spc="-1" strike="noStrike">
+          <a:lstStyle/>
+          <a:p>
+            <a:endParaRPr lang="en-US" sz="3200" b="0" strike="noStrike" spc="-1">
               <a:latin typeface="Arial"/>
             </a:endParaRPr>
           </a:p>
@@ -1059,11 +1209,14 @@
       </p:sp>
     </p:spTree>
   </p:cSld>
+  <p:clrMapOvr>
+    <a:masterClrMapping/>
+  </p:clrMapOvr>
 </p:sldLayout>
 </file>
 
 <file path=ppt/slideLayouts/slideLayout8.xml><?xml version="1.0" encoding="utf-8"?>
-<p:sldLayout xmlns:a="http://schemas.openxmlformats.org/drawingml/2006/main" xmlns:p="http://schemas.openxmlformats.org/presentationml/2006/main" xmlns:r="http://schemas.openxmlformats.org/officeDocument/2006/relationships" xmlns:p14="http://schemas.microsoft.com/office/powerpoint/2010/main" xmlns:p15="http://schemas.microsoft.com/office/powerpoint/2012/main" xmlns:mc="http://schemas.openxmlformats.org/markup-compatibility/2006" type="objAndTwoObj" preserve="1">
+<p:sldLayout xmlns:a="http://schemas.openxmlformats.org/drawingml/2006/main" xmlns:r="http://schemas.openxmlformats.org/officeDocument/2006/relationships" xmlns:p="http://schemas.openxmlformats.org/presentationml/2006/main" type="objAndTwoObj" preserve="1">
   <p:cSld name="Title Content and 2 Content">
     <p:spTree>
       <p:nvGrpSpPr>
@@ -1099,10 +1252,11 @@
           </a:prstGeom>
         </p:spPr>
         <p:txBody>
-          <a:bodyPr lIns="0" rIns="0" tIns="0" bIns="0" anchor="ctr"/>
+          <a:bodyPr lIns="0" tIns="0" rIns="0" bIns="0" anchor="ctr"/>
+          <a:lstStyle/>
           <a:p>
             <a:pPr algn="ctr"/>
-            <a:endParaRPr b="0" lang="en-US" sz="4400" spc="-1" strike="noStrike">
+            <a:endParaRPr lang="en-US" sz="4400" b="0" strike="noStrike" spc="-1">
               <a:latin typeface="Arial"/>
             </a:endParaRPr>
           </a:p>
@@ -1128,11 +1282,12 @@
           </a:prstGeom>
         </p:spPr>
         <p:txBody>
-          <a:bodyPr lIns="0" rIns="0" tIns="0" bIns="0">
+          <a:bodyPr lIns="0" tIns="0" rIns="0" bIns="0">
             <a:normAutofit/>
           </a:bodyPr>
-          <a:p>
-            <a:endParaRPr b="0" lang="en-US" sz="3200" spc="-1" strike="noStrike">
+          <a:lstStyle/>
+          <a:p>
+            <a:endParaRPr lang="en-US" sz="3200" b="0" strike="noStrike" spc="-1">
               <a:latin typeface="Arial"/>
             </a:endParaRPr>
           </a:p>
@@ -1158,11 +1313,12 @@
           </a:prstGeom>
         </p:spPr>
         <p:txBody>
-          <a:bodyPr lIns="0" rIns="0" tIns="0" bIns="0">
+          <a:bodyPr lIns="0" tIns="0" rIns="0" bIns="0">
             <a:normAutofit/>
           </a:bodyPr>
-          <a:p>
-            <a:endParaRPr b="0" lang="en-US" sz="3200" spc="-1" strike="noStrike">
+          <a:lstStyle/>
+          <a:p>
+            <a:endParaRPr lang="en-US" sz="3200" b="0" strike="noStrike" spc="-1">
               <a:latin typeface="Arial"/>
             </a:endParaRPr>
           </a:p>
@@ -1188,11 +1344,12 @@
           </a:prstGeom>
         </p:spPr>
         <p:txBody>
-          <a:bodyPr lIns="0" rIns="0" tIns="0" bIns="0">
+          <a:bodyPr lIns="0" tIns="0" rIns="0" bIns="0">
             <a:normAutofit/>
           </a:bodyPr>
-          <a:p>
-            <a:endParaRPr b="0" lang="en-US" sz="3200" spc="-1" strike="noStrike">
+          <a:lstStyle/>
+          <a:p>
+            <a:endParaRPr lang="en-US" sz="3200" b="0" strike="noStrike" spc="-1">
               <a:latin typeface="Arial"/>
             </a:endParaRPr>
           </a:p>
@@ -1200,11 +1357,14 @@
       </p:sp>
     </p:spTree>
   </p:cSld>
+  <p:clrMapOvr>
+    <a:masterClrMapping/>
+  </p:clrMapOvr>
 </p:sldLayout>
 </file>
 
 <file path=ppt/slideLayouts/slideLayout9.xml><?xml version="1.0" encoding="utf-8"?>
-<p:sldLayout xmlns:a="http://schemas.openxmlformats.org/drawingml/2006/main" xmlns:p="http://schemas.openxmlformats.org/presentationml/2006/main" xmlns:r="http://schemas.openxmlformats.org/officeDocument/2006/relationships" xmlns:p14="http://schemas.microsoft.com/office/powerpoint/2010/main" xmlns:p15="http://schemas.microsoft.com/office/powerpoint/2012/main" xmlns:mc="http://schemas.openxmlformats.org/markup-compatibility/2006" type="twoObjOverTx" preserve="1">
+<p:sldLayout xmlns:a="http://schemas.openxmlformats.org/drawingml/2006/main" xmlns:r="http://schemas.openxmlformats.org/officeDocument/2006/relationships" xmlns:p="http://schemas.openxmlformats.org/presentationml/2006/main" type="twoObjOverTx" preserve="1">
   <p:cSld name="Title, 2 Content over Content">
     <p:spTree>
       <p:nvGrpSpPr>
@@ -1240,10 +1400,11 @@
           </a:prstGeom>
         </p:spPr>
         <p:txBody>
-          <a:bodyPr lIns="0" rIns="0" tIns="0" bIns="0" anchor="ctr"/>
+          <a:bodyPr lIns="0" tIns="0" rIns="0" bIns="0" anchor="ctr"/>
+          <a:lstStyle/>
           <a:p>
             <a:pPr algn="ctr"/>
-            <a:endParaRPr b="0" lang="en-US" sz="4400" spc="-1" strike="noStrike">
+            <a:endParaRPr lang="en-US" sz="4400" b="0" strike="noStrike" spc="-1">
               <a:latin typeface="Arial"/>
             </a:endParaRPr>
           </a:p>
@@ -1269,11 +1430,12 @@
           </a:prstGeom>
         </p:spPr>
         <p:txBody>
-          <a:bodyPr lIns="0" rIns="0" tIns="0" bIns="0">
+          <a:bodyPr lIns="0" tIns="0" rIns="0" bIns="0">
             <a:normAutofit/>
           </a:bodyPr>
-          <a:p>
-            <a:endParaRPr b="0" lang="en-US" sz="3200" spc="-1" strike="noStrike">
+          <a:lstStyle/>
+          <a:p>
+            <a:endParaRPr lang="en-US" sz="3200" b="0" strike="noStrike" spc="-1">
               <a:latin typeface="Arial"/>
             </a:endParaRPr>
           </a:p>
@@ -1299,11 +1461,12 @@
           </a:prstGeom>
         </p:spPr>
         <p:txBody>
-          <a:bodyPr lIns="0" rIns="0" tIns="0" bIns="0">
+          <a:bodyPr lIns="0" tIns="0" rIns="0" bIns="0">
             <a:normAutofit/>
           </a:bodyPr>
-          <a:p>
-            <a:endParaRPr b="0" lang="en-US" sz="3200" spc="-1" strike="noStrike">
+          <a:lstStyle/>
+          <a:p>
+            <a:endParaRPr lang="en-US" sz="3200" b="0" strike="noStrike" spc="-1">
               <a:latin typeface="Arial"/>
             </a:endParaRPr>
           </a:p>
@@ -1329,11 +1492,12 @@
           </a:prstGeom>
         </p:spPr>
         <p:txBody>
-          <a:bodyPr lIns="0" rIns="0" tIns="0" bIns="0">
+          <a:bodyPr lIns="0" tIns="0" rIns="0" bIns="0">
             <a:normAutofit/>
           </a:bodyPr>
-          <a:p>
-            <a:endParaRPr b="0" lang="en-US" sz="3200" spc="-1" strike="noStrike">
+          <a:lstStyle/>
+          <a:p>
+            <a:endParaRPr lang="en-US" sz="3200" b="0" strike="noStrike" spc="-1">
               <a:latin typeface="Arial"/>
             </a:endParaRPr>
           </a:p>
@@ -1341,17 +1505,21 @@
       </p:sp>
     </p:spTree>
   </p:cSld>
+  <p:clrMapOvr>
+    <a:masterClrMapping/>
+  </p:clrMapOvr>
 </p:sldLayout>
 </file>
 
 <file path=ppt/slideMasters/slideMaster1.xml><?xml version="1.0" encoding="utf-8"?>
-<p:sldMaster xmlns:a="http://schemas.openxmlformats.org/drawingml/2006/main" xmlns:p="http://schemas.openxmlformats.org/presentationml/2006/main" xmlns:r="http://schemas.openxmlformats.org/officeDocument/2006/relationships" xmlns:p14="http://schemas.microsoft.com/office/powerpoint/2010/main" xmlns:p15="http://schemas.microsoft.com/office/powerpoint/2012/main" xmlns:mc="http://schemas.openxmlformats.org/markup-compatibility/2006">
+<p:sldMaster xmlns:a="http://schemas.openxmlformats.org/drawingml/2006/main" xmlns:r="http://schemas.openxmlformats.org/officeDocument/2006/relationships" xmlns:p="http://schemas.openxmlformats.org/presentationml/2006/main">
   <p:cSld>
     <p:bg>
       <p:bgPr>
         <a:solidFill>
-          <a:srgbClr val="ffffff"/>
+          <a:srgbClr val="FFFFFF"/>
         </a:solidFill>
+        <a:effectLst/>
       </p:bgPr>
     </p:bg>
     <p:spTree>
@@ -1370,7 +1538,7 @@
       </p:grpSpPr>
       <p:sp>
         <p:nvSpPr>
-          <p:cNvPr id="0" name="PlaceHolder 1"/>
+          <p:cNvPr id="2" name="PlaceHolder 1"/>
           <p:cNvSpPr>
             <a:spLocks noGrp="1"/>
           </p:cNvSpPr>
@@ -1388,24 +1556,22 @@
           </a:prstGeom>
         </p:spPr>
         <p:txBody>
-          <a:bodyPr lIns="0" rIns="0" tIns="0" bIns="0" anchor="ctr"/>
+          <a:bodyPr lIns="0" tIns="0" rIns="0" bIns="0" anchor="ctr"/>
+          <a:lstStyle/>
           <a:p>
             <a:pPr algn="ctr"/>
             <a:r>
-              <a:rPr b="0" lang="en-US" sz="4400" spc="-1" strike="noStrike">
+              <a:rPr lang="en-US" sz="4400" b="0" strike="noStrike" spc="-1">
                 <a:latin typeface="Arial"/>
               </a:rPr>
               <a:t>Click to edit the title text format</a:t>
             </a:r>
-            <a:endParaRPr b="0" lang="en-US" sz="4400" spc="-1" strike="noStrike">
-              <a:latin typeface="Arial"/>
-            </a:endParaRPr>
-          </a:p>
-        </p:txBody>
-      </p:sp>
-      <p:sp>
-        <p:nvSpPr>
-          <p:cNvPr id="1" name="PlaceHolder 2"/>
+          </a:p>
+        </p:txBody>
+      </p:sp>
+      <p:sp>
+        <p:nvSpPr>
+          <p:cNvPr id="3" name="PlaceHolder 2"/>
           <p:cNvSpPr>
             <a:spLocks noGrp="1"/>
           </p:cNvSpPr>
@@ -1423,9 +1589,10 @@
           </a:prstGeom>
         </p:spPr>
         <p:txBody>
-          <a:bodyPr lIns="0" rIns="0" tIns="0" bIns="0">
+          <a:bodyPr lIns="0" tIns="0" rIns="0" bIns="0">
             <a:normAutofit/>
           </a:bodyPr>
+          <a:lstStyle/>
           <a:p>
             <a:pPr marL="432000" indent="-324000">
               <a:spcBef>
@@ -1439,17 +1606,14 @@
               <a:buChar char=""/>
             </a:pPr>
             <a:r>
-              <a:rPr b="0" lang="en-US" sz="3200" spc="-1" strike="noStrike">
+              <a:rPr lang="en-US" sz="3200" b="0" strike="noStrike" spc="-1">
                 <a:latin typeface="Arial"/>
               </a:rPr>
               <a:t>Click to edit the outline text format</a:t>
             </a:r>
-            <a:endParaRPr b="0" lang="en-US" sz="3200" spc="-1" strike="noStrike">
-              <a:latin typeface="Arial"/>
-            </a:endParaRPr>
-          </a:p>
-          <a:p>
-            <a:pPr lvl="1" marL="864000" indent="-324000">
+          </a:p>
+          <a:p>
+            <a:pPr marL="864000" lvl="1" indent="-324000">
               <a:spcBef>
                 <a:spcPts val="1134"/>
               </a:spcBef>
@@ -1461,17 +1625,14 @@
               <a:buChar char=""/>
             </a:pPr>
             <a:r>
-              <a:rPr b="0" lang="en-US" sz="2800" spc="-1" strike="noStrike">
+              <a:rPr lang="en-US" sz="2800" b="0" strike="noStrike" spc="-1">
                 <a:latin typeface="Arial"/>
               </a:rPr>
               <a:t>Second Outline Level</a:t>
             </a:r>
-            <a:endParaRPr b="0" lang="en-US" sz="2800" spc="-1" strike="noStrike">
-              <a:latin typeface="Arial"/>
-            </a:endParaRPr>
-          </a:p>
-          <a:p>
-            <a:pPr lvl="2" marL="1296000" indent="-288000">
+          </a:p>
+          <a:p>
+            <a:pPr marL="1296000" lvl="2" indent="-288000">
               <a:spcBef>
                 <a:spcPts val="850"/>
               </a:spcBef>
@@ -1483,17 +1644,14 @@
               <a:buChar char=""/>
             </a:pPr>
             <a:r>
-              <a:rPr b="0" lang="en-US" sz="2400" spc="-1" strike="noStrike">
+              <a:rPr lang="en-US" sz="2400" b="0" strike="noStrike" spc="-1">
                 <a:latin typeface="Arial"/>
               </a:rPr>
               <a:t>Third Outline Level</a:t>
             </a:r>
-            <a:endParaRPr b="0" lang="en-US" sz="2400" spc="-1" strike="noStrike">
-              <a:latin typeface="Arial"/>
-            </a:endParaRPr>
-          </a:p>
-          <a:p>
-            <a:pPr lvl="3" marL="1728000" indent="-216000">
+          </a:p>
+          <a:p>
+            <a:pPr marL="1728000" lvl="3" indent="-216000">
               <a:spcBef>
                 <a:spcPts val="567"/>
               </a:spcBef>
@@ -1505,17 +1663,14 @@
               <a:buChar char=""/>
             </a:pPr>
             <a:r>
-              <a:rPr b="0" lang="en-US" sz="2000" spc="-1" strike="noStrike">
+              <a:rPr lang="en-US" sz="2000" b="0" strike="noStrike" spc="-1">
                 <a:latin typeface="Arial"/>
               </a:rPr>
               <a:t>Fourth Outline Level</a:t>
             </a:r>
-            <a:endParaRPr b="0" lang="en-US" sz="2000" spc="-1" strike="noStrike">
-              <a:latin typeface="Arial"/>
-            </a:endParaRPr>
-          </a:p>
-          <a:p>
-            <a:pPr lvl="4" marL="2160000" indent="-216000">
+          </a:p>
+          <a:p>
+            <a:pPr marL="2160000" lvl="4" indent="-216000">
               <a:spcBef>
                 <a:spcPts val="283"/>
               </a:spcBef>
@@ -1527,17 +1682,14 @@
               <a:buChar char=""/>
             </a:pPr>
             <a:r>
-              <a:rPr b="0" lang="en-US" sz="2000" spc="-1" strike="noStrike">
+              <a:rPr lang="en-US" sz="2000" b="0" strike="noStrike" spc="-1">
                 <a:latin typeface="Arial"/>
               </a:rPr>
               <a:t>Fifth Outline Level</a:t>
             </a:r>
-            <a:endParaRPr b="0" lang="en-US" sz="2000" spc="-1" strike="noStrike">
-              <a:latin typeface="Arial"/>
-            </a:endParaRPr>
-          </a:p>
-          <a:p>
-            <a:pPr lvl="5" marL="2592000" indent="-216000">
+          </a:p>
+          <a:p>
+            <a:pPr marL="2592000" lvl="5" indent="-216000">
               <a:spcBef>
                 <a:spcPts val="283"/>
               </a:spcBef>
@@ -1549,17 +1701,14 @@
               <a:buChar char=""/>
             </a:pPr>
             <a:r>
-              <a:rPr b="0" lang="en-US" sz="2000" spc="-1" strike="noStrike">
+              <a:rPr lang="en-US" sz="2000" b="0" strike="noStrike" spc="-1">
                 <a:latin typeface="Arial"/>
               </a:rPr>
               <a:t>Sixth Outline Level</a:t>
             </a:r>
-            <a:endParaRPr b="0" lang="en-US" sz="2000" spc="-1" strike="noStrike">
-              <a:latin typeface="Arial"/>
-            </a:endParaRPr>
-          </a:p>
-          <a:p>
-            <a:pPr lvl="6" marL="3024000" indent="-216000">
+          </a:p>
+          <a:p>
+            <a:pPr marL="3024000" lvl="6" indent="-216000">
               <a:spcBef>
                 <a:spcPts val="283"/>
               </a:spcBef>
@@ -1571,39 +1720,316 @@
               <a:buChar char=""/>
             </a:pPr>
             <a:r>
-              <a:rPr b="0" lang="en-US" sz="2000" spc="-1" strike="noStrike">
+              <a:rPr lang="en-US" sz="2000" b="0" strike="noStrike" spc="-1">
                 <a:latin typeface="Arial"/>
               </a:rPr>
               <a:t>Seventh Outline Level</a:t>
             </a:r>
-            <a:endParaRPr b="0" lang="en-US" sz="2000" spc="-1" strike="noStrike">
-              <a:latin typeface="Arial"/>
-            </a:endParaRPr>
           </a:p>
         </p:txBody>
       </p:sp>
     </p:spTree>
   </p:cSld>
-  <p:clrMap bg1="lt1" bg2="lt2" tx1="dk1" tx2="dk2" accent1="accent1" accent2="accent2" accent3="accent3" accent4="accent4" accent5="accent5" accent6="accent6" hlink="hlink" folHlink="folHlink"/>
+  <p:clrMap bg1="lt1" tx1="dk1" bg2="lt2" tx2="dk2" accent1="accent1" accent2="accent2" accent3="accent3" accent4="accent4" accent5="accent5" accent6="accent6" hlink="hlink" folHlink="folHlink"/>
   <p:sldLayoutIdLst>
-    <p:sldLayoutId id="2147483649" r:id="rId2"/>
-    <p:sldLayoutId id="2147483650" r:id="rId3"/>
-    <p:sldLayoutId id="2147483651" r:id="rId4"/>
-    <p:sldLayoutId id="2147483652" r:id="rId5"/>
-    <p:sldLayoutId id="2147483653" r:id="rId6"/>
-    <p:sldLayoutId id="2147483654" r:id="rId7"/>
-    <p:sldLayoutId id="2147483655" r:id="rId8"/>
-    <p:sldLayoutId id="2147483656" r:id="rId9"/>
-    <p:sldLayoutId id="2147483657" r:id="rId10"/>
-    <p:sldLayoutId id="2147483658" r:id="rId11"/>
-    <p:sldLayoutId id="2147483659" r:id="rId12"/>
-    <p:sldLayoutId id="2147483660" r:id="rId13"/>
+    <p:sldLayoutId id="2147483649" r:id="rId1"/>
+    <p:sldLayoutId id="2147483650" r:id="rId2"/>
+    <p:sldLayoutId id="2147483651" r:id="rId3"/>
+    <p:sldLayoutId id="2147483652" r:id="rId4"/>
+    <p:sldLayoutId id="2147483653" r:id="rId5"/>
+    <p:sldLayoutId id="2147483654" r:id="rId6"/>
+    <p:sldLayoutId id="2147483655" r:id="rId7"/>
+    <p:sldLayoutId id="2147483656" r:id="rId8"/>
+    <p:sldLayoutId id="2147483657" r:id="rId9"/>
+    <p:sldLayoutId id="2147483658" r:id="rId10"/>
+    <p:sldLayoutId id="2147483659" r:id="rId11"/>
+    <p:sldLayoutId id="2147483660" r:id="rId12"/>
   </p:sldLayoutIdLst>
+  <p:txStyles>
+    <p:titleStyle>
+      <a:lvl1pPr algn="l" defTabSz="914400" rtl="0" eaLnBrk="1" latinLnBrk="0" hangingPunct="1">
+        <a:lnSpc>
+          <a:spcPct val="90000"/>
+        </a:lnSpc>
+        <a:spcBef>
+          <a:spcPct val="0"/>
+        </a:spcBef>
+        <a:buNone/>
+        <a:defRPr sz="4400" kern="1200">
+          <a:solidFill>
+            <a:schemeClr val="tx1"/>
+          </a:solidFill>
+          <a:latin typeface="+mj-lt"/>
+          <a:ea typeface="+mj-ea"/>
+          <a:cs typeface="+mj-cs"/>
+        </a:defRPr>
+      </a:lvl1pPr>
+    </p:titleStyle>
+    <p:bodyStyle>
+      <a:lvl1pPr marL="228600" indent="-228600" algn="l" defTabSz="914400" rtl="0" eaLnBrk="1" latinLnBrk="0" hangingPunct="1">
+        <a:lnSpc>
+          <a:spcPct val="90000"/>
+        </a:lnSpc>
+        <a:spcBef>
+          <a:spcPts val="1000"/>
+        </a:spcBef>
+        <a:buFont typeface="Arial" panose="020B0604020202020204" pitchFamily="34" charset="0"/>
+        <a:buChar char="•"/>
+        <a:defRPr sz="2800" kern="1200">
+          <a:solidFill>
+            <a:schemeClr val="tx1"/>
+          </a:solidFill>
+          <a:latin typeface="+mn-lt"/>
+          <a:ea typeface="+mn-ea"/>
+          <a:cs typeface="+mn-cs"/>
+        </a:defRPr>
+      </a:lvl1pPr>
+      <a:lvl2pPr marL="685800" indent="-228600" algn="l" defTabSz="914400" rtl="0" eaLnBrk="1" latinLnBrk="0" hangingPunct="1">
+        <a:lnSpc>
+          <a:spcPct val="90000"/>
+        </a:lnSpc>
+        <a:spcBef>
+          <a:spcPts val="500"/>
+        </a:spcBef>
+        <a:buFont typeface="Arial" panose="020B0604020202020204" pitchFamily="34" charset="0"/>
+        <a:buChar char="•"/>
+        <a:defRPr sz="2400" kern="1200">
+          <a:solidFill>
+            <a:schemeClr val="tx1"/>
+          </a:solidFill>
+          <a:latin typeface="+mn-lt"/>
+          <a:ea typeface="+mn-ea"/>
+          <a:cs typeface="+mn-cs"/>
+        </a:defRPr>
+      </a:lvl2pPr>
+      <a:lvl3pPr marL="1143000" indent="-228600" algn="l" defTabSz="914400" rtl="0" eaLnBrk="1" latinLnBrk="0" hangingPunct="1">
+        <a:lnSpc>
+          <a:spcPct val="90000"/>
+        </a:lnSpc>
+        <a:spcBef>
+          <a:spcPts val="500"/>
+        </a:spcBef>
+        <a:buFont typeface="Arial" panose="020B0604020202020204" pitchFamily="34" charset="0"/>
+        <a:buChar char="•"/>
+        <a:defRPr sz="2000" kern="1200">
+          <a:solidFill>
+            <a:schemeClr val="tx1"/>
+          </a:solidFill>
+          <a:latin typeface="+mn-lt"/>
+          <a:ea typeface="+mn-ea"/>
+          <a:cs typeface="+mn-cs"/>
+        </a:defRPr>
+      </a:lvl3pPr>
+      <a:lvl4pPr marL="1600200" indent="-228600" algn="l" defTabSz="914400" rtl="0" eaLnBrk="1" latinLnBrk="0" hangingPunct="1">
+        <a:lnSpc>
+          <a:spcPct val="90000"/>
+        </a:lnSpc>
+        <a:spcBef>
+          <a:spcPts val="500"/>
+        </a:spcBef>
+        <a:buFont typeface="Arial" panose="020B0604020202020204" pitchFamily="34" charset="0"/>
+        <a:buChar char="•"/>
+        <a:defRPr sz="1800" kern="1200">
+          <a:solidFill>
+            <a:schemeClr val="tx1"/>
+          </a:solidFill>
+          <a:latin typeface="+mn-lt"/>
+          <a:ea typeface="+mn-ea"/>
+          <a:cs typeface="+mn-cs"/>
+        </a:defRPr>
+      </a:lvl4pPr>
+      <a:lvl5pPr marL="2057400" indent="-228600" algn="l" defTabSz="914400" rtl="0" eaLnBrk="1" latinLnBrk="0" hangingPunct="1">
+        <a:lnSpc>
+          <a:spcPct val="90000"/>
+        </a:lnSpc>
+        <a:spcBef>
+          <a:spcPts val="500"/>
+        </a:spcBef>
+        <a:buFont typeface="Arial" panose="020B0604020202020204" pitchFamily="34" charset="0"/>
+        <a:buChar char="•"/>
+        <a:defRPr sz="1800" kern="1200">
+          <a:solidFill>
+            <a:schemeClr val="tx1"/>
+          </a:solidFill>
+          <a:latin typeface="+mn-lt"/>
+          <a:ea typeface="+mn-ea"/>
+          <a:cs typeface="+mn-cs"/>
+        </a:defRPr>
+      </a:lvl5pPr>
+      <a:lvl6pPr marL="2514600" indent="-228600" algn="l" defTabSz="914400" rtl="0" eaLnBrk="1" latinLnBrk="0" hangingPunct="1">
+        <a:lnSpc>
+          <a:spcPct val="90000"/>
+        </a:lnSpc>
+        <a:spcBef>
+          <a:spcPts val="500"/>
+        </a:spcBef>
+        <a:buFont typeface="Arial" panose="020B0604020202020204" pitchFamily="34" charset="0"/>
+        <a:buChar char="•"/>
+        <a:defRPr sz="1800" kern="1200">
+          <a:solidFill>
+            <a:schemeClr val="tx1"/>
+          </a:solidFill>
+          <a:latin typeface="+mn-lt"/>
+          <a:ea typeface="+mn-ea"/>
+          <a:cs typeface="+mn-cs"/>
+        </a:defRPr>
+      </a:lvl6pPr>
+      <a:lvl7pPr marL="2971800" indent="-228600" algn="l" defTabSz="914400" rtl="0" eaLnBrk="1" latinLnBrk="0" hangingPunct="1">
+        <a:lnSpc>
+          <a:spcPct val="90000"/>
+        </a:lnSpc>
+        <a:spcBef>
+          <a:spcPts val="500"/>
+        </a:spcBef>
+        <a:buFont typeface="Arial" panose="020B0604020202020204" pitchFamily="34" charset="0"/>
+        <a:buChar char="•"/>
+        <a:defRPr sz="1800" kern="1200">
+          <a:solidFill>
+            <a:schemeClr val="tx1"/>
+          </a:solidFill>
+          <a:latin typeface="+mn-lt"/>
+          <a:ea typeface="+mn-ea"/>
+          <a:cs typeface="+mn-cs"/>
+        </a:defRPr>
+      </a:lvl7pPr>
+      <a:lvl8pPr marL="3429000" indent="-228600" algn="l" defTabSz="914400" rtl="0" eaLnBrk="1" latinLnBrk="0" hangingPunct="1">
+        <a:lnSpc>
+          <a:spcPct val="90000"/>
+        </a:lnSpc>
+        <a:spcBef>
+          <a:spcPts val="500"/>
+        </a:spcBef>
+        <a:buFont typeface="Arial" panose="020B0604020202020204" pitchFamily="34" charset="0"/>
+        <a:buChar char="•"/>
+        <a:defRPr sz="1800" kern="1200">
+          <a:solidFill>
+            <a:schemeClr val="tx1"/>
+          </a:solidFill>
+          <a:latin typeface="+mn-lt"/>
+          <a:ea typeface="+mn-ea"/>
+          <a:cs typeface="+mn-cs"/>
+        </a:defRPr>
+      </a:lvl8pPr>
+      <a:lvl9pPr marL="3886200" indent="-228600" algn="l" defTabSz="914400" rtl="0" eaLnBrk="1" latinLnBrk="0" hangingPunct="1">
+        <a:lnSpc>
+          <a:spcPct val="90000"/>
+        </a:lnSpc>
+        <a:spcBef>
+          <a:spcPts val="500"/>
+        </a:spcBef>
+        <a:buFont typeface="Arial" panose="020B0604020202020204" pitchFamily="34" charset="0"/>
+        <a:buChar char="•"/>
+        <a:defRPr sz="1800" kern="1200">
+          <a:solidFill>
+            <a:schemeClr val="tx1"/>
+          </a:solidFill>
+          <a:latin typeface="+mn-lt"/>
+          <a:ea typeface="+mn-ea"/>
+          <a:cs typeface="+mn-cs"/>
+        </a:defRPr>
+      </a:lvl9pPr>
+    </p:bodyStyle>
+    <p:otherStyle>
+      <a:defPPr>
+        <a:defRPr lang="en-US"/>
+      </a:defPPr>
+      <a:lvl1pPr marL="0" algn="l" defTabSz="914400" rtl="0" eaLnBrk="1" latinLnBrk="0" hangingPunct="1">
+        <a:defRPr sz="1800" kern="1200">
+          <a:solidFill>
+            <a:schemeClr val="tx1"/>
+          </a:solidFill>
+          <a:latin typeface="+mn-lt"/>
+          <a:ea typeface="+mn-ea"/>
+          <a:cs typeface="+mn-cs"/>
+        </a:defRPr>
+      </a:lvl1pPr>
+      <a:lvl2pPr marL="457200" algn="l" defTabSz="914400" rtl="0" eaLnBrk="1" latinLnBrk="0" hangingPunct="1">
+        <a:defRPr sz="1800" kern="1200">
+          <a:solidFill>
+            <a:schemeClr val="tx1"/>
+          </a:solidFill>
+          <a:latin typeface="+mn-lt"/>
+          <a:ea typeface="+mn-ea"/>
+          <a:cs typeface="+mn-cs"/>
+        </a:defRPr>
+      </a:lvl2pPr>
+      <a:lvl3pPr marL="914400" algn="l" defTabSz="914400" rtl="0" eaLnBrk="1" latinLnBrk="0" hangingPunct="1">
+        <a:defRPr sz="1800" kern="1200">
+          <a:solidFill>
+            <a:schemeClr val="tx1"/>
+          </a:solidFill>
+          <a:latin typeface="+mn-lt"/>
+          <a:ea typeface="+mn-ea"/>
+          <a:cs typeface="+mn-cs"/>
+        </a:defRPr>
+      </a:lvl3pPr>
+      <a:lvl4pPr marL="1371600" algn="l" defTabSz="914400" rtl="0" eaLnBrk="1" latinLnBrk="0" hangingPunct="1">
+        <a:defRPr sz="1800" kern="1200">
+          <a:solidFill>
+            <a:schemeClr val="tx1"/>
+          </a:solidFill>
+          <a:latin typeface="+mn-lt"/>
+          <a:ea typeface="+mn-ea"/>
+          <a:cs typeface="+mn-cs"/>
+        </a:defRPr>
+      </a:lvl4pPr>
+      <a:lvl5pPr marL="1828800" algn="l" defTabSz="914400" rtl="0" eaLnBrk="1" latinLnBrk="0" hangingPunct="1">
+        <a:defRPr sz="1800" kern="1200">
+          <a:solidFill>
+            <a:schemeClr val="tx1"/>
+          </a:solidFill>
+          <a:latin typeface="+mn-lt"/>
+          <a:ea typeface="+mn-ea"/>
+          <a:cs typeface="+mn-cs"/>
+        </a:defRPr>
+      </a:lvl5pPr>
+      <a:lvl6pPr marL="2286000" algn="l" defTabSz="914400" rtl="0" eaLnBrk="1" latinLnBrk="0" hangingPunct="1">
+        <a:defRPr sz="1800" kern="1200">
+          <a:solidFill>
+            <a:schemeClr val="tx1"/>
+          </a:solidFill>
+          <a:latin typeface="+mn-lt"/>
+          <a:ea typeface="+mn-ea"/>
+          <a:cs typeface="+mn-cs"/>
+        </a:defRPr>
+      </a:lvl6pPr>
+      <a:lvl7pPr marL="2743200" algn="l" defTabSz="914400" rtl="0" eaLnBrk="1" latinLnBrk="0" hangingPunct="1">
+        <a:defRPr sz="1800" kern="1200">
+          <a:solidFill>
+            <a:schemeClr val="tx1"/>
+          </a:solidFill>
+          <a:latin typeface="+mn-lt"/>
+          <a:ea typeface="+mn-ea"/>
+          <a:cs typeface="+mn-cs"/>
+        </a:defRPr>
+      </a:lvl7pPr>
+      <a:lvl8pPr marL="3200400" algn="l" defTabSz="914400" rtl="0" eaLnBrk="1" latinLnBrk="0" hangingPunct="1">
+        <a:defRPr sz="1800" kern="1200">
+          <a:solidFill>
+            <a:schemeClr val="tx1"/>
+          </a:solidFill>
+          <a:latin typeface="+mn-lt"/>
+          <a:ea typeface="+mn-ea"/>
+          <a:cs typeface="+mn-cs"/>
+        </a:defRPr>
+      </a:lvl8pPr>
+      <a:lvl9pPr marL="3657600" algn="l" defTabSz="914400" rtl="0" eaLnBrk="1" latinLnBrk="0" hangingPunct="1">
+        <a:defRPr sz="1800" kern="1200">
+          <a:solidFill>
+            <a:schemeClr val="tx1"/>
+          </a:solidFill>
+          <a:latin typeface="+mn-lt"/>
+          <a:ea typeface="+mn-ea"/>
+          <a:cs typeface="+mn-cs"/>
+        </a:defRPr>
+      </a:lvl9pPr>
+    </p:otherStyle>
+  </p:txStyles>
 </p:sldMaster>
 </file>
 
 <file path=ppt/slides/slide1.xml><?xml version="1.0" encoding="utf-8"?>
-<p:sld xmlns:a="http://schemas.openxmlformats.org/drawingml/2006/main" xmlns:p="http://schemas.openxmlformats.org/presentationml/2006/main" xmlns:r="http://schemas.openxmlformats.org/officeDocument/2006/relationships" xmlns:p14="http://schemas.microsoft.com/office/powerpoint/2010/main" xmlns:p15="http://schemas.microsoft.com/office/powerpoint/2012/main" xmlns:mc="http://schemas.openxmlformats.org/markup-compatibility/2006">
+<p:sld xmlns:a="http://schemas.openxmlformats.org/drawingml/2006/main" xmlns:r="http://schemas.openxmlformats.org/officeDocument/2006/relationships" xmlns:p="http://schemas.openxmlformats.org/presentationml/2006/main">
   <p:cSld>
     <p:spTree>
       <p:nvGrpSpPr>
@@ -1636,10 +2062,10 @@
           <a:gradFill rotWithShape="0">
             <a:gsLst>
               <a:gs pos="0">
-                <a:srgbClr val="ffffff"/>
+                <a:srgbClr val="FFFFFF"/>
               </a:gs>
               <a:gs pos="100000">
-                <a:srgbClr val="edebff"/>
+                <a:srgbClr val="EDEBFF"/>
               </a:gs>
             </a:gsLst>
             <a:lin ang="10800000"/>
@@ -1649,13 +2075,20 @@
           </a:ln>
         </p:spPr>
         <p:style>
-          <a:lnRef idx="0"/>
-          <a:fillRef idx="0"/>
-          <a:effectRef idx="0"/>
+          <a:lnRef idx="0">
+            <a:scrgbClr r="0" g="0" b="0"/>
+          </a:lnRef>
+          <a:fillRef idx="0">
+            <a:scrgbClr r="0" g="0" b="0"/>
+          </a:fillRef>
+          <a:effectRef idx="0">
+            <a:scrgbClr r="0" g="0" b="0"/>
+          </a:effectRef>
           <a:fontRef idx="minor"/>
         </p:style>
         <p:txBody>
-          <a:bodyPr lIns="0" rIns="0" tIns="0" bIns="0" anchor="ctr"/>
+          <a:bodyPr lIns="0" tIns="0" rIns="0" bIns="0" anchor="ctr"/>
+          <a:lstStyle/>
           <a:p>
             <a:pPr>
               <a:lnSpc>
@@ -1663,7 +2096,7 @@
               </a:lnSpc>
             </a:pPr>
             <a:r>
-              <a:rPr b="0" lang="en-US" sz="7650" spc="-1" strike="noStrike">
+              <a:rPr lang="en-US" sz="7650" b="0" strike="noStrike" spc="-1">
                 <a:solidFill>
                   <a:srgbClr val="000000"/>
                 </a:solidFill>
@@ -1672,7 +2105,7 @@
               </a:rPr>
               <a:t>Greedy Triangulation</a:t>
             </a:r>
-            <a:endParaRPr b="0" lang="en-US" sz="7650" spc="-1" strike="noStrike">
+            <a:endParaRPr lang="en-US" sz="7650" b="0" strike="noStrike" spc="-1">
               <a:latin typeface="Arial"/>
             </a:endParaRPr>
           </a:p>
@@ -1683,7 +2116,7 @@
               </a:lnSpc>
             </a:pPr>
             <a:r>
-              <a:rPr b="0" lang="en-US" sz="4950" spc="-1" strike="noStrike">
+              <a:rPr lang="en-US" sz="4950" b="0" strike="noStrike" spc="-1">
                 <a:solidFill>
                   <a:srgbClr val="000000"/>
                 </a:solidFill>
@@ -1692,7 +2125,7 @@
               </a:rPr>
               <a:t>Eliza Shoemaker and Randy Shoemaker</a:t>
             </a:r>
-            <a:endParaRPr b="0" lang="en-US" sz="4950" spc="-1" strike="noStrike">
+            <a:endParaRPr lang="en-US" sz="4950" b="0" strike="noStrike" spc="-1">
               <a:latin typeface="Arial"/>
             </a:endParaRPr>
           </a:p>
@@ -1713,7 +2146,7 @@
             <a:avLst/>
           </a:prstGeom>
           <a:solidFill>
-            <a:srgbClr val="ffffff"/>
+            <a:srgbClr val="FFFFFF"/>
           </a:solidFill>
           <a:ln w="15840">
             <a:solidFill>
@@ -1723,9 +2156,15 @@
           </a:ln>
         </p:spPr>
         <p:style>
-          <a:lnRef idx="0"/>
-          <a:fillRef idx="0"/>
-          <a:effectRef idx="0"/>
+          <a:lnRef idx="0">
+            <a:scrgbClr r="0" g="0" b="0"/>
+          </a:lnRef>
+          <a:fillRef idx="0">
+            <a:scrgbClr r="0" g="0" b="0"/>
+          </a:fillRef>
+          <a:effectRef idx="0">
+            <a:scrgbClr r="0" g="0" b="0"/>
+          </a:effectRef>
           <a:fontRef idx="minor"/>
         </p:style>
       </p:sp>
@@ -1744,7 +2183,7 @@
             <a:avLst/>
           </a:prstGeom>
           <a:solidFill>
-            <a:srgbClr val="ffffff"/>
+            <a:srgbClr val="FFFFFF"/>
           </a:solidFill>
           <a:ln w="15840">
             <a:solidFill>
@@ -1754,9 +2193,15 @@
           </a:ln>
         </p:spPr>
         <p:style>
-          <a:lnRef idx="0"/>
-          <a:fillRef idx="0"/>
-          <a:effectRef idx="0"/>
+          <a:lnRef idx="0">
+            <a:scrgbClr r="0" g="0" b="0"/>
+          </a:lnRef>
+          <a:fillRef idx="0">
+            <a:scrgbClr r="0" g="0" b="0"/>
+          </a:fillRef>
+          <a:effectRef idx="0">
+            <a:scrgbClr r="0" g="0" b="0"/>
+          </a:effectRef>
           <a:fontRef idx="minor"/>
         </p:style>
       </p:sp>
@@ -1775,7 +2220,7 @@
             <a:avLst/>
           </a:prstGeom>
           <a:solidFill>
-            <a:srgbClr val="ffffff"/>
+            <a:srgbClr val="FFFFFF"/>
           </a:solidFill>
           <a:ln w="15840">
             <a:solidFill>
@@ -1785,9 +2230,15 @@
           </a:ln>
         </p:spPr>
         <p:style>
-          <a:lnRef idx="0"/>
-          <a:fillRef idx="0"/>
-          <a:effectRef idx="0"/>
+          <a:lnRef idx="0">
+            <a:scrgbClr r="0" g="0" b="0"/>
+          </a:lnRef>
+          <a:fillRef idx="0">
+            <a:scrgbClr r="0" g="0" b="0"/>
+          </a:fillRef>
+          <a:effectRef idx="0">
+            <a:scrgbClr r="0" g="0" b="0"/>
+          </a:effectRef>
           <a:fontRef idx="minor"/>
         </p:style>
       </p:sp>
@@ -1806,7 +2257,7 @@
             <a:avLst/>
           </a:prstGeom>
           <a:solidFill>
-            <a:srgbClr val="ffffff"/>
+            <a:srgbClr val="FFFFFF"/>
           </a:solidFill>
           <a:ln w="15840">
             <a:solidFill>
@@ -1816,9 +2267,15 @@
           </a:ln>
         </p:spPr>
         <p:style>
-          <a:lnRef idx="0"/>
-          <a:fillRef idx="0"/>
-          <a:effectRef idx="0"/>
+          <a:lnRef idx="0">
+            <a:scrgbClr r="0" g="0" b="0"/>
+          </a:lnRef>
+          <a:fillRef idx="0">
+            <a:scrgbClr r="0" g="0" b="0"/>
+          </a:fillRef>
+          <a:effectRef idx="0">
+            <a:scrgbClr r="0" g="0" b="0"/>
+          </a:effectRef>
           <a:fontRef idx="minor"/>
         </p:style>
       </p:sp>
@@ -1839,10 +2296,10 @@
           <a:gradFill rotWithShape="0">
             <a:gsLst>
               <a:gs pos="0">
-                <a:srgbClr val="ffffff"/>
+                <a:srgbClr val="FFFFFF"/>
               </a:gs>
               <a:gs pos="100000">
-                <a:srgbClr val="edebff"/>
+                <a:srgbClr val="EDEBFF"/>
               </a:gs>
             </a:gsLst>
             <a:lin ang="10800000"/>
@@ -1852,13 +2309,20 @@
           </a:ln>
         </p:spPr>
         <p:style>
-          <a:lnRef idx="0"/>
-          <a:fillRef idx="0"/>
-          <a:effectRef idx="0"/>
+          <a:lnRef idx="0">
+            <a:scrgbClr r="0" g="0" b="0"/>
+          </a:lnRef>
+          <a:fillRef idx="0">
+            <a:scrgbClr r="0" g="0" b="0"/>
+          </a:fillRef>
+          <a:effectRef idx="0">
+            <a:scrgbClr r="0" g="0" b="0"/>
+          </a:effectRef>
           <a:fontRef idx="minor"/>
         </p:style>
         <p:txBody>
-          <a:bodyPr lIns="0" rIns="0" tIns="0" bIns="0" anchor="ctr"/>
+          <a:bodyPr lIns="0" tIns="0" rIns="0" bIns="0" anchor="ctr"/>
+          <a:lstStyle/>
           <a:p>
             <a:pPr>
               <a:lnSpc>
@@ -1866,7 +2330,7 @@
               </a:lnSpc>
             </a:pPr>
             <a:r>
-              <a:rPr b="0" lang="en-US" sz="4050" spc="-1" strike="noStrike">
+              <a:rPr lang="en-US" sz="4050" b="0" strike="noStrike" spc="-1">
                 <a:solidFill>
                   <a:srgbClr val="000000"/>
                 </a:solidFill>
@@ -1876,7 +2340,7 @@
               <a:t> </a:t>
             </a:r>
             <a:r>
-              <a:rPr b="0" lang="en-US" sz="4050" spc="-1" strike="noStrike">
+              <a:rPr lang="en-US" sz="4050" b="0" strike="noStrike" spc="-1">
                 <a:solidFill>
                   <a:srgbClr val="000000"/>
                 </a:solidFill>
@@ -1885,7 +2349,7 @@
               </a:rPr>
               <a:t>Parallelizing the Algorithm</a:t>
             </a:r>
-            <a:endParaRPr b="0" lang="en-US" sz="4050" spc="-1" strike="noStrike">
+            <a:endParaRPr lang="en-US" sz="4050" b="0" strike="noStrike" spc="-1">
               <a:latin typeface="Arial"/>
             </a:endParaRPr>
           </a:p>
@@ -1908,10 +2372,10 @@
           <a:gradFill rotWithShape="0">
             <a:gsLst>
               <a:gs pos="0">
-                <a:srgbClr val="ffffff"/>
+                <a:srgbClr val="FFFFFF"/>
               </a:gs>
               <a:gs pos="100000">
-                <a:srgbClr val="edebff"/>
+                <a:srgbClr val="EDEBFF"/>
               </a:gs>
             </a:gsLst>
             <a:lin ang="10800000"/>
@@ -1921,13 +2385,20 @@
           </a:ln>
         </p:spPr>
         <p:style>
-          <a:lnRef idx="0"/>
-          <a:fillRef idx="0"/>
-          <a:effectRef idx="0"/>
+          <a:lnRef idx="0">
+            <a:scrgbClr r="0" g="0" b="0"/>
+          </a:lnRef>
+          <a:fillRef idx="0">
+            <a:scrgbClr r="0" g="0" b="0"/>
+          </a:fillRef>
+          <a:effectRef idx="0">
+            <a:scrgbClr r="0" g="0" b="0"/>
+          </a:effectRef>
           <a:fontRef idx="minor"/>
         </p:style>
         <p:txBody>
-          <a:bodyPr lIns="0" rIns="0" tIns="0" bIns="0" anchor="ctr"/>
+          <a:bodyPr lIns="0" tIns="0" rIns="0" bIns="0" anchor="ctr"/>
+          <a:lstStyle/>
           <a:p>
             <a:pPr>
               <a:lnSpc>
@@ -1935,7 +2406,7 @@
               </a:lnSpc>
             </a:pPr>
             <a:r>
-              <a:rPr b="0" lang="en-US" sz="4050" spc="-1" strike="noStrike">
+              <a:rPr lang="en-US" sz="4050" b="0" strike="noStrike" spc="-1">
                 <a:solidFill>
                   <a:srgbClr val="000000"/>
                 </a:solidFill>
@@ -1945,7 +2416,7 @@
               <a:t> </a:t>
             </a:r>
             <a:r>
-              <a:rPr b="0" lang="en-US" sz="4050" spc="-1" strike="noStrike">
+              <a:rPr lang="en-US" sz="4050" b="0" strike="noStrike" spc="-1">
                 <a:solidFill>
                   <a:srgbClr val="000000"/>
                 </a:solidFill>
@@ -1954,7 +2425,7 @@
               </a:rPr>
               <a:t>Progress</a:t>
             </a:r>
-            <a:endParaRPr b="0" lang="en-US" sz="4050" spc="-1" strike="noStrike">
+            <a:endParaRPr lang="en-US" sz="4050" b="0" strike="noStrike" spc="-1">
               <a:latin typeface="Arial"/>
             </a:endParaRPr>
           </a:p>
@@ -1977,10 +2448,10 @@
           <a:gradFill rotWithShape="0">
             <a:gsLst>
               <a:gs pos="0">
-                <a:srgbClr val="ffffff"/>
+                <a:srgbClr val="FFFFFF"/>
               </a:gs>
               <a:gs pos="100000">
-                <a:srgbClr val="edebff"/>
+                <a:srgbClr val="EDEBFF"/>
               </a:gs>
             </a:gsLst>
             <a:lin ang="10800000"/>
@@ -1990,13 +2461,20 @@
           </a:ln>
         </p:spPr>
         <p:style>
-          <a:lnRef idx="0"/>
-          <a:fillRef idx="0"/>
-          <a:effectRef idx="0"/>
+          <a:lnRef idx="0">
+            <a:scrgbClr r="0" g="0" b="0"/>
+          </a:lnRef>
+          <a:fillRef idx="0">
+            <a:scrgbClr r="0" g="0" b="0"/>
+          </a:fillRef>
+          <a:effectRef idx="0">
+            <a:scrgbClr r="0" g="0" b="0"/>
+          </a:effectRef>
           <a:fontRef idx="minor"/>
         </p:style>
         <p:txBody>
-          <a:bodyPr lIns="0" rIns="0" tIns="0" bIns="0" anchor="ctr"/>
+          <a:bodyPr lIns="0" tIns="0" rIns="0" bIns="0" anchor="ctr"/>
+          <a:lstStyle/>
           <a:p>
             <a:pPr>
               <a:lnSpc>
@@ -2004,7 +2482,7 @@
               </a:lnSpc>
             </a:pPr>
             <a:r>
-              <a:rPr b="0" lang="en-US" sz="4050" spc="-1" strike="noStrike">
+              <a:rPr lang="en-US" sz="4050" b="0" strike="noStrike" spc="-1">
                 <a:solidFill>
                   <a:srgbClr val="000000"/>
                 </a:solidFill>
@@ -2014,7 +2492,7 @@
               <a:t> </a:t>
             </a:r>
             <a:r>
-              <a:rPr b="0" lang="en-US" sz="4050" spc="-1" strike="noStrike">
+              <a:rPr lang="en-US" sz="4050" b="0" strike="noStrike" spc="-1">
                 <a:solidFill>
                   <a:srgbClr val="000000"/>
                 </a:solidFill>
@@ -2023,7 +2501,7 @@
               </a:rPr>
               <a:t>Future Work</a:t>
             </a:r>
-            <a:endParaRPr b="0" lang="en-US" sz="4050" spc="-1" strike="noStrike">
+            <a:endParaRPr lang="en-US" sz="4050" b="0" strike="noStrike" spc="-1">
               <a:latin typeface="Arial"/>
             </a:endParaRPr>
           </a:p>
@@ -2046,10 +2524,10 @@
           <a:gradFill rotWithShape="0">
             <a:gsLst>
               <a:gs pos="0">
-                <a:srgbClr val="ffffff"/>
+                <a:srgbClr val="FFFFFF"/>
               </a:gs>
               <a:gs pos="100000">
-                <a:srgbClr val="edebff"/>
+                <a:srgbClr val="EDEBFF"/>
               </a:gs>
             </a:gsLst>
             <a:lin ang="10800000"/>
@@ -2059,13 +2537,20 @@
           </a:ln>
         </p:spPr>
         <p:style>
-          <a:lnRef idx="0"/>
-          <a:fillRef idx="0"/>
-          <a:effectRef idx="0"/>
+          <a:lnRef idx="0">
+            <a:scrgbClr r="0" g="0" b="0"/>
+          </a:lnRef>
+          <a:fillRef idx="0">
+            <a:scrgbClr r="0" g="0" b="0"/>
+          </a:fillRef>
+          <a:effectRef idx="0">
+            <a:scrgbClr r="0" g="0" b="0"/>
+          </a:effectRef>
           <a:fontRef idx="minor"/>
         </p:style>
         <p:txBody>
-          <a:bodyPr lIns="0" rIns="0" tIns="0" bIns="0" anchor="ctr"/>
+          <a:bodyPr lIns="0" tIns="0" rIns="0" bIns="0" anchor="ctr"/>
+          <a:lstStyle/>
           <a:p>
             <a:pPr>
               <a:lnSpc>
@@ -2073,7 +2558,7 @@
               </a:lnSpc>
             </a:pPr>
             <a:r>
-              <a:rPr b="0" lang="en-US" sz="4050" spc="-1" strike="noStrike">
+              <a:rPr lang="en-US" sz="4050" b="0" strike="noStrike" spc="-1">
                 <a:solidFill>
                   <a:srgbClr val="000000"/>
                 </a:solidFill>
@@ -2083,7 +2568,7 @@
               <a:t> </a:t>
             </a:r>
             <a:r>
-              <a:rPr b="0" lang="en-US" sz="4050" spc="-1" strike="noStrike">
+              <a:rPr lang="en-US" sz="4050" b="0" strike="noStrike" spc="-1">
                 <a:solidFill>
                   <a:srgbClr val="000000"/>
                 </a:solidFill>
@@ -2092,7 +2577,7 @@
               </a:rPr>
               <a:t>The Problem</a:t>
             </a:r>
-            <a:endParaRPr b="0" lang="en-US" sz="4050" spc="-1" strike="noStrike">
+            <a:endParaRPr lang="en-US" sz="4050" b="0" strike="noStrike" spc="-1">
               <a:latin typeface="Arial"/>
             </a:endParaRPr>
           </a:p>
@@ -2115,10 +2600,10 @@
           <a:gradFill rotWithShape="0">
             <a:gsLst>
               <a:gs pos="0">
-                <a:srgbClr val="ffffff"/>
+                <a:srgbClr val="FFFFFF"/>
               </a:gs>
               <a:gs pos="100000">
-                <a:srgbClr val="edebff"/>
+                <a:srgbClr val="EDEBFF"/>
               </a:gs>
             </a:gsLst>
             <a:lin ang="10800000"/>
@@ -2128,13 +2613,20 @@
           </a:ln>
         </p:spPr>
         <p:style>
-          <a:lnRef idx="0"/>
-          <a:fillRef idx="0"/>
-          <a:effectRef idx="0"/>
+          <a:lnRef idx="0">
+            <a:scrgbClr r="0" g="0" b="0"/>
+          </a:lnRef>
+          <a:fillRef idx="0">
+            <a:scrgbClr r="0" g="0" b="0"/>
+          </a:fillRef>
+          <a:effectRef idx="0">
+            <a:scrgbClr r="0" g="0" b="0"/>
+          </a:effectRef>
           <a:fontRef idx="minor"/>
         </p:style>
         <p:txBody>
-          <a:bodyPr lIns="0" rIns="0" tIns="0" bIns="0" anchor="ctr"/>
+          <a:bodyPr lIns="0" tIns="0" rIns="0" bIns="0" anchor="ctr"/>
+          <a:lstStyle/>
           <a:p>
             <a:pPr>
               <a:lnSpc>
@@ -2142,7 +2634,7 @@
               </a:lnSpc>
             </a:pPr>
             <a:r>
-              <a:rPr b="0" lang="en-US" sz="4050" spc="-1" strike="noStrike">
+              <a:rPr lang="en-US" sz="4050" b="0" strike="noStrike" spc="-1">
                 <a:solidFill>
                   <a:srgbClr val="000000"/>
                 </a:solidFill>
@@ -2152,7 +2644,7 @@
               <a:t> </a:t>
             </a:r>
             <a:r>
-              <a:rPr b="0" lang="en-US" sz="4050" spc="-1" strike="noStrike">
+              <a:rPr lang="en-US" sz="4050" b="0" strike="noStrike" spc="-1">
                 <a:solidFill>
                   <a:srgbClr val="000000"/>
                 </a:solidFill>
@@ -2161,7 +2653,7 @@
               </a:rPr>
               <a:t>References</a:t>
             </a:r>
-            <a:endParaRPr b="0" lang="en-US" sz="4050" spc="-1" strike="noStrike">
+            <a:endParaRPr lang="en-US" sz="4050" b="0" strike="noStrike" spc="-1">
               <a:latin typeface="Arial"/>
             </a:endParaRPr>
           </a:p>
@@ -2187,13 +2679,20 @@
           </a:ln>
         </p:spPr>
         <p:style>
-          <a:lnRef idx="0"/>
-          <a:fillRef idx="0"/>
-          <a:effectRef idx="0"/>
+          <a:lnRef idx="0">
+            <a:scrgbClr r="0" g="0" b="0"/>
+          </a:lnRef>
+          <a:fillRef idx="0">
+            <a:scrgbClr r="0" g="0" b="0"/>
+          </a:fillRef>
+          <a:effectRef idx="0">
+            <a:scrgbClr r="0" g="0" b="0"/>
+          </a:effectRef>
           <a:fontRef idx="minor"/>
         </p:style>
         <p:txBody>
-          <a:bodyPr lIns="0" rIns="0" tIns="0" bIns="0"/>
+          <a:bodyPr lIns="0" tIns="0" rIns="0" bIns="0"/>
+          <a:lstStyle/>
           <a:p>
             <a:pPr>
               <a:lnSpc>
@@ -2204,7 +2703,7 @@
               </a:spcBef>
             </a:pPr>
             <a:r>
-              <a:rPr b="0" lang="en-US" sz="2029" spc="-1" strike="noStrike">
+              <a:rPr lang="en-US" sz="2029" b="0" strike="noStrike" spc="-1">
                 <a:solidFill>
                   <a:srgbClr val="000000"/>
                 </a:solidFill>
@@ -2214,18 +2713,18 @@
               <a:t>[1] Jesper Jansson. Planar Minimum-Weight Triangulations. Lund University, Sweden. Retrieved from </a:t>
             </a:r>
             <a:r>
-              <a:rPr b="0" lang="en-US" sz="2029" spc="-1" strike="noStrike" u="sng">
+              <a:rPr lang="en-US" sz="2029" b="0" u="sng" strike="noStrike" spc="-1">
                 <a:solidFill>
-                  <a:srgbClr val="0000ff"/>
+                  <a:srgbClr val="0000FF"/>
                 </a:solidFill>
                 <a:uFillTx/>
                 <a:latin typeface="Cambria"/>
                 <a:ea typeface="American Typewriter Condensed"/>
-                <a:hlinkClick r:id="rId1"/>
+                <a:hlinkClick r:id="rId2"/>
               </a:rPr>
               <a:t>https://www.semanticscholar.org/</a:t>
             </a:r>
-            <a:endParaRPr b="0" lang="en-US" sz="2029" spc="-1" strike="noStrike">
+            <a:endParaRPr lang="en-US" sz="2029" b="0" strike="noStrike" spc="-1">
               <a:latin typeface="Arial"/>
             </a:endParaRPr>
           </a:p>
@@ -2239,7 +2738,7 @@
               </a:spcBef>
             </a:pPr>
             <a:r>
-              <a:rPr b="0" lang="en-US" sz="2029" spc="-1" strike="noStrike">
+              <a:rPr lang="en-US" sz="2029" b="0" strike="noStrike" spc="-1">
                 <a:solidFill>
                   <a:srgbClr val="000000"/>
                 </a:solidFill>
@@ -2248,7 +2747,7 @@
               </a:rPr>
               <a:t>[2] Mulzer, Wolfgang, and Günter Rote. "Minimum-weight triangulation is NP-hard." Journal of the ACM (JACM) 55.2 (2008): 11.</a:t>
             </a:r>
-            <a:endParaRPr b="0" lang="en-US" sz="2029" spc="-1" strike="noStrike">
+            <a:endParaRPr lang="en-US" sz="2029" b="0" strike="noStrike" spc="-1">
               <a:latin typeface="Arial"/>
             </a:endParaRPr>
           </a:p>
@@ -2274,13 +2773,20 @@
           </a:ln>
         </p:spPr>
         <p:style>
-          <a:lnRef idx="0"/>
-          <a:fillRef idx="0"/>
-          <a:effectRef idx="0"/>
+          <a:lnRef idx="0">
+            <a:scrgbClr r="0" g="0" b="0"/>
+          </a:lnRef>
+          <a:fillRef idx="0">
+            <a:scrgbClr r="0" g="0" b="0"/>
+          </a:fillRef>
+          <a:effectRef idx="0">
+            <a:scrgbClr r="0" g="0" b="0"/>
+          </a:effectRef>
           <a:fontRef idx="minor"/>
         </p:style>
         <p:txBody>
-          <a:bodyPr lIns="0" rIns="0" tIns="0" bIns="0"/>
+          <a:bodyPr lIns="0" tIns="0" rIns="0" bIns="0"/>
+          <a:lstStyle/>
           <a:p>
             <a:pPr algn="just">
               <a:lnSpc>
@@ -2291,7 +2797,7 @@
               </a:spcBef>
             </a:pPr>
             <a:r>
-              <a:rPr b="0" lang="en-US" sz="2250" spc="-1" strike="noStrike">
+              <a:rPr lang="en-US" sz="2250" b="0" strike="noStrike" spc="-1">
                 <a:solidFill>
                   <a:srgbClr val="000000"/>
                 </a:solidFill>
@@ -2300,7 +2806,7 @@
               </a:rPr>
               <a:t> </a:t>
             </a:r>
-            <a:endParaRPr b="0" lang="en-US" sz="2250" spc="-1" strike="noStrike">
+            <a:endParaRPr lang="en-US" sz="2250" b="0" strike="noStrike" spc="-1">
               <a:latin typeface="Arial"/>
             </a:endParaRPr>
           </a:p>
@@ -2313,7 +2819,7 @@
                 <a:spcPts val="1001"/>
               </a:spcBef>
             </a:pPr>
-            <a:endParaRPr b="0" lang="en-US" sz="2250" spc="-1" strike="noStrike">
+            <a:endParaRPr lang="en-US" sz="2250" b="0" strike="noStrike" spc="-1">
               <a:latin typeface="Arial"/>
             </a:endParaRPr>
           </a:p>
@@ -2321,18 +2827,19 @@
       </p:sp>
       <p:pic>
         <p:nvPicPr>
-          <p:cNvPr id="50" name="droppedImage.png" descr=""/>
+          <p:cNvPr id="50" name="droppedImage.png"/>
           <p:cNvPicPr/>
           <p:nvPr/>
         </p:nvPicPr>
-        <p:blipFill>
-          <a:blip r:embed="rId2"/>
+        <p:blipFill rotWithShape="1">
+          <a:blip r:embed="rId3"/>
+          <a:srcRect l="19941" r="20506"/>
           <a:stretch/>
         </p:blipFill>
         <p:spPr>
           <a:xfrm>
-            <a:off x="25432560" y="14511600"/>
-            <a:ext cx="6205680" cy="3247560"/>
+            <a:off x="27755850" y="14511600"/>
+            <a:ext cx="3695700" cy="3247560"/>
           </a:xfrm>
           <a:prstGeom prst="rect">
             <a:avLst/>
@@ -2362,13 +2869,20 @@
           </a:ln>
         </p:spPr>
         <p:style>
-          <a:lnRef idx="0"/>
-          <a:fillRef idx="0"/>
-          <a:effectRef idx="0"/>
+          <a:lnRef idx="0">
+            <a:scrgbClr r="0" g="0" b="0"/>
+          </a:lnRef>
+          <a:fillRef idx="0">
+            <a:scrgbClr r="0" g="0" b="0"/>
+          </a:fillRef>
+          <a:effectRef idx="0">
+            <a:scrgbClr r="0" g="0" b="0"/>
+          </a:effectRef>
           <a:fontRef idx="minor"/>
         </p:style>
         <p:txBody>
-          <a:bodyPr lIns="0" rIns="0" tIns="0" bIns="0"/>
+          <a:bodyPr lIns="0" tIns="0" rIns="0" bIns="0"/>
+          <a:lstStyle/>
           <a:p>
             <a:pPr algn="just">
               <a:lnSpc>
@@ -2379,7 +2893,7 @@
               </a:spcBef>
             </a:pPr>
             <a:r>
-              <a:rPr b="0" lang="en-US" sz="2250" spc="-1" strike="noStrike">
+              <a:rPr lang="en-US" sz="2250" b="0" strike="noStrike" spc="-1">
                 <a:solidFill>
                   <a:srgbClr val="000000"/>
                 </a:solidFill>
@@ -2388,7 +2902,7 @@
               </a:rPr>
               <a:t>We plan to improve our parallel version by.…  </a:t>
             </a:r>
-            <a:endParaRPr b="0" lang="en-US" sz="2250" spc="-1" strike="noStrike">
+            <a:endParaRPr lang="en-US" sz="2250" b="0" strike="noStrike" spc="-1">
               <a:latin typeface="Arial"/>
             </a:endParaRPr>
           </a:p>
@@ -2414,13 +2928,20 @@
           </a:ln>
         </p:spPr>
         <p:style>
-          <a:lnRef idx="0"/>
-          <a:fillRef idx="0"/>
-          <a:effectRef idx="0"/>
+          <a:lnRef idx="0">
+            <a:scrgbClr r="0" g="0" b="0"/>
+          </a:lnRef>
+          <a:fillRef idx="0">
+            <a:scrgbClr r="0" g="0" b="0"/>
+          </a:fillRef>
+          <a:effectRef idx="0">
+            <a:scrgbClr r="0" g="0" b="0"/>
+          </a:effectRef>
           <a:fontRef idx="minor"/>
         </p:style>
         <p:txBody>
-          <a:bodyPr lIns="0" rIns="0" tIns="0" bIns="0"/>
+          <a:bodyPr lIns="0" tIns="0" rIns="0" bIns="0"/>
+          <a:lstStyle/>
           <a:p>
             <a:pPr algn="just">
               <a:lnSpc>
@@ -2431,7 +2952,7 @@
               </a:spcBef>
             </a:pPr>
             <a:r>
-              <a:rPr b="0" lang="en-US" sz="2250" spc="-1" strike="noStrike">
+              <a:rPr lang="en-US" sz="2250" b="0" strike="noStrike" spc="-1">
                 <a:solidFill>
                   <a:srgbClr val="000000"/>
                 </a:solidFill>
@@ -2441,7 +2962,7 @@
               <a:t>Our goal is to take a set of points in the plane (called the point set) and produce the greedy triangulation. An example of a </a:t>
             </a:r>
             <a:r>
-              <a:rPr b="1" lang="en-US" sz="2250" spc="-1" strike="noStrike">
+              <a:rPr lang="en-US" sz="2250" b="1" strike="noStrike" spc="-1">
                 <a:solidFill>
                   <a:srgbClr val="000000"/>
                 </a:solidFill>
@@ -2451,7 +2972,7 @@
               <a:t>triangulation</a:t>
             </a:r>
             <a:r>
-              <a:rPr b="0" lang="en-US" sz="2250" spc="-1" strike="noStrike">
+              <a:rPr lang="en-US" sz="2250" b="0" strike="noStrike" spc="-1">
                 <a:solidFill>
                   <a:srgbClr val="000000"/>
                 </a:solidFill>
@@ -2461,7 +2982,7 @@
               <a:t> of a point set is shown in Figures 1 and 2. Different algorithms can be used to produce a triangulation. </a:t>
             </a:r>
             <a:r>
-              <a:rPr b="1" lang="en-US" sz="2250" spc="-1" strike="noStrike">
+              <a:rPr lang="en-US" sz="2250" b="1" strike="noStrike" spc="-1">
                 <a:solidFill>
                   <a:srgbClr val="000000"/>
                 </a:solidFill>
@@ -2471,7 +2992,7 @@
               <a:t>Greedy Triangulation</a:t>
             </a:r>
             <a:r>
-              <a:rPr b="0" lang="en-US" sz="2250" spc="-1" strike="noStrike">
+              <a:rPr lang="en-US" sz="2250" b="0" strike="noStrike" spc="-1">
                 <a:solidFill>
                   <a:srgbClr val="000000"/>
                 </a:solidFill>
@@ -2480,7 +3001,7 @@
               </a:rPr>
               <a:t> algorithms greedily build a triangulation of a point set by successively adding the smallest line segment between any two points.</a:t>
             </a:r>
-            <a:endParaRPr b="0" lang="en-US" sz="2250" spc="-1" strike="noStrike">
+            <a:endParaRPr lang="en-US" sz="2250" b="0" strike="noStrike" spc="-1">
               <a:latin typeface="Arial"/>
             </a:endParaRPr>
           </a:p>
@@ -2506,13 +3027,20 @@
           </a:ln>
         </p:spPr>
         <p:style>
-          <a:lnRef idx="0"/>
-          <a:fillRef idx="0"/>
-          <a:effectRef idx="0"/>
+          <a:lnRef idx="0">
+            <a:scrgbClr r="0" g="0" b="0"/>
+          </a:lnRef>
+          <a:fillRef idx="0">
+            <a:scrgbClr r="0" g="0" b="0"/>
+          </a:fillRef>
+          <a:effectRef idx="0">
+            <a:scrgbClr r="0" g="0" b="0"/>
+          </a:effectRef>
           <a:fontRef idx="minor"/>
         </p:style>
         <p:txBody>
-          <a:bodyPr lIns="0" rIns="0" tIns="0" bIns="0"/>
+          <a:bodyPr lIns="0" tIns="0" rIns="0" bIns="0"/>
+          <a:lstStyle/>
           <a:p>
             <a:pPr algn="ctr">
               <a:lnSpc>
@@ -2523,7 +3051,7 @@
               </a:spcBef>
             </a:pPr>
             <a:r>
-              <a:rPr b="0" lang="en-US" sz="2029" spc="-1" strike="noStrike">
+              <a:rPr lang="en-US" sz="2029" b="0" strike="noStrike" spc="-1">
                 <a:solidFill>
                   <a:srgbClr val="000000"/>
                 </a:solidFill>
@@ -2532,7 +3060,7 @@
               </a:rPr>
               <a:t>Fig 1. A point set</a:t>
             </a:r>
-            <a:endParaRPr b="0" lang="en-US" sz="2029" spc="-1" strike="noStrike">
+            <a:endParaRPr lang="en-US" sz="2029" b="0" strike="noStrike" spc="-1">
               <a:latin typeface="Arial"/>
             </a:endParaRPr>
           </a:p>
@@ -2540,30 +3068,7 @@
       </p:sp>
       <p:pic>
         <p:nvPicPr>
-          <p:cNvPr id="54" name="droppedImage.png" descr=""/>
-          <p:cNvPicPr/>
-          <p:nvPr/>
-        </p:nvPicPr>
-        <p:blipFill>
-          <a:blip r:embed="rId3"/>
-          <a:stretch/>
-        </p:blipFill>
-        <p:spPr>
-          <a:xfrm>
-            <a:off x="1554480" y="7023960"/>
-            <a:ext cx="2913120" cy="1944000"/>
-          </a:xfrm>
-          <a:prstGeom prst="rect">
-            <a:avLst/>
-          </a:prstGeom>
-          <a:ln w="12600">
-            <a:noFill/>
-          </a:ln>
-        </p:spPr>
-      </p:pic>
-      <p:pic>
-        <p:nvPicPr>
-          <p:cNvPr id="55" name="droppedImage.png" descr=""/>
+          <p:cNvPr id="54" name="droppedImage.png"/>
           <p:cNvPicPr/>
           <p:nvPr/>
         </p:nvPicPr>
@@ -2573,6 +3078,29 @@
         </p:blipFill>
         <p:spPr>
           <a:xfrm>
+            <a:off x="1554480" y="7023960"/>
+            <a:ext cx="2913120" cy="1944000"/>
+          </a:xfrm>
+          <a:prstGeom prst="rect">
+            <a:avLst/>
+          </a:prstGeom>
+          <a:ln w="12600">
+            <a:noFill/>
+          </a:ln>
+        </p:spPr>
+      </p:pic>
+      <p:pic>
+        <p:nvPicPr>
+          <p:cNvPr id="55" name="droppedImage.png"/>
+          <p:cNvPicPr/>
+          <p:nvPr/>
+        </p:nvPicPr>
+        <p:blipFill>
+          <a:blip r:embed="rId5"/>
+          <a:stretch/>
+        </p:blipFill>
+        <p:spPr>
+          <a:xfrm>
             <a:off x="5486400" y="7091280"/>
             <a:ext cx="2913120" cy="1869120"/>
           </a:xfrm>
@@ -2604,13 +3132,20 @@
           </a:ln>
         </p:spPr>
         <p:style>
-          <a:lnRef idx="0"/>
-          <a:fillRef idx="0"/>
-          <a:effectRef idx="0"/>
+          <a:lnRef idx="0">
+            <a:scrgbClr r="0" g="0" b="0"/>
+          </a:lnRef>
+          <a:fillRef idx="0">
+            <a:scrgbClr r="0" g="0" b="0"/>
+          </a:fillRef>
+          <a:effectRef idx="0">
+            <a:scrgbClr r="0" g="0" b="0"/>
+          </a:effectRef>
           <a:fontRef idx="minor"/>
         </p:style>
         <p:txBody>
-          <a:bodyPr lIns="0" rIns="0" tIns="0" bIns="0"/>
+          <a:bodyPr lIns="0" tIns="0" rIns="0" bIns="0"/>
+          <a:lstStyle/>
           <a:p>
             <a:pPr algn="ctr">
               <a:lnSpc>
@@ -2621,7 +3156,7 @@
               </a:spcBef>
             </a:pPr>
             <a:r>
-              <a:rPr b="0" lang="en-US" sz="2029" spc="-1" strike="noStrike">
+              <a:rPr lang="en-US" sz="2029" b="0" strike="noStrike" spc="-1">
                 <a:solidFill>
                   <a:srgbClr val="000000"/>
                 </a:solidFill>
@@ -2630,7 +3165,7 @@
               </a:rPr>
               <a:t>Fig 2. Triangulation of the point set in Figure 1</a:t>
             </a:r>
-            <a:endParaRPr b="0" lang="en-US" sz="2029" spc="-1" strike="noStrike">
+            <a:endParaRPr lang="en-US" sz="2029" b="0" strike="noStrike" spc="-1">
               <a:latin typeface="Arial"/>
             </a:endParaRPr>
           </a:p>
@@ -2656,13 +3191,20 @@
           </a:ln>
         </p:spPr>
         <p:style>
-          <a:lnRef idx="0"/>
-          <a:fillRef idx="0"/>
-          <a:effectRef idx="0"/>
+          <a:lnRef idx="0">
+            <a:scrgbClr r="0" g="0" b="0"/>
+          </a:lnRef>
+          <a:fillRef idx="0">
+            <a:scrgbClr r="0" g="0" b="0"/>
+          </a:fillRef>
+          <a:effectRef idx="0">
+            <a:scrgbClr r="0" g="0" b="0"/>
+          </a:effectRef>
           <a:fontRef idx="minor"/>
         </p:style>
         <p:txBody>
-          <a:bodyPr lIns="0" rIns="0" tIns="0" bIns="0"/>
+          <a:bodyPr lIns="0" tIns="0" rIns="0" bIns="0"/>
+          <a:lstStyle/>
           <a:p>
             <a:pPr algn="just">
               <a:lnSpc>
@@ -2673,7 +3215,7 @@
               </a:spcBef>
             </a:pPr>
             <a:r>
-              <a:rPr b="0" lang="en-US" sz="2250" spc="-1" strike="noStrike">
+              <a:rPr lang="en-US" sz="2250" b="0" strike="noStrike" spc="-1">
                 <a:solidFill>
                   <a:srgbClr val="000000"/>
                 </a:solidFill>
@@ -2682,7 +3224,7 @@
               </a:rPr>
               <a:t>Greedy Triangulation algorithms have been used to help tackle more complicated problems. The greedy triangulation has been used to give approximations of solutions for the Minimum Weight Triangulation (MWT) problem [1] which is NP-hard [2]. The MWT problem is as follows: given a point set produce a triangulation of minimal weight. In this context the weight of a triangulation is the sum of the lengths of the line segments forming the triangulation.</a:t>
             </a:r>
-            <a:endParaRPr b="0" lang="en-US" sz="2250" spc="-1" strike="noStrike">
+            <a:endParaRPr lang="en-US" sz="2250" b="0" strike="noStrike" spc="-1">
               <a:latin typeface="Arial"/>
             </a:endParaRPr>
           </a:p>
@@ -2696,7 +3238,7 @@
               </a:spcBef>
             </a:pPr>
             <a:r>
-              <a:rPr b="0" lang="en-US" sz="2250" spc="-1" strike="noStrike">
+              <a:rPr lang="en-US" sz="2250" b="0" strike="noStrike" spc="-1">
                 <a:solidFill>
                   <a:srgbClr val="000000"/>
                 </a:solidFill>
@@ -2706,7 +3248,7 @@
               <a:t>The greedy triangulation algorithm used in this work is an O(n</a:t>
             </a:r>
             <a:r>
-              <a:rPr b="0" lang="en-US" sz="2250" spc="-1" strike="noStrike" baseline="101000">
+              <a:rPr lang="en-US" sz="2250" b="0" strike="noStrike" spc="-1" baseline="101000">
                 <a:solidFill>
                   <a:srgbClr val="000000"/>
                 </a:solidFill>
@@ -2716,7 +3258,7 @@
               <a:t>4</a:t>
             </a:r>
             <a:r>
-              <a:rPr b="0" lang="en-US" sz="2250" spc="-1" strike="noStrike">
+              <a:rPr lang="en-US" sz="2250" b="0" strike="noStrike" spc="-1">
                 <a:solidFill>
                   <a:srgbClr val="000000"/>
                 </a:solidFill>
@@ -2725,7 +3267,7 @@
               </a:rPr>
               <a:t>) algorithm. The triangulation is created in three phases. Phase one consists of generating all line segments between every two points in the point set. In the second phase the line segments are then sorted from smallest to largest. In the final phase the triangulation is produced by iteratively selecting the smallest line segment and removing from consideration all line segments which intersect it. Once this process is complete the point set has been triangulated. We implemented a serial version of this algorithm and a parallel distributed memory version using the Message Passing Interface (MPI) for C. </a:t>
             </a:r>
-            <a:endParaRPr b="0" lang="en-US" sz="2250" spc="-1" strike="noStrike">
+            <a:endParaRPr lang="en-US" sz="2250" b="0" strike="noStrike" spc="-1">
               <a:latin typeface="Arial"/>
             </a:endParaRPr>
           </a:p>
@@ -2751,9 +3293,15 @@
           </a:ln>
         </p:spPr>
         <p:style>
-          <a:lnRef idx="0"/>
-          <a:fillRef idx="0"/>
-          <a:effectRef idx="0"/>
+          <a:lnRef idx="0">
+            <a:scrgbClr r="0" g="0" b="0"/>
+          </a:lnRef>
+          <a:fillRef idx="0">
+            <a:scrgbClr r="0" g="0" b="0"/>
+          </a:fillRef>
+          <a:effectRef idx="0">
+            <a:scrgbClr r="0" g="0" b="0"/>
+          </a:effectRef>
           <a:fontRef idx="minor"/>
         </p:style>
       </p:sp>
@@ -2765,8 +3313,8 @@
         </p:nvSpPr>
         <p:spPr>
           <a:xfrm>
-            <a:off x="17241840" y="9378720"/>
-            <a:ext cx="14333760" cy="3026160"/>
+            <a:off x="14570880" y="9378720"/>
+            <a:ext cx="10861680" cy="3026160"/>
           </a:xfrm>
           <a:prstGeom prst="rect">
             <a:avLst/>
@@ -2777,13 +3325,20 @@
           </a:ln>
         </p:spPr>
         <p:style>
-          <a:lnRef idx="0"/>
-          <a:fillRef idx="0"/>
-          <a:effectRef idx="0"/>
+          <a:lnRef idx="0">
+            <a:scrgbClr r="0" g="0" b="0"/>
+          </a:lnRef>
+          <a:fillRef idx="0">
+            <a:scrgbClr r="0" g="0" b="0"/>
+          </a:fillRef>
+          <a:effectRef idx="0">
+            <a:scrgbClr r="0" g="0" b="0"/>
+          </a:effectRef>
           <a:fontRef idx="minor"/>
         </p:style>
         <p:txBody>
-          <a:bodyPr lIns="0" rIns="0" tIns="0" bIns="0"/>
+          <a:bodyPr lIns="0" tIns="0" rIns="0" bIns="0"/>
+          <a:lstStyle/>
           <a:p>
             <a:pPr algn="just">
               <a:lnSpc>
@@ -2794,7 +3349,7 @@
               </a:spcBef>
             </a:pPr>
             <a:r>
-              <a:rPr b="0" lang="en-US" sz="2250" spc="-1" strike="noStrike">
+              <a:rPr lang="en-US" sz="2250" b="0" strike="noStrike" spc="-1" dirty="0">
                 <a:solidFill>
                   <a:srgbClr val="000000"/>
                 </a:solidFill>
@@ -2803,7 +3358,7 @@
               </a:rPr>
               <a:t>We currently have a working parallel version. &lt;INSERT ANALYSIS HERE&gt;</a:t>
             </a:r>
-            <a:endParaRPr b="0" lang="en-US" sz="2250" spc="-1" strike="noStrike">
+            <a:endParaRPr lang="en-US" sz="2250" b="0" strike="noStrike" spc="-1" dirty="0">
               <a:latin typeface="Arial"/>
             </a:endParaRPr>
           </a:p>
@@ -2811,35 +3366,36 @@
       </p:sp>
       <p:pic>
         <p:nvPicPr>
-          <p:cNvPr id="60" name="droppedImage.png" descr=""/>
+          <p:cNvPr id="60" name="droppedImage.png"/>
+          <p:cNvPicPr/>
+          <p:nvPr/>
+        </p:nvPicPr>
+        <p:blipFill rotWithShape="1">
+          <a:blip r:embed="rId6"/>
+          <a:srcRect l="19172" t="2266" r="22281" b="1"/>
+          <a:stretch/>
+        </p:blipFill>
+        <p:spPr>
+          <a:xfrm>
+            <a:off x="10553700" y="9769320"/>
+            <a:ext cx="3467100" cy="3306600"/>
+          </a:xfrm>
+          <a:prstGeom prst="rect">
+            <a:avLst/>
+          </a:prstGeom>
+          <a:ln w="12600">
+            <a:noFill/>
+          </a:ln>
+        </p:spPr>
+      </p:pic>
+      <p:pic>
+        <p:nvPicPr>
+          <p:cNvPr id="61" name="Picture 2"/>
           <p:cNvPicPr/>
           <p:nvPr/>
         </p:nvPicPr>
         <p:blipFill>
-          <a:blip r:embed="rId5"/>
-          <a:stretch/>
-        </p:blipFill>
-        <p:spPr>
-          <a:xfrm>
-            <a:off x="10789920" y="9692640"/>
-            <a:ext cx="5922000" cy="3383280"/>
-          </a:xfrm>
-          <a:prstGeom prst="rect">
-            <a:avLst/>
-          </a:prstGeom>
-          <a:ln w="12600">
-            <a:noFill/>
-          </a:ln>
-        </p:spPr>
-      </p:pic>
-      <p:pic>
-        <p:nvPicPr>
-          <p:cNvPr id="61" name="Picture 2" descr=""/>
-          <p:cNvPicPr/>
-          <p:nvPr/>
-        </p:nvPicPr>
-        <p:blipFill>
-          <a:blip r:embed="rId6"/>
+          <a:blip r:embed="rId7"/>
           <a:stretch/>
         </p:blipFill>
         <p:spPr>
@@ -2875,13 +3431,20 @@
           </a:ln>
         </p:spPr>
         <p:style>
-          <a:lnRef idx="0"/>
-          <a:fillRef idx="0"/>
-          <a:effectRef idx="0"/>
+          <a:lnRef idx="0">
+            <a:scrgbClr r="0" g="0" b="0"/>
+          </a:lnRef>
+          <a:fillRef idx="0">
+            <a:scrgbClr r="0" g="0" b="0"/>
+          </a:fillRef>
+          <a:effectRef idx="0">
+            <a:scrgbClr r="0" g="0" b="0"/>
+          </a:effectRef>
           <a:fontRef idx="minor"/>
         </p:style>
         <p:txBody>
-          <a:bodyPr lIns="90000" rIns="90000" tIns="45000" bIns="45000"/>
+          <a:bodyPr lIns="90000" tIns="45000" rIns="90000" bIns="45000"/>
+          <a:lstStyle/>
           <a:p>
             <a:pPr algn="just">
               <a:lnSpc>
@@ -2889,7 +3452,7 @@
               </a:lnSpc>
             </a:pPr>
             <a:r>
-              <a:rPr b="0" lang="en-US" sz="2250" spc="-1" strike="noStrike">
+              <a:rPr lang="en-US" sz="2250" b="0" strike="noStrike" spc="-1">
                 <a:solidFill>
                   <a:srgbClr val="000000"/>
                 </a:solidFill>
@@ -2898,7 +3461,7 @@
               </a:rPr>
               <a:t>Phase One:</a:t>
             </a:r>
-            <a:endParaRPr b="0" lang="en-US" sz="2250" spc="-1" strike="noStrike">
+            <a:endParaRPr lang="en-US" sz="2250" b="0" strike="noStrike" spc="-1">
               <a:latin typeface="Arial"/>
             </a:endParaRPr>
           </a:p>
@@ -2909,7 +3472,7 @@
               </a:lnSpc>
             </a:pPr>
             <a:r>
-              <a:rPr b="0" lang="en-US" sz="2250" spc="-1" strike="noStrike">
+              <a:rPr lang="en-US" sz="2250" b="0" strike="noStrike" spc="-1">
                 <a:solidFill>
                   <a:srgbClr val="000000"/>
                 </a:solidFill>
@@ -2918,7 +3481,7 @@
               </a:rPr>
               <a:t>First we distribute a subset of the points to each process. Then each process calculates all the lines that occur between its points. Then using a binomial tree structure, each process sends its points or receive another process’s points. Then all the lines between the process’s ‘old’ points and the ‘new’ points. This repeats until process 0 has all the points.</a:t>
             </a:r>
-            <a:endParaRPr b="0" lang="en-US" sz="2250" spc="-1" strike="noStrike">
+            <a:endParaRPr lang="en-US" sz="2250" b="0" strike="noStrike" spc="-1">
               <a:latin typeface="Arial"/>
             </a:endParaRPr>
           </a:p>
@@ -2929,7 +3492,7 @@
               </a:lnSpc>
             </a:pPr>
             <a:r>
-              <a:rPr b="0" lang="en-US" sz="2250" spc="-1" strike="noStrike">
+              <a:rPr lang="en-US" sz="2250" b="0" strike="noStrike" spc="-1">
                 <a:solidFill>
                   <a:srgbClr val="000000"/>
                 </a:solidFill>
@@ -2938,7 +3501,7 @@
               </a:rPr>
               <a:t>Next process 0 collects all the calculated lines and distributes them out to all the processes. So phase 2 can begin.</a:t>
             </a:r>
-            <a:endParaRPr b="0" lang="en-US" sz="2250" spc="-1" strike="noStrike">
+            <a:endParaRPr lang="en-US" sz="2250" b="0" strike="noStrike" spc="-1">
               <a:latin typeface="Arial"/>
             </a:endParaRPr>
           </a:p>
@@ -2965,9 +3528,15 @@
           </a:ln>
         </p:spPr>
         <p:style>
-          <a:lnRef idx="0"/>
-          <a:fillRef idx="0"/>
-          <a:effectRef idx="0"/>
+          <a:lnRef idx="0">
+            <a:scrgbClr r="0" g="0" b="0"/>
+          </a:lnRef>
+          <a:fillRef idx="0">
+            <a:scrgbClr r="0" g="0" b="0"/>
+          </a:fillRef>
+          <a:effectRef idx="0">
+            <a:scrgbClr r="0" g="0" b="0"/>
+          </a:effectRef>
           <a:fontRef idx="minor"/>
         </p:style>
       </p:sp>
@@ -2992,9 +3561,15 @@
           </a:ln>
         </p:spPr>
         <p:style>
-          <a:lnRef idx="0"/>
-          <a:fillRef idx="0"/>
-          <a:effectRef idx="0"/>
+          <a:lnRef idx="0">
+            <a:scrgbClr r="0" g="0" b="0"/>
+          </a:lnRef>
+          <a:fillRef idx="0">
+            <a:scrgbClr r="0" g="0" b="0"/>
+          </a:fillRef>
+          <a:effectRef idx="0">
+            <a:scrgbClr r="0" g="0" b="0"/>
+          </a:effectRef>
           <a:fontRef idx="minor"/>
         </p:style>
       </p:sp>
@@ -3018,13 +3593,20 @@
           </a:ln>
         </p:spPr>
         <p:style>
-          <a:lnRef idx="0"/>
-          <a:fillRef idx="0"/>
-          <a:effectRef idx="0"/>
+          <a:lnRef idx="0">
+            <a:scrgbClr r="0" g="0" b="0"/>
+          </a:lnRef>
+          <a:fillRef idx="0">
+            <a:scrgbClr r="0" g="0" b="0"/>
+          </a:fillRef>
+          <a:effectRef idx="0">
+            <a:scrgbClr r="0" g="0" b="0"/>
+          </a:effectRef>
           <a:fontRef idx="minor"/>
         </p:style>
         <p:txBody>
-          <a:bodyPr lIns="90000" rIns="90000" tIns="45000" bIns="45000"/>
+          <a:bodyPr lIns="90000" tIns="45000" rIns="90000" bIns="45000"/>
+          <a:lstStyle/>
           <a:p>
             <a:pPr algn="just">
               <a:lnSpc>
@@ -3032,7 +3614,7 @@
               </a:lnSpc>
             </a:pPr>
             <a:r>
-              <a:rPr b="0" lang="en-US" sz="2250" spc="-1" strike="noStrike">
+              <a:rPr lang="en-US" sz="2250" b="0" strike="noStrike" spc="-1" dirty="0">
                 <a:solidFill>
                   <a:srgbClr val="000000"/>
                 </a:solidFill>
@@ -3041,7 +3623,7 @@
               </a:rPr>
               <a:t>Phase Two:</a:t>
             </a:r>
-            <a:endParaRPr b="0" lang="en-US" sz="2250" spc="-1" strike="noStrike">
+            <a:endParaRPr lang="en-US" sz="2250" b="0" strike="noStrike" spc="-1" dirty="0">
               <a:latin typeface="Arial"/>
             </a:endParaRPr>
           </a:p>
@@ -3052,16 +3634,36 @@
               </a:lnSpc>
             </a:pPr>
             <a:r>
-              <a:rPr b="0" lang="en-US" sz="2250" spc="-1" strike="noStrike">
+              <a:rPr lang="en-US" sz="2250" b="0" strike="noStrike" spc="-1" dirty="0">
                 <a:solidFill>
                   <a:srgbClr val="000000"/>
                 </a:solidFill>
                 <a:latin typeface="Cambria"/>
                 <a:ea typeface="American Typewriter"/>
               </a:rPr>
-              <a:t>During this phase each process sorts its lines from smallest to largest length. Each process uses qsort from the C library to accomplish their sort.</a:t>
+              <a:t>During this phase each process sorts its lines from smallest to largest length. Each process uses </a:t>
             </a:r>
-            <a:endParaRPr b="0" lang="en-US" sz="2250" spc="-1" strike="noStrike">
+            <a:r>
+              <a:rPr lang="en-US" sz="2250" b="0" strike="noStrike" spc="-1" dirty="0" err="1">
+                <a:solidFill>
+                  <a:srgbClr val="000000"/>
+                </a:solidFill>
+                <a:latin typeface="Cambria"/>
+                <a:ea typeface="American Typewriter"/>
+              </a:rPr>
+              <a:t>qsort</a:t>
+            </a:r>
+            <a:r>
+              <a:rPr lang="en-US" sz="2250" b="0" strike="noStrike" spc="-1" dirty="0">
+                <a:solidFill>
+                  <a:srgbClr val="000000"/>
+                </a:solidFill>
+                <a:latin typeface="Cambria"/>
+                <a:ea typeface="American Typewriter"/>
+              </a:rPr>
+              <a:t> from the C library to accomplish their sort.</a:t>
+            </a:r>
+            <a:endParaRPr lang="en-US" sz="2250" b="0" strike="noStrike" spc="-1" dirty="0">
               <a:latin typeface="Arial"/>
             </a:endParaRPr>
           </a:p>
@@ -3087,13 +3689,20 @@
           </a:ln>
         </p:spPr>
         <p:style>
-          <a:lnRef idx="0"/>
-          <a:fillRef idx="0"/>
-          <a:effectRef idx="0"/>
+          <a:lnRef idx="0">
+            <a:scrgbClr r="0" g="0" b="0"/>
+          </a:lnRef>
+          <a:fillRef idx="0">
+            <a:scrgbClr r="0" g="0" b="0"/>
+          </a:fillRef>
+          <a:effectRef idx="0">
+            <a:scrgbClr r="0" g="0" b="0"/>
+          </a:effectRef>
           <a:fontRef idx="minor"/>
         </p:style>
         <p:txBody>
-          <a:bodyPr lIns="90000" rIns="90000" tIns="45000" bIns="45000"/>
+          <a:bodyPr lIns="90000" tIns="45000" rIns="90000" bIns="45000"/>
+          <a:lstStyle/>
           <a:p>
             <a:pPr algn="just">
               <a:lnSpc>
@@ -3101,7 +3710,7 @@
               </a:lnSpc>
             </a:pPr>
             <a:r>
-              <a:rPr b="0" lang="en-US" sz="2250" spc="-1" strike="noStrike">
+              <a:rPr lang="en-US" sz="2250" b="0" strike="noStrike" spc="-1" dirty="0">
                 <a:solidFill>
                   <a:srgbClr val="000000"/>
                 </a:solidFill>
@@ -3110,7 +3719,7 @@
               </a:rPr>
               <a:t>Phase Three:</a:t>
             </a:r>
-            <a:endParaRPr b="0" lang="en-US" sz="2250" spc="-1" strike="noStrike">
+            <a:endParaRPr lang="en-US" sz="2250" b="0" strike="noStrike" spc="-1" dirty="0">
               <a:latin typeface="Arial"/>
             </a:endParaRPr>
           </a:p>
@@ -3121,23 +3730,904 @@
               </a:lnSpc>
             </a:pPr>
             <a:r>
-              <a:rPr b="0" lang="en-US" sz="2250" spc="-1" strike="noStrike">
+              <a:rPr lang="en-US" sz="2250" b="0" strike="noStrike" spc="-1" dirty="0">
                 <a:solidFill>
                   <a:srgbClr val="000000"/>
                 </a:solidFill>
-                <a:latin typeface="Arial"/>
-                <a:ea typeface="DejaVu Sans"/>
+                <a:latin typeface="Cambria" panose="02040503050406030204" pitchFamily="18" charset="0"/>
+                <a:ea typeface="Cambria" panose="02040503050406030204" pitchFamily="18" charset="0"/>
               </a:rPr>
               <a:t>During this phase each process selects its smallest line and sends it to process 0. Process 0 finds the globally smallest line and adds it to the triangulation before broadcasting it to the other processes. Each process then throws out all lines that intersect with the smallest line. This step is repeated until each process has exhausted all of their lines.</a:t>
             </a:r>
-            <a:endParaRPr b="0" lang="en-US" sz="2250" spc="-1" strike="noStrike">
-              <a:latin typeface="Arial"/>
-            </a:endParaRPr>
-          </a:p>
-        </p:txBody>
-      </p:sp>
+            <a:endParaRPr lang="en-US" sz="2250" b="0" strike="noStrike" spc="-1" dirty="0">
+              <a:latin typeface="Cambria" panose="02040503050406030204" pitchFamily="18" charset="0"/>
+              <a:ea typeface="Cambria" panose="02040503050406030204" pitchFamily="18" charset="0"/>
+            </a:endParaRPr>
+          </a:p>
+        </p:txBody>
+      </p:sp>
+      <p:graphicFrame>
+        <p:nvGraphicFramePr>
+          <p:cNvPr id="3" name="Table 2">
+            <a:extLst>
+              <a:ext uri="{FF2B5EF4-FFF2-40B4-BE49-F238E27FC236}">
+                <a16:creationId xmlns:a16="http://schemas.microsoft.com/office/drawing/2014/main" id="{CC59FDE9-6C09-43D7-B7E3-1A0988F9EE0E}"/>
+              </a:ext>
+            </a:extLst>
+          </p:cNvPr>
+          <p:cNvGraphicFramePr>
+            <a:graphicFrameLocks noGrp="1"/>
+          </p:cNvGraphicFramePr>
+          <p:nvPr>
+            <p:extLst>
+              <p:ext uri="{D42A27DB-BD31-4B8C-83A1-F6EECF244321}">
+                <p14:modId xmlns:p14="http://schemas.microsoft.com/office/powerpoint/2010/main" val="4074779116"/>
+              </p:ext>
+            </p:extLst>
+          </p:nvPr>
+        </p:nvGraphicFramePr>
+        <p:xfrm>
+          <a:off x="14321880" y="10668460"/>
+          <a:ext cx="17390160" cy="2560320"/>
+        </p:xfrm>
+        <a:graphic>
+          <a:graphicData uri="http://schemas.openxmlformats.org/drawingml/2006/table">
+            <a:tbl>
+              <a:tblPr firstRow="1" bandRow="1">
+                <a:tableStyleId>{5C22544A-7EE6-4342-B048-85BDC9FD1C3A}</a:tableStyleId>
+              </a:tblPr>
+              <a:tblGrid>
+                <a:gridCol w="1932240">
+                  <a:extLst>
+                    <a:ext uri="{9D8B030D-6E8A-4147-A177-3AD203B41FA5}">
+                      <a16:colId xmlns:a16="http://schemas.microsoft.com/office/drawing/2014/main" val="2082391195"/>
+                    </a:ext>
+                  </a:extLst>
+                </a:gridCol>
+                <a:gridCol w="1932240">
+                  <a:extLst>
+                    <a:ext uri="{9D8B030D-6E8A-4147-A177-3AD203B41FA5}">
+                      <a16:colId xmlns:a16="http://schemas.microsoft.com/office/drawing/2014/main" val="204592734"/>
+                    </a:ext>
+                  </a:extLst>
+                </a:gridCol>
+                <a:gridCol w="1932240">
+                  <a:extLst>
+                    <a:ext uri="{9D8B030D-6E8A-4147-A177-3AD203B41FA5}">
+                      <a16:colId xmlns:a16="http://schemas.microsoft.com/office/drawing/2014/main" val="1385326462"/>
+                    </a:ext>
+                  </a:extLst>
+                </a:gridCol>
+                <a:gridCol w="1932240">
+                  <a:extLst>
+                    <a:ext uri="{9D8B030D-6E8A-4147-A177-3AD203B41FA5}">
+                      <a16:colId xmlns:a16="http://schemas.microsoft.com/office/drawing/2014/main" val="4134971579"/>
+                    </a:ext>
+                  </a:extLst>
+                </a:gridCol>
+                <a:gridCol w="1932240">
+                  <a:extLst>
+                    <a:ext uri="{9D8B030D-6E8A-4147-A177-3AD203B41FA5}">
+                      <a16:colId xmlns:a16="http://schemas.microsoft.com/office/drawing/2014/main" val="1734184008"/>
+                    </a:ext>
+                  </a:extLst>
+                </a:gridCol>
+                <a:gridCol w="1932240">
+                  <a:extLst>
+                    <a:ext uri="{9D8B030D-6E8A-4147-A177-3AD203B41FA5}">
+                      <a16:colId xmlns:a16="http://schemas.microsoft.com/office/drawing/2014/main" val="2169940549"/>
+                    </a:ext>
+                  </a:extLst>
+                </a:gridCol>
+                <a:gridCol w="1932240">
+                  <a:extLst>
+                    <a:ext uri="{9D8B030D-6E8A-4147-A177-3AD203B41FA5}">
+                      <a16:colId xmlns:a16="http://schemas.microsoft.com/office/drawing/2014/main" val="3947403865"/>
+                    </a:ext>
+                  </a:extLst>
+                </a:gridCol>
+                <a:gridCol w="1932240">
+                  <a:extLst>
+                    <a:ext uri="{9D8B030D-6E8A-4147-A177-3AD203B41FA5}">
+                      <a16:colId xmlns:a16="http://schemas.microsoft.com/office/drawing/2014/main" val="2255913426"/>
+                    </a:ext>
+                  </a:extLst>
+                </a:gridCol>
+                <a:gridCol w="1932240">
+                  <a:extLst>
+                    <a:ext uri="{9D8B030D-6E8A-4147-A177-3AD203B41FA5}">
+                      <a16:colId xmlns:a16="http://schemas.microsoft.com/office/drawing/2014/main" val="3957199937"/>
+                    </a:ext>
+                  </a:extLst>
+                </a:gridCol>
+              </a:tblGrid>
+              <a:tr h="317191">
+                <a:tc>
+                  <a:txBody>
+                    <a:bodyPr/>
+                    <a:lstStyle/>
+                    <a:p>
+                      <a:r>
+                        <a:rPr lang="en-US" dirty="0"/>
+                        <a:t>Point Set Size</a:t>
+                      </a:r>
+                    </a:p>
+                  </a:txBody>
+                  <a:tcPr/>
+                </a:tc>
+                <a:tc>
+                  <a:txBody>
+                    <a:bodyPr/>
+                    <a:lstStyle/>
+                    <a:p>
+                      <a:r>
+                        <a:rPr lang="en-US" dirty="0"/>
+                        <a:t>Serial Version</a:t>
+                      </a:r>
+                    </a:p>
+                  </a:txBody>
+                  <a:tcPr/>
+                </a:tc>
+                <a:tc>
+                  <a:txBody>
+                    <a:bodyPr/>
+                    <a:lstStyle/>
+                    <a:p>
+                      <a:r>
+                        <a:rPr lang="en-US" dirty="0"/>
+                        <a:t>Parallel 1 Proc</a:t>
+                      </a:r>
+                    </a:p>
+                  </a:txBody>
+                  <a:tcPr/>
+                </a:tc>
+                <a:tc>
+                  <a:txBody>
+                    <a:bodyPr/>
+                    <a:lstStyle/>
+                    <a:p>
+                      <a:r>
+                        <a:rPr lang="en-US" dirty="0"/>
+                        <a:t>Parallel 2 Proc</a:t>
+                      </a:r>
+                    </a:p>
+                  </a:txBody>
+                  <a:tcPr/>
+                </a:tc>
+                <a:tc>
+                  <a:txBody>
+                    <a:bodyPr/>
+                    <a:lstStyle/>
+                    <a:p>
+                      <a:r>
+                        <a:rPr lang="en-US" dirty="0"/>
+                        <a:t>Parallel 4 Proc</a:t>
+                      </a:r>
+                    </a:p>
+                  </a:txBody>
+                  <a:tcPr/>
+                </a:tc>
+                <a:tc>
+                  <a:txBody>
+                    <a:bodyPr/>
+                    <a:lstStyle/>
+                    <a:p>
+                      <a:r>
+                        <a:rPr lang="en-US" dirty="0"/>
+                        <a:t>Parallel 8 Proc</a:t>
+                      </a:r>
+                    </a:p>
+                  </a:txBody>
+                  <a:tcPr/>
+                </a:tc>
+                <a:tc>
+                  <a:txBody>
+                    <a:bodyPr/>
+                    <a:lstStyle/>
+                    <a:p>
+                      <a:r>
+                        <a:rPr lang="en-US" dirty="0"/>
+                        <a:t>Parallel 16 Proc</a:t>
+                      </a:r>
+                    </a:p>
+                  </a:txBody>
+                  <a:tcPr/>
+                </a:tc>
+                <a:tc>
+                  <a:txBody>
+                    <a:bodyPr/>
+                    <a:lstStyle/>
+                    <a:p>
+                      <a:r>
+                        <a:rPr lang="en-US" dirty="0"/>
+                        <a:t>Parallel 32 Proc</a:t>
+                      </a:r>
+                    </a:p>
+                  </a:txBody>
+                  <a:tcPr/>
+                </a:tc>
+                <a:tc>
+                  <a:txBody>
+                    <a:bodyPr/>
+                    <a:lstStyle/>
+                    <a:p>
+                      <a:r>
+                        <a:rPr lang="en-US" dirty="0"/>
+                        <a:t>Parallel 64 Proc</a:t>
+                      </a:r>
+                    </a:p>
+                  </a:txBody>
+                  <a:tcPr/>
+                </a:tc>
+                <a:extLst>
+                  <a:ext uri="{0D108BD9-81ED-4DB2-BD59-A6C34878D82A}">
+                    <a16:rowId xmlns:a16="http://schemas.microsoft.com/office/drawing/2014/main" val="4134490324"/>
+                  </a:ext>
+                </a:extLst>
+              </a:tr>
+              <a:tr h="317191">
+                <a:tc>
+                  <a:txBody>
+                    <a:bodyPr/>
+                    <a:lstStyle/>
+                    <a:p>
+                      <a:r>
+                        <a:rPr lang="en-US" dirty="0"/>
+                        <a:t>1000</a:t>
+                      </a:r>
+                    </a:p>
+                  </a:txBody>
+                  <a:tcPr/>
+                </a:tc>
+                <a:tc>
+                  <a:txBody>
+                    <a:bodyPr/>
+                    <a:lstStyle/>
+                    <a:p>
+                      <a:r>
+                        <a:rPr lang="en-US" dirty="0"/>
+                        <a:t>026.49</a:t>
+                      </a:r>
+                    </a:p>
+                  </a:txBody>
+                  <a:tcPr/>
+                </a:tc>
+                <a:tc>
+                  <a:txBody>
+                    <a:bodyPr/>
+                    <a:lstStyle/>
+                    <a:p>
+                      <a:r>
+                        <a:rPr lang="en-US" dirty="0"/>
+                        <a:t>043.77</a:t>
+                      </a:r>
+                    </a:p>
+                  </a:txBody>
+                  <a:tcPr/>
+                </a:tc>
+                <a:tc>
+                  <a:txBody>
+                    <a:bodyPr/>
+                    <a:lstStyle/>
+                    <a:p>
+                      <a:r>
+                        <a:rPr lang="en-US" dirty="0"/>
+                        <a:t>020.70</a:t>
+                      </a:r>
+                    </a:p>
+                  </a:txBody>
+                  <a:tcPr/>
+                </a:tc>
+                <a:tc>
+                  <a:txBody>
+                    <a:bodyPr/>
+                    <a:lstStyle/>
+                    <a:p>
+                      <a:endParaRPr lang="en-US"/>
+                    </a:p>
+                  </a:txBody>
+                  <a:tcPr/>
+                </a:tc>
+                <a:tc>
+                  <a:txBody>
+                    <a:bodyPr/>
+                    <a:lstStyle/>
+                    <a:p>
+                      <a:endParaRPr lang="en-US"/>
+                    </a:p>
+                  </a:txBody>
+                  <a:tcPr/>
+                </a:tc>
+                <a:tc>
+                  <a:txBody>
+                    <a:bodyPr/>
+                    <a:lstStyle/>
+                    <a:p>
+                      <a:endParaRPr lang="en-US"/>
+                    </a:p>
+                  </a:txBody>
+                  <a:tcPr/>
+                </a:tc>
+                <a:tc>
+                  <a:txBody>
+                    <a:bodyPr/>
+                    <a:lstStyle/>
+                    <a:p>
+                      <a:endParaRPr lang="en-US"/>
+                    </a:p>
+                  </a:txBody>
+                  <a:tcPr/>
+                </a:tc>
+                <a:tc>
+                  <a:txBody>
+                    <a:bodyPr/>
+                    <a:lstStyle/>
+                    <a:p>
+                      <a:endParaRPr lang="en-US"/>
+                    </a:p>
+                  </a:txBody>
+                  <a:tcPr/>
+                </a:tc>
+                <a:extLst>
+                  <a:ext uri="{0D108BD9-81ED-4DB2-BD59-A6C34878D82A}">
+                    <a16:rowId xmlns:a16="http://schemas.microsoft.com/office/drawing/2014/main" val="2027757030"/>
+                  </a:ext>
+                </a:extLst>
+              </a:tr>
+              <a:tr h="317191">
+                <a:tc>
+                  <a:txBody>
+                    <a:bodyPr/>
+                    <a:lstStyle/>
+                    <a:p>
+                      <a:r>
+                        <a:rPr lang="en-US" dirty="0"/>
+                        <a:t>1189</a:t>
+                      </a:r>
+                    </a:p>
+                  </a:txBody>
+                  <a:tcPr/>
+                </a:tc>
+                <a:tc>
+                  <a:txBody>
+                    <a:bodyPr/>
+                    <a:lstStyle/>
+                    <a:p>
+                      <a:r>
+                        <a:rPr lang="en-US" dirty="0"/>
+                        <a:t>048.17</a:t>
+                      </a:r>
+                    </a:p>
+                  </a:txBody>
+                  <a:tcPr/>
+                </a:tc>
+                <a:tc>
+                  <a:txBody>
+                    <a:bodyPr/>
+                    <a:lstStyle/>
+                    <a:p>
+                      <a:r>
+                        <a:rPr lang="en-US" dirty="0"/>
+                        <a:t>076.64</a:t>
+                      </a:r>
+                    </a:p>
+                  </a:txBody>
+                  <a:tcPr/>
+                </a:tc>
+                <a:tc>
+                  <a:txBody>
+                    <a:bodyPr/>
+                    <a:lstStyle/>
+                    <a:p>
+                      <a:r>
+                        <a:rPr lang="en-US" dirty="0"/>
+                        <a:t>039.97</a:t>
+                      </a:r>
+                    </a:p>
+                  </a:txBody>
+                  <a:tcPr/>
+                </a:tc>
+                <a:tc>
+                  <a:txBody>
+                    <a:bodyPr/>
+                    <a:lstStyle/>
+                    <a:p>
+                      <a:endParaRPr lang="en-US"/>
+                    </a:p>
+                  </a:txBody>
+                  <a:tcPr/>
+                </a:tc>
+                <a:tc>
+                  <a:txBody>
+                    <a:bodyPr/>
+                    <a:lstStyle/>
+                    <a:p>
+                      <a:endParaRPr lang="en-US"/>
+                    </a:p>
+                  </a:txBody>
+                  <a:tcPr/>
+                </a:tc>
+                <a:tc>
+                  <a:txBody>
+                    <a:bodyPr/>
+                    <a:lstStyle/>
+                    <a:p>
+                      <a:endParaRPr lang="en-US"/>
+                    </a:p>
+                  </a:txBody>
+                  <a:tcPr/>
+                </a:tc>
+                <a:tc>
+                  <a:txBody>
+                    <a:bodyPr/>
+                    <a:lstStyle/>
+                    <a:p>
+                      <a:endParaRPr lang="en-US"/>
+                    </a:p>
+                  </a:txBody>
+                  <a:tcPr/>
+                </a:tc>
+                <a:tc>
+                  <a:txBody>
+                    <a:bodyPr/>
+                    <a:lstStyle/>
+                    <a:p>
+                      <a:endParaRPr lang="en-US"/>
+                    </a:p>
+                  </a:txBody>
+                  <a:tcPr/>
+                </a:tc>
+                <a:extLst>
+                  <a:ext uri="{0D108BD9-81ED-4DB2-BD59-A6C34878D82A}">
+                    <a16:rowId xmlns:a16="http://schemas.microsoft.com/office/drawing/2014/main" val="3416506915"/>
+                  </a:ext>
+                </a:extLst>
+              </a:tr>
+              <a:tr h="317191">
+                <a:tc>
+                  <a:txBody>
+                    <a:bodyPr/>
+                    <a:lstStyle/>
+                    <a:p>
+                      <a:r>
+                        <a:rPr lang="en-US" dirty="0"/>
+                        <a:t>1414</a:t>
+                      </a:r>
+                    </a:p>
+                  </a:txBody>
+                  <a:tcPr/>
+                </a:tc>
+                <a:tc>
+                  <a:txBody>
+                    <a:bodyPr/>
+                    <a:lstStyle/>
+                    <a:p>
+                      <a:r>
+                        <a:rPr lang="en-US" dirty="0"/>
+                        <a:t>093.42</a:t>
+                      </a:r>
+                    </a:p>
+                  </a:txBody>
+                  <a:tcPr/>
+                </a:tc>
+                <a:tc>
+                  <a:txBody>
+                    <a:bodyPr/>
+                    <a:lstStyle/>
+                    <a:p>
+                      <a:r>
+                        <a:rPr lang="en-US" dirty="0"/>
+                        <a:t>154.34</a:t>
+                      </a:r>
+                    </a:p>
+                  </a:txBody>
+                  <a:tcPr/>
+                </a:tc>
+                <a:tc>
+                  <a:txBody>
+                    <a:bodyPr/>
+                    <a:lstStyle/>
+                    <a:p>
+                      <a:r>
+                        <a:rPr lang="en-US" dirty="0"/>
+                        <a:t>080.54</a:t>
+                      </a:r>
+                    </a:p>
+                  </a:txBody>
+                  <a:tcPr/>
+                </a:tc>
+                <a:tc>
+                  <a:txBody>
+                    <a:bodyPr/>
+                    <a:lstStyle/>
+                    <a:p>
+                      <a:endParaRPr lang="en-US"/>
+                    </a:p>
+                  </a:txBody>
+                  <a:tcPr/>
+                </a:tc>
+                <a:tc>
+                  <a:txBody>
+                    <a:bodyPr/>
+                    <a:lstStyle/>
+                    <a:p>
+                      <a:endParaRPr lang="en-US"/>
+                    </a:p>
+                  </a:txBody>
+                  <a:tcPr/>
+                </a:tc>
+                <a:tc>
+                  <a:txBody>
+                    <a:bodyPr/>
+                    <a:lstStyle/>
+                    <a:p>
+                      <a:endParaRPr lang="en-US"/>
+                    </a:p>
+                  </a:txBody>
+                  <a:tcPr/>
+                </a:tc>
+                <a:tc>
+                  <a:txBody>
+                    <a:bodyPr/>
+                    <a:lstStyle/>
+                    <a:p>
+                      <a:endParaRPr lang="en-US"/>
+                    </a:p>
+                  </a:txBody>
+                  <a:tcPr/>
+                </a:tc>
+                <a:tc>
+                  <a:txBody>
+                    <a:bodyPr/>
+                    <a:lstStyle/>
+                    <a:p>
+                      <a:endParaRPr lang="en-US"/>
+                    </a:p>
+                  </a:txBody>
+                  <a:tcPr/>
+                </a:tc>
+                <a:extLst>
+                  <a:ext uri="{0D108BD9-81ED-4DB2-BD59-A6C34878D82A}">
+                    <a16:rowId xmlns:a16="http://schemas.microsoft.com/office/drawing/2014/main" val="1608797608"/>
+                  </a:ext>
+                </a:extLst>
+              </a:tr>
+              <a:tr h="317191">
+                <a:tc>
+                  <a:txBody>
+                    <a:bodyPr/>
+                    <a:lstStyle/>
+                    <a:p>
+                      <a:r>
+                        <a:rPr lang="en-US" dirty="0"/>
+                        <a:t>1682</a:t>
+                      </a:r>
+                    </a:p>
+                  </a:txBody>
+                  <a:tcPr/>
+                </a:tc>
+                <a:tc>
+                  <a:txBody>
+                    <a:bodyPr/>
+                    <a:lstStyle/>
+                    <a:p>
+                      <a:r>
+                        <a:rPr lang="en-US" dirty="0"/>
+                        <a:t>183.14</a:t>
+                      </a:r>
+                    </a:p>
+                  </a:txBody>
+                  <a:tcPr/>
+                </a:tc>
+                <a:tc>
+                  <a:txBody>
+                    <a:bodyPr/>
+                    <a:lstStyle/>
+                    <a:p>
+                      <a:r>
+                        <a:rPr lang="en-US" dirty="0"/>
+                        <a:t>304.14</a:t>
+                      </a:r>
+                    </a:p>
+                  </a:txBody>
+                  <a:tcPr/>
+                </a:tc>
+                <a:tc>
+                  <a:txBody>
+                    <a:bodyPr/>
+                    <a:lstStyle/>
+                    <a:p>
+                      <a:r>
+                        <a:rPr lang="en-US" dirty="0"/>
+                        <a:t>142.04</a:t>
+                      </a:r>
+                    </a:p>
+                  </a:txBody>
+                  <a:tcPr/>
+                </a:tc>
+                <a:tc>
+                  <a:txBody>
+                    <a:bodyPr/>
+                    <a:lstStyle/>
+                    <a:p>
+                      <a:endParaRPr lang="en-US"/>
+                    </a:p>
+                  </a:txBody>
+                  <a:tcPr/>
+                </a:tc>
+                <a:tc>
+                  <a:txBody>
+                    <a:bodyPr/>
+                    <a:lstStyle/>
+                    <a:p>
+                      <a:endParaRPr lang="en-US"/>
+                    </a:p>
+                  </a:txBody>
+                  <a:tcPr/>
+                </a:tc>
+                <a:tc>
+                  <a:txBody>
+                    <a:bodyPr/>
+                    <a:lstStyle/>
+                    <a:p>
+                      <a:endParaRPr lang="en-US"/>
+                    </a:p>
+                  </a:txBody>
+                  <a:tcPr/>
+                </a:tc>
+                <a:tc>
+                  <a:txBody>
+                    <a:bodyPr/>
+                    <a:lstStyle/>
+                    <a:p>
+                      <a:endParaRPr lang="en-US"/>
+                    </a:p>
+                  </a:txBody>
+                  <a:tcPr/>
+                </a:tc>
+                <a:tc>
+                  <a:txBody>
+                    <a:bodyPr/>
+                    <a:lstStyle/>
+                    <a:p>
+                      <a:endParaRPr lang="en-US"/>
+                    </a:p>
+                  </a:txBody>
+                  <a:tcPr/>
+                </a:tc>
+                <a:extLst>
+                  <a:ext uri="{0D108BD9-81ED-4DB2-BD59-A6C34878D82A}">
+                    <a16:rowId xmlns:a16="http://schemas.microsoft.com/office/drawing/2014/main" val="586554230"/>
+                  </a:ext>
+                </a:extLst>
+              </a:tr>
+              <a:tr h="317191">
+                <a:tc>
+                  <a:txBody>
+                    <a:bodyPr/>
+                    <a:lstStyle/>
+                    <a:p>
+                      <a:r>
+                        <a:rPr lang="en-US" dirty="0"/>
+                        <a:t>2000</a:t>
+                      </a:r>
+                    </a:p>
+                  </a:txBody>
+                  <a:tcPr/>
+                </a:tc>
+                <a:tc>
+                  <a:txBody>
+                    <a:bodyPr/>
+                    <a:lstStyle/>
+                    <a:p>
+                      <a:r>
+                        <a:rPr lang="en-US" dirty="0"/>
+                        <a:t>338.93</a:t>
+                      </a:r>
+                    </a:p>
+                  </a:txBody>
+                  <a:tcPr/>
+                </a:tc>
+                <a:tc>
+                  <a:txBody>
+                    <a:bodyPr/>
+                    <a:lstStyle/>
+                    <a:p>
+                      <a:r>
+                        <a:rPr lang="en-US" dirty="0"/>
+                        <a:t>545.72</a:t>
+                      </a:r>
+                    </a:p>
+                  </a:txBody>
+                  <a:tcPr/>
+                </a:tc>
+                <a:tc>
+                  <a:txBody>
+                    <a:bodyPr/>
+                    <a:lstStyle/>
+                    <a:p>
+                      <a:r>
+                        <a:rPr lang="en-US" dirty="0"/>
+                        <a:t>262.74</a:t>
+                      </a:r>
+                    </a:p>
+                  </a:txBody>
+                  <a:tcPr/>
+                </a:tc>
+                <a:tc>
+                  <a:txBody>
+                    <a:bodyPr/>
+                    <a:lstStyle/>
+                    <a:p>
+                      <a:endParaRPr lang="en-US"/>
+                    </a:p>
+                  </a:txBody>
+                  <a:tcPr/>
+                </a:tc>
+                <a:tc>
+                  <a:txBody>
+                    <a:bodyPr/>
+                    <a:lstStyle/>
+                    <a:p>
+                      <a:endParaRPr lang="en-US"/>
+                    </a:p>
+                  </a:txBody>
+                  <a:tcPr/>
+                </a:tc>
+                <a:tc>
+                  <a:txBody>
+                    <a:bodyPr/>
+                    <a:lstStyle/>
+                    <a:p>
+                      <a:endParaRPr lang="en-US"/>
+                    </a:p>
+                  </a:txBody>
+                  <a:tcPr/>
+                </a:tc>
+                <a:tc>
+                  <a:txBody>
+                    <a:bodyPr/>
+                    <a:lstStyle/>
+                    <a:p>
+                      <a:endParaRPr lang="en-US"/>
+                    </a:p>
+                  </a:txBody>
+                  <a:tcPr/>
+                </a:tc>
+                <a:tc>
+                  <a:txBody>
+                    <a:bodyPr/>
+                    <a:lstStyle/>
+                    <a:p>
+                      <a:endParaRPr lang="en-US"/>
+                    </a:p>
+                  </a:txBody>
+                  <a:tcPr/>
+                </a:tc>
+                <a:extLst>
+                  <a:ext uri="{0D108BD9-81ED-4DB2-BD59-A6C34878D82A}">
+                    <a16:rowId xmlns:a16="http://schemas.microsoft.com/office/drawing/2014/main" val="956585511"/>
+                  </a:ext>
+                </a:extLst>
+              </a:tr>
+              <a:tr h="317191">
+                <a:tc>
+                  <a:txBody>
+                    <a:bodyPr/>
+                    <a:lstStyle/>
+                    <a:p>
+                      <a:r>
+                        <a:rPr lang="en-US" dirty="0"/>
+                        <a:t>2378</a:t>
+                      </a:r>
+                    </a:p>
+                  </a:txBody>
+                  <a:tcPr/>
+                </a:tc>
+                <a:tc>
+                  <a:txBody>
+                    <a:bodyPr/>
+                    <a:lstStyle/>
+                    <a:p>
+                      <a:r>
+                        <a:rPr lang="en-US" dirty="0"/>
+                        <a:t>663.08</a:t>
+                      </a:r>
+                    </a:p>
+                  </a:txBody>
+                  <a:tcPr/>
+                </a:tc>
+                <a:tc>
+                  <a:txBody>
+                    <a:bodyPr/>
+                    <a:lstStyle/>
+                    <a:p>
+                      <a:r>
+                        <a:rPr lang="en-US" dirty="0"/>
+                        <a:t>1006.36</a:t>
+                      </a:r>
+                    </a:p>
+                  </a:txBody>
+                  <a:tcPr/>
+                </a:tc>
+                <a:tc>
+                  <a:txBody>
+                    <a:bodyPr/>
+                    <a:lstStyle/>
+                    <a:p>
+                      <a:r>
+                        <a:rPr lang="en-US"/>
+                        <a:t>515.84</a:t>
+                      </a:r>
+                    </a:p>
+                  </a:txBody>
+                  <a:tcPr/>
+                </a:tc>
+                <a:tc>
+                  <a:txBody>
+                    <a:bodyPr/>
+                    <a:lstStyle/>
+                    <a:p>
+                      <a:endParaRPr lang="en-US"/>
+                    </a:p>
+                  </a:txBody>
+                  <a:tcPr/>
+                </a:tc>
+                <a:tc>
+                  <a:txBody>
+                    <a:bodyPr/>
+                    <a:lstStyle/>
+                    <a:p>
+                      <a:endParaRPr lang="en-US"/>
+                    </a:p>
+                  </a:txBody>
+                  <a:tcPr/>
+                </a:tc>
+                <a:tc>
+                  <a:txBody>
+                    <a:bodyPr/>
+                    <a:lstStyle/>
+                    <a:p>
+                      <a:endParaRPr lang="en-US"/>
+                    </a:p>
+                  </a:txBody>
+                  <a:tcPr/>
+                </a:tc>
+                <a:tc>
+                  <a:txBody>
+                    <a:bodyPr/>
+                    <a:lstStyle/>
+                    <a:p>
+                      <a:endParaRPr lang="en-US"/>
+                    </a:p>
+                  </a:txBody>
+                  <a:tcPr/>
+                </a:tc>
+                <a:tc>
+                  <a:txBody>
+                    <a:bodyPr/>
+                    <a:lstStyle/>
+                    <a:p>
+                      <a:endParaRPr lang="en-US" dirty="0"/>
+                    </a:p>
+                  </a:txBody>
+                  <a:tcPr/>
+                </a:tc>
+                <a:extLst>
+                  <a:ext uri="{0D108BD9-81ED-4DB2-BD59-A6C34878D82A}">
+                    <a16:rowId xmlns:a16="http://schemas.microsoft.com/office/drawing/2014/main" val="2174127936"/>
+                  </a:ext>
+                </a:extLst>
+              </a:tr>
+            </a:tbl>
+          </a:graphicData>
+        </a:graphic>
+      </p:graphicFrame>
     </p:spTree>
   </p:cSld>
+  <p:clrMapOvr>
+    <a:masterClrMapping/>
+  </p:clrMapOvr>
   <p:timing>
     <p:tnLst>
       <p:par>
@@ -3146,14 +4636,14 @@
             <p:seq>
               <p:cTn id="2" dur="indefinite" nodeType="mainSeq"/>
               <p:prevCondLst>
-                <p:cond delay="0" evt="onPrev">
+                <p:cond evt="onPrev" delay="0">
                   <p:tgtEl>
                     <p:sldTgt/>
                   </p:tgtEl>
                 </p:cond>
               </p:prevCondLst>
               <p:nextCondLst>
-                <p:cond delay="0" evt="onNext">
+                <p:cond evt="onNext" delay="0">
                   <p:tgtEl>
                     <p:sldTgt/>
                   </p:tgtEl>
@@ -3179,34 +4669,34 @@
         <a:sysClr val="window" lastClr="FFFFFF"/>
       </a:lt1>
       <a:dk2>
-        <a:srgbClr val="53585f"/>
+        <a:srgbClr val="53585F"/>
       </a:dk2>
       <a:lt2>
-        <a:srgbClr val="dcdee0"/>
+        <a:srgbClr val="DCDEE0"/>
       </a:lt2>
       <a:accent1>
-        <a:srgbClr val="0365c0"/>
+        <a:srgbClr val="0365C0"/>
       </a:accent1>
       <a:accent2>
-        <a:srgbClr val="00882b"/>
+        <a:srgbClr val="00882B"/>
       </a:accent2>
       <a:accent3>
-        <a:srgbClr val="dcbd23"/>
+        <a:srgbClr val="DCBD23"/>
       </a:accent3>
       <a:accent4>
-        <a:srgbClr val="de6a10"/>
+        <a:srgbClr val="DE6A10"/>
       </a:accent4>
       <a:accent5>
-        <a:srgbClr val="c82506"/>
+        <a:srgbClr val="C82506"/>
       </a:accent5>
       <a:accent6>
-        <a:srgbClr val="773f9b"/>
+        <a:srgbClr val="773F9B"/>
       </a:accent6>
       <a:hlink>
-        <a:srgbClr val="0000ff"/>
+        <a:srgbClr val="0000FF"/>
       </a:hlink>
       <a:folHlink>
-        <a:srgbClr val="ff00ff"/>
+        <a:srgbClr val="FF00FF"/>
       </a:folHlink>
     </a:clrScheme>
     <a:fontScheme name="Office">
@@ -3388,5 +4878,7 @@
       </a:bgFillStyleLst>
     </a:fmtScheme>
   </a:themeElements>
+  <a:objectDefaults/>
+  <a:extraClrSchemeLst/>
 </a:theme>
 </file>
--- a/Poster Stuff/cs470poster.pptx
+++ b/Poster Stuff/cs470poster.pptx
@@ -1489,7 +1489,16 @@
                 </a:solidFill>
                 <a:latin typeface="Arial"/>
               </a:rPr>
-              <a:t>Click to edit the title text format</a:t>
+              <a:t>Click to edit the </a:t>
+            </a:r>
+            <a:r>
+              <a:rPr b="0" lang="en-US" sz="1800" spc="-1" strike="noStrike">
+                <a:solidFill>
+                  <a:srgbClr val="000000"/>
+                </a:solidFill>
+                <a:latin typeface="Arial"/>
+              </a:rPr>
+              <a:t>title text format</a:t>
             </a:r>
             <a:endParaRPr b="0" lang="en-US" sz="1800" spc="-1" strike="noStrike">
               <a:solidFill>
@@ -2939,7 +2948,7 @@
         <p:spPr>
           <a:xfrm>
             <a:off x="13644720" y="8587080"/>
-            <a:ext cx="10861200" cy="3025800"/>
+            <a:ext cx="8940960" cy="3025800"/>
           </a:xfrm>
           <a:prstGeom prst="rect">
             <a:avLst/>
@@ -3266,7 +3275,7 @@
           <p:nvPr/>
         </p:nvGraphicFramePr>
         <p:xfrm>
-          <a:off x="22916520" y="10203120"/>
+          <a:off x="22933800" y="10490040"/>
           <a:ext cx="9046080" cy="2433960"/>
         </p:xfrm>
         <a:graphic>
@@ -3754,7 +3763,7 @@
                           <a:latin typeface="Arial"/>
                           <a:ea typeface="DejaVu Sans"/>
                         </a:rPr>
-                        <a:t>1000</a:t>
+                        <a:t>0707</a:t>
                       </a:r>
                       <a:endParaRPr b="0" lang="en-US" sz="1800" spc="-1" strike="noStrike">
                         <a:latin typeface="Arial"/>
@@ -3787,6 +3796,224 @@
                     </a:solidFill>
                   </a:tcPr>
                 </a:tc>
+                <a:tc>
+                  <a:tcPr marL="91440" marR="91440">
+                    <a:lnL w="12240">
+                      <a:solidFill>
+                        <a:srgbClr val="ffffff"/>
+                      </a:solidFill>
+                    </a:lnL>
+                    <a:lnR w="12240">
+                      <a:solidFill>
+                        <a:srgbClr val="ffffff"/>
+                      </a:solidFill>
+                    </a:lnR>
+                    <a:lnT w="12240">
+                      <a:solidFill>
+                        <a:srgbClr val="ffffff"/>
+                      </a:solidFill>
+                    </a:lnT>
+                    <a:lnB w="12240">
+                      <a:solidFill>
+                        <a:srgbClr val="ffffff"/>
+                      </a:solidFill>
+                    </a:lnB>
+                    <a:solidFill>
+                      <a:srgbClr val="ccd3e8"/>
+                    </a:solidFill>
+                  </a:tcPr>
+                </a:tc>
+                <a:tc>
+                  <a:tcPr marL="91440" marR="91440">
+                    <a:lnL w="12240">
+                      <a:solidFill>
+                        <a:srgbClr val="ffffff"/>
+                      </a:solidFill>
+                    </a:lnL>
+                    <a:lnR w="12240">
+                      <a:solidFill>
+                        <a:srgbClr val="ffffff"/>
+                      </a:solidFill>
+                    </a:lnR>
+                    <a:lnT w="12240">
+                      <a:solidFill>
+                        <a:srgbClr val="ffffff"/>
+                      </a:solidFill>
+                    </a:lnT>
+                    <a:lnB w="12240">
+                      <a:solidFill>
+                        <a:srgbClr val="ffffff"/>
+                      </a:solidFill>
+                    </a:lnB>
+                    <a:solidFill>
+                      <a:srgbClr val="ccd3e8"/>
+                    </a:solidFill>
+                  </a:tcPr>
+                </a:tc>
+                <a:tc>
+                  <a:tcPr marL="91440" marR="91440">
+                    <a:lnL w="12240">
+                      <a:solidFill>
+                        <a:srgbClr val="ffffff"/>
+                      </a:solidFill>
+                    </a:lnL>
+                    <a:lnR w="12240">
+                      <a:solidFill>
+                        <a:srgbClr val="ffffff"/>
+                      </a:solidFill>
+                    </a:lnR>
+                    <a:lnT w="12240">
+                      <a:solidFill>
+                        <a:srgbClr val="ffffff"/>
+                      </a:solidFill>
+                    </a:lnT>
+                    <a:lnB w="12240">
+                      <a:solidFill>
+                        <a:srgbClr val="ffffff"/>
+                      </a:solidFill>
+                    </a:lnB>
+                    <a:solidFill>
+                      <a:srgbClr val="ccd3e8"/>
+                    </a:solidFill>
+                  </a:tcPr>
+                </a:tc>
+                <a:tc>
+                  <a:tcPr marL="91440" marR="91440">
+                    <a:lnL w="12240">
+                      <a:solidFill>
+                        <a:srgbClr val="ffffff"/>
+                      </a:solidFill>
+                    </a:lnL>
+                    <a:lnR w="12240">
+                      <a:solidFill>
+                        <a:srgbClr val="ffffff"/>
+                      </a:solidFill>
+                    </a:lnR>
+                    <a:lnT w="12240">
+                      <a:solidFill>
+                        <a:srgbClr val="ffffff"/>
+                      </a:solidFill>
+                    </a:lnT>
+                    <a:lnB w="12240">
+                      <a:solidFill>
+                        <a:srgbClr val="ffffff"/>
+                      </a:solidFill>
+                    </a:lnB>
+                    <a:solidFill>
+                      <a:srgbClr val="ccd3e8"/>
+                    </a:solidFill>
+                  </a:tcPr>
+                </a:tc>
+                <a:tc>
+                  <a:tcPr marL="91440" marR="91440">
+                    <a:lnL w="12240">
+                      <a:solidFill>
+                        <a:srgbClr val="ffffff"/>
+                      </a:solidFill>
+                    </a:lnL>
+                    <a:lnR w="12240">
+                      <a:solidFill>
+                        <a:srgbClr val="ffffff"/>
+                      </a:solidFill>
+                    </a:lnR>
+                    <a:lnT w="12240">
+                      <a:solidFill>
+                        <a:srgbClr val="ffffff"/>
+                      </a:solidFill>
+                    </a:lnT>
+                    <a:lnB w="12240">
+                      <a:solidFill>
+                        <a:srgbClr val="ffffff"/>
+                      </a:solidFill>
+                    </a:lnB>
+                    <a:solidFill>
+                      <a:srgbClr val="ccd3e8"/>
+                    </a:solidFill>
+                  </a:tcPr>
+                </a:tc>
+                <a:tc>
+                  <a:tcPr marL="91440" marR="91440">
+                    <a:lnL w="12240">
+                      <a:solidFill>
+                        <a:srgbClr val="ffffff"/>
+                      </a:solidFill>
+                    </a:lnL>
+                    <a:lnR w="12240">
+                      <a:solidFill>
+                        <a:srgbClr val="ffffff"/>
+                      </a:solidFill>
+                    </a:lnR>
+                    <a:lnT w="12240">
+                      <a:solidFill>
+                        <a:srgbClr val="ffffff"/>
+                      </a:solidFill>
+                    </a:lnT>
+                    <a:lnB w="12240">
+                      <a:solidFill>
+                        <a:srgbClr val="ffffff"/>
+                      </a:solidFill>
+                    </a:lnB>
+                    <a:solidFill>
+                      <a:srgbClr val="ccd3e8"/>
+                    </a:solidFill>
+                  </a:tcPr>
+                </a:tc>
+                <a:tc>
+                  <a:tcPr marL="91440" marR="91440">
+                    <a:lnL w="12240">
+                      <a:solidFill>
+                        <a:srgbClr val="ffffff"/>
+                      </a:solidFill>
+                    </a:lnL>
+                    <a:lnR w="12240">
+                      <a:solidFill>
+                        <a:srgbClr val="ffffff"/>
+                      </a:solidFill>
+                    </a:lnR>
+                    <a:lnT w="12240">
+                      <a:solidFill>
+                        <a:srgbClr val="ffffff"/>
+                      </a:solidFill>
+                    </a:lnT>
+                    <a:lnB w="12240">
+                      <a:solidFill>
+                        <a:srgbClr val="ffffff"/>
+                      </a:solidFill>
+                    </a:lnB>
+                    <a:solidFill>
+                      <a:srgbClr val="ccd3e8"/>
+                    </a:solidFill>
+                  </a:tcPr>
+                </a:tc>
+                <a:tc>
+                  <a:tcPr marL="91440" marR="91440">
+                    <a:lnL w="12240">
+                      <a:solidFill>
+                        <a:srgbClr val="ffffff"/>
+                      </a:solidFill>
+                    </a:lnL>
+                    <a:lnR w="12240">
+                      <a:solidFill>
+                        <a:srgbClr val="ffffff"/>
+                      </a:solidFill>
+                    </a:lnR>
+                    <a:lnT w="12240">
+                      <a:solidFill>
+                        <a:srgbClr val="ffffff"/>
+                      </a:solidFill>
+                    </a:lnT>
+                    <a:lnB w="12240">
+                      <a:solidFill>
+                        <a:srgbClr val="ffffff"/>
+                      </a:solidFill>
+                    </a:lnB>
+                    <a:solidFill>
+                      <a:srgbClr val="ccd3e8"/>
+                    </a:solidFill>
+                  </a:tcPr>
+                </a:tc>
+              </a:tr>
+              <a:tr h="347760">
                 <a:tc>
                   <a:txBody>
                     <a:bodyPr/>
@@ -3804,7 +4031,7 @@
                           <a:latin typeface="Arial"/>
                           <a:ea typeface="DejaVu Sans"/>
                         </a:rPr>
-                        <a:t>026.49</a:t>
+                        <a:t>1000</a:t>
                       </a:r>
                       <a:endParaRPr b="0" lang="en-US" sz="1800" spc="-1" strike="noStrike">
                         <a:latin typeface="Arial"/>
@@ -3833,321 +4060,11 @@
                       </a:solidFill>
                     </a:lnB>
                     <a:solidFill>
-                      <a:srgbClr val="ccd3e8"/>
-                    </a:solidFill>
-                  </a:tcPr>
-                </a:tc>
-                <a:tc>
-                  <a:txBody>
-                    <a:bodyPr/>
-                    <a:p>
-                      <a:pPr>
-                        <a:lnSpc>
-                          <a:spcPct val="100000"/>
-                        </a:lnSpc>
-                      </a:pPr>
-                      <a:r>
-                        <a:rPr b="0" lang="en-US" sz="1800" spc="-1" strike="noStrike">
-                          <a:solidFill>
-                            <a:srgbClr val="000000"/>
-                          </a:solidFill>
-                          <a:latin typeface="Arial"/>
-                          <a:ea typeface="DejaVu Sans"/>
-                        </a:rPr>
-                        <a:t>043.77</a:t>
-                      </a:r>
-                      <a:endParaRPr b="0" lang="en-US" sz="1800" spc="-1" strike="noStrike">
-                        <a:latin typeface="Arial"/>
-                      </a:endParaRPr>
-                    </a:p>
-                  </a:txBody>
-                  <a:tcPr marL="91440" marR="91440">
-                    <a:lnL w="12240">
-                      <a:solidFill>
-                        <a:srgbClr val="ffffff"/>
-                      </a:solidFill>
-                    </a:lnL>
-                    <a:lnR w="12240">
-                      <a:solidFill>
-                        <a:srgbClr val="ffffff"/>
-                      </a:solidFill>
-                    </a:lnR>
-                    <a:lnT w="12240">
-                      <a:solidFill>
-                        <a:srgbClr val="ffffff"/>
-                      </a:solidFill>
-                    </a:lnT>
-                    <a:lnB w="12240">
-                      <a:solidFill>
-                        <a:srgbClr val="ffffff"/>
-                      </a:solidFill>
-                    </a:lnB>
-                    <a:solidFill>
-                      <a:srgbClr val="ccd3e8"/>
-                    </a:solidFill>
-                  </a:tcPr>
-                </a:tc>
-                <a:tc>
-                  <a:txBody>
-                    <a:bodyPr/>
-                    <a:p>
-                      <a:pPr>
-                        <a:lnSpc>
-                          <a:spcPct val="100000"/>
-                        </a:lnSpc>
-                      </a:pPr>
-                      <a:r>
-                        <a:rPr b="0" lang="en-US" sz="1800" spc="-1" strike="noStrike">
-                          <a:solidFill>
-                            <a:srgbClr val="000000"/>
-                          </a:solidFill>
-                          <a:latin typeface="Arial"/>
-                          <a:ea typeface="DejaVu Sans"/>
-                        </a:rPr>
-                        <a:t>020.70</a:t>
-                      </a:r>
-                      <a:endParaRPr b="0" lang="en-US" sz="1800" spc="-1" strike="noStrike">
-                        <a:latin typeface="Arial"/>
-                      </a:endParaRPr>
-                    </a:p>
-                  </a:txBody>
-                  <a:tcPr marL="91440" marR="91440">
-                    <a:lnL w="12240">
-                      <a:solidFill>
-                        <a:srgbClr val="ffffff"/>
-                      </a:solidFill>
-                    </a:lnL>
-                    <a:lnR w="12240">
-                      <a:solidFill>
-                        <a:srgbClr val="ffffff"/>
-                      </a:solidFill>
-                    </a:lnR>
-                    <a:lnT w="12240">
-                      <a:solidFill>
-                        <a:srgbClr val="ffffff"/>
-                      </a:solidFill>
-                    </a:lnT>
-                    <a:lnB w="12240">
-                      <a:solidFill>
-                        <a:srgbClr val="ffffff"/>
-                      </a:solidFill>
-                    </a:lnB>
-                    <a:solidFill>
-                      <a:srgbClr val="ccd3e8"/>
-                    </a:solidFill>
-                  </a:tcPr>
-                </a:tc>
-                <a:tc>
-                  <a:tcPr marL="91440" marR="91440">
-                    <a:lnL w="12240">
-                      <a:solidFill>
-                        <a:srgbClr val="ffffff"/>
-                      </a:solidFill>
-                    </a:lnL>
-                    <a:lnR w="12240">
-                      <a:solidFill>
-                        <a:srgbClr val="ffffff"/>
-                      </a:solidFill>
-                    </a:lnR>
-                    <a:lnT w="12240">
-                      <a:solidFill>
-                        <a:srgbClr val="ffffff"/>
-                      </a:solidFill>
-                    </a:lnT>
-                    <a:lnB w="12240">
-                      <a:solidFill>
-                        <a:srgbClr val="ffffff"/>
-                      </a:solidFill>
-                    </a:lnB>
-                    <a:solidFill>
-                      <a:srgbClr val="ccd3e8"/>
-                    </a:solidFill>
-                  </a:tcPr>
-                </a:tc>
-                <a:tc>
-                  <a:tcPr marL="91440" marR="91440">
-                    <a:lnL w="12240">
-                      <a:solidFill>
-                        <a:srgbClr val="ffffff"/>
-                      </a:solidFill>
-                    </a:lnL>
-                    <a:lnR w="12240">
-                      <a:solidFill>
-                        <a:srgbClr val="ffffff"/>
-                      </a:solidFill>
-                    </a:lnR>
-                    <a:lnT w="12240">
-                      <a:solidFill>
-                        <a:srgbClr val="ffffff"/>
-                      </a:solidFill>
-                    </a:lnT>
-                    <a:lnB w="12240">
-                      <a:solidFill>
-                        <a:srgbClr val="ffffff"/>
-                      </a:solidFill>
-                    </a:lnB>
-                    <a:solidFill>
-                      <a:srgbClr val="ccd3e8"/>
-                    </a:solidFill>
-                  </a:tcPr>
-                </a:tc>
-                <a:tc>
-                  <a:tcPr marL="91440" marR="91440">
-                    <a:lnL w="12240">
-                      <a:solidFill>
-                        <a:srgbClr val="ffffff"/>
-                      </a:solidFill>
-                    </a:lnL>
-                    <a:lnR w="12240">
-                      <a:solidFill>
-                        <a:srgbClr val="ffffff"/>
-                      </a:solidFill>
-                    </a:lnR>
-                    <a:lnT w="12240">
-                      <a:solidFill>
-                        <a:srgbClr val="ffffff"/>
-                      </a:solidFill>
-                    </a:lnT>
-                    <a:lnB w="12240">
-                      <a:solidFill>
-                        <a:srgbClr val="ffffff"/>
-                      </a:solidFill>
-                    </a:lnB>
-                    <a:solidFill>
-                      <a:srgbClr val="ccd3e8"/>
-                    </a:solidFill>
-                  </a:tcPr>
-                </a:tc>
-                <a:tc>
-                  <a:tcPr marL="91440" marR="91440">
-                    <a:lnL w="12240">
-                      <a:solidFill>
-                        <a:srgbClr val="ffffff"/>
-                      </a:solidFill>
-                    </a:lnL>
-                    <a:lnR w="12240">
-                      <a:solidFill>
-                        <a:srgbClr val="ffffff"/>
-                      </a:solidFill>
-                    </a:lnR>
-                    <a:lnT w="12240">
-                      <a:solidFill>
-                        <a:srgbClr val="ffffff"/>
-                      </a:solidFill>
-                    </a:lnT>
-                    <a:lnB w="12240">
-                      <a:solidFill>
-                        <a:srgbClr val="ffffff"/>
-                      </a:solidFill>
-                    </a:lnB>
-                    <a:solidFill>
-                      <a:srgbClr val="ccd3e8"/>
-                    </a:solidFill>
-                  </a:tcPr>
-                </a:tc>
-                <a:tc>
-                  <a:tcPr marL="91440" marR="91440">
-                    <a:lnL w="12240">
-                      <a:solidFill>
-                        <a:srgbClr val="ffffff"/>
-                      </a:solidFill>
-                    </a:lnL>
-                    <a:lnR w="12240">
-                      <a:solidFill>
-                        <a:srgbClr val="ffffff"/>
-                      </a:solidFill>
-                    </a:lnR>
-                    <a:lnT w="12240">
-                      <a:solidFill>
-                        <a:srgbClr val="ffffff"/>
-                      </a:solidFill>
-                    </a:lnT>
-                    <a:lnB w="12240">
-                      <a:solidFill>
-                        <a:srgbClr val="ffffff"/>
-                      </a:solidFill>
-                    </a:lnB>
-                    <a:solidFill>
-                      <a:srgbClr val="ccd3e8"/>
-                    </a:solidFill>
-                  </a:tcPr>
-                </a:tc>
-              </a:tr>
-              <a:tr h="347760">
-                <a:tc>
-                  <a:txBody>
-                    <a:bodyPr/>
-                    <a:p>
-                      <a:pPr>
-                        <a:lnSpc>
-                          <a:spcPct val="100000"/>
-                        </a:lnSpc>
-                      </a:pPr>
-                      <a:r>
-                        <a:rPr b="0" lang="en-US" sz="1800" spc="-1" strike="noStrike">
-                          <a:solidFill>
-                            <a:srgbClr val="000000"/>
-                          </a:solidFill>
-                          <a:latin typeface="Arial"/>
-                          <a:ea typeface="DejaVu Sans"/>
-                        </a:rPr>
-                        <a:t>1189</a:t>
-                      </a:r>
-                      <a:endParaRPr b="0" lang="en-US" sz="1800" spc="-1" strike="noStrike">
-                        <a:latin typeface="Arial"/>
-                      </a:endParaRPr>
-                    </a:p>
-                  </a:txBody>
-                  <a:tcPr marL="91440" marR="91440">
-                    <a:lnL w="12240">
-                      <a:solidFill>
-                        <a:srgbClr val="ffffff"/>
-                      </a:solidFill>
-                    </a:lnL>
-                    <a:lnR w="12240">
-                      <a:solidFill>
-                        <a:srgbClr val="ffffff"/>
-                      </a:solidFill>
-                    </a:lnR>
-                    <a:lnT w="12240">
-                      <a:solidFill>
-                        <a:srgbClr val="ffffff"/>
-                      </a:solidFill>
-                    </a:lnT>
-                    <a:lnB w="12240">
-                      <a:solidFill>
-                        <a:srgbClr val="ffffff"/>
-                      </a:solidFill>
-                    </a:lnB>
-                    <a:solidFill>
                       <a:srgbClr val="e7eaf4"/>
                     </a:solidFill>
                   </a:tcPr>
                 </a:tc>
                 <a:tc>
-                  <a:txBody>
-                    <a:bodyPr/>
-                    <a:p>
-                      <a:pPr>
-                        <a:lnSpc>
-                          <a:spcPct val="100000"/>
-                        </a:lnSpc>
-                      </a:pPr>
-                      <a:r>
-                        <a:rPr b="0" lang="en-US" sz="1800" spc="-1" strike="noStrike">
-                          <a:solidFill>
-                            <a:srgbClr val="000000"/>
-                          </a:solidFill>
-                          <a:latin typeface="Arial"/>
-                          <a:ea typeface="DejaVu Sans"/>
-                        </a:rPr>
-                        <a:t>048.17</a:t>
-                      </a:r>
-                      <a:endParaRPr b="0" lang="en-US" sz="1800" spc="-1" strike="noStrike">
-                        <a:latin typeface="Arial"/>
-                      </a:endParaRPr>
-                    </a:p>
-                  </a:txBody>
                   <a:tcPr marL="91440" marR="91440">
                     <a:lnL w="12240">
                       <a:solidFill>
@@ -4175,29 +4092,6 @@
                   </a:tcPr>
                 </a:tc>
                 <a:tc>
-                  <a:txBody>
-                    <a:bodyPr/>
-                    <a:p>
-                      <a:pPr>
-                        <a:lnSpc>
-                          <a:spcPct val="100000"/>
-                        </a:lnSpc>
-                      </a:pPr>
-                      <a:r>
-                        <a:rPr b="0" lang="en-US" sz="1800" spc="-1" strike="noStrike">
-                          <a:solidFill>
-                            <a:srgbClr val="000000"/>
-                          </a:solidFill>
-                          <a:latin typeface="Arial"/>
-                          <a:ea typeface="DejaVu Sans"/>
-                        </a:rPr>
-                        <a:t>076.64</a:t>
-                      </a:r>
-                      <a:endParaRPr b="0" lang="en-US" sz="1800" spc="-1" strike="noStrike">
-                        <a:latin typeface="Arial"/>
-                      </a:endParaRPr>
-                    </a:p>
-                  </a:txBody>
                   <a:tcPr marL="91440" marR="91440">
                     <a:lnL w="12240">
                       <a:solidFill>
@@ -4225,29 +4119,6 @@
                   </a:tcPr>
                 </a:tc>
                 <a:tc>
-                  <a:txBody>
-                    <a:bodyPr/>
-                    <a:p>
-                      <a:pPr>
-                        <a:lnSpc>
-                          <a:spcPct val="100000"/>
-                        </a:lnSpc>
-                      </a:pPr>
-                      <a:r>
-                        <a:rPr b="0" lang="en-US" sz="1800" spc="-1" strike="noStrike">
-                          <a:solidFill>
-                            <a:srgbClr val="000000"/>
-                          </a:solidFill>
-                          <a:latin typeface="Arial"/>
-                          <a:ea typeface="DejaVu Sans"/>
-                        </a:rPr>
-                        <a:t>039.97</a:t>
-                      </a:r>
-                      <a:endParaRPr b="0" lang="en-US" sz="1800" spc="-1" strike="noStrike">
-                        <a:latin typeface="Arial"/>
-                      </a:endParaRPr>
-                    </a:p>
-                  </a:txBody>
                   <a:tcPr marL="91440" marR="91440">
                     <a:lnL w="12240">
                       <a:solidFill>
@@ -4462,29 +4333,6 @@
                   </a:tcPr>
                 </a:tc>
                 <a:tc>
-                  <a:txBody>
-                    <a:bodyPr/>
-                    <a:p>
-                      <a:pPr>
-                        <a:lnSpc>
-                          <a:spcPct val="100000"/>
-                        </a:lnSpc>
-                      </a:pPr>
-                      <a:r>
-                        <a:rPr b="0" lang="en-US" sz="1800" spc="-1" strike="noStrike">
-                          <a:solidFill>
-                            <a:srgbClr val="000000"/>
-                          </a:solidFill>
-                          <a:latin typeface="Arial"/>
-                          <a:ea typeface="DejaVu Sans"/>
-                        </a:rPr>
-                        <a:t>093.42</a:t>
-                      </a:r>
-                      <a:endParaRPr b="0" lang="en-US" sz="1800" spc="-1" strike="noStrike">
-                        <a:latin typeface="Arial"/>
-                      </a:endParaRPr>
-                    </a:p>
-                  </a:txBody>
                   <a:tcPr marL="91440" marR="91440">
                     <a:lnL w="12240">
                       <a:solidFill>
@@ -4512,29 +4360,6 @@
                   </a:tcPr>
                 </a:tc>
                 <a:tc>
-                  <a:txBody>
-                    <a:bodyPr/>
-                    <a:p>
-                      <a:pPr>
-                        <a:lnSpc>
-                          <a:spcPct val="100000"/>
-                        </a:lnSpc>
-                      </a:pPr>
-                      <a:r>
-                        <a:rPr b="0" lang="en-US" sz="1800" spc="-1" strike="noStrike">
-                          <a:solidFill>
-                            <a:srgbClr val="000000"/>
-                          </a:solidFill>
-                          <a:latin typeface="Arial"/>
-                          <a:ea typeface="DejaVu Sans"/>
-                        </a:rPr>
-                        <a:t>154.34</a:t>
-                      </a:r>
-                      <a:endParaRPr b="0" lang="en-US" sz="1800" spc="-1" strike="noStrike">
-                        <a:latin typeface="Arial"/>
-                      </a:endParaRPr>
-                    </a:p>
-                  </a:txBody>
                   <a:tcPr marL="91440" marR="91440">
                     <a:lnL w="12240">
                       <a:solidFill>
@@ -4562,29 +4387,6 @@
                   </a:tcPr>
                 </a:tc>
                 <a:tc>
-                  <a:txBody>
-                    <a:bodyPr/>
-                    <a:p>
-                      <a:pPr>
-                        <a:lnSpc>
-                          <a:spcPct val="100000"/>
-                        </a:lnSpc>
-                      </a:pPr>
-                      <a:r>
-                        <a:rPr b="0" lang="en-US" sz="1800" spc="-1" strike="noStrike">
-                          <a:solidFill>
-                            <a:srgbClr val="000000"/>
-                          </a:solidFill>
-                          <a:latin typeface="Arial"/>
-                          <a:ea typeface="DejaVu Sans"/>
-                        </a:rPr>
-                        <a:t>080.54</a:t>
-                      </a:r>
-                      <a:endParaRPr b="0" lang="en-US" sz="1800" spc="-1" strike="noStrike">
-                        <a:latin typeface="Arial"/>
-                      </a:endParaRPr>
-                    </a:p>
-                  </a:txBody>
                   <a:tcPr marL="91440" marR="91440">
                     <a:lnL w="12240">
                       <a:solidFill>
@@ -4743,343 +4545,6 @@
                     </a:lnB>
                     <a:solidFill>
                       <a:srgbClr val="ccd3e8"/>
-                    </a:solidFill>
-                  </a:tcPr>
-                </a:tc>
-              </a:tr>
-              <a:tr h="347760">
-                <a:tc>
-                  <a:txBody>
-                    <a:bodyPr/>
-                    <a:p>
-                      <a:pPr>
-                        <a:lnSpc>
-                          <a:spcPct val="100000"/>
-                        </a:lnSpc>
-                      </a:pPr>
-                      <a:r>
-                        <a:rPr b="0" lang="en-US" sz="1800" spc="-1" strike="noStrike">
-                          <a:solidFill>
-                            <a:srgbClr val="000000"/>
-                          </a:solidFill>
-                          <a:latin typeface="Arial"/>
-                          <a:ea typeface="DejaVu Sans"/>
-                        </a:rPr>
-                        <a:t>1682</a:t>
-                      </a:r>
-                      <a:endParaRPr b="0" lang="en-US" sz="1800" spc="-1" strike="noStrike">
-                        <a:latin typeface="Arial"/>
-                      </a:endParaRPr>
-                    </a:p>
-                  </a:txBody>
-                  <a:tcPr marL="91440" marR="91440">
-                    <a:lnL w="12240">
-                      <a:solidFill>
-                        <a:srgbClr val="ffffff"/>
-                      </a:solidFill>
-                    </a:lnL>
-                    <a:lnR w="12240">
-                      <a:solidFill>
-                        <a:srgbClr val="ffffff"/>
-                      </a:solidFill>
-                    </a:lnR>
-                    <a:lnT w="12240">
-                      <a:solidFill>
-                        <a:srgbClr val="ffffff"/>
-                      </a:solidFill>
-                    </a:lnT>
-                    <a:lnB w="12240">
-                      <a:solidFill>
-                        <a:srgbClr val="ffffff"/>
-                      </a:solidFill>
-                    </a:lnB>
-                    <a:solidFill>
-                      <a:srgbClr val="e7eaf4"/>
-                    </a:solidFill>
-                  </a:tcPr>
-                </a:tc>
-                <a:tc>
-                  <a:txBody>
-                    <a:bodyPr/>
-                    <a:p>
-                      <a:pPr>
-                        <a:lnSpc>
-                          <a:spcPct val="100000"/>
-                        </a:lnSpc>
-                      </a:pPr>
-                      <a:r>
-                        <a:rPr b="0" lang="en-US" sz="1800" spc="-1" strike="noStrike">
-                          <a:solidFill>
-                            <a:srgbClr val="000000"/>
-                          </a:solidFill>
-                          <a:latin typeface="Arial"/>
-                          <a:ea typeface="DejaVu Sans"/>
-                        </a:rPr>
-                        <a:t>183.14</a:t>
-                      </a:r>
-                      <a:endParaRPr b="0" lang="en-US" sz="1800" spc="-1" strike="noStrike">
-                        <a:latin typeface="Arial"/>
-                      </a:endParaRPr>
-                    </a:p>
-                  </a:txBody>
-                  <a:tcPr marL="91440" marR="91440">
-                    <a:lnL w="12240">
-                      <a:solidFill>
-                        <a:srgbClr val="ffffff"/>
-                      </a:solidFill>
-                    </a:lnL>
-                    <a:lnR w="12240">
-                      <a:solidFill>
-                        <a:srgbClr val="ffffff"/>
-                      </a:solidFill>
-                    </a:lnR>
-                    <a:lnT w="12240">
-                      <a:solidFill>
-                        <a:srgbClr val="ffffff"/>
-                      </a:solidFill>
-                    </a:lnT>
-                    <a:lnB w="12240">
-                      <a:solidFill>
-                        <a:srgbClr val="ffffff"/>
-                      </a:solidFill>
-                    </a:lnB>
-                    <a:solidFill>
-                      <a:srgbClr val="e7eaf4"/>
-                    </a:solidFill>
-                  </a:tcPr>
-                </a:tc>
-                <a:tc>
-                  <a:txBody>
-                    <a:bodyPr/>
-                    <a:p>
-                      <a:pPr>
-                        <a:lnSpc>
-                          <a:spcPct val="100000"/>
-                        </a:lnSpc>
-                      </a:pPr>
-                      <a:r>
-                        <a:rPr b="0" lang="en-US" sz="1800" spc="-1" strike="noStrike">
-                          <a:solidFill>
-                            <a:srgbClr val="000000"/>
-                          </a:solidFill>
-                          <a:latin typeface="Arial"/>
-                          <a:ea typeface="DejaVu Sans"/>
-                        </a:rPr>
-                        <a:t>304.14</a:t>
-                      </a:r>
-                      <a:endParaRPr b="0" lang="en-US" sz="1800" spc="-1" strike="noStrike">
-                        <a:latin typeface="Arial"/>
-                      </a:endParaRPr>
-                    </a:p>
-                  </a:txBody>
-                  <a:tcPr marL="91440" marR="91440">
-                    <a:lnL w="12240">
-                      <a:solidFill>
-                        <a:srgbClr val="ffffff"/>
-                      </a:solidFill>
-                    </a:lnL>
-                    <a:lnR w="12240">
-                      <a:solidFill>
-                        <a:srgbClr val="ffffff"/>
-                      </a:solidFill>
-                    </a:lnR>
-                    <a:lnT w="12240">
-                      <a:solidFill>
-                        <a:srgbClr val="ffffff"/>
-                      </a:solidFill>
-                    </a:lnT>
-                    <a:lnB w="12240">
-                      <a:solidFill>
-                        <a:srgbClr val="ffffff"/>
-                      </a:solidFill>
-                    </a:lnB>
-                    <a:solidFill>
-                      <a:srgbClr val="e7eaf4"/>
-                    </a:solidFill>
-                  </a:tcPr>
-                </a:tc>
-                <a:tc>
-                  <a:txBody>
-                    <a:bodyPr/>
-                    <a:p>
-                      <a:pPr>
-                        <a:lnSpc>
-                          <a:spcPct val="100000"/>
-                        </a:lnSpc>
-                      </a:pPr>
-                      <a:r>
-                        <a:rPr b="0" lang="en-US" sz="1800" spc="-1" strike="noStrike">
-                          <a:solidFill>
-                            <a:srgbClr val="000000"/>
-                          </a:solidFill>
-                          <a:latin typeface="Arial"/>
-                          <a:ea typeface="DejaVu Sans"/>
-                        </a:rPr>
-                        <a:t>142.04</a:t>
-                      </a:r>
-                      <a:endParaRPr b="0" lang="en-US" sz="1800" spc="-1" strike="noStrike">
-                        <a:latin typeface="Arial"/>
-                      </a:endParaRPr>
-                    </a:p>
-                  </a:txBody>
-                  <a:tcPr marL="91440" marR="91440">
-                    <a:lnL w="12240">
-                      <a:solidFill>
-                        <a:srgbClr val="ffffff"/>
-                      </a:solidFill>
-                    </a:lnL>
-                    <a:lnR w="12240">
-                      <a:solidFill>
-                        <a:srgbClr val="ffffff"/>
-                      </a:solidFill>
-                    </a:lnR>
-                    <a:lnT w="12240">
-                      <a:solidFill>
-                        <a:srgbClr val="ffffff"/>
-                      </a:solidFill>
-                    </a:lnT>
-                    <a:lnB w="12240">
-                      <a:solidFill>
-                        <a:srgbClr val="ffffff"/>
-                      </a:solidFill>
-                    </a:lnB>
-                    <a:solidFill>
-                      <a:srgbClr val="e7eaf4"/>
-                    </a:solidFill>
-                  </a:tcPr>
-                </a:tc>
-                <a:tc>
-                  <a:tcPr marL="91440" marR="91440">
-                    <a:lnL w="12240">
-                      <a:solidFill>
-                        <a:srgbClr val="ffffff"/>
-                      </a:solidFill>
-                    </a:lnL>
-                    <a:lnR w="12240">
-                      <a:solidFill>
-                        <a:srgbClr val="ffffff"/>
-                      </a:solidFill>
-                    </a:lnR>
-                    <a:lnT w="12240">
-                      <a:solidFill>
-                        <a:srgbClr val="ffffff"/>
-                      </a:solidFill>
-                    </a:lnT>
-                    <a:lnB w="12240">
-                      <a:solidFill>
-                        <a:srgbClr val="ffffff"/>
-                      </a:solidFill>
-                    </a:lnB>
-                    <a:solidFill>
-                      <a:srgbClr val="e7eaf4"/>
-                    </a:solidFill>
-                  </a:tcPr>
-                </a:tc>
-                <a:tc>
-                  <a:tcPr marL="91440" marR="91440">
-                    <a:lnL w="12240">
-                      <a:solidFill>
-                        <a:srgbClr val="ffffff"/>
-                      </a:solidFill>
-                    </a:lnL>
-                    <a:lnR w="12240">
-                      <a:solidFill>
-                        <a:srgbClr val="ffffff"/>
-                      </a:solidFill>
-                    </a:lnR>
-                    <a:lnT w="12240">
-                      <a:solidFill>
-                        <a:srgbClr val="ffffff"/>
-                      </a:solidFill>
-                    </a:lnT>
-                    <a:lnB w="12240">
-                      <a:solidFill>
-                        <a:srgbClr val="ffffff"/>
-                      </a:solidFill>
-                    </a:lnB>
-                    <a:solidFill>
-                      <a:srgbClr val="e7eaf4"/>
-                    </a:solidFill>
-                  </a:tcPr>
-                </a:tc>
-                <a:tc>
-                  <a:tcPr marL="91440" marR="91440">
-                    <a:lnL w="12240">
-                      <a:solidFill>
-                        <a:srgbClr val="ffffff"/>
-                      </a:solidFill>
-                    </a:lnL>
-                    <a:lnR w="12240">
-                      <a:solidFill>
-                        <a:srgbClr val="ffffff"/>
-                      </a:solidFill>
-                    </a:lnR>
-                    <a:lnT w="12240">
-                      <a:solidFill>
-                        <a:srgbClr val="ffffff"/>
-                      </a:solidFill>
-                    </a:lnT>
-                    <a:lnB w="12240">
-                      <a:solidFill>
-                        <a:srgbClr val="ffffff"/>
-                      </a:solidFill>
-                    </a:lnB>
-                    <a:solidFill>
-                      <a:srgbClr val="e7eaf4"/>
-                    </a:solidFill>
-                  </a:tcPr>
-                </a:tc>
-                <a:tc>
-                  <a:tcPr marL="91440" marR="91440">
-                    <a:lnL w="12240">
-                      <a:solidFill>
-                        <a:srgbClr val="ffffff"/>
-                      </a:solidFill>
-                    </a:lnL>
-                    <a:lnR w="12240">
-                      <a:solidFill>
-                        <a:srgbClr val="ffffff"/>
-                      </a:solidFill>
-                    </a:lnR>
-                    <a:lnT w="12240">
-                      <a:solidFill>
-                        <a:srgbClr val="ffffff"/>
-                      </a:solidFill>
-                    </a:lnT>
-                    <a:lnB w="12240">
-                      <a:solidFill>
-                        <a:srgbClr val="ffffff"/>
-                      </a:solidFill>
-                    </a:lnB>
-                    <a:solidFill>
-                      <a:srgbClr val="e7eaf4"/>
-                    </a:solidFill>
-                  </a:tcPr>
-                </a:tc>
-                <a:tc>
-                  <a:tcPr marL="91440" marR="91440">
-                    <a:lnL w="12240">
-                      <a:solidFill>
-                        <a:srgbClr val="ffffff"/>
-                      </a:solidFill>
-                    </a:lnL>
-                    <a:lnR w="12240">
-                      <a:solidFill>
-                        <a:srgbClr val="ffffff"/>
-                      </a:solidFill>
-                    </a:lnR>
-                    <a:lnT w="12240">
-                      <a:solidFill>
-                        <a:srgbClr val="ffffff"/>
-                      </a:solidFill>
-                    </a:lnT>
-                    <a:lnB w="12240">
-                      <a:solidFill>
-                        <a:srgbClr val="ffffff"/>
-                      </a:solidFill>
-                    </a:lnB>
-                    <a:solidFill>
-                      <a:srgbClr val="e7eaf4"/>
                     </a:solidFill>
                   </a:tcPr>
                 </a:tc>
@@ -5131,10 +4596,228 @@
                       </a:solidFill>
                     </a:lnB>
                     <a:solidFill>
-                      <a:srgbClr val="ccd3e8"/>
-                    </a:solidFill>
-                  </a:tcPr>
-                </a:tc>
+                      <a:srgbClr val="e7eaf4"/>
+                    </a:solidFill>
+                  </a:tcPr>
+                </a:tc>
+                <a:tc>
+                  <a:tcPr marL="91440" marR="91440">
+                    <a:lnL w="12240">
+                      <a:solidFill>
+                        <a:srgbClr val="ffffff"/>
+                      </a:solidFill>
+                    </a:lnL>
+                    <a:lnR w="12240">
+                      <a:solidFill>
+                        <a:srgbClr val="ffffff"/>
+                      </a:solidFill>
+                    </a:lnR>
+                    <a:lnT w="12240">
+                      <a:solidFill>
+                        <a:srgbClr val="ffffff"/>
+                      </a:solidFill>
+                    </a:lnT>
+                    <a:lnB w="12240">
+                      <a:solidFill>
+                        <a:srgbClr val="ffffff"/>
+                      </a:solidFill>
+                    </a:lnB>
+                    <a:solidFill>
+                      <a:srgbClr val="e7eaf4"/>
+                    </a:solidFill>
+                  </a:tcPr>
+                </a:tc>
+                <a:tc>
+                  <a:tcPr marL="91440" marR="91440">
+                    <a:lnL w="12240">
+                      <a:solidFill>
+                        <a:srgbClr val="ffffff"/>
+                      </a:solidFill>
+                    </a:lnL>
+                    <a:lnR w="12240">
+                      <a:solidFill>
+                        <a:srgbClr val="ffffff"/>
+                      </a:solidFill>
+                    </a:lnR>
+                    <a:lnT w="12240">
+                      <a:solidFill>
+                        <a:srgbClr val="ffffff"/>
+                      </a:solidFill>
+                    </a:lnT>
+                    <a:lnB w="12240">
+                      <a:solidFill>
+                        <a:srgbClr val="ffffff"/>
+                      </a:solidFill>
+                    </a:lnB>
+                    <a:solidFill>
+                      <a:srgbClr val="e7eaf4"/>
+                    </a:solidFill>
+                  </a:tcPr>
+                </a:tc>
+                <a:tc>
+                  <a:tcPr marL="91440" marR="91440">
+                    <a:lnL w="12240">
+                      <a:solidFill>
+                        <a:srgbClr val="ffffff"/>
+                      </a:solidFill>
+                    </a:lnL>
+                    <a:lnR w="12240">
+                      <a:solidFill>
+                        <a:srgbClr val="ffffff"/>
+                      </a:solidFill>
+                    </a:lnR>
+                    <a:lnT w="12240">
+                      <a:solidFill>
+                        <a:srgbClr val="ffffff"/>
+                      </a:solidFill>
+                    </a:lnT>
+                    <a:lnB w="12240">
+                      <a:solidFill>
+                        <a:srgbClr val="ffffff"/>
+                      </a:solidFill>
+                    </a:lnB>
+                    <a:solidFill>
+                      <a:srgbClr val="e7eaf4"/>
+                    </a:solidFill>
+                  </a:tcPr>
+                </a:tc>
+                <a:tc>
+                  <a:tcPr marL="91440" marR="91440">
+                    <a:lnL w="12240">
+                      <a:solidFill>
+                        <a:srgbClr val="ffffff"/>
+                      </a:solidFill>
+                    </a:lnL>
+                    <a:lnR w="12240">
+                      <a:solidFill>
+                        <a:srgbClr val="ffffff"/>
+                      </a:solidFill>
+                    </a:lnR>
+                    <a:lnT w="12240">
+                      <a:solidFill>
+                        <a:srgbClr val="ffffff"/>
+                      </a:solidFill>
+                    </a:lnT>
+                    <a:lnB w="12240">
+                      <a:solidFill>
+                        <a:srgbClr val="ffffff"/>
+                      </a:solidFill>
+                    </a:lnB>
+                    <a:solidFill>
+                      <a:srgbClr val="e7eaf4"/>
+                    </a:solidFill>
+                  </a:tcPr>
+                </a:tc>
+                <a:tc>
+                  <a:tcPr marL="91440" marR="91440">
+                    <a:lnL w="12240">
+                      <a:solidFill>
+                        <a:srgbClr val="ffffff"/>
+                      </a:solidFill>
+                    </a:lnL>
+                    <a:lnR w="12240">
+                      <a:solidFill>
+                        <a:srgbClr val="ffffff"/>
+                      </a:solidFill>
+                    </a:lnR>
+                    <a:lnT w="12240">
+                      <a:solidFill>
+                        <a:srgbClr val="ffffff"/>
+                      </a:solidFill>
+                    </a:lnT>
+                    <a:lnB w="12240">
+                      <a:solidFill>
+                        <a:srgbClr val="ffffff"/>
+                      </a:solidFill>
+                    </a:lnB>
+                    <a:solidFill>
+                      <a:srgbClr val="e7eaf4"/>
+                    </a:solidFill>
+                  </a:tcPr>
+                </a:tc>
+                <a:tc>
+                  <a:tcPr marL="91440" marR="91440">
+                    <a:lnL w="12240">
+                      <a:solidFill>
+                        <a:srgbClr val="ffffff"/>
+                      </a:solidFill>
+                    </a:lnL>
+                    <a:lnR w="12240">
+                      <a:solidFill>
+                        <a:srgbClr val="ffffff"/>
+                      </a:solidFill>
+                    </a:lnR>
+                    <a:lnT w="12240">
+                      <a:solidFill>
+                        <a:srgbClr val="ffffff"/>
+                      </a:solidFill>
+                    </a:lnT>
+                    <a:lnB w="12240">
+                      <a:solidFill>
+                        <a:srgbClr val="ffffff"/>
+                      </a:solidFill>
+                    </a:lnB>
+                    <a:solidFill>
+                      <a:srgbClr val="e7eaf4"/>
+                    </a:solidFill>
+                  </a:tcPr>
+                </a:tc>
+                <a:tc>
+                  <a:tcPr marL="91440" marR="91440">
+                    <a:lnL w="12240">
+                      <a:solidFill>
+                        <a:srgbClr val="ffffff"/>
+                      </a:solidFill>
+                    </a:lnL>
+                    <a:lnR w="12240">
+                      <a:solidFill>
+                        <a:srgbClr val="ffffff"/>
+                      </a:solidFill>
+                    </a:lnR>
+                    <a:lnT w="12240">
+                      <a:solidFill>
+                        <a:srgbClr val="ffffff"/>
+                      </a:solidFill>
+                    </a:lnT>
+                    <a:lnB w="12240">
+                      <a:solidFill>
+                        <a:srgbClr val="ffffff"/>
+                      </a:solidFill>
+                    </a:lnB>
+                    <a:solidFill>
+                      <a:srgbClr val="e7eaf4"/>
+                    </a:solidFill>
+                  </a:tcPr>
+                </a:tc>
+                <a:tc>
+                  <a:tcPr marL="91440" marR="91440">
+                    <a:lnL w="12240">
+                      <a:solidFill>
+                        <a:srgbClr val="ffffff"/>
+                      </a:solidFill>
+                    </a:lnL>
+                    <a:lnR w="12240">
+                      <a:solidFill>
+                        <a:srgbClr val="ffffff"/>
+                      </a:solidFill>
+                    </a:lnR>
+                    <a:lnT w="12240">
+                      <a:solidFill>
+                        <a:srgbClr val="ffffff"/>
+                      </a:solidFill>
+                    </a:lnT>
+                    <a:lnB w="12240">
+                      <a:solidFill>
+                        <a:srgbClr val="ffffff"/>
+                      </a:solidFill>
+                    </a:lnB>
+                    <a:solidFill>
+                      <a:srgbClr val="e7eaf4"/>
+                    </a:solidFill>
+                  </a:tcPr>
+                </a:tc>
+              </a:tr>
+              <a:tr h="347760">
                 <a:tc>
                   <a:txBody>
                     <a:bodyPr/>
@@ -5152,7 +4835,7 @@
                           <a:latin typeface="Arial"/>
                           <a:ea typeface="DejaVu Sans"/>
                         </a:rPr>
-                        <a:t>338.93</a:t>
+                        <a:t>2828</a:t>
                       </a:r>
                       <a:endParaRPr b="0" lang="en-US" sz="1800" spc="-1" strike="noStrike">
                         <a:latin typeface="Arial"/>
@@ -5186,29 +4869,6 @@
                   </a:tcPr>
                 </a:tc>
                 <a:tc>
-                  <a:txBody>
-                    <a:bodyPr/>
-                    <a:p>
-                      <a:pPr>
-                        <a:lnSpc>
-                          <a:spcPct val="100000"/>
-                        </a:lnSpc>
-                      </a:pPr>
-                      <a:r>
-                        <a:rPr b="0" lang="en-US" sz="1800" spc="-1" strike="noStrike">
-                          <a:solidFill>
-                            <a:srgbClr val="000000"/>
-                          </a:solidFill>
-                          <a:latin typeface="Arial"/>
-                          <a:ea typeface="DejaVu Sans"/>
-                        </a:rPr>
-                        <a:t>545.72</a:t>
-                      </a:r>
-                      <a:endParaRPr b="0" lang="en-US" sz="1800" spc="-1" strike="noStrike">
-                        <a:latin typeface="Arial"/>
-                      </a:endParaRPr>
-                    </a:p>
-                  </a:txBody>
                   <a:tcPr marL="91440" marR="91440">
                     <a:lnL w="12240">
                       <a:solidFill>
@@ -5236,29 +4896,6 @@
                   </a:tcPr>
                 </a:tc>
                 <a:tc>
-                  <a:txBody>
-                    <a:bodyPr/>
-                    <a:p>
-                      <a:pPr>
-                        <a:lnSpc>
-                          <a:spcPct val="100000"/>
-                        </a:lnSpc>
-                      </a:pPr>
-                      <a:r>
-                        <a:rPr b="0" lang="en-US" sz="1800" spc="-1" strike="noStrike">
-                          <a:solidFill>
-                            <a:srgbClr val="000000"/>
-                          </a:solidFill>
-                          <a:latin typeface="Arial"/>
-                          <a:ea typeface="DejaVu Sans"/>
-                        </a:rPr>
-                        <a:t>262.74</a:t>
-                      </a:r>
-                      <a:endParaRPr b="0" lang="en-US" sz="1800" spc="-1" strike="noStrike">
-                        <a:latin typeface="Arial"/>
-                      </a:endParaRPr>
-                    </a:p>
-                  </a:txBody>
                   <a:tcPr marL="91440" marR="91440">
                     <a:lnL w="12240">
                       <a:solidFill>
@@ -5420,340 +5057,30 @@
                     </a:solidFill>
                   </a:tcPr>
                 </a:tc>
-              </a:tr>
-              <a:tr h="347760">
-                <a:tc>
-                  <a:txBody>
-                    <a:bodyPr/>
-                    <a:p>
-                      <a:pPr>
-                        <a:lnSpc>
-                          <a:spcPct val="100000"/>
-                        </a:lnSpc>
-                      </a:pPr>
-                      <a:r>
-                        <a:rPr b="0" lang="en-US" sz="1800" spc="-1" strike="noStrike">
-                          <a:solidFill>
-                            <a:srgbClr val="000000"/>
-                          </a:solidFill>
-                          <a:latin typeface="Arial"/>
-                          <a:ea typeface="DejaVu Sans"/>
-                        </a:rPr>
-                        <a:t>2378</a:t>
-                      </a:r>
-                      <a:endParaRPr b="0" lang="en-US" sz="1800" spc="-1" strike="noStrike">
-                        <a:latin typeface="Arial"/>
-                      </a:endParaRPr>
-                    </a:p>
-                  </a:txBody>
-                  <a:tcPr marL="91440" marR="91440">
-                    <a:lnL w="12240">
-                      <a:solidFill>
-                        <a:srgbClr val="ffffff"/>
-                      </a:solidFill>
-                    </a:lnL>
-                    <a:lnR w="12240">
-                      <a:solidFill>
-                        <a:srgbClr val="ffffff"/>
-                      </a:solidFill>
-                    </a:lnR>
-                    <a:lnT w="12240">
-                      <a:solidFill>
-                        <a:srgbClr val="ffffff"/>
-                      </a:solidFill>
-                    </a:lnT>
-                    <a:lnB w="12240">
-                      <a:solidFill>
-                        <a:srgbClr val="ffffff"/>
-                      </a:solidFill>
-                    </a:lnB>
-                    <a:solidFill>
-                      <a:srgbClr val="e7eaf4"/>
-                    </a:solidFill>
-                  </a:tcPr>
-                </a:tc>
-                <a:tc>
-                  <a:txBody>
-                    <a:bodyPr/>
-                    <a:p>
-                      <a:pPr>
-                        <a:lnSpc>
-                          <a:spcPct val="100000"/>
-                        </a:lnSpc>
-                      </a:pPr>
-                      <a:r>
-                        <a:rPr b="0" lang="en-US" sz="1800" spc="-1" strike="noStrike">
-                          <a:solidFill>
-                            <a:srgbClr val="000000"/>
-                          </a:solidFill>
-                          <a:latin typeface="Arial"/>
-                          <a:ea typeface="DejaVu Sans"/>
-                        </a:rPr>
-                        <a:t>663.08</a:t>
-                      </a:r>
-                      <a:endParaRPr b="0" lang="en-US" sz="1800" spc="-1" strike="noStrike">
-                        <a:latin typeface="Arial"/>
-                      </a:endParaRPr>
-                    </a:p>
-                  </a:txBody>
-                  <a:tcPr marL="91440" marR="91440">
-                    <a:lnL w="12240">
-                      <a:solidFill>
-                        <a:srgbClr val="ffffff"/>
-                      </a:solidFill>
-                    </a:lnL>
-                    <a:lnR w="12240">
-                      <a:solidFill>
-                        <a:srgbClr val="ffffff"/>
-                      </a:solidFill>
-                    </a:lnR>
-                    <a:lnT w="12240">
-                      <a:solidFill>
-                        <a:srgbClr val="ffffff"/>
-                      </a:solidFill>
-                    </a:lnT>
-                    <a:lnB w="12240">
-                      <a:solidFill>
-                        <a:srgbClr val="ffffff"/>
-                      </a:solidFill>
-                    </a:lnB>
-                    <a:solidFill>
-                      <a:srgbClr val="e7eaf4"/>
-                    </a:solidFill>
-                  </a:tcPr>
-                </a:tc>
-                <a:tc>
-                  <a:txBody>
-                    <a:bodyPr/>
-                    <a:p>
-                      <a:pPr>
-                        <a:lnSpc>
-                          <a:spcPct val="100000"/>
-                        </a:lnSpc>
-                      </a:pPr>
-                      <a:r>
-                        <a:rPr b="0" lang="en-US" sz="1800" spc="-1" strike="noStrike">
-                          <a:solidFill>
-                            <a:srgbClr val="000000"/>
-                          </a:solidFill>
-                          <a:latin typeface="Arial"/>
-                          <a:ea typeface="DejaVu Sans"/>
-                        </a:rPr>
-                        <a:t>1006.36</a:t>
-                      </a:r>
-                      <a:endParaRPr b="0" lang="en-US" sz="1800" spc="-1" strike="noStrike">
-                        <a:latin typeface="Arial"/>
-                      </a:endParaRPr>
-                    </a:p>
-                  </a:txBody>
-                  <a:tcPr marL="91440" marR="91440">
-                    <a:lnL w="12240">
-                      <a:solidFill>
-                        <a:srgbClr val="ffffff"/>
-                      </a:solidFill>
-                    </a:lnL>
-                    <a:lnR w="12240">
-                      <a:solidFill>
-                        <a:srgbClr val="ffffff"/>
-                      </a:solidFill>
-                    </a:lnR>
-                    <a:lnT w="12240">
-                      <a:solidFill>
-                        <a:srgbClr val="ffffff"/>
-                      </a:solidFill>
-                    </a:lnT>
-                    <a:lnB w="12240">
-                      <a:solidFill>
-                        <a:srgbClr val="ffffff"/>
-                      </a:solidFill>
-                    </a:lnB>
-                    <a:solidFill>
-                      <a:srgbClr val="e7eaf4"/>
-                    </a:solidFill>
-                  </a:tcPr>
-                </a:tc>
-                <a:tc>
-                  <a:txBody>
-                    <a:bodyPr/>
-                    <a:p>
-                      <a:pPr>
-                        <a:lnSpc>
-                          <a:spcPct val="100000"/>
-                        </a:lnSpc>
-                      </a:pPr>
-                      <a:r>
-                        <a:rPr b="0" lang="en-US" sz="1800" spc="-1" strike="noStrike">
-                          <a:solidFill>
-                            <a:srgbClr val="000000"/>
-                          </a:solidFill>
-                          <a:latin typeface="Arial"/>
-                          <a:ea typeface="DejaVu Sans"/>
-                        </a:rPr>
-                        <a:t>515.84</a:t>
-                      </a:r>
-                      <a:endParaRPr b="0" lang="en-US" sz="1800" spc="-1" strike="noStrike">
-                        <a:latin typeface="Arial"/>
-                      </a:endParaRPr>
-                    </a:p>
-                  </a:txBody>
-                  <a:tcPr marL="91440" marR="91440">
-                    <a:lnL w="12240">
-                      <a:solidFill>
-                        <a:srgbClr val="ffffff"/>
-                      </a:solidFill>
-                    </a:lnL>
-                    <a:lnR w="12240">
-                      <a:solidFill>
-                        <a:srgbClr val="ffffff"/>
-                      </a:solidFill>
-                    </a:lnR>
-                    <a:lnT w="12240">
-                      <a:solidFill>
-                        <a:srgbClr val="ffffff"/>
-                      </a:solidFill>
-                    </a:lnT>
-                    <a:lnB w="12240">
-                      <a:solidFill>
-                        <a:srgbClr val="ffffff"/>
-                      </a:solidFill>
-                    </a:lnB>
-                    <a:solidFill>
-                      <a:srgbClr val="e7eaf4"/>
-                    </a:solidFill>
-                  </a:tcPr>
-                </a:tc>
-                <a:tc>
-                  <a:tcPr marL="91440" marR="91440">
-                    <a:lnL w="12240">
-                      <a:solidFill>
-                        <a:srgbClr val="ffffff"/>
-                      </a:solidFill>
-                    </a:lnL>
-                    <a:lnR w="12240">
-                      <a:solidFill>
-                        <a:srgbClr val="ffffff"/>
-                      </a:solidFill>
-                    </a:lnR>
-                    <a:lnT w="12240">
-                      <a:solidFill>
-                        <a:srgbClr val="ffffff"/>
-                      </a:solidFill>
-                    </a:lnT>
-                    <a:lnB w="12240">
-                      <a:solidFill>
-                        <a:srgbClr val="ffffff"/>
-                      </a:solidFill>
-                    </a:lnB>
-                    <a:solidFill>
-                      <a:srgbClr val="e7eaf4"/>
-                    </a:solidFill>
-                  </a:tcPr>
-                </a:tc>
-                <a:tc>
-                  <a:tcPr marL="91440" marR="91440">
-                    <a:lnL w="12240">
-                      <a:solidFill>
-                        <a:srgbClr val="ffffff"/>
-                      </a:solidFill>
-                    </a:lnL>
-                    <a:lnR w="12240">
-                      <a:solidFill>
-                        <a:srgbClr val="ffffff"/>
-                      </a:solidFill>
-                    </a:lnR>
-                    <a:lnT w="12240">
-                      <a:solidFill>
-                        <a:srgbClr val="ffffff"/>
-                      </a:solidFill>
-                    </a:lnT>
-                    <a:lnB w="12240">
-                      <a:solidFill>
-                        <a:srgbClr val="ffffff"/>
-                      </a:solidFill>
-                    </a:lnB>
-                    <a:solidFill>
-                      <a:srgbClr val="e7eaf4"/>
-                    </a:solidFill>
-                  </a:tcPr>
-                </a:tc>
-                <a:tc>
-                  <a:tcPr marL="91440" marR="91440">
-                    <a:lnL w="12240">
-                      <a:solidFill>
-                        <a:srgbClr val="ffffff"/>
-                      </a:solidFill>
-                    </a:lnL>
-                    <a:lnR w="12240">
-                      <a:solidFill>
-                        <a:srgbClr val="ffffff"/>
-                      </a:solidFill>
-                    </a:lnR>
-                    <a:lnT w="12240">
-                      <a:solidFill>
-                        <a:srgbClr val="ffffff"/>
-                      </a:solidFill>
-                    </a:lnT>
-                    <a:lnB w="12240">
-                      <a:solidFill>
-                        <a:srgbClr val="ffffff"/>
-                      </a:solidFill>
-                    </a:lnB>
-                    <a:solidFill>
-                      <a:srgbClr val="e7eaf4"/>
-                    </a:solidFill>
-                  </a:tcPr>
-                </a:tc>
-                <a:tc>
-                  <a:tcPr marL="91440" marR="91440">
-                    <a:lnL w="12240">
-                      <a:solidFill>
-                        <a:srgbClr val="ffffff"/>
-                      </a:solidFill>
-                    </a:lnL>
-                    <a:lnR w="12240">
-                      <a:solidFill>
-                        <a:srgbClr val="ffffff"/>
-                      </a:solidFill>
-                    </a:lnR>
-                    <a:lnT w="12240">
-                      <a:solidFill>
-                        <a:srgbClr val="ffffff"/>
-                      </a:solidFill>
-                    </a:lnT>
-                    <a:lnB w="12240">
-                      <a:solidFill>
-                        <a:srgbClr val="ffffff"/>
-                      </a:solidFill>
-                    </a:lnB>
-                    <a:solidFill>
-                      <a:srgbClr val="e7eaf4"/>
-                    </a:solidFill>
-                  </a:tcPr>
-                </a:tc>
-                <a:tc>
-                  <a:tcPr marL="91440" marR="91440">
-                    <a:lnL w="12240">
-                      <a:solidFill>
-                        <a:srgbClr val="ffffff"/>
-                      </a:solidFill>
-                    </a:lnL>
-                    <a:lnR w="12240">
-                      <a:solidFill>
-                        <a:srgbClr val="ffffff"/>
-                      </a:solidFill>
-                    </a:lnR>
-                    <a:lnT w="12240">
-                      <a:solidFill>
-                        <a:srgbClr val="ffffff"/>
-                      </a:solidFill>
-                    </a:lnT>
-                    <a:lnB w="12240">
-                      <a:solidFill>
-                        <a:srgbClr val="ffffff"/>
-                      </a:solidFill>
-                    </a:lnB>
-                    <a:solidFill>
-                      <a:srgbClr val="e7eaf4"/>
+                <a:tc>
+                  <a:tcPr marL="91440" marR="91440">
+                    <a:lnL w="12240">
+                      <a:solidFill>
+                        <a:srgbClr val="ffffff"/>
+                      </a:solidFill>
+                    </a:lnL>
+                    <a:lnR w="12240">
+                      <a:solidFill>
+                        <a:srgbClr val="ffffff"/>
+                      </a:solidFill>
+                    </a:lnR>
+                    <a:lnT w="12240">
+                      <a:solidFill>
+                        <a:srgbClr val="ffffff"/>
+                      </a:solidFill>
+                    </a:lnT>
+                    <a:lnB w="12240">
+                      <a:solidFill>
+                        <a:srgbClr val="ffffff"/>
+                      </a:solidFill>
+                    </a:lnB>
+                    <a:solidFill>
+                      <a:srgbClr val="ccd3e8"/>
                     </a:solidFill>
                   </a:tcPr>
                 </a:tc>
@@ -5792,7 +5119,7 @@
           <p:nvPr/>
         </p:nvGraphicFramePr>
         <p:xfrm>
-          <a:off x="22909320" y="7661160"/>
+          <a:off x="22950000" y="7927560"/>
           <a:ext cx="9046080" cy="2433960"/>
         </p:xfrm>
         <a:graphic>
@@ -6280,7 +5607,7 @@
                           <a:latin typeface="Arial"/>
                           <a:ea typeface="DejaVu Sans"/>
                         </a:rPr>
-                        <a:t>1000</a:t>
+                        <a:t>0707</a:t>
                       </a:r>
                       <a:endParaRPr b="0" lang="en-US" sz="1800" spc="-1" strike="noStrike">
                         <a:latin typeface="Arial"/>
@@ -6617,7 +5944,7 @@
                           <a:latin typeface="Arial"/>
                           <a:ea typeface="DejaVu Sans"/>
                         </a:rPr>
-                        <a:t>1189</a:t>
+                        <a:t>1000</a:t>
                       </a:r>
                       <a:endParaRPr b="0" lang="en-US" sz="1800" spc="-1" strike="noStrike">
                         <a:latin typeface="Arial"/>
@@ -7291,7 +6618,7 @@
                           <a:latin typeface="Arial"/>
                           <a:ea typeface="DejaVu Sans"/>
                         </a:rPr>
-                        <a:t>1682</a:t>
+                        <a:t>2000</a:t>
                       </a:r>
                       <a:endParaRPr b="0" lang="en-US" sz="1800" spc="-1" strike="noStrike">
                         <a:latin typeface="Arial"/>
@@ -7628,7 +6955,7 @@
                           <a:latin typeface="Arial"/>
                           <a:ea typeface="DejaVu Sans"/>
                         </a:rPr>
-                        <a:t>2000</a:t>
+                        <a:t>2828</a:t>
                       </a:r>
                       <a:endParaRPr b="0" lang="en-US" sz="1800" spc="-1" strike="noStrike">
                         <a:latin typeface="Arial"/>
@@ -7947,343 +7274,6 @@
                   </a:tcPr>
                 </a:tc>
               </a:tr>
-              <a:tr h="347760">
-                <a:tc>
-                  <a:txBody>
-                    <a:bodyPr/>
-                    <a:p>
-                      <a:pPr>
-                        <a:lnSpc>
-                          <a:spcPct val="100000"/>
-                        </a:lnSpc>
-                      </a:pPr>
-                      <a:r>
-                        <a:rPr b="0" lang="en-US" sz="1800" spc="-1" strike="noStrike">
-                          <a:solidFill>
-                            <a:srgbClr val="000000"/>
-                          </a:solidFill>
-                          <a:latin typeface="Arial"/>
-                          <a:ea typeface="DejaVu Sans"/>
-                        </a:rPr>
-                        <a:t>2378</a:t>
-                      </a:r>
-                      <a:endParaRPr b="0" lang="en-US" sz="1800" spc="-1" strike="noStrike">
-                        <a:latin typeface="Arial"/>
-                      </a:endParaRPr>
-                    </a:p>
-                  </a:txBody>
-                  <a:tcPr marL="91440" marR="91440">
-                    <a:lnL w="12240">
-                      <a:solidFill>
-                        <a:srgbClr val="ffffff"/>
-                      </a:solidFill>
-                    </a:lnL>
-                    <a:lnR w="12240">
-                      <a:solidFill>
-                        <a:srgbClr val="ffffff"/>
-                      </a:solidFill>
-                    </a:lnR>
-                    <a:lnT w="12240">
-                      <a:solidFill>
-                        <a:srgbClr val="ffffff"/>
-                      </a:solidFill>
-                    </a:lnT>
-                    <a:lnB w="12240">
-                      <a:solidFill>
-                        <a:srgbClr val="ffffff"/>
-                      </a:solidFill>
-                    </a:lnB>
-                    <a:solidFill>
-                      <a:srgbClr val="e7eaf4"/>
-                    </a:solidFill>
-                  </a:tcPr>
-                </a:tc>
-                <a:tc>
-                  <a:txBody>
-                    <a:bodyPr/>
-                    <a:p>
-                      <a:pPr>
-                        <a:lnSpc>
-                          <a:spcPct val="100000"/>
-                        </a:lnSpc>
-                      </a:pPr>
-                      <a:r>
-                        <a:rPr b="0" lang="en-US" sz="1800" spc="-1" strike="noStrike">
-                          <a:solidFill>
-                            <a:srgbClr val="000000"/>
-                          </a:solidFill>
-                          <a:latin typeface="Arial"/>
-                          <a:ea typeface="DejaVu Sans"/>
-                        </a:rPr>
-                        <a:t>663.08</a:t>
-                      </a:r>
-                      <a:endParaRPr b="0" lang="en-US" sz="1800" spc="-1" strike="noStrike">
-                        <a:latin typeface="Arial"/>
-                      </a:endParaRPr>
-                    </a:p>
-                  </a:txBody>
-                  <a:tcPr marL="91440" marR="91440">
-                    <a:lnL w="12240">
-                      <a:solidFill>
-                        <a:srgbClr val="ffffff"/>
-                      </a:solidFill>
-                    </a:lnL>
-                    <a:lnR w="12240">
-                      <a:solidFill>
-                        <a:srgbClr val="ffffff"/>
-                      </a:solidFill>
-                    </a:lnR>
-                    <a:lnT w="12240">
-                      <a:solidFill>
-                        <a:srgbClr val="ffffff"/>
-                      </a:solidFill>
-                    </a:lnT>
-                    <a:lnB w="12240">
-                      <a:solidFill>
-                        <a:srgbClr val="ffffff"/>
-                      </a:solidFill>
-                    </a:lnB>
-                    <a:solidFill>
-                      <a:srgbClr val="e7eaf4"/>
-                    </a:solidFill>
-                  </a:tcPr>
-                </a:tc>
-                <a:tc>
-                  <a:txBody>
-                    <a:bodyPr/>
-                    <a:p>
-                      <a:pPr>
-                        <a:lnSpc>
-                          <a:spcPct val="100000"/>
-                        </a:lnSpc>
-                      </a:pPr>
-                      <a:r>
-                        <a:rPr b="0" lang="en-US" sz="1800" spc="-1" strike="noStrike">
-                          <a:solidFill>
-                            <a:srgbClr val="000000"/>
-                          </a:solidFill>
-                          <a:latin typeface="Arial"/>
-                          <a:ea typeface="DejaVu Sans"/>
-                        </a:rPr>
-                        <a:t>1006.36</a:t>
-                      </a:r>
-                      <a:endParaRPr b="0" lang="en-US" sz="1800" spc="-1" strike="noStrike">
-                        <a:latin typeface="Arial"/>
-                      </a:endParaRPr>
-                    </a:p>
-                  </a:txBody>
-                  <a:tcPr marL="91440" marR="91440">
-                    <a:lnL w="12240">
-                      <a:solidFill>
-                        <a:srgbClr val="ffffff"/>
-                      </a:solidFill>
-                    </a:lnL>
-                    <a:lnR w="12240">
-                      <a:solidFill>
-                        <a:srgbClr val="ffffff"/>
-                      </a:solidFill>
-                    </a:lnR>
-                    <a:lnT w="12240">
-                      <a:solidFill>
-                        <a:srgbClr val="ffffff"/>
-                      </a:solidFill>
-                    </a:lnT>
-                    <a:lnB w="12240">
-                      <a:solidFill>
-                        <a:srgbClr val="ffffff"/>
-                      </a:solidFill>
-                    </a:lnB>
-                    <a:solidFill>
-                      <a:srgbClr val="e7eaf4"/>
-                    </a:solidFill>
-                  </a:tcPr>
-                </a:tc>
-                <a:tc>
-                  <a:txBody>
-                    <a:bodyPr/>
-                    <a:p>
-                      <a:pPr>
-                        <a:lnSpc>
-                          <a:spcPct val="100000"/>
-                        </a:lnSpc>
-                      </a:pPr>
-                      <a:r>
-                        <a:rPr b="0" lang="en-US" sz="1800" spc="-1" strike="noStrike">
-                          <a:solidFill>
-                            <a:srgbClr val="000000"/>
-                          </a:solidFill>
-                          <a:latin typeface="Arial"/>
-                          <a:ea typeface="DejaVu Sans"/>
-                        </a:rPr>
-                        <a:t>515.84</a:t>
-                      </a:r>
-                      <a:endParaRPr b="0" lang="en-US" sz="1800" spc="-1" strike="noStrike">
-                        <a:latin typeface="Arial"/>
-                      </a:endParaRPr>
-                    </a:p>
-                  </a:txBody>
-                  <a:tcPr marL="91440" marR="91440">
-                    <a:lnL w="12240">
-                      <a:solidFill>
-                        <a:srgbClr val="ffffff"/>
-                      </a:solidFill>
-                    </a:lnL>
-                    <a:lnR w="12240">
-                      <a:solidFill>
-                        <a:srgbClr val="ffffff"/>
-                      </a:solidFill>
-                    </a:lnR>
-                    <a:lnT w="12240">
-                      <a:solidFill>
-                        <a:srgbClr val="ffffff"/>
-                      </a:solidFill>
-                    </a:lnT>
-                    <a:lnB w="12240">
-                      <a:solidFill>
-                        <a:srgbClr val="ffffff"/>
-                      </a:solidFill>
-                    </a:lnB>
-                    <a:solidFill>
-                      <a:srgbClr val="e7eaf4"/>
-                    </a:solidFill>
-                  </a:tcPr>
-                </a:tc>
-                <a:tc>
-                  <a:tcPr marL="91440" marR="91440">
-                    <a:lnL w="12240">
-                      <a:solidFill>
-                        <a:srgbClr val="ffffff"/>
-                      </a:solidFill>
-                    </a:lnL>
-                    <a:lnR w="12240">
-                      <a:solidFill>
-                        <a:srgbClr val="ffffff"/>
-                      </a:solidFill>
-                    </a:lnR>
-                    <a:lnT w="12240">
-                      <a:solidFill>
-                        <a:srgbClr val="ffffff"/>
-                      </a:solidFill>
-                    </a:lnT>
-                    <a:lnB w="12240">
-                      <a:solidFill>
-                        <a:srgbClr val="ffffff"/>
-                      </a:solidFill>
-                    </a:lnB>
-                    <a:solidFill>
-                      <a:srgbClr val="e7eaf4"/>
-                    </a:solidFill>
-                  </a:tcPr>
-                </a:tc>
-                <a:tc>
-                  <a:tcPr marL="91440" marR="91440">
-                    <a:lnL w="12240">
-                      <a:solidFill>
-                        <a:srgbClr val="ffffff"/>
-                      </a:solidFill>
-                    </a:lnL>
-                    <a:lnR w="12240">
-                      <a:solidFill>
-                        <a:srgbClr val="ffffff"/>
-                      </a:solidFill>
-                    </a:lnR>
-                    <a:lnT w="12240">
-                      <a:solidFill>
-                        <a:srgbClr val="ffffff"/>
-                      </a:solidFill>
-                    </a:lnT>
-                    <a:lnB w="12240">
-                      <a:solidFill>
-                        <a:srgbClr val="ffffff"/>
-                      </a:solidFill>
-                    </a:lnB>
-                    <a:solidFill>
-                      <a:srgbClr val="e7eaf4"/>
-                    </a:solidFill>
-                  </a:tcPr>
-                </a:tc>
-                <a:tc>
-                  <a:tcPr marL="91440" marR="91440">
-                    <a:lnL w="12240">
-                      <a:solidFill>
-                        <a:srgbClr val="ffffff"/>
-                      </a:solidFill>
-                    </a:lnL>
-                    <a:lnR w="12240">
-                      <a:solidFill>
-                        <a:srgbClr val="ffffff"/>
-                      </a:solidFill>
-                    </a:lnR>
-                    <a:lnT w="12240">
-                      <a:solidFill>
-                        <a:srgbClr val="ffffff"/>
-                      </a:solidFill>
-                    </a:lnT>
-                    <a:lnB w="12240">
-                      <a:solidFill>
-                        <a:srgbClr val="ffffff"/>
-                      </a:solidFill>
-                    </a:lnB>
-                    <a:solidFill>
-                      <a:srgbClr val="e7eaf4"/>
-                    </a:solidFill>
-                  </a:tcPr>
-                </a:tc>
-                <a:tc>
-                  <a:tcPr marL="91440" marR="91440">
-                    <a:lnL w="12240">
-                      <a:solidFill>
-                        <a:srgbClr val="ffffff"/>
-                      </a:solidFill>
-                    </a:lnL>
-                    <a:lnR w="12240">
-                      <a:solidFill>
-                        <a:srgbClr val="ffffff"/>
-                      </a:solidFill>
-                    </a:lnR>
-                    <a:lnT w="12240">
-                      <a:solidFill>
-                        <a:srgbClr val="ffffff"/>
-                      </a:solidFill>
-                    </a:lnT>
-                    <a:lnB w="12240">
-                      <a:solidFill>
-                        <a:srgbClr val="ffffff"/>
-                      </a:solidFill>
-                    </a:lnB>
-                    <a:solidFill>
-                      <a:srgbClr val="e7eaf4"/>
-                    </a:solidFill>
-                  </a:tcPr>
-                </a:tc>
-                <a:tc>
-                  <a:tcPr marL="91440" marR="91440">
-                    <a:lnL w="12240">
-                      <a:solidFill>
-                        <a:srgbClr val="ffffff"/>
-                      </a:solidFill>
-                    </a:lnL>
-                    <a:lnR w="12240">
-                      <a:solidFill>
-                        <a:srgbClr val="ffffff"/>
-                      </a:solidFill>
-                    </a:lnR>
-                    <a:lnT w="12240">
-                      <a:solidFill>
-                        <a:srgbClr val="ffffff"/>
-                      </a:solidFill>
-                    </a:lnT>
-                    <a:lnB w="12240">
-                      <a:solidFill>
-                        <a:srgbClr val="ffffff"/>
-                      </a:solidFill>
-                    </a:lnB>
-                    <a:solidFill>
-                      <a:srgbClr val="e7eaf4"/>
-                    </a:solidFill>
-                  </a:tcPr>
-                </a:tc>
-              </a:tr>
             </a:tbl>
           </a:graphicData>
         </a:graphic>
@@ -8295,7 +7285,7 @@
           <p:nvPr/>
         </p:nvGraphicFramePr>
         <p:xfrm>
-          <a:off x="22862880" y="12703320"/>
+          <a:off x="22900680" y="13127760"/>
           <a:ext cx="9091080" cy="2455920"/>
         </p:xfrm>
         <a:graphic>
@@ -8783,7 +7773,7 @@
                           <a:latin typeface="Arial"/>
                           <a:ea typeface="DejaVu Sans"/>
                         </a:rPr>
-                        <a:t>1000</a:t>
+                        <a:t>0707</a:t>
                       </a:r>
                       <a:endParaRPr b="0" lang="en-US" sz="1800" spc="-1" strike="noStrike">
                         <a:latin typeface="Arial"/>
@@ -8816,6 +7806,224 @@
                     </a:solidFill>
                   </a:tcPr>
                 </a:tc>
+                <a:tc>
+                  <a:tcPr marL="91440" marR="91440">
+                    <a:lnL w="12240">
+                      <a:solidFill>
+                        <a:srgbClr val="ffffff"/>
+                      </a:solidFill>
+                    </a:lnL>
+                    <a:lnR w="12240">
+                      <a:solidFill>
+                        <a:srgbClr val="ffffff"/>
+                      </a:solidFill>
+                    </a:lnR>
+                    <a:lnT w="12240">
+                      <a:solidFill>
+                        <a:srgbClr val="ffffff"/>
+                      </a:solidFill>
+                    </a:lnT>
+                    <a:lnB w="12240">
+                      <a:solidFill>
+                        <a:srgbClr val="ffffff"/>
+                      </a:solidFill>
+                    </a:lnB>
+                    <a:solidFill>
+                      <a:srgbClr val="ccd3e8"/>
+                    </a:solidFill>
+                  </a:tcPr>
+                </a:tc>
+                <a:tc>
+                  <a:tcPr marL="91440" marR="91440">
+                    <a:lnL w="12240">
+                      <a:solidFill>
+                        <a:srgbClr val="ffffff"/>
+                      </a:solidFill>
+                    </a:lnL>
+                    <a:lnR w="12240">
+                      <a:solidFill>
+                        <a:srgbClr val="ffffff"/>
+                      </a:solidFill>
+                    </a:lnR>
+                    <a:lnT w="12240">
+                      <a:solidFill>
+                        <a:srgbClr val="ffffff"/>
+                      </a:solidFill>
+                    </a:lnT>
+                    <a:lnB w="12240">
+                      <a:solidFill>
+                        <a:srgbClr val="ffffff"/>
+                      </a:solidFill>
+                    </a:lnB>
+                    <a:solidFill>
+                      <a:srgbClr val="ccd3e8"/>
+                    </a:solidFill>
+                  </a:tcPr>
+                </a:tc>
+                <a:tc>
+                  <a:tcPr marL="91440" marR="91440">
+                    <a:lnL w="12240">
+                      <a:solidFill>
+                        <a:srgbClr val="ffffff"/>
+                      </a:solidFill>
+                    </a:lnL>
+                    <a:lnR w="12240">
+                      <a:solidFill>
+                        <a:srgbClr val="ffffff"/>
+                      </a:solidFill>
+                    </a:lnR>
+                    <a:lnT w="12240">
+                      <a:solidFill>
+                        <a:srgbClr val="ffffff"/>
+                      </a:solidFill>
+                    </a:lnT>
+                    <a:lnB w="12240">
+                      <a:solidFill>
+                        <a:srgbClr val="ffffff"/>
+                      </a:solidFill>
+                    </a:lnB>
+                    <a:solidFill>
+                      <a:srgbClr val="ccd3e8"/>
+                    </a:solidFill>
+                  </a:tcPr>
+                </a:tc>
+                <a:tc>
+                  <a:tcPr marL="91440" marR="91440">
+                    <a:lnL w="12240">
+                      <a:solidFill>
+                        <a:srgbClr val="ffffff"/>
+                      </a:solidFill>
+                    </a:lnL>
+                    <a:lnR w="12240">
+                      <a:solidFill>
+                        <a:srgbClr val="ffffff"/>
+                      </a:solidFill>
+                    </a:lnR>
+                    <a:lnT w="12240">
+                      <a:solidFill>
+                        <a:srgbClr val="ffffff"/>
+                      </a:solidFill>
+                    </a:lnT>
+                    <a:lnB w="12240">
+                      <a:solidFill>
+                        <a:srgbClr val="ffffff"/>
+                      </a:solidFill>
+                    </a:lnB>
+                    <a:solidFill>
+                      <a:srgbClr val="ccd3e8"/>
+                    </a:solidFill>
+                  </a:tcPr>
+                </a:tc>
+                <a:tc>
+                  <a:tcPr marL="91440" marR="91440">
+                    <a:lnL w="12240">
+                      <a:solidFill>
+                        <a:srgbClr val="ffffff"/>
+                      </a:solidFill>
+                    </a:lnL>
+                    <a:lnR w="12240">
+                      <a:solidFill>
+                        <a:srgbClr val="ffffff"/>
+                      </a:solidFill>
+                    </a:lnR>
+                    <a:lnT w="12240">
+                      <a:solidFill>
+                        <a:srgbClr val="ffffff"/>
+                      </a:solidFill>
+                    </a:lnT>
+                    <a:lnB w="12240">
+                      <a:solidFill>
+                        <a:srgbClr val="ffffff"/>
+                      </a:solidFill>
+                    </a:lnB>
+                    <a:solidFill>
+                      <a:srgbClr val="ccd3e8"/>
+                    </a:solidFill>
+                  </a:tcPr>
+                </a:tc>
+                <a:tc>
+                  <a:tcPr marL="91440" marR="91440">
+                    <a:lnL w="12240">
+                      <a:solidFill>
+                        <a:srgbClr val="ffffff"/>
+                      </a:solidFill>
+                    </a:lnL>
+                    <a:lnR w="12240">
+                      <a:solidFill>
+                        <a:srgbClr val="ffffff"/>
+                      </a:solidFill>
+                    </a:lnR>
+                    <a:lnT w="12240">
+                      <a:solidFill>
+                        <a:srgbClr val="ffffff"/>
+                      </a:solidFill>
+                    </a:lnT>
+                    <a:lnB w="12240">
+                      <a:solidFill>
+                        <a:srgbClr val="ffffff"/>
+                      </a:solidFill>
+                    </a:lnB>
+                    <a:solidFill>
+                      <a:srgbClr val="ccd3e8"/>
+                    </a:solidFill>
+                  </a:tcPr>
+                </a:tc>
+                <a:tc>
+                  <a:tcPr marL="91440" marR="91440">
+                    <a:lnL w="12240">
+                      <a:solidFill>
+                        <a:srgbClr val="ffffff"/>
+                      </a:solidFill>
+                    </a:lnL>
+                    <a:lnR w="12240">
+                      <a:solidFill>
+                        <a:srgbClr val="ffffff"/>
+                      </a:solidFill>
+                    </a:lnR>
+                    <a:lnT w="12240">
+                      <a:solidFill>
+                        <a:srgbClr val="ffffff"/>
+                      </a:solidFill>
+                    </a:lnT>
+                    <a:lnB w="12240">
+                      <a:solidFill>
+                        <a:srgbClr val="ffffff"/>
+                      </a:solidFill>
+                    </a:lnB>
+                    <a:solidFill>
+                      <a:srgbClr val="ccd3e8"/>
+                    </a:solidFill>
+                  </a:tcPr>
+                </a:tc>
+                <a:tc>
+                  <a:tcPr marL="91440" marR="91440">
+                    <a:lnL w="12240">
+                      <a:solidFill>
+                        <a:srgbClr val="ffffff"/>
+                      </a:solidFill>
+                    </a:lnL>
+                    <a:lnR w="12240">
+                      <a:solidFill>
+                        <a:srgbClr val="ffffff"/>
+                      </a:solidFill>
+                    </a:lnR>
+                    <a:lnT w="12240">
+                      <a:solidFill>
+                        <a:srgbClr val="ffffff"/>
+                      </a:solidFill>
+                    </a:lnT>
+                    <a:lnB w="12240">
+                      <a:solidFill>
+                        <a:srgbClr val="ffffff"/>
+                      </a:solidFill>
+                    </a:lnB>
+                    <a:solidFill>
+                      <a:srgbClr val="ccd3e8"/>
+                    </a:solidFill>
+                  </a:tcPr>
+                </a:tc>
+              </a:tr>
+              <a:tr h="350640">
                 <a:tc>
                   <a:txBody>
                     <a:bodyPr/>
@@ -8833,7 +8041,7 @@
                           <a:latin typeface="Arial"/>
                           <a:ea typeface="DejaVu Sans"/>
                         </a:rPr>
-                        <a:t>026.49</a:t>
+                        <a:t>1000</a:t>
                       </a:r>
                       <a:endParaRPr b="0" lang="en-US" sz="1800" spc="-1" strike="noStrike">
                         <a:latin typeface="Arial"/>
@@ -8862,321 +8070,11 @@
                       </a:solidFill>
                     </a:lnB>
                     <a:solidFill>
-                      <a:srgbClr val="ccd3e8"/>
-                    </a:solidFill>
-                  </a:tcPr>
-                </a:tc>
-                <a:tc>
-                  <a:txBody>
-                    <a:bodyPr/>
-                    <a:p>
-                      <a:pPr>
-                        <a:lnSpc>
-                          <a:spcPct val="100000"/>
-                        </a:lnSpc>
-                      </a:pPr>
-                      <a:r>
-                        <a:rPr b="0" lang="en-US" sz="1800" spc="-1" strike="noStrike">
-                          <a:solidFill>
-                            <a:srgbClr val="000000"/>
-                          </a:solidFill>
-                          <a:latin typeface="Arial"/>
-                          <a:ea typeface="DejaVu Sans"/>
-                        </a:rPr>
-                        <a:t>043.77</a:t>
-                      </a:r>
-                      <a:endParaRPr b="0" lang="en-US" sz="1800" spc="-1" strike="noStrike">
-                        <a:latin typeface="Arial"/>
-                      </a:endParaRPr>
-                    </a:p>
-                  </a:txBody>
-                  <a:tcPr marL="91440" marR="91440">
-                    <a:lnL w="12240">
-                      <a:solidFill>
-                        <a:srgbClr val="ffffff"/>
-                      </a:solidFill>
-                    </a:lnL>
-                    <a:lnR w="12240">
-                      <a:solidFill>
-                        <a:srgbClr val="ffffff"/>
-                      </a:solidFill>
-                    </a:lnR>
-                    <a:lnT w="12240">
-                      <a:solidFill>
-                        <a:srgbClr val="ffffff"/>
-                      </a:solidFill>
-                    </a:lnT>
-                    <a:lnB w="12240">
-                      <a:solidFill>
-                        <a:srgbClr val="ffffff"/>
-                      </a:solidFill>
-                    </a:lnB>
-                    <a:solidFill>
-                      <a:srgbClr val="ccd3e8"/>
-                    </a:solidFill>
-                  </a:tcPr>
-                </a:tc>
-                <a:tc>
-                  <a:txBody>
-                    <a:bodyPr/>
-                    <a:p>
-                      <a:pPr>
-                        <a:lnSpc>
-                          <a:spcPct val="100000"/>
-                        </a:lnSpc>
-                      </a:pPr>
-                      <a:r>
-                        <a:rPr b="0" lang="en-US" sz="1800" spc="-1" strike="noStrike">
-                          <a:solidFill>
-                            <a:srgbClr val="000000"/>
-                          </a:solidFill>
-                          <a:latin typeface="Arial"/>
-                          <a:ea typeface="DejaVu Sans"/>
-                        </a:rPr>
-                        <a:t>020.70</a:t>
-                      </a:r>
-                      <a:endParaRPr b="0" lang="en-US" sz="1800" spc="-1" strike="noStrike">
-                        <a:latin typeface="Arial"/>
-                      </a:endParaRPr>
-                    </a:p>
-                  </a:txBody>
-                  <a:tcPr marL="91440" marR="91440">
-                    <a:lnL w="12240">
-                      <a:solidFill>
-                        <a:srgbClr val="ffffff"/>
-                      </a:solidFill>
-                    </a:lnL>
-                    <a:lnR w="12240">
-                      <a:solidFill>
-                        <a:srgbClr val="ffffff"/>
-                      </a:solidFill>
-                    </a:lnR>
-                    <a:lnT w="12240">
-                      <a:solidFill>
-                        <a:srgbClr val="ffffff"/>
-                      </a:solidFill>
-                    </a:lnT>
-                    <a:lnB w="12240">
-                      <a:solidFill>
-                        <a:srgbClr val="ffffff"/>
-                      </a:solidFill>
-                    </a:lnB>
-                    <a:solidFill>
-                      <a:srgbClr val="ccd3e8"/>
-                    </a:solidFill>
-                  </a:tcPr>
-                </a:tc>
-                <a:tc>
-                  <a:tcPr marL="91440" marR="91440">
-                    <a:lnL w="12240">
-                      <a:solidFill>
-                        <a:srgbClr val="ffffff"/>
-                      </a:solidFill>
-                    </a:lnL>
-                    <a:lnR w="12240">
-                      <a:solidFill>
-                        <a:srgbClr val="ffffff"/>
-                      </a:solidFill>
-                    </a:lnR>
-                    <a:lnT w="12240">
-                      <a:solidFill>
-                        <a:srgbClr val="ffffff"/>
-                      </a:solidFill>
-                    </a:lnT>
-                    <a:lnB w="12240">
-                      <a:solidFill>
-                        <a:srgbClr val="ffffff"/>
-                      </a:solidFill>
-                    </a:lnB>
-                    <a:solidFill>
-                      <a:srgbClr val="ccd3e8"/>
-                    </a:solidFill>
-                  </a:tcPr>
-                </a:tc>
-                <a:tc>
-                  <a:tcPr marL="91440" marR="91440">
-                    <a:lnL w="12240">
-                      <a:solidFill>
-                        <a:srgbClr val="ffffff"/>
-                      </a:solidFill>
-                    </a:lnL>
-                    <a:lnR w="12240">
-                      <a:solidFill>
-                        <a:srgbClr val="ffffff"/>
-                      </a:solidFill>
-                    </a:lnR>
-                    <a:lnT w="12240">
-                      <a:solidFill>
-                        <a:srgbClr val="ffffff"/>
-                      </a:solidFill>
-                    </a:lnT>
-                    <a:lnB w="12240">
-                      <a:solidFill>
-                        <a:srgbClr val="ffffff"/>
-                      </a:solidFill>
-                    </a:lnB>
-                    <a:solidFill>
-                      <a:srgbClr val="ccd3e8"/>
-                    </a:solidFill>
-                  </a:tcPr>
-                </a:tc>
-                <a:tc>
-                  <a:tcPr marL="91440" marR="91440">
-                    <a:lnL w="12240">
-                      <a:solidFill>
-                        <a:srgbClr val="ffffff"/>
-                      </a:solidFill>
-                    </a:lnL>
-                    <a:lnR w="12240">
-                      <a:solidFill>
-                        <a:srgbClr val="ffffff"/>
-                      </a:solidFill>
-                    </a:lnR>
-                    <a:lnT w="12240">
-                      <a:solidFill>
-                        <a:srgbClr val="ffffff"/>
-                      </a:solidFill>
-                    </a:lnT>
-                    <a:lnB w="12240">
-                      <a:solidFill>
-                        <a:srgbClr val="ffffff"/>
-                      </a:solidFill>
-                    </a:lnB>
-                    <a:solidFill>
-                      <a:srgbClr val="ccd3e8"/>
-                    </a:solidFill>
-                  </a:tcPr>
-                </a:tc>
-                <a:tc>
-                  <a:tcPr marL="91440" marR="91440">
-                    <a:lnL w="12240">
-                      <a:solidFill>
-                        <a:srgbClr val="ffffff"/>
-                      </a:solidFill>
-                    </a:lnL>
-                    <a:lnR w="12240">
-                      <a:solidFill>
-                        <a:srgbClr val="ffffff"/>
-                      </a:solidFill>
-                    </a:lnR>
-                    <a:lnT w="12240">
-                      <a:solidFill>
-                        <a:srgbClr val="ffffff"/>
-                      </a:solidFill>
-                    </a:lnT>
-                    <a:lnB w="12240">
-                      <a:solidFill>
-                        <a:srgbClr val="ffffff"/>
-                      </a:solidFill>
-                    </a:lnB>
-                    <a:solidFill>
-                      <a:srgbClr val="ccd3e8"/>
-                    </a:solidFill>
-                  </a:tcPr>
-                </a:tc>
-                <a:tc>
-                  <a:tcPr marL="91440" marR="91440">
-                    <a:lnL w="12240">
-                      <a:solidFill>
-                        <a:srgbClr val="ffffff"/>
-                      </a:solidFill>
-                    </a:lnL>
-                    <a:lnR w="12240">
-                      <a:solidFill>
-                        <a:srgbClr val="ffffff"/>
-                      </a:solidFill>
-                    </a:lnR>
-                    <a:lnT w="12240">
-                      <a:solidFill>
-                        <a:srgbClr val="ffffff"/>
-                      </a:solidFill>
-                    </a:lnT>
-                    <a:lnB w="12240">
-                      <a:solidFill>
-                        <a:srgbClr val="ffffff"/>
-                      </a:solidFill>
-                    </a:lnB>
-                    <a:solidFill>
-                      <a:srgbClr val="ccd3e8"/>
-                    </a:solidFill>
-                  </a:tcPr>
-                </a:tc>
-              </a:tr>
-              <a:tr h="350640">
-                <a:tc>
-                  <a:txBody>
-                    <a:bodyPr/>
-                    <a:p>
-                      <a:pPr>
-                        <a:lnSpc>
-                          <a:spcPct val="100000"/>
-                        </a:lnSpc>
-                      </a:pPr>
-                      <a:r>
-                        <a:rPr b="0" lang="en-US" sz="1800" spc="-1" strike="noStrike">
-                          <a:solidFill>
-                            <a:srgbClr val="000000"/>
-                          </a:solidFill>
-                          <a:latin typeface="Arial"/>
-                          <a:ea typeface="DejaVu Sans"/>
-                        </a:rPr>
-                        <a:t>1189</a:t>
-                      </a:r>
-                      <a:endParaRPr b="0" lang="en-US" sz="1800" spc="-1" strike="noStrike">
-                        <a:latin typeface="Arial"/>
-                      </a:endParaRPr>
-                    </a:p>
-                  </a:txBody>
-                  <a:tcPr marL="91440" marR="91440">
-                    <a:lnL w="12240">
-                      <a:solidFill>
-                        <a:srgbClr val="ffffff"/>
-                      </a:solidFill>
-                    </a:lnL>
-                    <a:lnR w="12240">
-                      <a:solidFill>
-                        <a:srgbClr val="ffffff"/>
-                      </a:solidFill>
-                    </a:lnR>
-                    <a:lnT w="12240">
-                      <a:solidFill>
-                        <a:srgbClr val="ffffff"/>
-                      </a:solidFill>
-                    </a:lnT>
-                    <a:lnB w="12240">
-                      <a:solidFill>
-                        <a:srgbClr val="ffffff"/>
-                      </a:solidFill>
-                    </a:lnB>
-                    <a:solidFill>
                       <a:srgbClr val="e7eaf4"/>
                     </a:solidFill>
                   </a:tcPr>
                 </a:tc>
                 <a:tc>
-                  <a:txBody>
-                    <a:bodyPr/>
-                    <a:p>
-                      <a:pPr>
-                        <a:lnSpc>
-                          <a:spcPct val="100000"/>
-                        </a:lnSpc>
-                      </a:pPr>
-                      <a:r>
-                        <a:rPr b="0" lang="en-US" sz="1800" spc="-1" strike="noStrike">
-                          <a:solidFill>
-                            <a:srgbClr val="000000"/>
-                          </a:solidFill>
-                          <a:latin typeface="Arial"/>
-                          <a:ea typeface="DejaVu Sans"/>
-                        </a:rPr>
-                        <a:t>048.17</a:t>
-                      </a:r>
-                      <a:endParaRPr b="0" lang="en-US" sz="1800" spc="-1" strike="noStrike">
-                        <a:latin typeface="Arial"/>
-                      </a:endParaRPr>
-                    </a:p>
-                  </a:txBody>
                   <a:tcPr marL="91440" marR="91440">
                     <a:lnL w="12240">
                       <a:solidFill>
@@ -9204,29 +8102,6 @@
                   </a:tcPr>
                 </a:tc>
                 <a:tc>
-                  <a:txBody>
-                    <a:bodyPr/>
-                    <a:p>
-                      <a:pPr>
-                        <a:lnSpc>
-                          <a:spcPct val="100000"/>
-                        </a:lnSpc>
-                      </a:pPr>
-                      <a:r>
-                        <a:rPr b="0" lang="en-US" sz="1800" spc="-1" strike="noStrike">
-                          <a:solidFill>
-                            <a:srgbClr val="000000"/>
-                          </a:solidFill>
-                          <a:latin typeface="Arial"/>
-                          <a:ea typeface="DejaVu Sans"/>
-                        </a:rPr>
-                        <a:t>076.64</a:t>
-                      </a:r>
-                      <a:endParaRPr b="0" lang="en-US" sz="1800" spc="-1" strike="noStrike">
-                        <a:latin typeface="Arial"/>
-                      </a:endParaRPr>
-                    </a:p>
-                  </a:txBody>
                   <a:tcPr marL="91440" marR="91440">
                     <a:lnL w="12240">
                       <a:solidFill>
@@ -9254,29 +8129,6 @@
                   </a:tcPr>
                 </a:tc>
                 <a:tc>
-                  <a:txBody>
-                    <a:bodyPr/>
-                    <a:p>
-                      <a:pPr>
-                        <a:lnSpc>
-                          <a:spcPct val="100000"/>
-                        </a:lnSpc>
-                      </a:pPr>
-                      <a:r>
-                        <a:rPr b="0" lang="en-US" sz="1800" spc="-1" strike="noStrike">
-                          <a:solidFill>
-                            <a:srgbClr val="000000"/>
-                          </a:solidFill>
-                          <a:latin typeface="Arial"/>
-                          <a:ea typeface="DejaVu Sans"/>
-                        </a:rPr>
-                        <a:t>039.97</a:t>
-                      </a:r>
-                      <a:endParaRPr b="0" lang="en-US" sz="1800" spc="-1" strike="noStrike">
-                        <a:latin typeface="Arial"/>
-                      </a:endParaRPr>
-                    </a:p>
-                  </a:txBody>
                   <a:tcPr marL="91440" marR="91440">
                     <a:lnL w="12240">
                       <a:solidFill>
@@ -9491,29 +8343,6 @@
                   </a:tcPr>
                 </a:tc>
                 <a:tc>
-                  <a:txBody>
-                    <a:bodyPr/>
-                    <a:p>
-                      <a:pPr>
-                        <a:lnSpc>
-                          <a:spcPct val="100000"/>
-                        </a:lnSpc>
-                      </a:pPr>
-                      <a:r>
-                        <a:rPr b="0" lang="en-US" sz="1800" spc="-1" strike="noStrike">
-                          <a:solidFill>
-                            <a:srgbClr val="000000"/>
-                          </a:solidFill>
-                          <a:latin typeface="Arial"/>
-                          <a:ea typeface="DejaVu Sans"/>
-                        </a:rPr>
-                        <a:t>093.42</a:t>
-                      </a:r>
-                      <a:endParaRPr b="0" lang="en-US" sz="1800" spc="-1" strike="noStrike">
-                        <a:latin typeface="Arial"/>
-                      </a:endParaRPr>
-                    </a:p>
-                  </a:txBody>
                   <a:tcPr marL="91440" marR="91440">
                     <a:lnL w="12240">
                       <a:solidFill>
@@ -9541,29 +8370,6 @@
                   </a:tcPr>
                 </a:tc>
                 <a:tc>
-                  <a:txBody>
-                    <a:bodyPr/>
-                    <a:p>
-                      <a:pPr>
-                        <a:lnSpc>
-                          <a:spcPct val="100000"/>
-                        </a:lnSpc>
-                      </a:pPr>
-                      <a:r>
-                        <a:rPr b="0" lang="en-US" sz="1800" spc="-1" strike="noStrike">
-                          <a:solidFill>
-                            <a:srgbClr val="000000"/>
-                          </a:solidFill>
-                          <a:latin typeface="Arial"/>
-                          <a:ea typeface="DejaVu Sans"/>
-                        </a:rPr>
-                        <a:t>154.34</a:t>
-                      </a:r>
-                      <a:endParaRPr b="0" lang="en-US" sz="1800" spc="-1" strike="noStrike">
-                        <a:latin typeface="Arial"/>
-                      </a:endParaRPr>
-                    </a:p>
-                  </a:txBody>
                   <a:tcPr marL="91440" marR="91440">
                     <a:lnL w="12240">
                       <a:solidFill>
@@ -9591,29 +8397,6 @@
                   </a:tcPr>
                 </a:tc>
                 <a:tc>
-                  <a:txBody>
-                    <a:bodyPr/>
-                    <a:p>
-                      <a:pPr>
-                        <a:lnSpc>
-                          <a:spcPct val="100000"/>
-                        </a:lnSpc>
-                      </a:pPr>
-                      <a:r>
-                        <a:rPr b="0" lang="en-US" sz="1800" spc="-1" strike="noStrike">
-                          <a:solidFill>
-                            <a:srgbClr val="000000"/>
-                          </a:solidFill>
-                          <a:latin typeface="Arial"/>
-                          <a:ea typeface="DejaVu Sans"/>
-                        </a:rPr>
-                        <a:t>080.54</a:t>
-                      </a:r>
-                      <a:endParaRPr b="0" lang="en-US" sz="1800" spc="-1" strike="noStrike">
-                        <a:latin typeface="Arial"/>
-                      </a:endParaRPr>
-                    </a:p>
-                  </a:txBody>
                   <a:tcPr marL="91440" marR="91440">
                     <a:lnL w="12240">
                       <a:solidFill>
@@ -9772,343 +8555,6 @@
                     </a:lnB>
                     <a:solidFill>
                       <a:srgbClr val="ccd3e8"/>
-                    </a:solidFill>
-                  </a:tcPr>
-                </a:tc>
-              </a:tr>
-              <a:tr h="350640">
-                <a:tc>
-                  <a:txBody>
-                    <a:bodyPr/>
-                    <a:p>
-                      <a:pPr>
-                        <a:lnSpc>
-                          <a:spcPct val="100000"/>
-                        </a:lnSpc>
-                      </a:pPr>
-                      <a:r>
-                        <a:rPr b="0" lang="en-US" sz="1800" spc="-1" strike="noStrike">
-                          <a:solidFill>
-                            <a:srgbClr val="000000"/>
-                          </a:solidFill>
-                          <a:latin typeface="Arial"/>
-                          <a:ea typeface="DejaVu Sans"/>
-                        </a:rPr>
-                        <a:t>1682</a:t>
-                      </a:r>
-                      <a:endParaRPr b="0" lang="en-US" sz="1800" spc="-1" strike="noStrike">
-                        <a:latin typeface="Arial"/>
-                      </a:endParaRPr>
-                    </a:p>
-                  </a:txBody>
-                  <a:tcPr marL="91440" marR="91440">
-                    <a:lnL w="12240">
-                      <a:solidFill>
-                        <a:srgbClr val="ffffff"/>
-                      </a:solidFill>
-                    </a:lnL>
-                    <a:lnR w="12240">
-                      <a:solidFill>
-                        <a:srgbClr val="ffffff"/>
-                      </a:solidFill>
-                    </a:lnR>
-                    <a:lnT w="12240">
-                      <a:solidFill>
-                        <a:srgbClr val="ffffff"/>
-                      </a:solidFill>
-                    </a:lnT>
-                    <a:lnB w="12240">
-                      <a:solidFill>
-                        <a:srgbClr val="ffffff"/>
-                      </a:solidFill>
-                    </a:lnB>
-                    <a:solidFill>
-                      <a:srgbClr val="e7eaf4"/>
-                    </a:solidFill>
-                  </a:tcPr>
-                </a:tc>
-                <a:tc>
-                  <a:txBody>
-                    <a:bodyPr/>
-                    <a:p>
-                      <a:pPr>
-                        <a:lnSpc>
-                          <a:spcPct val="100000"/>
-                        </a:lnSpc>
-                      </a:pPr>
-                      <a:r>
-                        <a:rPr b="0" lang="en-US" sz="1800" spc="-1" strike="noStrike">
-                          <a:solidFill>
-                            <a:srgbClr val="000000"/>
-                          </a:solidFill>
-                          <a:latin typeface="Arial"/>
-                          <a:ea typeface="DejaVu Sans"/>
-                        </a:rPr>
-                        <a:t>183.14</a:t>
-                      </a:r>
-                      <a:endParaRPr b="0" lang="en-US" sz="1800" spc="-1" strike="noStrike">
-                        <a:latin typeface="Arial"/>
-                      </a:endParaRPr>
-                    </a:p>
-                  </a:txBody>
-                  <a:tcPr marL="91440" marR="91440">
-                    <a:lnL w="12240">
-                      <a:solidFill>
-                        <a:srgbClr val="ffffff"/>
-                      </a:solidFill>
-                    </a:lnL>
-                    <a:lnR w="12240">
-                      <a:solidFill>
-                        <a:srgbClr val="ffffff"/>
-                      </a:solidFill>
-                    </a:lnR>
-                    <a:lnT w="12240">
-                      <a:solidFill>
-                        <a:srgbClr val="ffffff"/>
-                      </a:solidFill>
-                    </a:lnT>
-                    <a:lnB w="12240">
-                      <a:solidFill>
-                        <a:srgbClr val="ffffff"/>
-                      </a:solidFill>
-                    </a:lnB>
-                    <a:solidFill>
-                      <a:srgbClr val="e7eaf4"/>
-                    </a:solidFill>
-                  </a:tcPr>
-                </a:tc>
-                <a:tc>
-                  <a:txBody>
-                    <a:bodyPr/>
-                    <a:p>
-                      <a:pPr>
-                        <a:lnSpc>
-                          <a:spcPct val="100000"/>
-                        </a:lnSpc>
-                      </a:pPr>
-                      <a:r>
-                        <a:rPr b="0" lang="en-US" sz="1800" spc="-1" strike="noStrike">
-                          <a:solidFill>
-                            <a:srgbClr val="000000"/>
-                          </a:solidFill>
-                          <a:latin typeface="Arial"/>
-                          <a:ea typeface="DejaVu Sans"/>
-                        </a:rPr>
-                        <a:t>304.14</a:t>
-                      </a:r>
-                      <a:endParaRPr b="0" lang="en-US" sz="1800" spc="-1" strike="noStrike">
-                        <a:latin typeface="Arial"/>
-                      </a:endParaRPr>
-                    </a:p>
-                  </a:txBody>
-                  <a:tcPr marL="91440" marR="91440">
-                    <a:lnL w="12240">
-                      <a:solidFill>
-                        <a:srgbClr val="ffffff"/>
-                      </a:solidFill>
-                    </a:lnL>
-                    <a:lnR w="12240">
-                      <a:solidFill>
-                        <a:srgbClr val="ffffff"/>
-                      </a:solidFill>
-                    </a:lnR>
-                    <a:lnT w="12240">
-                      <a:solidFill>
-                        <a:srgbClr val="ffffff"/>
-                      </a:solidFill>
-                    </a:lnT>
-                    <a:lnB w="12240">
-                      <a:solidFill>
-                        <a:srgbClr val="ffffff"/>
-                      </a:solidFill>
-                    </a:lnB>
-                    <a:solidFill>
-                      <a:srgbClr val="e7eaf4"/>
-                    </a:solidFill>
-                  </a:tcPr>
-                </a:tc>
-                <a:tc>
-                  <a:txBody>
-                    <a:bodyPr/>
-                    <a:p>
-                      <a:pPr>
-                        <a:lnSpc>
-                          <a:spcPct val="100000"/>
-                        </a:lnSpc>
-                      </a:pPr>
-                      <a:r>
-                        <a:rPr b="0" lang="en-US" sz="1800" spc="-1" strike="noStrike">
-                          <a:solidFill>
-                            <a:srgbClr val="000000"/>
-                          </a:solidFill>
-                          <a:latin typeface="Arial"/>
-                          <a:ea typeface="DejaVu Sans"/>
-                        </a:rPr>
-                        <a:t>142.04</a:t>
-                      </a:r>
-                      <a:endParaRPr b="0" lang="en-US" sz="1800" spc="-1" strike="noStrike">
-                        <a:latin typeface="Arial"/>
-                      </a:endParaRPr>
-                    </a:p>
-                  </a:txBody>
-                  <a:tcPr marL="91440" marR="91440">
-                    <a:lnL w="12240">
-                      <a:solidFill>
-                        <a:srgbClr val="ffffff"/>
-                      </a:solidFill>
-                    </a:lnL>
-                    <a:lnR w="12240">
-                      <a:solidFill>
-                        <a:srgbClr val="ffffff"/>
-                      </a:solidFill>
-                    </a:lnR>
-                    <a:lnT w="12240">
-                      <a:solidFill>
-                        <a:srgbClr val="ffffff"/>
-                      </a:solidFill>
-                    </a:lnT>
-                    <a:lnB w="12240">
-                      <a:solidFill>
-                        <a:srgbClr val="ffffff"/>
-                      </a:solidFill>
-                    </a:lnB>
-                    <a:solidFill>
-                      <a:srgbClr val="e7eaf4"/>
-                    </a:solidFill>
-                  </a:tcPr>
-                </a:tc>
-                <a:tc>
-                  <a:tcPr marL="91440" marR="91440">
-                    <a:lnL w="12240">
-                      <a:solidFill>
-                        <a:srgbClr val="ffffff"/>
-                      </a:solidFill>
-                    </a:lnL>
-                    <a:lnR w="12240">
-                      <a:solidFill>
-                        <a:srgbClr val="ffffff"/>
-                      </a:solidFill>
-                    </a:lnR>
-                    <a:lnT w="12240">
-                      <a:solidFill>
-                        <a:srgbClr val="ffffff"/>
-                      </a:solidFill>
-                    </a:lnT>
-                    <a:lnB w="12240">
-                      <a:solidFill>
-                        <a:srgbClr val="ffffff"/>
-                      </a:solidFill>
-                    </a:lnB>
-                    <a:solidFill>
-                      <a:srgbClr val="e7eaf4"/>
-                    </a:solidFill>
-                  </a:tcPr>
-                </a:tc>
-                <a:tc>
-                  <a:tcPr marL="91440" marR="91440">
-                    <a:lnL w="12240">
-                      <a:solidFill>
-                        <a:srgbClr val="ffffff"/>
-                      </a:solidFill>
-                    </a:lnL>
-                    <a:lnR w="12240">
-                      <a:solidFill>
-                        <a:srgbClr val="ffffff"/>
-                      </a:solidFill>
-                    </a:lnR>
-                    <a:lnT w="12240">
-                      <a:solidFill>
-                        <a:srgbClr val="ffffff"/>
-                      </a:solidFill>
-                    </a:lnT>
-                    <a:lnB w="12240">
-                      <a:solidFill>
-                        <a:srgbClr val="ffffff"/>
-                      </a:solidFill>
-                    </a:lnB>
-                    <a:solidFill>
-                      <a:srgbClr val="e7eaf4"/>
-                    </a:solidFill>
-                  </a:tcPr>
-                </a:tc>
-                <a:tc>
-                  <a:tcPr marL="91440" marR="91440">
-                    <a:lnL w="12240">
-                      <a:solidFill>
-                        <a:srgbClr val="ffffff"/>
-                      </a:solidFill>
-                    </a:lnL>
-                    <a:lnR w="12240">
-                      <a:solidFill>
-                        <a:srgbClr val="ffffff"/>
-                      </a:solidFill>
-                    </a:lnR>
-                    <a:lnT w="12240">
-                      <a:solidFill>
-                        <a:srgbClr val="ffffff"/>
-                      </a:solidFill>
-                    </a:lnT>
-                    <a:lnB w="12240">
-                      <a:solidFill>
-                        <a:srgbClr val="ffffff"/>
-                      </a:solidFill>
-                    </a:lnB>
-                    <a:solidFill>
-                      <a:srgbClr val="e7eaf4"/>
-                    </a:solidFill>
-                  </a:tcPr>
-                </a:tc>
-                <a:tc>
-                  <a:tcPr marL="91440" marR="91440">
-                    <a:lnL w="12240">
-                      <a:solidFill>
-                        <a:srgbClr val="ffffff"/>
-                      </a:solidFill>
-                    </a:lnL>
-                    <a:lnR w="12240">
-                      <a:solidFill>
-                        <a:srgbClr val="ffffff"/>
-                      </a:solidFill>
-                    </a:lnR>
-                    <a:lnT w="12240">
-                      <a:solidFill>
-                        <a:srgbClr val="ffffff"/>
-                      </a:solidFill>
-                    </a:lnT>
-                    <a:lnB w="12240">
-                      <a:solidFill>
-                        <a:srgbClr val="ffffff"/>
-                      </a:solidFill>
-                    </a:lnB>
-                    <a:solidFill>
-                      <a:srgbClr val="e7eaf4"/>
-                    </a:solidFill>
-                  </a:tcPr>
-                </a:tc>
-                <a:tc>
-                  <a:tcPr marL="91440" marR="91440">
-                    <a:lnL w="12240">
-                      <a:solidFill>
-                        <a:srgbClr val="ffffff"/>
-                      </a:solidFill>
-                    </a:lnL>
-                    <a:lnR w="12240">
-                      <a:solidFill>
-                        <a:srgbClr val="ffffff"/>
-                      </a:solidFill>
-                    </a:lnR>
-                    <a:lnT w="12240">
-                      <a:solidFill>
-                        <a:srgbClr val="ffffff"/>
-                      </a:solidFill>
-                    </a:lnT>
-                    <a:lnB w="12240">
-                      <a:solidFill>
-                        <a:srgbClr val="ffffff"/>
-                      </a:solidFill>
-                    </a:lnB>
-                    <a:solidFill>
-                      <a:srgbClr val="e7eaf4"/>
                     </a:solidFill>
                   </a:tcPr>
                 </a:tc>
@@ -10160,10 +8606,228 @@
                       </a:solidFill>
                     </a:lnB>
                     <a:solidFill>
-                      <a:srgbClr val="ccd3e8"/>
-                    </a:solidFill>
-                  </a:tcPr>
-                </a:tc>
+                      <a:srgbClr val="e7eaf4"/>
+                    </a:solidFill>
+                  </a:tcPr>
+                </a:tc>
+                <a:tc>
+                  <a:tcPr marL="91440" marR="91440">
+                    <a:lnL w="12240">
+                      <a:solidFill>
+                        <a:srgbClr val="ffffff"/>
+                      </a:solidFill>
+                    </a:lnL>
+                    <a:lnR w="12240">
+                      <a:solidFill>
+                        <a:srgbClr val="ffffff"/>
+                      </a:solidFill>
+                    </a:lnR>
+                    <a:lnT w="12240">
+                      <a:solidFill>
+                        <a:srgbClr val="ffffff"/>
+                      </a:solidFill>
+                    </a:lnT>
+                    <a:lnB w="12240">
+                      <a:solidFill>
+                        <a:srgbClr val="ffffff"/>
+                      </a:solidFill>
+                    </a:lnB>
+                    <a:solidFill>
+                      <a:srgbClr val="e7eaf4"/>
+                    </a:solidFill>
+                  </a:tcPr>
+                </a:tc>
+                <a:tc>
+                  <a:tcPr marL="91440" marR="91440">
+                    <a:lnL w="12240">
+                      <a:solidFill>
+                        <a:srgbClr val="ffffff"/>
+                      </a:solidFill>
+                    </a:lnL>
+                    <a:lnR w="12240">
+                      <a:solidFill>
+                        <a:srgbClr val="ffffff"/>
+                      </a:solidFill>
+                    </a:lnR>
+                    <a:lnT w="12240">
+                      <a:solidFill>
+                        <a:srgbClr val="ffffff"/>
+                      </a:solidFill>
+                    </a:lnT>
+                    <a:lnB w="12240">
+                      <a:solidFill>
+                        <a:srgbClr val="ffffff"/>
+                      </a:solidFill>
+                    </a:lnB>
+                    <a:solidFill>
+                      <a:srgbClr val="e7eaf4"/>
+                    </a:solidFill>
+                  </a:tcPr>
+                </a:tc>
+                <a:tc>
+                  <a:tcPr marL="91440" marR="91440">
+                    <a:lnL w="12240">
+                      <a:solidFill>
+                        <a:srgbClr val="ffffff"/>
+                      </a:solidFill>
+                    </a:lnL>
+                    <a:lnR w="12240">
+                      <a:solidFill>
+                        <a:srgbClr val="ffffff"/>
+                      </a:solidFill>
+                    </a:lnR>
+                    <a:lnT w="12240">
+                      <a:solidFill>
+                        <a:srgbClr val="ffffff"/>
+                      </a:solidFill>
+                    </a:lnT>
+                    <a:lnB w="12240">
+                      <a:solidFill>
+                        <a:srgbClr val="ffffff"/>
+                      </a:solidFill>
+                    </a:lnB>
+                    <a:solidFill>
+                      <a:srgbClr val="e7eaf4"/>
+                    </a:solidFill>
+                  </a:tcPr>
+                </a:tc>
+                <a:tc>
+                  <a:tcPr marL="91440" marR="91440">
+                    <a:lnL w="12240">
+                      <a:solidFill>
+                        <a:srgbClr val="ffffff"/>
+                      </a:solidFill>
+                    </a:lnL>
+                    <a:lnR w="12240">
+                      <a:solidFill>
+                        <a:srgbClr val="ffffff"/>
+                      </a:solidFill>
+                    </a:lnR>
+                    <a:lnT w="12240">
+                      <a:solidFill>
+                        <a:srgbClr val="ffffff"/>
+                      </a:solidFill>
+                    </a:lnT>
+                    <a:lnB w="12240">
+                      <a:solidFill>
+                        <a:srgbClr val="ffffff"/>
+                      </a:solidFill>
+                    </a:lnB>
+                    <a:solidFill>
+                      <a:srgbClr val="e7eaf4"/>
+                    </a:solidFill>
+                  </a:tcPr>
+                </a:tc>
+                <a:tc>
+                  <a:tcPr marL="91440" marR="91440">
+                    <a:lnL w="12240">
+                      <a:solidFill>
+                        <a:srgbClr val="ffffff"/>
+                      </a:solidFill>
+                    </a:lnL>
+                    <a:lnR w="12240">
+                      <a:solidFill>
+                        <a:srgbClr val="ffffff"/>
+                      </a:solidFill>
+                    </a:lnR>
+                    <a:lnT w="12240">
+                      <a:solidFill>
+                        <a:srgbClr val="ffffff"/>
+                      </a:solidFill>
+                    </a:lnT>
+                    <a:lnB w="12240">
+                      <a:solidFill>
+                        <a:srgbClr val="ffffff"/>
+                      </a:solidFill>
+                    </a:lnB>
+                    <a:solidFill>
+                      <a:srgbClr val="e7eaf4"/>
+                    </a:solidFill>
+                  </a:tcPr>
+                </a:tc>
+                <a:tc>
+                  <a:tcPr marL="91440" marR="91440">
+                    <a:lnL w="12240">
+                      <a:solidFill>
+                        <a:srgbClr val="ffffff"/>
+                      </a:solidFill>
+                    </a:lnL>
+                    <a:lnR w="12240">
+                      <a:solidFill>
+                        <a:srgbClr val="ffffff"/>
+                      </a:solidFill>
+                    </a:lnR>
+                    <a:lnT w="12240">
+                      <a:solidFill>
+                        <a:srgbClr val="ffffff"/>
+                      </a:solidFill>
+                    </a:lnT>
+                    <a:lnB w="12240">
+                      <a:solidFill>
+                        <a:srgbClr val="ffffff"/>
+                      </a:solidFill>
+                    </a:lnB>
+                    <a:solidFill>
+                      <a:srgbClr val="e7eaf4"/>
+                    </a:solidFill>
+                  </a:tcPr>
+                </a:tc>
+                <a:tc>
+                  <a:tcPr marL="91440" marR="91440">
+                    <a:lnL w="12240">
+                      <a:solidFill>
+                        <a:srgbClr val="ffffff"/>
+                      </a:solidFill>
+                    </a:lnL>
+                    <a:lnR w="12240">
+                      <a:solidFill>
+                        <a:srgbClr val="ffffff"/>
+                      </a:solidFill>
+                    </a:lnR>
+                    <a:lnT w="12240">
+                      <a:solidFill>
+                        <a:srgbClr val="ffffff"/>
+                      </a:solidFill>
+                    </a:lnT>
+                    <a:lnB w="12240">
+                      <a:solidFill>
+                        <a:srgbClr val="ffffff"/>
+                      </a:solidFill>
+                    </a:lnB>
+                    <a:solidFill>
+                      <a:srgbClr val="e7eaf4"/>
+                    </a:solidFill>
+                  </a:tcPr>
+                </a:tc>
+                <a:tc>
+                  <a:tcPr marL="91440" marR="91440">
+                    <a:lnL w="12240">
+                      <a:solidFill>
+                        <a:srgbClr val="ffffff"/>
+                      </a:solidFill>
+                    </a:lnL>
+                    <a:lnR w="12240">
+                      <a:solidFill>
+                        <a:srgbClr val="ffffff"/>
+                      </a:solidFill>
+                    </a:lnR>
+                    <a:lnT w="12240">
+                      <a:solidFill>
+                        <a:srgbClr val="ffffff"/>
+                      </a:solidFill>
+                    </a:lnT>
+                    <a:lnB w="12240">
+                      <a:solidFill>
+                        <a:srgbClr val="ffffff"/>
+                      </a:solidFill>
+                    </a:lnB>
+                    <a:solidFill>
+                      <a:srgbClr val="e7eaf4"/>
+                    </a:solidFill>
+                  </a:tcPr>
+                </a:tc>
+              </a:tr>
+              <a:tr h="350640">
                 <a:tc>
                   <a:txBody>
                     <a:bodyPr/>
@@ -10181,7 +8845,7 @@
                           <a:latin typeface="Arial"/>
                           <a:ea typeface="DejaVu Sans"/>
                         </a:rPr>
-                        <a:t>338.93</a:t>
+                        <a:t>2828</a:t>
                       </a:r>
                       <a:endParaRPr b="0" lang="en-US" sz="1800" spc="-1" strike="noStrike">
                         <a:latin typeface="Arial"/>
@@ -10215,29 +8879,6 @@
                   </a:tcPr>
                 </a:tc>
                 <a:tc>
-                  <a:txBody>
-                    <a:bodyPr/>
-                    <a:p>
-                      <a:pPr>
-                        <a:lnSpc>
-                          <a:spcPct val="100000"/>
-                        </a:lnSpc>
-                      </a:pPr>
-                      <a:r>
-                        <a:rPr b="0" lang="en-US" sz="1800" spc="-1" strike="noStrike">
-                          <a:solidFill>
-                            <a:srgbClr val="000000"/>
-                          </a:solidFill>
-                          <a:latin typeface="Arial"/>
-                          <a:ea typeface="DejaVu Sans"/>
-                        </a:rPr>
-                        <a:t>545.72</a:t>
-                      </a:r>
-                      <a:endParaRPr b="0" lang="en-US" sz="1800" spc="-1" strike="noStrike">
-                        <a:latin typeface="Arial"/>
-                      </a:endParaRPr>
-                    </a:p>
-                  </a:txBody>
                   <a:tcPr marL="91440" marR="91440">
                     <a:lnL w="12240">
                       <a:solidFill>
@@ -10265,29 +8906,6 @@
                   </a:tcPr>
                 </a:tc>
                 <a:tc>
-                  <a:txBody>
-                    <a:bodyPr/>
-                    <a:p>
-                      <a:pPr>
-                        <a:lnSpc>
-                          <a:spcPct val="100000"/>
-                        </a:lnSpc>
-                      </a:pPr>
-                      <a:r>
-                        <a:rPr b="0" lang="en-US" sz="1800" spc="-1" strike="noStrike">
-                          <a:solidFill>
-                            <a:srgbClr val="000000"/>
-                          </a:solidFill>
-                          <a:latin typeface="Arial"/>
-                          <a:ea typeface="DejaVu Sans"/>
-                        </a:rPr>
-                        <a:t>262.74</a:t>
-                      </a:r>
-                      <a:endParaRPr b="0" lang="en-US" sz="1800" spc="-1" strike="noStrike">
-                        <a:latin typeface="Arial"/>
-                      </a:endParaRPr>
-                    </a:p>
-                  </a:txBody>
                   <a:tcPr marL="91440" marR="91440">
                     <a:lnL w="12240">
                       <a:solidFill>
@@ -10449,340 +9067,30 @@
                     </a:solidFill>
                   </a:tcPr>
                 </a:tc>
-              </a:tr>
-              <a:tr h="352080">
-                <a:tc>
-                  <a:txBody>
-                    <a:bodyPr/>
-                    <a:p>
-                      <a:pPr>
-                        <a:lnSpc>
-                          <a:spcPct val="100000"/>
-                        </a:lnSpc>
-                      </a:pPr>
-                      <a:r>
-                        <a:rPr b="0" lang="en-US" sz="1800" spc="-1" strike="noStrike">
-                          <a:solidFill>
-                            <a:srgbClr val="000000"/>
-                          </a:solidFill>
-                          <a:latin typeface="Arial"/>
-                          <a:ea typeface="DejaVu Sans"/>
-                        </a:rPr>
-                        <a:t>2378</a:t>
-                      </a:r>
-                      <a:endParaRPr b="0" lang="en-US" sz="1800" spc="-1" strike="noStrike">
-                        <a:latin typeface="Arial"/>
-                      </a:endParaRPr>
-                    </a:p>
-                  </a:txBody>
-                  <a:tcPr marL="91440" marR="91440">
-                    <a:lnL w="12240">
-                      <a:solidFill>
-                        <a:srgbClr val="ffffff"/>
-                      </a:solidFill>
-                    </a:lnL>
-                    <a:lnR w="12240">
-                      <a:solidFill>
-                        <a:srgbClr val="ffffff"/>
-                      </a:solidFill>
-                    </a:lnR>
-                    <a:lnT w="12240">
-                      <a:solidFill>
-                        <a:srgbClr val="ffffff"/>
-                      </a:solidFill>
-                    </a:lnT>
-                    <a:lnB w="12240">
-                      <a:solidFill>
-                        <a:srgbClr val="ffffff"/>
-                      </a:solidFill>
-                    </a:lnB>
-                    <a:solidFill>
-                      <a:srgbClr val="e7eaf4"/>
-                    </a:solidFill>
-                  </a:tcPr>
-                </a:tc>
-                <a:tc>
-                  <a:txBody>
-                    <a:bodyPr/>
-                    <a:p>
-                      <a:pPr>
-                        <a:lnSpc>
-                          <a:spcPct val="100000"/>
-                        </a:lnSpc>
-                      </a:pPr>
-                      <a:r>
-                        <a:rPr b="0" lang="en-US" sz="1800" spc="-1" strike="noStrike">
-                          <a:solidFill>
-                            <a:srgbClr val="000000"/>
-                          </a:solidFill>
-                          <a:latin typeface="Arial"/>
-                          <a:ea typeface="DejaVu Sans"/>
-                        </a:rPr>
-                        <a:t>663.08</a:t>
-                      </a:r>
-                      <a:endParaRPr b="0" lang="en-US" sz="1800" spc="-1" strike="noStrike">
-                        <a:latin typeface="Arial"/>
-                      </a:endParaRPr>
-                    </a:p>
-                  </a:txBody>
-                  <a:tcPr marL="91440" marR="91440">
-                    <a:lnL w="12240">
-                      <a:solidFill>
-                        <a:srgbClr val="ffffff"/>
-                      </a:solidFill>
-                    </a:lnL>
-                    <a:lnR w="12240">
-                      <a:solidFill>
-                        <a:srgbClr val="ffffff"/>
-                      </a:solidFill>
-                    </a:lnR>
-                    <a:lnT w="12240">
-                      <a:solidFill>
-                        <a:srgbClr val="ffffff"/>
-                      </a:solidFill>
-                    </a:lnT>
-                    <a:lnB w="12240">
-                      <a:solidFill>
-                        <a:srgbClr val="ffffff"/>
-                      </a:solidFill>
-                    </a:lnB>
-                    <a:solidFill>
-                      <a:srgbClr val="e7eaf4"/>
-                    </a:solidFill>
-                  </a:tcPr>
-                </a:tc>
-                <a:tc>
-                  <a:txBody>
-                    <a:bodyPr/>
-                    <a:p>
-                      <a:pPr>
-                        <a:lnSpc>
-                          <a:spcPct val="100000"/>
-                        </a:lnSpc>
-                      </a:pPr>
-                      <a:r>
-                        <a:rPr b="0" lang="en-US" sz="1800" spc="-1" strike="noStrike">
-                          <a:solidFill>
-                            <a:srgbClr val="000000"/>
-                          </a:solidFill>
-                          <a:latin typeface="Arial"/>
-                          <a:ea typeface="DejaVu Sans"/>
-                        </a:rPr>
-                        <a:t>1006.36</a:t>
-                      </a:r>
-                      <a:endParaRPr b="0" lang="en-US" sz="1800" spc="-1" strike="noStrike">
-                        <a:latin typeface="Arial"/>
-                      </a:endParaRPr>
-                    </a:p>
-                  </a:txBody>
-                  <a:tcPr marL="91440" marR="91440">
-                    <a:lnL w="12240">
-                      <a:solidFill>
-                        <a:srgbClr val="ffffff"/>
-                      </a:solidFill>
-                    </a:lnL>
-                    <a:lnR w="12240">
-                      <a:solidFill>
-                        <a:srgbClr val="ffffff"/>
-                      </a:solidFill>
-                    </a:lnR>
-                    <a:lnT w="12240">
-                      <a:solidFill>
-                        <a:srgbClr val="ffffff"/>
-                      </a:solidFill>
-                    </a:lnT>
-                    <a:lnB w="12240">
-                      <a:solidFill>
-                        <a:srgbClr val="ffffff"/>
-                      </a:solidFill>
-                    </a:lnB>
-                    <a:solidFill>
-                      <a:srgbClr val="e7eaf4"/>
-                    </a:solidFill>
-                  </a:tcPr>
-                </a:tc>
-                <a:tc>
-                  <a:txBody>
-                    <a:bodyPr/>
-                    <a:p>
-                      <a:pPr>
-                        <a:lnSpc>
-                          <a:spcPct val="100000"/>
-                        </a:lnSpc>
-                      </a:pPr>
-                      <a:r>
-                        <a:rPr b="0" lang="en-US" sz="1800" spc="-1" strike="noStrike">
-                          <a:solidFill>
-                            <a:srgbClr val="000000"/>
-                          </a:solidFill>
-                          <a:latin typeface="Arial"/>
-                          <a:ea typeface="DejaVu Sans"/>
-                        </a:rPr>
-                        <a:t>515.84</a:t>
-                      </a:r>
-                      <a:endParaRPr b="0" lang="en-US" sz="1800" spc="-1" strike="noStrike">
-                        <a:latin typeface="Arial"/>
-                      </a:endParaRPr>
-                    </a:p>
-                  </a:txBody>
-                  <a:tcPr marL="91440" marR="91440">
-                    <a:lnL w="12240">
-                      <a:solidFill>
-                        <a:srgbClr val="ffffff"/>
-                      </a:solidFill>
-                    </a:lnL>
-                    <a:lnR w="12240">
-                      <a:solidFill>
-                        <a:srgbClr val="ffffff"/>
-                      </a:solidFill>
-                    </a:lnR>
-                    <a:lnT w="12240">
-                      <a:solidFill>
-                        <a:srgbClr val="ffffff"/>
-                      </a:solidFill>
-                    </a:lnT>
-                    <a:lnB w="12240">
-                      <a:solidFill>
-                        <a:srgbClr val="ffffff"/>
-                      </a:solidFill>
-                    </a:lnB>
-                    <a:solidFill>
-                      <a:srgbClr val="e7eaf4"/>
-                    </a:solidFill>
-                  </a:tcPr>
-                </a:tc>
-                <a:tc>
-                  <a:tcPr marL="91440" marR="91440">
-                    <a:lnL w="12240">
-                      <a:solidFill>
-                        <a:srgbClr val="ffffff"/>
-                      </a:solidFill>
-                    </a:lnL>
-                    <a:lnR w="12240">
-                      <a:solidFill>
-                        <a:srgbClr val="ffffff"/>
-                      </a:solidFill>
-                    </a:lnR>
-                    <a:lnT w="12240">
-                      <a:solidFill>
-                        <a:srgbClr val="ffffff"/>
-                      </a:solidFill>
-                    </a:lnT>
-                    <a:lnB w="12240">
-                      <a:solidFill>
-                        <a:srgbClr val="ffffff"/>
-                      </a:solidFill>
-                    </a:lnB>
-                    <a:solidFill>
-                      <a:srgbClr val="e7eaf4"/>
-                    </a:solidFill>
-                  </a:tcPr>
-                </a:tc>
-                <a:tc>
-                  <a:tcPr marL="91440" marR="91440">
-                    <a:lnL w="12240">
-                      <a:solidFill>
-                        <a:srgbClr val="ffffff"/>
-                      </a:solidFill>
-                    </a:lnL>
-                    <a:lnR w="12240">
-                      <a:solidFill>
-                        <a:srgbClr val="ffffff"/>
-                      </a:solidFill>
-                    </a:lnR>
-                    <a:lnT w="12240">
-                      <a:solidFill>
-                        <a:srgbClr val="ffffff"/>
-                      </a:solidFill>
-                    </a:lnT>
-                    <a:lnB w="12240">
-                      <a:solidFill>
-                        <a:srgbClr val="ffffff"/>
-                      </a:solidFill>
-                    </a:lnB>
-                    <a:solidFill>
-                      <a:srgbClr val="e7eaf4"/>
-                    </a:solidFill>
-                  </a:tcPr>
-                </a:tc>
-                <a:tc>
-                  <a:tcPr marL="91440" marR="91440">
-                    <a:lnL w="12240">
-                      <a:solidFill>
-                        <a:srgbClr val="ffffff"/>
-                      </a:solidFill>
-                    </a:lnL>
-                    <a:lnR w="12240">
-                      <a:solidFill>
-                        <a:srgbClr val="ffffff"/>
-                      </a:solidFill>
-                    </a:lnR>
-                    <a:lnT w="12240">
-                      <a:solidFill>
-                        <a:srgbClr val="ffffff"/>
-                      </a:solidFill>
-                    </a:lnT>
-                    <a:lnB w="12240">
-                      <a:solidFill>
-                        <a:srgbClr val="ffffff"/>
-                      </a:solidFill>
-                    </a:lnB>
-                    <a:solidFill>
-                      <a:srgbClr val="e7eaf4"/>
-                    </a:solidFill>
-                  </a:tcPr>
-                </a:tc>
-                <a:tc>
-                  <a:tcPr marL="91440" marR="91440">
-                    <a:lnL w="12240">
-                      <a:solidFill>
-                        <a:srgbClr val="ffffff"/>
-                      </a:solidFill>
-                    </a:lnL>
-                    <a:lnR w="12240">
-                      <a:solidFill>
-                        <a:srgbClr val="ffffff"/>
-                      </a:solidFill>
-                    </a:lnR>
-                    <a:lnT w="12240">
-                      <a:solidFill>
-                        <a:srgbClr val="ffffff"/>
-                      </a:solidFill>
-                    </a:lnT>
-                    <a:lnB w="12240">
-                      <a:solidFill>
-                        <a:srgbClr val="ffffff"/>
-                      </a:solidFill>
-                    </a:lnB>
-                    <a:solidFill>
-                      <a:srgbClr val="e7eaf4"/>
-                    </a:solidFill>
-                  </a:tcPr>
-                </a:tc>
-                <a:tc>
-                  <a:tcPr marL="91440" marR="91440">
-                    <a:lnL w="12240">
-                      <a:solidFill>
-                        <a:srgbClr val="ffffff"/>
-                      </a:solidFill>
-                    </a:lnL>
-                    <a:lnR w="12240">
-                      <a:solidFill>
-                        <a:srgbClr val="ffffff"/>
-                      </a:solidFill>
-                    </a:lnR>
-                    <a:lnT w="12240">
-                      <a:solidFill>
-                        <a:srgbClr val="ffffff"/>
-                      </a:solidFill>
-                    </a:lnT>
-                    <a:lnB w="12240">
-                      <a:solidFill>
-                        <a:srgbClr val="ffffff"/>
-                      </a:solidFill>
-                    </a:lnB>
-                    <a:solidFill>
-                      <a:srgbClr val="e7eaf4"/>
+                <a:tc>
+                  <a:tcPr marL="91440" marR="91440">
+                    <a:lnL w="12240">
+                      <a:solidFill>
+                        <a:srgbClr val="ffffff"/>
+                      </a:solidFill>
+                    </a:lnL>
+                    <a:lnR w="12240">
+                      <a:solidFill>
+                        <a:srgbClr val="ffffff"/>
+                      </a:solidFill>
+                    </a:lnR>
+                    <a:lnT w="12240">
+                      <a:solidFill>
+                        <a:srgbClr val="ffffff"/>
+                      </a:solidFill>
+                    </a:lnT>
+                    <a:lnB w="12240">
+                      <a:solidFill>
+                        <a:srgbClr val="ffffff"/>
+                      </a:solidFill>
+                    </a:lnB>
+                    <a:solidFill>
+                      <a:srgbClr val="ccd3e8"/>
                     </a:solidFill>
                   </a:tcPr>
                 </a:tc>

--- a/Poster Stuff/cs470poster.pptx
+++ b/Poster Stuff/cs470poster.pptx
@@ -73,10 +73,8 @@
         <p:txBody>
           <a:bodyPr lIns="0" rIns="0" tIns="0" bIns="0" anchor="ctr"/>
           <a:p>
-            <a:endParaRPr b="0" lang="en-US" sz="1800" spc="-1" strike="noStrike">
-              <a:solidFill>
-                <a:srgbClr val="000000"/>
-              </a:solidFill>
+            <a:pPr algn="ctr"/>
+            <a:endParaRPr b="0" lang="en-US" sz="4400" spc="-1" strike="noStrike">
               <a:latin typeface="Arial"/>
             </a:endParaRPr>
           </a:p>
@@ -106,10 +104,7 @@
             <a:normAutofit/>
           </a:bodyPr>
           <a:p>
-            <a:endParaRPr b="0" lang="en-US" sz="2800" spc="-1" strike="noStrike">
-              <a:solidFill>
-                <a:srgbClr val="000000"/>
-              </a:solidFill>
+            <a:endParaRPr b="0" lang="en-US" sz="3200" spc="-1" strike="noStrike">
               <a:latin typeface="Arial"/>
             </a:endParaRPr>
           </a:p>
@@ -139,10 +134,7 @@
             <a:normAutofit/>
           </a:bodyPr>
           <a:p>
-            <a:endParaRPr b="0" lang="en-US" sz="2800" spc="-1" strike="noStrike">
-              <a:solidFill>
-                <a:srgbClr val="000000"/>
-              </a:solidFill>
+            <a:endParaRPr b="0" lang="en-US" sz="3200" spc="-1" strike="noStrike">
               <a:latin typeface="Arial"/>
             </a:endParaRPr>
           </a:p>
@@ -192,10 +184,8 @@
         <p:txBody>
           <a:bodyPr lIns="0" rIns="0" tIns="0" bIns="0" anchor="ctr"/>
           <a:p>
-            <a:endParaRPr b="0" lang="en-US" sz="1800" spc="-1" strike="noStrike">
-              <a:solidFill>
-                <a:srgbClr val="000000"/>
-              </a:solidFill>
+            <a:pPr algn="ctr"/>
+            <a:endParaRPr b="0" lang="en-US" sz="4400" spc="-1" strike="noStrike">
               <a:latin typeface="Arial"/>
             </a:endParaRPr>
           </a:p>
@@ -225,10 +215,7 @@
             <a:normAutofit/>
           </a:bodyPr>
           <a:p>
-            <a:endParaRPr b="0" lang="en-US" sz="2800" spc="-1" strike="noStrike">
-              <a:solidFill>
-                <a:srgbClr val="000000"/>
-              </a:solidFill>
+            <a:endParaRPr b="0" lang="en-US" sz="3200" spc="-1" strike="noStrike">
               <a:latin typeface="Arial"/>
             </a:endParaRPr>
           </a:p>
@@ -258,10 +245,7 @@
             <a:normAutofit/>
           </a:bodyPr>
           <a:p>
-            <a:endParaRPr b="0" lang="en-US" sz="2800" spc="-1" strike="noStrike">
-              <a:solidFill>
-                <a:srgbClr val="000000"/>
-              </a:solidFill>
+            <a:endParaRPr b="0" lang="en-US" sz="3200" spc="-1" strike="noStrike">
               <a:latin typeface="Arial"/>
             </a:endParaRPr>
           </a:p>
@@ -291,10 +275,7 @@
             <a:normAutofit/>
           </a:bodyPr>
           <a:p>
-            <a:endParaRPr b="0" lang="en-US" sz="2800" spc="-1" strike="noStrike">
-              <a:solidFill>
-                <a:srgbClr val="000000"/>
-              </a:solidFill>
+            <a:endParaRPr b="0" lang="en-US" sz="3200" spc="-1" strike="noStrike">
               <a:latin typeface="Arial"/>
             </a:endParaRPr>
           </a:p>
@@ -324,10 +305,7 @@
             <a:normAutofit/>
           </a:bodyPr>
           <a:p>
-            <a:endParaRPr b="0" lang="en-US" sz="2800" spc="-1" strike="noStrike">
-              <a:solidFill>
-                <a:srgbClr val="000000"/>
-              </a:solidFill>
+            <a:endParaRPr b="0" lang="en-US" sz="3200" spc="-1" strike="noStrike">
               <a:latin typeface="Arial"/>
             </a:endParaRPr>
           </a:p>
@@ -377,10 +355,8 @@
         <p:txBody>
           <a:bodyPr lIns="0" rIns="0" tIns="0" bIns="0" anchor="ctr"/>
           <a:p>
-            <a:endParaRPr b="0" lang="en-US" sz="1800" spc="-1" strike="noStrike">
-              <a:solidFill>
-                <a:srgbClr val="000000"/>
-              </a:solidFill>
+            <a:pPr algn="ctr"/>
+            <a:endParaRPr b="0" lang="en-US" sz="4400" spc="-1" strike="noStrike">
               <a:latin typeface="Arial"/>
             </a:endParaRPr>
           </a:p>
@@ -410,10 +386,7 @@
             <a:normAutofit/>
           </a:bodyPr>
           <a:p>
-            <a:endParaRPr b="0" lang="en-US" sz="2800" spc="-1" strike="noStrike">
-              <a:solidFill>
-                <a:srgbClr val="000000"/>
-              </a:solidFill>
+            <a:endParaRPr b="0" lang="en-US" sz="3200" spc="-1" strike="noStrike">
               <a:latin typeface="Arial"/>
             </a:endParaRPr>
           </a:p>
@@ -443,10 +416,7 @@
             <a:normAutofit/>
           </a:bodyPr>
           <a:p>
-            <a:endParaRPr b="0" lang="en-US" sz="2800" spc="-1" strike="noStrike">
-              <a:solidFill>
-                <a:srgbClr val="000000"/>
-              </a:solidFill>
+            <a:endParaRPr b="0" lang="en-US" sz="3200" spc="-1" strike="noStrike">
               <a:latin typeface="Arial"/>
             </a:endParaRPr>
           </a:p>
@@ -476,10 +446,7 @@
             <a:normAutofit/>
           </a:bodyPr>
           <a:p>
-            <a:endParaRPr b="0" lang="en-US" sz="2800" spc="-1" strike="noStrike">
-              <a:solidFill>
-                <a:srgbClr val="000000"/>
-              </a:solidFill>
+            <a:endParaRPr b="0" lang="en-US" sz="3200" spc="-1" strike="noStrike">
               <a:latin typeface="Arial"/>
             </a:endParaRPr>
           </a:p>
@@ -509,10 +476,7 @@
             <a:normAutofit/>
           </a:bodyPr>
           <a:p>
-            <a:endParaRPr b="0" lang="en-US" sz="2800" spc="-1" strike="noStrike">
-              <a:solidFill>
-                <a:srgbClr val="000000"/>
-              </a:solidFill>
+            <a:endParaRPr b="0" lang="en-US" sz="3200" spc="-1" strike="noStrike">
               <a:latin typeface="Arial"/>
             </a:endParaRPr>
           </a:p>
@@ -542,10 +506,7 @@
             <a:normAutofit/>
           </a:bodyPr>
           <a:p>
-            <a:endParaRPr b="0" lang="en-US" sz="2800" spc="-1" strike="noStrike">
-              <a:solidFill>
-                <a:srgbClr val="000000"/>
-              </a:solidFill>
+            <a:endParaRPr b="0" lang="en-US" sz="3200" spc="-1" strike="noStrike">
               <a:latin typeface="Arial"/>
             </a:endParaRPr>
           </a:p>
@@ -575,10 +536,7 @@
             <a:normAutofit/>
           </a:bodyPr>
           <a:p>
-            <a:endParaRPr b="0" lang="en-US" sz="2800" spc="-1" strike="noStrike">
-              <a:solidFill>
-                <a:srgbClr val="000000"/>
-              </a:solidFill>
+            <a:endParaRPr b="0" lang="en-US" sz="3200" spc="-1" strike="noStrike">
               <a:latin typeface="Arial"/>
             </a:endParaRPr>
           </a:p>
@@ -628,10 +586,8 @@
         <p:txBody>
           <a:bodyPr lIns="0" rIns="0" tIns="0" bIns="0" anchor="ctr"/>
           <a:p>
-            <a:endParaRPr b="0" lang="en-US" sz="1800" spc="-1" strike="noStrike">
-              <a:solidFill>
-                <a:srgbClr val="000000"/>
-              </a:solidFill>
+            <a:pPr algn="ctr"/>
+            <a:endParaRPr b="0" lang="en-US" sz="4400" spc="-1" strike="noStrike">
               <a:latin typeface="Arial"/>
             </a:endParaRPr>
           </a:p>
@@ -710,10 +666,8 @@
         <p:txBody>
           <a:bodyPr lIns="0" rIns="0" tIns="0" bIns="0" anchor="ctr"/>
           <a:p>
-            <a:endParaRPr b="0" lang="en-US" sz="1800" spc="-1" strike="noStrike">
-              <a:solidFill>
-                <a:srgbClr val="000000"/>
-              </a:solidFill>
+            <a:pPr algn="ctr"/>
+            <a:endParaRPr b="0" lang="en-US" sz="4400" spc="-1" strike="noStrike">
               <a:latin typeface="Arial"/>
             </a:endParaRPr>
           </a:p>
@@ -743,10 +697,7 @@
             <a:normAutofit/>
           </a:bodyPr>
           <a:p>
-            <a:endParaRPr b="0" lang="en-US" sz="2800" spc="-1" strike="noStrike">
-              <a:solidFill>
-                <a:srgbClr val="000000"/>
-              </a:solidFill>
+            <a:endParaRPr b="0" lang="en-US" sz="3200" spc="-1" strike="noStrike">
               <a:latin typeface="Arial"/>
             </a:endParaRPr>
           </a:p>
@@ -796,10 +747,8 @@
         <p:txBody>
           <a:bodyPr lIns="0" rIns="0" tIns="0" bIns="0" anchor="ctr"/>
           <a:p>
-            <a:endParaRPr b="0" lang="en-US" sz="1800" spc="-1" strike="noStrike">
-              <a:solidFill>
-                <a:srgbClr val="000000"/>
-              </a:solidFill>
+            <a:pPr algn="ctr"/>
+            <a:endParaRPr b="0" lang="en-US" sz="4400" spc="-1" strike="noStrike">
               <a:latin typeface="Arial"/>
             </a:endParaRPr>
           </a:p>
@@ -829,10 +778,7 @@
             <a:normAutofit/>
           </a:bodyPr>
           <a:p>
-            <a:endParaRPr b="0" lang="en-US" sz="2800" spc="-1" strike="noStrike">
-              <a:solidFill>
-                <a:srgbClr val="000000"/>
-              </a:solidFill>
+            <a:endParaRPr b="0" lang="en-US" sz="3200" spc="-1" strike="noStrike">
               <a:latin typeface="Arial"/>
             </a:endParaRPr>
           </a:p>
@@ -862,10 +808,7 @@
             <a:normAutofit/>
           </a:bodyPr>
           <a:p>
-            <a:endParaRPr b="0" lang="en-US" sz="2800" spc="-1" strike="noStrike">
-              <a:solidFill>
-                <a:srgbClr val="000000"/>
-              </a:solidFill>
+            <a:endParaRPr b="0" lang="en-US" sz="3200" spc="-1" strike="noStrike">
               <a:latin typeface="Arial"/>
             </a:endParaRPr>
           </a:p>
@@ -915,10 +858,8 @@
         <p:txBody>
           <a:bodyPr lIns="0" rIns="0" tIns="0" bIns="0" anchor="ctr"/>
           <a:p>
-            <a:endParaRPr b="0" lang="en-US" sz="1800" spc="-1" strike="noStrike">
-              <a:solidFill>
-                <a:srgbClr val="000000"/>
-              </a:solidFill>
+            <a:pPr algn="ctr"/>
+            <a:endParaRPr b="0" lang="en-US" sz="4400" spc="-1" strike="noStrike">
               <a:latin typeface="Arial"/>
             </a:endParaRPr>
           </a:p>
@@ -1019,10 +960,8 @@
         <p:txBody>
           <a:bodyPr lIns="0" rIns="0" tIns="0" bIns="0" anchor="ctr"/>
           <a:p>
-            <a:endParaRPr b="0" lang="en-US" sz="1800" spc="-1" strike="noStrike">
-              <a:solidFill>
-                <a:srgbClr val="000000"/>
-              </a:solidFill>
+            <a:pPr algn="ctr"/>
+            <a:endParaRPr b="0" lang="en-US" sz="4400" spc="-1" strike="noStrike">
               <a:latin typeface="Arial"/>
             </a:endParaRPr>
           </a:p>
@@ -1052,10 +991,7 @@
             <a:normAutofit/>
           </a:bodyPr>
           <a:p>
-            <a:endParaRPr b="0" lang="en-US" sz="2800" spc="-1" strike="noStrike">
-              <a:solidFill>
-                <a:srgbClr val="000000"/>
-              </a:solidFill>
+            <a:endParaRPr b="0" lang="en-US" sz="3200" spc="-1" strike="noStrike">
               <a:latin typeface="Arial"/>
             </a:endParaRPr>
           </a:p>
@@ -1085,10 +1021,7 @@
             <a:normAutofit/>
           </a:bodyPr>
           <a:p>
-            <a:endParaRPr b="0" lang="en-US" sz="2800" spc="-1" strike="noStrike">
-              <a:solidFill>
-                <a:srgbClr val="000000"/>
-              </a:solidFill>
+            <a:endParaRPr b="0" lang="en-US" sz="3200" spc="-1" strike="noStrike">
               <a:latin typeface="Arial"/>
             </a:endParaRPr>
           </a:p>
@@ -1118,10 +1051,7 @@
             <a:normAutofit/>
           </a:bodyPr>
           <a:p>
-            <a:endParaRPr b="0" lang="en-US" sz="2800" spc="-1" strike="noStrike">
-              <a:solidFill>
-                <a:srgbClr val="000000"/>
-              </a:solidFill>
+            <a:endParaRPr b="0" lang="en-US" sz="3200" spc="-1" strike="noStrike">
               <a:latin typeface="Arial"/>
             </a:endParaRPr>
           </a:p>
@@ -1171,10 +1101,8 @@
         <p:txBody>
           <a:bodyPr lIns="0" rIns="0" tIns="0" bIns="0" anchor="ctr"/>
           <a:p>
-            <a:endParaRPr b="0" lang="en-US" sz="1800" spc="-1" strike="noStrike">
-              <a:solidFill>
-                <a:srgbClr val="000000"/>
-              </a:solidFill>
+            <a:pPr algn="ctr"/>
+            <a:endParaRPr b="0" lang="en-US" sz="4400" spc="-1" strike="noStrike">
               <a:latin typeface="Arial"/>
             </a:endParaRPr>
           </a:p>
@@ -1204,10 +1132,7 @@
             <a:normAutofit/>
           </a:bodyPr>
           <a:p>
-            <a:endParaRPr b="0" lang="en-US" sz="2800" spc="-1" strike="noStrike">
-              <a:solidFill>
-                <a:srgbClr val="000000"/>
-              </a:solidFill>
+            <a:endParaRPr b="0" lang="en-US" sz="3200" spc="-1" strike="noStrike">
               <a:latin typeface="Arial"/>
             </a:endParaRPr>
           </a:p>
@@ -1237,10 +1162,7 @@
             <a:normAutofit/>
           </a:bodyPr>
           <a:p>
-            <a:endParaRPr b="0" lang="en-US" sz="2800" spc="-1" strike="noStrike">
-              <a:solidFill>
-                <a:srgbClr val="000000"/>
-              </a:solidFill>
+            <a:endParaRPr b="0" lang="en-US" sz="3200" spc="-1" strike="noStrike">
               <a:latin typeface="Arial"/>
             </a:endParaRPr>
           </a:p>
@@ -1270,10 +1192,7 @@
             <a:normAutofit/>
           </a:bodyPr>
           <a:p>
-            <a:endParaRPr b="0" lang="en-US" sz="2800" spc="-1" strike="noStrike">
-              <a:solidFill>
-                <a:srgbClr val="000000"/>
-              </a:solidFill>
+            <a:endParaRPr b="0" lang="en-US" sz="3200" spc="-1" strike="noStrike">
               <a:latin typeface="Arial"/>
             </a:endParaRPr>
           </a:p>
@@ -1323,10 +1242,8 @@
         <p:txBody>
           <a:bodyPr lIns="0" rIns="0" tIns="0" bIns="0" anchor="ctr"/>
           <a:p>
-            <a:endParaRPr b="0" lang="en-US" sz="1800" spc="-1" strike="noStrike">
-              <a:solidFill>
-                <a:srgbClr val="000000"/>
-              </a:solidFill>
+            <a:pPr algn="ctr"/>
+            <a:endParaRPr b="0" lang="en-US" sz="4400" spc="-1" strike="noStrike">
               <a:latin typeface="Arial"/>
             </a:endParaRPr>
           </a:p>
@@ -1356,10 +1273,7 @@
             <a:normAutofit/>
           </a:bodyPr>
           <a:p>
-            <a:endParaRPr b="0" lang="en-US" sz="2800" spc="-1" strike="noStrike">
-              <a:solidFill>
-                <a:srgbClr val="000000"/>
-              </a:solidFill>
+            <a:endParaRPr b="0" lang="en-US" sz="3200" spc="-1" strike="noStrike">
               <a:latin typeface="Arial"/>
             </a:endParaRPr>
           </a:p>
@@ -1389,10 +1303,7 @@
             <a:normAutofit/>
           </a:bodyPr>
           <a:p>
-            <a:endParaRPr b="0" lang="en-US" sz="2800" spc="-1" strike="noStrike">
-              <a:solidFill>
-                <a:srgbClr val="000000"/>
-              </a:solidFill>
+            <a:endParaRPr b="0" lang="en-US" sz="3200" spc="-1" strike="noStrike">
               <a:latin typeface="Arial"/>
             </a:endParaRPr>
           </a:p>
@@ -1422,10 +1333,7 @@
             <a:normAutofit/>
           </a:bodyPr>
           <a:p>
-            <a:endParaRPr b="0" lang="en-US" sz="2800" spc="-1" strike="noStrike">
-              <a:solidFill>
-                <a:srgbClr val="000000"/>
-              </a:solidFill>
+            <a:endParaRPr b="0" lang="en-US" sz="3200" spc="-1" strike="noStrike">
               <a:latin typeface="Arial"/>
             </a:endParaRPr>
           </a:p>
@@ -1482,28 +1390,14 @@
         <p:txBody>
           <a:bodyPr lIns="0" rIns="0" tIns="0" bIns="0" anchor="ctr"/>
           <a:p>
+            <a:pPr algn="ctr"/>
             <a:r>
-              <a:rPr b="0" lang="en-US" sz="1800" spc="-1" strike="noStrike">
-                <a:solidFill>
-                  <a:srgbClr val="000000"/>
-                </a:solidFill>
+              <a:rPr b="0" lang="en-US" sz="4400" spc="-1" strike="noStrike">
                 <a:latin typeface="Arial"/>
               </a:rPr>
-              <a:t>Click to edit the </a:t>
+              <a:t>Click to edit the title text format</a:t>
             </a:r>
-            <a:r>
-              <a:rPr b="0" lang="en-US" sz="1800" spc="-1" strike="noStrike">
-                <a:solidFill>
-                  <a:srgbClr val="000000"/>
-                </a:solidFill>
-                <a:latin typeface="Arial"/>
-              </a:rPr>
-              <a:t>title text format</a:t>
-            </a:r>
-            <a:endParaRPr b="0" lang="en-US" sz="1800" spc="-1" strike="noStrike">
-              <a:solidFill>
-                <a:srgbClr val="000000"/>
-              </a:solidFill>
+            <a:endParaRPr b="0" lang="en-US" sz="4400" spc="-1" strike="noStrike">
               <a:latin typeface="Arial"/>
             </a:endParaRPr>
           </a:p>
@@ -1545,18 +1439,12 @@
               <a:buChar char=""/>
             </a:pPr>
             <a:r>
-              <a:rPr b="0" lang="en-US" sz="2800" spc="-1" strike="noStrike">
-                <a:solidFill>
-                  <a:srgbClr val="000000"/>
-                </a:solidFill>
+              <a:rPr b="0" lang="en-US" sz="3200" spc="-1" strike="noStrike">
                 <a:latin typeface="Arial"/>
               </a:rPr>
               <a:t>Click to edit the outline text format</a:t>
             </a:r>
-            <a:endParaRPr b="0" lang="en-US" sz="2800" spc="-1" strike="noStrike">
-              <a:solidFill>
-                <a:srgbClr val="000000"/>
-              </a:solidFill>
+            <a:endParaRPr b="0" lang="en-US" sz="3200" spc="-1" strike="noStrike">
               <a:latin typeface="Arial"/>
             </a:endParaRPr>
           </a:p>
@@ -1573,18 +1461,12 @@
               <a:buChar char=""/>
             </a:pPr>
             <a:r>
-              <a:rPr b="0" lang="en-US" sz="2000" spc="-1" strike="noStrike">
-                <a:solidFill>
-                  <a:srgbClr val="000000"/>
-                </a:solidFill>
+              <a:rPr b="0" lang="en-US" sz="2800" spc="-1" strike="noStrike">
                 <a:latin typeface="Arial"/>
               </a:rPr>
               <a:t>Second Outline Level</a:t>
             </a:r>
-            <a:endParaRPr b="0" lang="en-US" sz="2000" spc="-1" strike="noStrike">
-              <a:solidFill>
-                <a:srgbClr val="000000"/>
-              </a:solidFill>
+            <a:endParaRPr b="0" lang="en-US" sz="2800" spc="-1" strike="noStrike">
               <a:latin typeface="Arial"/>
             </a:endParaRPr>
           </a:p>
@@ -1601,18 +1483,12 @@
               <a:buChar char=""/>
             </a:pPr>
             <a:r>
-              <a:rPr b="0" lang="en-US" sz="1800" spc="-1" strike="noStrike">
-                <a:solidFill>
-                  <a:srgbClr val="000000"/>
-                </a:solidFill>
+              <a:rPr b="0" lang="en-US" sz="2400" spc="-1" strike="noStrike">
                 <a:latin typeface="Arial"/>
               </a:rPr>
               <a:t>Third Outline Level</a:t>
             </a:r>
-            <a:endParaRPr b="0" lang="en-US" sz="1800" spc="-1" strike="noStrike">
-              <a:solidFill>
-                <a:srgbClr val="000000"/>
-              </a:solidFill>
+            <a:endParaRPr b="0" lang="en-US" sz="2400" spc="-1" strike="noStrike">
               <a:latin typeface="Arial"/>
             </a:endParaRPr>
           </a:p>
@@ -1629,18 +1505,12 @@
               <a:buChar char=""/>
             </a:pPr>
             <a:r>
-              <a:rPr b="0" lang="en-US" sz="1800" spc="-1" strike="noStrike">
-                <a:solidFill>
-                  <a:srgbClr val="000000"/>
-                </a:solidFill>
+              <a:rPr b="0" lang="en-US" sz="2000" spc="-1" strike="noStrike">
                 <a:latin typeface="Arial"/>
               </a:rPr>
               <a:t>Fourth Outline Level</a:t>
             </a:r>
-            <a:endParaRPr b="0" lang="en-US" sz="1800" spc="-1" strike="noStrike">
-              <a:solidFill>
-                <a:srgbClr val="000000"/>
-              </a:solidFill>
+            <a:endParaRPr b="0" lang="en-US" sz="2000" spc="-1" strike="noStrike">
               <a:latin typeface="Arial"/>
             </a:endParaRPr>
           </a:p>
@@ -1658,17 +1528,11 @@
             </a:pPr>
             <a:r>
               <a:rPr b="0" lang="en-US" sz="2000" spc="-1" strike="noStrike">
-                <a:solidFill>
-                  <a:srgbClr val="000000"/>
-                </a:solidFill>
                 <a:latin typeface="Arial"/>
               </a:rPr>
               <a:t>Fifth Outline Level</a:t>
             </a:r>
             <a:endParaRPr b="0" lang="en-US" sz="2000" spc="-1" strike="noStrike">
-              <a:solidFill>
-                <a:srgbClr val="000000"/>
-              </a:solidFill>
               <a:latin typeface="Arial"/>
             </a:endParaRPr>
           </a:p>
@@ -1686,17 +1550,11 @@
             </a:pPr>
             <a:r>
               <a:rPr b="0" lang="en-US" sz="2000" spc="-1" strike="noStrike">
-                <a:solidFill>
-                  <a:srgbClr val="000000"/>
-                </a:solidFill>
                 <a:latin typeface="Arial"/>
               </a:rPr>
               <a:t>Sixth Outline Level</a:t>
             </a:r>
             <a:endParaRPr b="0" lang="en-US" sz="2000" spc="-1" strike="noStrike">
-              <a:solidFill>
-                <a:srgbClr val="000000"/>
-              </a:solidFill>
               <a:latin typeface="Arial"/>
             </a:endParaRPr>
           </a:p>
@@ -1714,17 +1572,11 @@
             </a:pPr>
             <a:r>
               <a:rPr b="0" lang="en-US" sz="2000" spc="-1" strike="noStrike">
-                <a:solidFill>
-                  <a:srgbClr val="000000"/>
-                </a:solidFill>
                 <a:latin typeface="Arial"/>
               </a:rPr>
               <a:t>Seventh Outline Level</a:t>
             </a:r>
             <a:endParaRPr b="0" lang="en-US" sz="2000" spc="-1" strike="noStrike">
-              <a:solidFill>
-                <a:srgbClr val="000000"/>
-              </a:solidFill>
               <a:latin typeface="Arial"/>
             </a:endParaRPr>
           </a:p>
@@ -1776,7 +1628,7 @@
         <p:spPr>
           <a:xfrm>
             <a:off x="777960" y="425520"/>
-            <a:ext cx="19057680" cy="2375640"/>
+            <a:ext cx="19057320" cy="2375280"/>
           </a:xfrm>
           <a:prstGeom prst="rect">
             <a:avLst/>
@@ -1855,7 +1707,7 @@
         <p:spPr>
           <a:xfrm>
             <a:off x="10093320" y="3225960"/>
-            <a:ext cx="21975480" cy="3997800"/>
+            <a:ext cx="21975120" cy="3997440"/>
           </a:xfrm>
           <a:prstGeom prst="rect">
             <a:avLst/>
@@ -1864,7 +1716,7 @@
             <a:srgbClr val="ffffff"/>
           </a:solidFill>
           <a:ln w="15840">
-            <a:miter/>
+            <a:noFill/>
           </a:ln>
         </p:spPr>
         <p:style>
@@ -1883,7 +1735,7 @@
         <p:spPr>
           <a:xfrm>
             <a:off x="10116000" y="7498080"/>
-            <a:ext cx="21975480" cy="7863840"/>
+            <a:ext cx="21975120" cy="7863480"/>
           </a:xfrm>
           <a:prstGeom prst="rect">
             <a:avLst/>
@@ -1892,7 +1744,7 @@
             <a:srgbClr val="ffffff"/>
           </a:solidFill>
           <a:ln w="15840">
-            <a:miter/>
+            <a:noFill/>
           </a:ln>
         </p:spPr>
         <p:style>
@@ -1911,7 +1763,7 @@
         <p:spPr>
           <a:xfrm>
             <a:off x="10093320" y="15636240"/>
-            <a:ext cx="21975480" cy="3075480"/>
+            <a:ext cx="21975120" cy="3075120"/>
           </a:xfrm>
           <a:prstGeom prst="rect">
             <a:avLst/>
@@ -1920,7 +1772,7 @@
             <a:srgbClr val="ffffff"/>
           </a:solidFill>
           <a:ln w="15840">
-            <a:miter/>
+            <a:noFill/>
           </a:ln>
         </p:spPr>
         <p:style>
@@ -1939,7 +1791,7 @@
         <p:spPr>
           <a:xfrm>
             <a:off x="663480" y="18913320"/>
-            <a:ext cx="31405320" cy="2570040"/>
+            <a:ext cx="31404960" cy="2569680"/>
           </a:xfrm>
           <a:prstGeom prst="rect">
             <a:avLst/>
@@ -1948,7 +1800,7 @@
             <a:srgbClr val="ffffff"/>
           </a:solidFill>
           <a:ln w="15840">
-            <a:miter/>
+            <a:noFill/>
           </a:ln>
         </p:spPr>
         <p:style>
@@ -1967,7 +1819,7 @@
         <p:spPr>
           <a:xfrm>
             <a:off x="10179000" y="3282840"/>
-            <a:ext cx="21812040" cy="769680"/>
+            <a:ext cx="21811680" cy="769320"/>
           </a:xfrm>
           <a:prstGeom prst="rect">
             <a:avLst/>
@@ -2036,7 +1888,7 @@
         <p:spPr>
           <a:xfrm>
             <a:off x="10228320" y="7610760"/>
-            <a:ext cx="21812040" cy="769680"/>
+            <a:ext cx="21811680" cy="769320"/>
           </a:xfrm>
           <a:prstGeom prst="rect">
             <a:avLst/>
@@ -2105,7 +1957,7 @@
         <p:spPr>
           <a:xfrm>
             <a:off x="10179000" y="15689520"/>
-            <a:ext cx="21812040" cy="769680"/>
+            <a:ext cx="21811680" cy="769320"/>
           </a:xfrm>
           <a:prstGeom prst="rect">
             <a:avLst/>
@@ -2174,7 +2026,7 @@
         <p:spPr>
           <a:xfrm>
             <a:off x="777960" y="3282840"/>
-            <a:ext cx="8970840" cy="769680"/>
+            <a:ext cx="8970480" cy="769320"/>
           </a:xfrm>
           <a:prstGeom prst="rect">
             <a:avLst/>
@@ -2243,7 +2095,7 @@
         <p:spPr>
           <a:xfrm>
             <a:off x="720720" y="18970560"/>
-            <a:ext cx="23686920" cy="769680"/>
+            <a:ext cx="23686560" cy="769320"/>
           </a:xfrm>
           <a:prstGeom prst="rect">
             <a:avLst/>
@@ -2312,7 +2164,7 @@
         <p:spPr>
           <a:xfrm>
             <a:off x="863640" y="19770840"/>
-            <a:ext cx="19857960" cy="307080"/>
+            <a:ext cx="19857600" cy="306720"/>
           </a:xfrm>
           <a:prstGeom prst="rect">
             <a:avLst/>
@@ -2399,7 +2251,7 @@
         <p:spPr>
           <a:xfrm>
             <a:off x="10277640" y="4287960"/>
-            <a:ext cx="12458520" cy="3807360"/>
+            <a:ext cx="12458160" cy="3807000"/>
           </a:xfrm>
           <a:prstGeom prst="rect">
             <a:avLst/>
@@ -2469,7 +2321,7 @@
         <p:spPr>
           <a:xfrm>
             <a:off x="29077920" y="16385400"/>
-            <a:ext cx="2373480" cy="2085480"/>
+            <a:ext cx="2373120" cy="2085120"/>
           </a:xfrm>
           <a:prstGeom prst="rect">
             <a:avLst/>
@@ -2488,7 +2340,7 @@
         <p:spPr>
           <a:xfrm>
             <a:off x="10436400" y="16642080"/>
-            <a:ext cx="17452800" cy="1668960"/>
+            <a:ext cx="17452440" cy="1668600"/>
           </a:xfrm>
           <a:prstGeom prst="rect">
             <a:avLst/>
@@ -2507,7 +2359,7 @@
         <p:txBody>
           <a:bodyPr lIns="0" rIns="0" tIns="0" bIns="0"/>
           <a:p>
-            <a:pPr marL="216000" indent="-216000" algn="just">
+            <a:pPr marL="216000" indent="-215640" algn="just">
               <a:lnSpc>
                 <a:spcPct val="100000"/>
               </a:lnSpc>
@@ -2536,7 +2388,7 @@
             </a:endParaRPr>
           </a:p>
           <a:p>
-            <a:pPr marL="216000" indent="-216000" algn="just">
+            <a:pPr marL="216000" indent="-215640" algn="just">
               <a:lnSpc>
                 <a:spcPct val="100000"/>
               </a:lnSpc>
@@ -2575,7 +2427,7 @@
         <p:spPr>
           <a:xfrm>
             <a:off x="1115280" y="4282920"/>
-            <a:ext cx="8399160" cy="2739960"/>
+            <a:ext cx="8398800" cy="2739600"/>
           </a:xfrm>
           <a:prstGeom prst="rect">
             <a:avLst/>
@@ -2667,7 +2519,7 @@
         <p:spPr>
           <a:xfrm>
             <a:off x="1206360" y="9235440"/>
-            <a:ext cx="3655800" cy="307080"/>
+            <a:ext cx="3655440" cy="306720"/>
           </a:xfrm>
           <a:prstGeom prst="rect">
             <a:avLst/>
@@ -2723,7 +2575,7 @@
         <p:spPr>
           <a:xfrm>
             <a:off x="1554480" y="7023960"/>
-            <a:ext cx="2912760" cy="1943640"/>
+            <a:ext cx="2912400" cy="1943280"/>
           </a:xfrm>
           <a:prstGeom prst="rect">
             <a:avLst/>
@@ -2746,7 +2598,7 @@
         <p:spPr>
           <a:xfrm>
             <a:off x="5486400" y="7091280"/>
-            <a:ext cx="2912760" cy="1868760"/>
+            <a:ext cx="2912400" cy="1868400"/>
           </a:xfrm>
           <a:prstGeom prst="rect">
             <a:avLst/>
@@ -2765,7 +2617,7 @@
         <p:spPr>
           <a:xfrm>
             <a:off x="5029560" y="9235440"/>
-            <a:ext cx="3655800" cy="614520"/>
+            <a:ext cx="3655440" cy="614160"/>
           </a:xfrm>
           <a:prstGeom prst="rect">
             <a:avLst/>
@@ -2817,7 +2669,7 @@
         <p:spPr>
           <a:xfrm>
             <a:off x="1143720" y="10083960"/>
-            <a:ext cx="8399160" cy="684360"/>
+            <a:ext cx="8398800" cy="684000"/>
           </a:xfrm>
           <a:prstGeom prst="rect">
             <a:avLst/>
@@ -2852,17 +2704,7 @@
                 <a:latin typeface="Cambria"/>
                 <a:ea typeface="American Typewriter"/>
               </a:rPr>
-              <a:t>Greedy Triangulation algorithms have been used to help tackle more complicated problems such as the Minimum Weight Triangulation problem (MWT) </a:t>
-            </a:r>
-            <a:r>
-              <a:rPr b="0" lang="en-US" sz="2250" spc="-1" strike="noStrike">
-                <a:solidFill>
-                  <a:srgbClr val="000000"/>
-                </a:solidFill>
-                <a:latin typeface="Cambria"/>
-                <a:ea typeface="American Typewriter"/>
-              </a:rPr>
-              <a:t>[1]. The greedy triangulation has been used to give approximations of solutions for the Minimum Weight Triangulation (MWT) problem which is NP-hard [2]. MWT seeks to minimize the sum of the lengths of the segments forming the triangulation.</a:t>
+              <a:t>Greedy Triangulation algorithms have been used to help tackle more complicated problems such as the Minimum Weight Triangulation problem (MWT) [1]. The greedy triangulation has been used to give approximations of solutions for the Minimum Weight Triangulation (MWT) problem which is NP-hard [2]. MWT seeks to minimize the sum of the lengths of the segments forming the triangulation.</a:t>
             </a:r>
             <a:endParaRPr b="0" lang="en-US" sz="2250" spc="-1" strike="noStrike">
               <a:latin typeface="Arial"/>
@@ -2922,7 +2764,7 @@
         <p:spPr>
           <a:xfrm>
             <a:off x="1115280" y="11170080"/>
-            <a:ext cx="8399160" cy="4739400"/>
+            <a:ext cx="8398800" cy="4739040"/>
           </a:xfrm>
           <a:prstGeom prst="rect">
             <a:avLst/>
@@ -2948,7 +2790,7 @@
         <p:spPr>
           <a:xfrm>
             <a:off x="13644720" y="8587080"/>
-            <a:ext cx="8940960" cy="3025800"/>
+            <a:ext cx="8940600" cy="3025440"/>
           </a:xfrm>
           <a:prstGeom prst="rect">
             <a:avLst/>
@@ -3005,7 +2847,7 @@
         <p:spPr>
           <a:xfrm>
             <a:off x="10157760" y="8473320"/>
-            <a:ext cx="3466800" cy="3306240"/>
+            <a:ext cx="3466440" cy="3305880"/>
           </a:xfrm>
           <a:prstGeom prst="rect">
             <a:avLst/>
@@ -3028,7 +2870,7 @@
         <p:spPr>
           <a:xfrm>
             <a:off x="25001280" y="345600"/>
-            <a:ext cx="7067880" cy="2392560"/>
+            <a:ext cx="7067520" cy="2392200"/>
           </a:xfrm>
           <a:prstGeom prst="rect">
             <a:avLst/>
@@ -3047,7 +2889,7 @@
         <p:spPr>
           <a:xfrm>
             <a:off x="10373400" y="4239000"/>
-            <a:ext cx="9651960" cy="3765600"/>
+            <a:ext cx="9651600" cy="3765240"/>
           </a:xfrm>
           <a:prstGeom prst="rect">
             <a:avLst/>
@@ -3116,12 +2958,14 @@
         <p:spPr>
           <a:xfrm>
             <a:off x="23651280" y="4201200"/>
-            <a:ext cx="0" cy="2748240"/>
+            <a:ext cx="360" cy="2748240"/>
           </a:xfrm>
           <a:prstGeom prst="line">
             <a:avLst/>
           </a:prstGeom>
-          <a:ln/>
+          <a:ln>
+            <a:noFill/>
+          </a:ln>
         </p:spPr>
         <p:style>
           <a:lnRef idx="0"/>
@@ -3139,7 +2983,7 @@
         <p:spPr>
           <a:xfrm>
             <a:off x="20391120" y="4239000"/>
-            <a:ext cx="2986560" cy="3765600"/>
+            <a:ext cx="2986200" cy="3765240"/>
           </a:xfrm>
           <a:prstGeom prst="rect">
             <a:avLst/>
@@ -3208,7 +3052,7 @@
         <p:spPr>
           <a:xfrm>
             <a:off x="23957280" y="4239000"/>
-            <a:ext cx="7754400" cy="3765600"/>
+            <a:ext cx="7754040" cy="3765240"/>
           </a:xfrm>
           <a:prstGeom prst="rect">
             <a:avLst/>
@@ -3275,23 +3119,23 @@
           <p:nvPr/>
         </p:nvGraphicFramePr>
         <p:xfrm>
-          <a:off x="22933800" y="10490040"/>
-          <a:ext cx="9046080" cy="2433960"/>
+          <a:off x="22980240" y="10854000"/>
+          <a:ext cx="9572040" cy="2248200"/>
         </p:xfrm>
         <a:graphic>
           <a:graphicData uri="http://schemas.openxmlformats.org/drawingml/2006/table">
             <a:tbl>
               <a:tblPr/>
               <a:tblGrid>
-                <a:gridCol w="1029240"/>
-                <a:gridCol w="1029240"/>
-                <a:gridCol w="1029240"/>
-                <a:gridCol w="1029240"/>
-                <a:gridCol w="1029240"/>
-                <a:gridCol w="1029240"/>
-                <a:gridCol w="1029240"/>
-                <a:gridCol w="1029240"/>
-                <a:gridCol w="812520"/>
+                <a:gridCol w="1063440"/>
+                <a:gridCol w="1063440"/>
+                <a:gridCol w="1063440"/>
+                <a:gridCol w="1063440"/>
+                <a:gridCol w="1063440"/>
+                <a:gridCol w="1063440"/>
+                <a:gridCol w="1063440"/>
+                <a:gridCol w="1063440"/>
+                <a:gridCol w="1064880"/>
               </a:tblGrid>
               <a:tr h="347760">
                 <a:tc>
@@ -3797,6 +3641,20 @@
                   </a:tcPr>
                 </a:tc>
                 <a:tc>
+                  <a:txBody>
+                    <a:bodyPr/>
+                    <a:p>
+                      <a:r>
+                        <a:rPr b="0" lang="en-US" sz="2400" spc="-1" strike="noStrike">
+                          <a:latin typeface="Times New Roman"/>
+                        </a:rPr>
+                        <a:t>0.0533</a:t>
+                      </a:r>
+                      <a:endParaRPr b="0" lang="en-US" sz="2400" spc="-1" strike="noStrike">
+                        <a:latin typeface="Times New Roman"/>
+                      </a:endParaRPr>
+                    </a:p>
+                  </a:txBody>
                   <a:tcPr marL="91440" marR="91440">
                     <a:lnL w="12240">
                       <a:solidFill>
@@ -3824,6 +3682,20 @@
                   </a:tcPr>
                 </a:tc>
                 <a:tc>
+                  <a:txBody>
+                    <a:bodyPr/>
+                    <a:p>
+                      <a:r>
+                        <a:rPr b="0" lang="en-US" sz="2400" spc="-1" strike="noStrike">
+                          <a:latin typeface="Times New Roman"/>
+                        </a:rPr>
+                        <a:t>0.0532</a:t>
+                      </a:r>
+                      <a:endParaRPr b="0" lang="en-US" sz="2400" spc="-1" strike="noStrike">
+                        <a:latin typeface="Times New Roman"/>
+                      </a:endParaRPr>
+                    </a:p>
+                  </a:txBody>
                   <a:tcPr marL="91440" marR="91440">
                     <a:lnL w="12240">
                       <a:solidFill>
@@ -3851,6 +3723,20 @@
                   </a:tcPr>
                 </a:tc>
                 <a:tc>
+                  <a:txBody>
+                    <a:bodyPr/>
+                    <a:p>
+                      <a:r>
+                        <a:rPr b="0" lang="en-US" sz="2400" spc="-1" strike="noStrike">
+                          <a:latin typeface="Times New Roman"/>
+                        </a:rPr>
+                        <a:t>0.0258</a:t>
+                      </a:r>
+                      <a:endParaRPr b="0" lang="en-US" sz="2400" spc="-1" strike="noStrike">
+                        <a:latin typeface="Times New Roman"/>
+                      </a:endParaRPr>
+                    </a:p>
+                  </a:txBody>
                   <a:tcPr marL="91440" marR="91440">
                     <a:lnL w="12240">
                       <a:solidFill>
@@ -3878,6 +3764,20 @@
                   </a:tcPr>
                 </a:tc>
                 <a:tc>
+                  <a:txBody>
+                    <a:bodyPr/>
+                    <a:p>
+                      <a:r>
+                        <a:rPr b="0" lang="en-US" sz="2400" spc="-1" strike="noStrike">
+                          <a:latin typeface="Times New Roman"/>
+                        </a:rPr>
+                        <a:t>0.0200</a:t>
+                      </a:r>
+                      <a:endParaRPr b="0" lang="en-US" sz="2400" spc="-1" strike="noStrike">
+                        <a:latin typeface="Times New Roman"/>
+                      </a:endParaRPr>
+                    </a:p>
+                  </a:txBody>
                   <a:tcPr marL="91440" marR="91440">
                     <a:lnL w="12240">
                       <a:solidFill>
@@ -3905,6 +3805,20 @@
                   </a:tcPr>
                 </a:tc>
                 <a:tc>
+                  <a:txBody>
+                    <a:bodyPr/>
+                    <a:p>
+                      <a:r>
+                        <a:rPr b="0" lang="en-US" sz="2400" spc="-1" strike="noStrike">
+                          <a:latin typeface="Times New Roman"/>
+                        </a:rPr>
+                        <a:t>0.0105</a:t>
+                      </a:r>
+                      <a:endParaRPr b="0" lang="en-US" sz="2400" spc="-1" strike="noStrike">
+                        <a:latin typeface="Times New Roman"/>
+                      </a:endParaRPr>
+                    </a:p>
+                  </a:txBody>
                   <a:tcPr marL="91440" marR="91440">
                     <a:lnL w="12240">
                       <a:solidFill>
@@ -3932,6 +3846,20 @@
                   </a:tcPr>
                 </a:tc>
                 <a:tc>
+                  <a:txBody>
+                    <a:bodyPr/>
+                    <a:p>
+                      <a:r>
+                        <a:rPr b="0" lang="en-US" sz="2400" spc="-1" strike="noStrike">
+                          <a:latin typeface="Times New Roman"/>
+                        </a:rPr>
+                        <a:t>0.0053</a:t>
+                      </a:r>
+                      <a:endParaRPr b="0" lang="en-US" sz="2400" spc="-1" strike="noStrike">
+                        <a:latin typeface="Times New Roman"/>
+                      </a:endParaRPr>
+                    </a:p>
+                  </a:txBody>
                   <a:tcPr marL="91440" marR="91440">
                     <a:lnL w="12240">
                       <a:solidFill>
@@ -3959,6 +3887,20 @@
                   </a:tcPr>
                 </a:tc>
                 <a:tc>
+                  <a:txBody>
+                    <a:bodyPr/>
+                    <a:p>
+                      <a:r>
+                        <a:rPr b="0" lang="en-US" sz="2400" spc="-1" strike="noStrike">
+                          <a:latin typeface="Times New Roman"/>
+                        </a:rPr>
+                        <a:t>0.0026</a:t>
+                      </a:r>
+                      <a:endParaRPr b="0" lang="en-US" sz="2400" spc="-1" strike="noStrike">
+                        <a:latin typeface="Times New Roman"/>
+                      </a:endParaRPr>
+                    </a:p>
+                  </a:txBody>
                   <a:tcPr marL="91440" marR="91440">
                     <a:lnL w="12240">
                       <a:solidFill>
@@ -3986,6 +3928,20 @@
                   </a:tcPr>
                 </a:tc>
                 <a:tc>
+                  <a:txBody>
+                    <a:bodyPr/>
+                    <a:p>
+                      <a:r>
+                        <a:rPr b="0" lang="en-US" sz="2400" spc="-1" strike="noStrike">
+                          <a:latin typeface="Times New Roman"/>
+                        </a:rPr>
+                        <a:t>0.0014</a:t>
+                      </a:r>
+                      <a:endParaRPr b="0" lang="en-US" sz="2400" spc="-1" strike="noStrike">
+                        <a:latin typeface="Times New Roman"/>
+                      </a:endParaRPr>
+                    </a:p>
+                  </a:txBody>
                   <a:tcPr marL="91440" marR="91440">
                     <a:lnL w="12240">
                       <a:solidFill>
@@ -4065,6 +4021,20 @@
                   </a:tcPr>
                 </a:tc>
                 <a:tc>
+                  <a:txBody>
+                    <a:bodyPr/>
+                    <a:p>
+                      <a:r>
+                        <a:rPr b="0" lang="en-US" sz="2400" spc="-1" strike="noStrike">
+                          <a:latin typeface="Times New Roman"/>
+                        </a:rPr>
+                        <a:t>0.1089</a:t>
+                      </a:r>
+                      <a:endParaRPr b="0" lang="en-US" sz="2400" spc="-1" strike="noStrike">
+                        <a:latin typeface="Times New Roman"/>
+                      </a:endParaRPr>
+                    </a:p>
+                  </a:txBody>
                   <a:tcPr marL="91440" marR="91440">
                     <a:lnL w="12240">
                       <a:solidFill>
@@ -4333,6 +4303,20 @@
                   </a:tcPr>
                 </a:tc>
                 <a:tc>
+                  <a:txBody>
+                    <a:bodyPr/>
+                    <a:p>
+                      <a:r>
+                        <a:rPr b="0" lang="en-US" sz="2400" spc="-1" strike="noStrike">
+                          <a:latin typeface="Times New Roman"/>
+                        </a:rPr>
+                        <a:t>0.2251</a:t>
+                      </a:r>
+                      <a:endParaRPr b="0" lang="en-US" sz="2400" spc="-1" strike="noStrike">
+                        <a:latin typeface="Times New Roman"/>
+                      </a:endParaRPr>
+                    </a:p>
+                  </a:txBody>
                   <a:tcPr marL="91440" marR="91440">
                     <a:lnL w="12240">
                       <a:solidFill>
@@ -4601,6 +4585,20 @@
                   </a:tcPr>
                 </a:tc>
                 <a:tc>
+                  <a:txBody>
+                    <a:bodyPr/>
+                    <a:p>
+                      <a:r>
+                        <a:rPr b="0" lang="en-US" sz="2400" spc="-1" strike="noStrike">
+                          <a:latin typeface="Times New Roman"/>
+                        </a:rPr>
+                        <a:t>0.4680</a:t>
+                      </a:r>
+                      <a:endParaRPr b="0" lang="en-US" sz="2400" spc="-1" strike="noStrike">
+                        <a:latin typeface="Times New Roman"/>
+                      </a:endParaRPr>
+                    </a:p>
+                  </a:txBody>
                   <a:tcPr marL="91440" marR="91440">
                     <a:lnL w="12240">
                       <a:solidFill>
@@ -4869,6 +4867,20 @@
                   </a:tcPr>
                 </a:tc>
                 <a:tc>
+                  <a:txBody>
+                    <a:bodyPr/>
+                    <a:p>
+                      <a:r>
+                        <a:rPr b="0" lang="en-US" sz="2400" spc="-1" strike="noStrike">
+                          <a:latin typeface="Times New Roman"/>
+                        </a:rPr>
+                        <a:t>0.9718</a:t>
+                      </a:r>
+                      <a:endParaRPr b="0" lang="en-US" sz="2400" spc="-1" strike="noStrike">
+                        <a:latin typeface="Times New Roman"/>
+                      </a:endParaRPr>
+                    </a:p>
+                  </a:txBody>
                   <a:tcPr marL="91440" marR="91440">
                     <a:lnL w="12240">
                       <a:solidFill>
@@ -4896,6 +4908,20 @@
                   </a:tcPr>
                 </a:tc>
                 <a:tc>
+                  <a:txBody>
+                    <a:bodyPr/>
+                    <a:p>
+                      <a:r>
+                        <a:rPr b="0" lang="en-US" sz="2400" spc="-1" strike="noStrike">
+                          <a:latin typeface="Times New Roman"/>
+                        </a:rPr>
+                        <a:t>0.9771</a:t>
+                      </a:r>
+                      <a:endParaRPr b="0" lang="en-US" sz="2400" spc="-1" strike="noStrike">
+                        <a:latin typeface="Times New Roman"/>
+                      </a:endParaRPr>
+                    </a:p>
+                  </a:txBody>
                   <a:tcPr marL="91440" marR="91440">
                     <a:lnL w="12240">
                       <a:solidFill>
@@ -4923,6 +4949,20 @@
                   </a:tcPr>
                 </a:tc>
                 <a:tc>
+                  <a:txBody>
+                    <a:bodyPr/>
+                    <a:p>
+                      <a:r>
+                        <a:rPr b="0" lang="en-US" sz="2400" spc="-1" strike="noStrike">
+                          <a:latin typeface="Times New Roman"/>
+                        </a:rPr>
+                        <a:t>0.4776</a:t>
+                      </a:r>
+                      <a:endParaRPr b="0" lang="en-US" sz="2400" spc="-1" strike="noStrike">
+                        <a:latin typeface="Times New Roman"/>
+                      </a:endParaRPr>
+                    </a:p>
+                  </a:txBody>
                   <a:tcPr marL="91440" marR="91440">
                     <a:lnL w="12240">
                       <a:solidFill>
@@ -4950,6 +4990,20 @@
                   </a:tcPr>
                 </a:tc>
                 <a:tc>
+                  <a:txBody>
+                    <a:bodyPr/>
+                    <a:p>
+                      <a:r>
+                        <a:rPr b="0" lang="en-US" sz="2400" spc="-1" strike="noStrike">
+                          <a:latin typeface="Times New Roman"/>
+                        </a:rPr>
+                        <a:t>0.2583</a:t>
+                      </a:r>
+                      <a:endParaRPr b="0" lang="en-US" sz="2400" spc="-1" strike="noStrike">
+                        <a:latin typeface="Times New Roman"/>
+                      </a:endParaRPr>
+                    </a:p>
+                  </a:txBody>
                   <a:tcPr marL="91440" marR="91440">
                     <a:lnL w="12240">
                       <a:solidFill>
@@ -4977,6 +5031,20 @@
                   </a:tcPr>
                 </a:tc>
                 <a:tc>
+                  <a:txBody>
+                    <a:bodyPr/>
+                    <a:p>
+                      <a:r>
+                        <a:rPr b="0" lang="en-US" sz="2400" spc="-1" strike="noStrike">
+                          <a:latin typeface="Times New Roman"/>
+                        </a:rPr>
+                        <a:t>0.2023</a:t>
+                      </a:r>
+                      <a:endParaRPr b="0" lang="en-US" sz="2400" spc="-1" strike="noStrike">
+                        <a:latin typeface="Times New Roman"/>
+                      </a:endParaRPr>
+                    </a:p>
+                  </a:txBody>
                   <a:tcPr marL="91440" marR="91440">
                     <a:lnL w="12240">
                       <a:solidFill>
@@ -5004,6 +5072,20 @@
                   </a:tcPr>
                 </a:tc>
                 <a:tc>
+                  <a:txBody>
+                    <a:bodyPr/>
+                    <a:p>
+                      <a:r>
+                        <a:rPr b="0" lang="en-US" sz="2400" spc="-1" strike="noStrike">
+                          <a:latin typeface="Times New Roman"/>
+                        </a:rPr>
+                        <a:t>0.0996</a:t>
+                      </a:r>
+                      <a:endParaRPr b="0" lang="en-US" sz="2400" spc="-1" strike="noStrike">
+                        <a:latin typeface="Times New Roman"/>
+                      </a:endParaRPr>
+                    </a:p>
+                  </a:txBody>
                   <a:tcPr marL="91440" marR="91440">
                     <a:lnL w="12240">
                       <a:solidFill>
@@ -5031,6 +5113,20 @@
                   </a:tcPr>
                 </a:tc>
                 <a:tc>
+                  <a:txBody>
+                    <a:bodyPr/>
+                    <a:p>
+                      <a:r>
+                        <a:rPr b="0" lang="en-US" sz="2400" spc="-1" strike="noStrike">
+                          <a:latin typeface="Times New Roman"/>
+                        </a:rPr>
+                        <a:t>0.0481</a:t>
+                      </a:r>
+                      <a:endParaRPr b="0" lang="en-US" sz="2400" spc="-1" strike="noStrike">
+                        <a:latin typeface="Times New Roman"/>
+                      </a:endParaRPr>
+                    </a:p>
+                  </a:txBody>
                   <a:tcPr marL="91440" marR="91440">
                     <a:lnL w="12240">
                       <a:solidFill>
@@ -5058,6 +5154,20 @@
                   </a:tcPr>
                 </a:tc>
                 <a:tc>
+                  <a:txBody>
+                    <a:bodyPr/>
+                    <a:p>
+                      <a:r>
+                        <a:rPr b="0" lang="en-US" sz="1800" spc="-1" strike="noStrike">
+                          <a:latin typeface="Arial"/>
+                        </a:rPr>
+                        <a:t>0.0231</a:t>
+                      </a:r>
+                      <a:endParaRPr b="0" lang="en-US" sz="1800" spc="-1" strike="noStrike">
+                        <a:latin typeface="Arial"/>
+                      </a:endParaRPr>
+                    </a:p>
+                  </a:txBody>
                   <a:tcPr marL="91440" marR="91440">
                     <a:lnL w="12240">
                       <a:solidFill>
@@ -5098,12 +5208,14 @@
         <p:spPr>
           <a:xfrm>
             <a:off x="20208240" y="4287960"/>
-            <a:ext cx="0" cy="2748240"/>
+            <a:ext cx="360" cy="2748240"/>
           </a:xfrm>
           <a:prstGeom prst="line">
             <a:avLst/>
           </a:prstGeom>
-          <a:ln/>
+          <a:ln>
+            <a:noFill/>
+          </a:ln>
         </p:spPr>
         <p:style>
           <a:lnRef idx="0"/>
@@ -5119,23 +5231,23 @@
           <p:nvPr/>
         </p:nvGraphicFramePr>
         <p:xfrm>
-          <a:off x="22950000" y="7927560"/>
-          <a:ext cx="9046080" cy="2433960"/>
+          <a:off x="22988520" y="8526240"/>
+          <a:ext cx="9381240" cy="2922120"/>
         </p:xfrm>
         <a:graphic>
           <a:graphicData uri="http://schemas.openxmlformats.org/drawingml/2006/table">
             <a:tbl>
               <a:tblPr/>
               <a:tblGrid>
-                <a:gridCol w="1029240"/>
-                <a:gridCol w="1029240"/>
-                <a:gridCol w="1029240"/>
-                <a:gridCol w="1029240"/>
-                <a:gridCol w="1029240"/>
-                <a:gridCol w="1029240"/>
-                <a:gridCol w="1029240"/>
-                <a:gridCol w="1029240"/>
-                <a:gridCol w="812520"/>
+                <a:gridCol w="1042200"/>
+                <a:gridCol w="1042200"/>
+                <a:gridCol w="1042200"/>
+                <a:gridCol w="1042200"/>
+                <a:gridCol w="1042200"/>
+                <a:gridCol w="1042200"/>
+                <a:gridCol w="1042200"/>
+                <a:gridCol w="1042200"/>
+                <a:gridCol w="1191600"/>
               </a:tblGrid>
               <a:tr h="347760">
                 <a:tc>
@@ -5644,6 +5756,336 @@
                   <a:txBody>
                     <a:bodyPr/>
                     <a:p>
+                      <a:r>
+                        <a:rPr b="0" lang="en-US" sz="2400" spc="-1" strike="noStrike">
+                          <a:latin typeface="Times New Roman"/>
+                        </a:rPr>
+                        <a:t>0.0114</a:t>
+                      </a:r>
+                      <a:endParaRPr b="0" lang="en-US" sz="2400" spc="-1" strike="noStrike">
+                        <a:latin typeface="Times New Roman"/>
+                      </a:endParaRPr>
+                    </a:p>
+                  </a:txBody>
+                  <a:tcPr marL="91440" marR="91440">
+                    <a:lnL w="12240">
+                      <a:solidFill>
+                        <a:srgbClr val="ffffff"/>
+                      </a:solidFill>
+                    </a:lnL>
+                    <a:lnR w="12240">
+                      <a:solidFill>
+                        <a:srgbClr val="ffffff"/>
+                      </a:solidFill>
+                    </a:lnR>
+                    <a:lnT w="12240">
+                      <a:solidFill>
+                        <a:srgbClr val="ffffff"/>
+                      </a:solidFill>
+                    </a:lnT>
+                    <a:lnB w="12240">
+                      <a:solidFill>
+                        <a:srgbClr val="ffffff"/>
+                      </a:solidFill>
+                    </a:lnB>
+                    <a:solidFill>
+                      <a:srgbClr val="ccd3e8"/>
+                    </a:solidFill>
+                  </a:tcPr>
+                </a:tc>
+                <a:tc>
+                  <a:txBody>
+                    <a:bodyPr/>
+                    <a:p>
+                      <a:r>
+                        <a:rPr b="0" lang="en-US" sz="2400" spc="-1" strike="noStrike">
+                          <a:latin typeface="Times New Roman"/>
+                        </a:rPr>
+                        <a:t>0.0463</a:t>
+                      </a:r>
+                      <a:endParaRPr b="0" lang="en-US" sz="2400" spc="-1" strike="noStrike">
+                        <a:latin typeface="Times New Roman"/>
+                      </a:endParaRPr>
+                    </a:p>
+                  </a:txBody>
+                  <a:tcPr marL="91440" marR="91440">
+                    <a:lnL w="12240">
+                      <a:solidFill>
+                        <a:srgbClr val="ffffff"/>
+                      </a:solidFill>
+                    </a:lnL>
+                    <a:lnR w="12240">
+                      <a:solidFill>
+                        <a:srgbClr val="ffffff"/>
+                      </a:solidFill>
+                    </a:lnR>
+                    <a:lnT w="12240">
+                      <a:solidFill>
+                        <a:srgbClr val="ffffff"/>
+                      </a:solidFill>
+                    </a:lnT>
+                    <a:lnB w="12240">
+                      <a:solidFill>
+                        <a:srgbClr val="ffffff"/>
+                      </a:solidFill>
+                    </a:lnB>
+                    <a:solidFill>
+                      <a:srgbClr val="ccd3e8"/>
+                    </a:solidFill>
+                  </a:tcPr>
+                </a:tc>
+                <a:tc>
+                  <a:txBody>
+                    <a:bodyPr/>
+                    <a:p>
+                      <a:r>
+                        <a:rPr b="0" lang="en-US" sz="2400" spc="-1" strike="noStrike">
+                          <a:latin typeface="Times New Roman"/>
+                        </a:rPr>
+                        <a:t>0.0321</a:t>
+                      </a:r>
+                      <a:endParaRPr b="0" lang="en-US" sz="2400" spc="-1" strike="noStrike">
+                        <a:latin typeface="Times New Roman"/>
+                      </a:endParaRPr>
+                    </a:p>
+                  </a:txBody>
+                  <a:tcPr marL="91440" marR="91440">
+                    <a:lnL w="12240">
+                      <a:solidFill>
+                        <a:srgbClr val="ffffff"/>
+                      </a:solidFill>
+                    </a:lnL>
+                    <a:lnR w="12240">
+                      <a:solidFill>
+                        <a:srgbClr val="ffffff"/>
+                      </a:solidFill>
+                    </a:lnR>
+                    <a:lnT w="12240">
+                      <a:solidFill>
+                        <a:srgbClr val="ffffff"/>
+                      </a:solidFill>
+                    </a:lnT>
+                    <a:lnB w="12240">
+                      <a:solidFill>
+                        <a:srgbClr val="ffffff"/>
+                      </a:solidFill>
+                    </a:lnB>
+                    <a:solidFill>
+                      <a:srgbClr val="ccd3e8"/>
+                    </a:solidFill>
+                  </a:tcPr>
+                </a:tc>
+                <a:tc>
+                  <a:txBody>
+                    <a:bodyPr/>
+                    <a:p>
+                      <a:r>
+                        <a:rPr b="0" lang="en-US" sz="2400" spc="-1" strike="noStrike">
+                          <a:latin typeface="Times New Roman"/>
+                        </a:rPr>
+                        <a:t>0.0346</a:t>
+                      </a:r>
+                      <a:endParaRPr b="0" lang="en-US" sz="2400" spc="-1" strike="noStrike">
+                        <a:latin typeface="Times New Roman"/>
+                      </a:endParaRPr>
+                    </a:p>
+                  </a:txBody>
+                  <a:tcPr marL="91440" marR="91440">
+                    <a:lnL w="12240">
+                      <a:solidFill>
+                        <a:srgbClr val="ffffff"/>
+                      </a:solidFill>
+                    </a:lnL>
+                    <a:lnR w="12240">
+                      <a:solidFill>
+                        <a:srgbClr val="ffffff"/>
+                      </a:solidFill>
+                    </a:lnR>
+                    <a:lnT w="12240">
+                      <a:solidFill>
+                        <a:srgbClr val="ffffff"/>
+                      </a:solidFill>
+                    </a:lnT>
+                    <a:lnB w="12240">
+                      <a:solidFill>
+                        <a:srgbClr val="ffffff"/>
+                      </a:solidFill>
+                    </a:lnB>
+                    <a:solidFill>
+                      <a:srgbClr val="ccd3e8"/>
+                    </a:solidFill>
+                  </a:tcPr>
+                </a:tc>
+                <a:tc>
+                  <a:txBody>
+                    <a:bodyPr/>
+                    <a:p>
+                      <a:r>
+                        <a:rPr b="0" lang="en-US" sz="2400" spc="-1" strike="noStrike">
+                          <a:latin typeface="Times New Roman"/>
+                        </a:rPr>
+                        <a:t>0.0248</a:t>
+                      </a:r>
+                      <a:endParaRPr b="0" lang="en-US" sz="2400" spc="-1" strike="noStrike">
+                        <a:latin typeface="Times New Roman"/>
+                      </a:endParaRPr>
+                    </a:p>
+                  </a:txBody>
+                  <a:tcPr marL="91440" marR="91440">
+                    <a:lnL w="12240">
+                      <a:solidFill>
+                        <a:srgbClr val="ffffff"/>
+                      </a:solidFill>
+                    </a:lnL>
+                    <a:lnR w="12240">
+                      <a:solidFill>
+                        <a:srgbClr val="ffffff"/>
+                      </a:solidFill>
+                    </a:lnR>
+                    <a:lnT w="12240">
+                      <a:solidFill>
+                        <a:srgbClr val="ffffff"/>
+                      </a:solidFill>
+                    </a:lnT>
+                    <a:lnB w="12240">
+                      <a:solidFill>
+                        <a:srgbClr val="ffffff"/>
+                      </a:solidFill>
+                    </a:lnB>
+                    <a:solidFill>
+                      <a:srgbClr val="ccd3e8"/>
+                    </a:solidFill>
+                  </a:tcPr>
+                </a:tc>
+                <a:tc>
+                  <a:txBody>
+                    <a:bodyPr/>
+                    <a:p>
+                      <a:r>
+                        <a:rPr b="0" lang="en-US" sz="2400" spc="-1" strike="noStrike">
+                          <a:latin typeface="Times New Roman"/>
+                        </a:rPr>
+                        <a:t>0.0824</a:t>
+                      </a:r>
+                      <a:endParaRPr b="0" lang="en-US" sz="2400" spc="-1" strike="noStrike">
+                        <a:latin typeface="Times New Roman"/>
+                      </a:endParaRPr>
+                    </a:p>
+                  </a:txBody>
+                  <a:tcPr marL="91440" marR="91440">
+                    <a:lnL w="12240">
+                      <a:solidFill>
+                        <a:srgbClr val="ffffff"/>
+                      </a:solidFill>
+                    </a:lnL>
+                    <a:lnR w="12240">
+                      <a:solidFill>
+                        <a:srgbClr val="ffffff"/>
+                      </a:solidFill>
+                    </a:lnR>
+                    <a:lnT w="12240">
+                      <a:solidFill>
+                        <a:srgbClr val="ffffff"/>
+                      </a:solidFill>
+                    </a:lnT>
+                    <a:lnB w="12240">
+                      <a:solidFill>
+                        <a:srgbClr val="ffffff"/>
+                      </a:solidFill>
+                    </a:lnB>
+                    <a:solidFill>
+                      <a:srgbClr val="ccd3e8"/>
+                    </a:solidFill>
+                  </a:tcPr>
+                </a:tc>
+                <a:tc>
+                  <a:txBody>
+                    <a:bodyPr/>
+                    <a:p>
+                      <a:r>
+                        <a:rPr b="0" lang="en-US" sz="2400" spc="-1" strike="noStrike">
+                          <a:latin typeface="Times New Roman"/>
+                        </a:rPr>
+                        <a:t>0.1071</a:t>
+                      </a:r>
+                      <a:endParaRPr b="0" lang="en-US" sz="2400" spc="-1" strike="noStrike">
+                        <a:latin typeface="Times New Roman"/>
+                      </a:endParaRPr>
+                    </a:p>
+                  </a:txBody>
+                  <a:tcPr marL="91440" marR="91440">
+                    <a:lnL w="12240">
+                      <a:solidFill>
+                        <a:srgbClr val="ffffff"/>
+                      </a:solidFill>
+                    </a:lnL>
+                    <a:lnR w="12240">
+                      <a:solidFill>
+                        <a:srgbClr val="ffffff"/>
+                      </a:solidFill>
+                    </a:lnR>
+                    <a:lnT w="12240">
+                      <a:solidFill>
+                        <a:srgbClr val="ffffff"/>
+                      </a:solidFill>
+                    </a:lnT>
+                    <a:lnB w="12240">
+                      <a:solidFill>
+                        <a:srgbClr val="ffffff"/>
+                      </a:solidFill>
+                    </a:lnB>
+                    <a:solidFill>
+                      <a:srgbClr val="ccd3e8"/>
+                    </a:solidFill>
+                  </a:tcPr>
+                </a:tc>
+                <a:tc>
+                  <a:txBody>
+                    <a:bodyPr/>
+                    <a:p>
+                      <a:r>
+                        <a:rPr b="0" lang="en-US" sz="2400" spc="-1" strike="noStrike">
+                          <a:latin typeface="Times New Roman"/>
+                        </a:rPr>
+                        <a:t>0.1232</a:t>
+                      </a:r>
+                      <a:endParaRPr b="0" lang="en-US" sz="2400" spc="-1" strike="noStrike">
+                        <a:latin typeface="Times New Roman"/>
+                      </a:endParaRPr>
+                    </a:p>
+                  </a:txBody>
+                  <a:tcPr marL="91440" marR="91440">
+                    <a:lnL w="12240">
+                      <a:solidFill>
+                        <a:srgbClr val="ffffff"/>
+                      </a:solidFill>
+                    </a:lnL>
+                    <a:lnR w="12240">
+                      <a:solidFill>
+                        <a:srgbClr val="ffffff"/>
+                      </a:solidFill>
+                    </a:lnR>
+                    <a:lnT w="12240">
+                      <a:solidFill>
+                        <a:srgbClr val="ffffff"/>
+                      </a:solidFill>
+                    </a:lnT>
+                    <a:lnB w="12240">
+                      <a:solidFill>
+                        <a:srgbClr val="ffffff"/>
+                      </a:solidFill>
+                    </a:lnB>
+                    <a:solidFill>
+                      <a:srgbClr val="ccd3e8"/>
+                    </a:solidFill>
+                  </a:tcPr>
+                </a:tc>
+              </a:tr>
+              <a:tr h="347760">
+                <a:tc>
+                  <a:txBody>
+                    <a:bodyPr/>
+                    <a:p>
                       <a:pPr>
                         <a:lnSpc>
                           <a:spcPct val="100000"/>
@@ -5657,7 +6099,7 @@
                           <a:latin typeface="Arial"/>
                           <a:ea typeface="DejaVu Sans"/>
                         </a:rPr>
-                        <a:t>026.49</a:t>
+                        <a:t>1000</a:t>
                       </a:r>
                       <a:endParaRPr b="0" lang="en-US" sz="1800" spc="-1" strike="noStrike">
                         <a:latin typeface="Arial"/>
@@ -5686,10 +6128,242 @@
                       </a:solidFill>
                     </a:lnB>
                     <a:solidFill>
-                      <a:srgbClr val="ccd3e8"/>
-                    </a:solidFill>
-                  </a:tcPr>
-                </a:tc>
+                      <a:srgbClr val="e7eaf4"/>
+                    </a:solidFill>
+                  </a:tcPr>
+                </a:tc>
+                <a:tc>
+                  <a:txBody>
+                    <a:bodyPr/>
+                    <a:p>
+                      <a:r>
+                        <a:rPr b="0" lang="en-US" sz="2400" spc="-1" strike="noStrike">
+                          <a:latin typeface="Times New Roman"/>
+                        </a:rPr>
+                        <a:t>0.0227</a:t>
+                      </a:r>
+                      <a:endParaRPr b="0" lang="en-US" sz="2400" spc="-1" strike="noStrike">
+                        <a:latin typeface="Times New Roman"/>
+                      </a:endParaRPr>
+                    </a:p>
+                  </a:txBody>
+                  <a:tcPr marL="91440" marR="91440">
+                    <a:lnL w="12240">
+                      <a:solidFill>
+                        <a:srgbClr val="ffffff"/>
+                      </a:solidFill>
+                    </a:lnL>
+                    <a:lnR w="12240">
+                      <a:solidFill>
+                        <a:srgbClr val="ffffff"/>
+                      </a:solidFill>
+                    </a:lnR>
+                    <a:lnT w="12240">
+                      <a:solidFill>
+                        <a:srgbClr val="ffffff"/>
+                      </a:solidFill>
+                    </a:lnT>
+                    <a:lnB w="12240">
+                      <a:solidFill>
+                        <a:srgbClr val="ffffff"/>
+                      </a:solidFill>
+                    </a:lnB>
+                    <a:solidFill>
+                      <a:srgbClr val="e7eaf4"/>
+                    </a:solidFill>
+                  </a:tcPr>
+                </a:tc>
+                <a:tc>
+                  <a:tcPr marL="91440" marR="91440">
+                    <a:lnL w="12240">
+                      <a:solidFill>
+                        <a:srgbClr val="ffffff"/>
+                      </a:solidFill>
+                    </a:lnL>
+                    <a:lnR w="12240">
+                      <a:solidFill>
+                        <a:srgbClr val="ffffff"/>
+                      </a:solidFill>
+                    </a:lnR>
+                    <a:lnT w="12240">
+                      <a:solidFill>
+                        <a:srgbClr val="ffffff"/>
+                      </a:solidFill>
+                    </a:lnT>
+                    <a:lnB w="12240">
+                      <a:solidFill>
+                        <a:srgbClr val="ffffff"/>
+                      </a:solidFill>
+                    </a:lnB>
+                    <a:solidFill>
+                      <a:srgbClr val="e7eaf4"/>
+                    </a:solidFill>
+                  </a:tcPr>
+                </a:tc>
+                <a:tc>
+                  <a:tcPr marL="91440" marR="91440">
+                    <a:lnL w="12240">
+                      <a:solidFill>
+                        <a:srgbClr val="ffffff"/>
+                      </a:solidFill>
+                    </a:lnL>
+                    <a:lnR w="12240">
+                      <a:solidFill>
+                        <a:srgbClr val="ffffff"/>
+                      </a:solidFill>
+                    </a:lnR>
+                    <a:lnT w="12240">
+                      <a:solidFill>
+                        <a:srgbClr val="ffffff"/>
+                      </a:solidFill>
+                    </a:lnT>
+                    <a:lnB w="12240">
+                      <a:solidFill>
+                        <a:srgbClr val="ffffff"/>
+                      </a:solidFill>
+                    </a:lnB>
+                    <a:solidFill>
+                      <a:srgbClr val="e7eaf4"/>
+                    </a:solidFill>
+                  </a:tcPr>
+                </a:tc>
+                <a:tc>
+                  <a:tcPr marL="91440" marR="91440">
+                    <a:lnL w="12240">
+                      <a:solidFill>
+                        <a:srgbClr val="ffffff"/>
+                      </a:solidFill>
+                    </a:lnL>
+                    <a:lnR w="12240">
+                      <a:solidFill>
+                        <a:srgbClr val="ffffff"/>
+                      </a:solidFill>
+                    </a:lnR>
+                    <a:lnT w="12240">
+                      <a:solidFill>
+                        <a:srgbClr val="ffffff"/>
+                      </a:solidFill>
+                    </a:lnT>
+                    <a:lnB w="12240">
+                      <a:solidFill>
+                        <a:srgbClr val="ffffff"/>
+                      </a:solidFill>
+                    </a:lnB>
+                    <a:solidFill>
+                      <a:srgbClr val="e7eaf4"/>
+                    </a:solidFill>
+                  </a:tcPr>
+                </a:tc>
+                <a:tc>
+                  <a:tcPr marL="91440" marR="91440">
+                    <a:lnL w="12240">
+                      <a:solidFill>
+                        <a:srgbClr val="ffffff"/>
+                      </a:solidFill>
+                    </a:lnL>
+                    <a:lnR w="12240">
+                      <a:solidFill>
+                        <a:srgbClr val="ffffff"/>
+                      </a:solidFill>
+                    </a:lnR>
+                    <a:lnT w="12240">
+                      <a:solidFill>
+                        <a:srgbClr val="ffffff"/>
+                      </a:solidFill>
+                    </a:lnT>
+                    <a:lnB w="12240">
+                      <a:solidFill>
+                        <a:srgbClr val="ffffff"/>
+                      </a:solidFill>
+                    </a:lnB>
+                    <a:solidFill>
+                      <a:srgbClr val="e7eaf4"/>
+                    </a:solidFill>
+                  </a:tcPr>
+                </a:tc>
+                <a:tc>
+                  <a:tcPr marL="91440" marR="91440">
+                    <a:lnL w="12240">
+                      <a:solidFill>
+                        <a:srgbClr val="ffffff"/>
+                      </a:solidFill>
+                    </a:lnL>
+                    <a:lnR w="12240">
+                      <a:solidFill>
+                        <a:srgbClr val="ffffff"/>
+                      </a:solidFill>
+                    </a:lnR>
+                    <a:lnT w="12240">
+                      <a:solidFill>
+                        <a:srgbClr val="ffffff"/>
+                      </a:solidFill>
+                    </a:lnT>
+                    <a:lnB w="12240">
+                      <a:solidFill>
+                        <a:srgbClr val="ffffff"/>
+                      </a:solidFill>
+                    </a:lnB>
+                    <a:solidFill>
+                      <a:srgbClr val="e7eaf4"/>
+                    </a:solidFill>
+                  </a:tcPr>
+                </a:tc>
+                <a:tc>
+                  <a:tcPr marL="91440" marR="91440">
+                    <a:lnL w="12240">
+                      <a:solidFill>
+                        <a:srgbClr val="ffffff"/>
+                      </a:solidFill>
+                    </a:lnL>
+                    <a:lnR w="12240">
+                      <a:solidFill>
+                        <a:srgbClr val="ffffff"/>
+                      </a:solidFill>
+                    </a:lnR>
+                    <a:lnT w="12240">
+                      <a:solidFill>
+                        <a:srgbClr val="ffffff"/>
+                      </a:solidFill>
+                    </a:lnT>
+                    <a:lnB w="12240">
+                      <a:solidFill>
+                        <a:srgbClr val="ffffff"/>
+                      </a:solidFill>
+                    </a:lnB>
+                    <a:solidFill>
+                      <a:srgbClr val="e7eaf4"/>
+                    </a:solidFill>
+                  </a:tcPr>
+                </a:tc>
+                <a:tc>
+                  <a:tcPr marL="91440" marR="91440">
+                    <a:lnL w="12240">
+                      <a:solidFill>
+                        <a:srgbClr val="ffffff"/>
+                      </a:solidFill>
+                    </a:lnL>
+                    <a:lnR w="12240">
+                      <a:solidFill>
+                        <a:srgbClr val="ffffff"/>
+                      </a:solidFill>
+                    </a:lnR>
+                    <a:lnT w="12240">
+                      <a:solidFill>
+                        <a:srgbClr val="ffffff"/>
+                      </a:solidFill>
+                    </a:lnT>
+                    <a:lnB w="12240">
+                      <a:solidFill>
+                        <a:srgbClr val="ffffff"/>
+                      </a:solidFill>
+                    </a:lnB>
+                    <a:solidFill>
+                      <a:srgbClr val="e7eaf4"/>
+                    </a:solidFill>
+                  </a:tcPr>
+                </a:tc>
+              </a:tr>
+              <a:tr h="347760">
                 <a:tc>
                   <a:txBody>
                     <a:bodyPr/>
@@ -5707,7 +6381,7 @@
                           <a:latin typeface="Arial"/>
                           <a:ea typeface="DejaVu Sans"/>
                         </a:rPr>
-                        <a:t>043.77</a:t>
+                        <a:t>1414</a:t>
                       </a:r>
                       <a:endParaRPr b="0" lang="en-US" sz="1800" spc="-1" strike="noStrike">
                         <a:latin typeface="Arial"/>
@@ -5740,6 +6414,238 @@
                     </a:solidFill>
                   </a:tcPr>
                 </a:tc>
+                <a:tc>
+                  <a:txBody>
+                    <a:bodyPr/>
+                    <a:p>
+                      <a:r>
+                        <a:rPr b="0" lang="en-US" sz="2400" spc="-1" strike="noStrike">
+                          <a:latin typeface="Times New Roman"/>
+                        </a:rPr>
+                        <a:t>0.0431</a:t>
+                      </a:r>
+                      <a:endParaRPr b="0" lang="en-US" sz="2400" spc="-1" strike="noStrike">
+                        <a:latin typeface="Times New Roman"/>
+                      </a:endParaRPr>
+                    </a:p>
+                  </a:txBody>
+                  <a:tcPr marL="91440" marR="91440">
+                    <a:lnL w="12240">
+                      <a:solidFill>
+                        <a:srgbClr val="ffffff"/>
+                      </a:solidFill>
+                    </a:lnL>
+                    <a:lnR w="12240">
+                      <a:solidFill>
+                        <a:srgbClr val="ffffff"/>
+                      </a:solidFill>
+                    </a:lnR>
+                    <a:lnT w="12240">
+                      <a:solidFill>
+                        <a:srgbClr val="ffffff"/>
+                      </a:solidFill>
+                    </a:lnT>
+                    <a:lnB w="12240">
+                      <a:solidFill>
+                        <a:srgbClr val="ffffff"/>
+                      </a:solidFill>
+                    </a:lnB>
+                    <a:solidFill>
+                      <a:srgbClr val="ccd3e8"/>
+                    </a:solidFill>
+                  </a:tcPr>
+                </a:tc>
+                <a:tc>
+                  <a:tcPr marL="91440" marR="91440">
+                    <a:lnL w="12240">
+                      <a:solidFill>
+                        <a:srgbClr val="ffffff"/>
+                      </a:solidFill>
+                    </a:lnL>
+                    <a:lnR w="12240">
+                      <a:solidFill>
+                        <a:srgbClr val="ffffff"/>
+                      </a:solidFill>
+                    </a:lnR>
+                    <a:lnT w="12240">
+                      <a:solidFill>
+                        <a:srgbClr val="ffffff"/>
+                      </a:solidFill>
+                    </a:lnT>
+                    <a:lnB w="12240">
+                      <a:solidFill>
+                        <a:srgbClr val="ffffff"/>
+                      </a:solidFill>
+                    </a:lnB>
+                    <a:solidFill>
+                      <a:srgbClr val="ccd3e8"/>
+                    </a:solidFill>
+                  </a:tcPr>
+                </a:tc>
+                <a:tc>
+                  <a:tcPr marL="91440" marR="91440">
+                    <a:lnL w="12240">
+                      <a:solidFill>
+                        <a:srgbClr val="ffffff"/>
+                      </a:solidFill>
+                    </a:lnL>
+                    <a:lnR w="12240">
+                      <a:solidFill>
+                        <a:srgbClr val="ffffff"/>
+                      </a:solidFill>
+                    </a:lnR>
+                    <a:lnT w="12240">
+                      <a:solidFill>
+                        <a:srgbClr val="ffffff"/>
+                      </a:solidFill>
+                    </a:lnT>
+                    <a:lnB w="12240">
+                      <a:solidFill>
+                        <a:srgbClr val="ffffff"/>
+                      </a:solidFill>
+                    </a:lnB>
+                    <a:solidFill>
+                      <a:srgbClr val="ccd3e8"/>
+                    </a:solidFill>
+                  </a:tcPr>
+                </a:tc>
+                <a:tc>
+                  <a:tcPr marL="91440" marR="91440">
+                    <a:lnL w="12240">
+                      <a:solidFill>
+                        <a:srgbClr val="ffffff"/>
+                      </a:solidFill>
+                    </a:lnL>
+                    <a:lnR w="12240">
+                      <a:solidFill>
+                        <a:srgbClr val="ffffff"/>
+                      </a:solidFill>
+                    </a:lnR>
+                    <a:lnT w="12240">
+                      <a:solidFill>
+                        <a:srgbClr val="ffffff"/>
+                      </a:solidFill>
+                    </a:lnT>
+                    <a:lnB w="12240">
+                      <a:solidFill>
+                        <a:srgbClr val="ffffff"/>
+                      </a:solidFill>
+                    </a:lnB>
+                    <a:solidFill>
+                      <a:srgbClr val="ccd3e8"/>
+                    </a:solidFill>
+                  </a:tcPr>
+                </a:tc>
+                <a:tc>
+                  <a:tcPr marL="91440" marR="91440">
+                    <a:lnL w="12240">
+                      <a:solidFill>
+                        <a:srgbClr val="ffffff"/>
+                      </a:solidFill>
+                    </a:lnL>
+                    <a:lnR w="12240">
+                      <a:solidFill>
+                        <a:srgbClr val="ffffff"/>
+                      </a:solidFill>
+                    </a:lnR>
+                    <a:lnT w="12240">
+                      <a:solidFill>
+                        <a:srgbClr val="ffffff"/>
+                      </a:solidFill>
+                    </a:lnT>
+                    <a:lnB w="12240">
+                      <a:solidFill>
+                        <a:srgbClr val="ffffff"/>
+                      </a:solidFill>
+                    </a:lnB>
+                    <a:solidFill>
+                      <a:srgbClr val="ccd3e8"/>
+                    </a:solidFill>
+                  </a:tcPr>
+                </a:tc>
+                <a:tc>
+                  <a:tcPr marL="91440" marR="91440">
+                    <a:lnL w="12240">
+                      <a:solidFill>
+                        <a:srgbClr val="ffffff"/>
+                      </a:solidFill>
+                    </a:lnL>
+                    <a:lnR w="12240">
+                      <a:solidFill>
+                        <a:srgbClr val="ffffff"/>
+                      </a:solidFill>
+                    </a:lnR>
+                    <a:lnT w="12240">
+                      <a:solidFill>
+                        <a:srgbClr val="ffffff"/>
+                      </a:solidFill>
+                    </a:lnT>
+                    <a:lnB w="12240">
+                      <a:solidFill>
+                        <a:srgbClr val="ffffff"/>
+                      </a:solidFill>
+                    </a:lnB>
+                    <a:solidFill>
+                      <a:srgbClr val="ccd3e8"/>
+                    </a:solidFill>
+                  </a:tcPr>
+                </a:tc>
+                <a:tc>
+                  <a:tcPr marL="91440" marR="91440">
+                    <a:lnL w="12240">
+                      <a:solidFill>
+                        <a:srgbClr val="ffffff"/>
+                      </a:solidFill>
+                    </a:lnL>
+                    <a:lnR w="12240">
+                      <a:solidFill>
+                        <a:srgbClr val="ffffff"/>
+                      </a:solidFill>
+                    </a:lnR>
+                    <a:lnT w="12240">
+                      <a:solidFill>
+                        <a:srgbClr val="ffffff"/>
+                      </a:solidFill>
+                    </a:lnT>
+                    <a:lnB w="12240">
+                      <a:solidFill>
+                        <a:srgbClr val="ffffff"/>
+                      </a:solidFill>
+                    </a:lnB>
+                    <a:solidFill>
+                      <a:srgbClr val="ccd3e8"/>
+                    </a:solidFill>
+                  </a:tcPr>
+                </a:tc>
+                <a:tc>
+                  <a:tcPr marL="91440" marR="91440">
+                    <a:lnL w="12240">
+                      <a:solidFill>
+                        <a:srgbClr val="ffffff"/>
+                      </a:solidFill>
+                    </a:lnL>
+                    <a:lnR w="12240">
+                      <a:solidFill>
+                        <a:srgbClr val="ffffff"/>
+                      </a:solidFill>
+                    </a:lnR>
+                    <a:lnT w="12240">
+                      <a:solidFill>
+                        <a:srgbClr val="ffffff"/>
+                      </a:solidFill>
+                    </a:lnT>
+                    <a:lnB w="12240">
+                      <a:solidFill>
+                        <a:srgbClr val="ffffff"/>
+                      </a:solidFill>
+                    </a:lnB>
+                    <a:solidFill>
+                      <a:srgbClr val="ccd3e8"/>
+                    </a:solidFill>
+                  </a:tcPr>
+                </a:tc>
+              </a:tr>
+              <a:tr h="347760">
                 <a:tc>
                   <a:txBody>
                     <a:bodyPr/>
@@ -5757,7 +6663,7 @@
                           <a:latin typeface="Arial"/>
                           <a:ea typeface="DejaVu Sans"/>
                         </a:rPr>
-                        <a:t>020.70</a:t>
+                        <a:t>2000</a:t>
                       </a:r>
                       <a:endParaRPr b="0" lang="en-US" sz="1800" spc="-1" strike="noStrike">
                         <a:latin typeface="Arial"/>
@@ -5786,142 +6692,237 @@
                       </a:solidFill>
                     </a:lnB>
                     <a:solidFill>
-                      <a:srgbClr val="ccd3e8"/>
-                    </a:solidFill>
-                  </a:tcPr>
-                </a:tc>
-                <a:tc>
-                  <a:tcPr marL="91440" marR="91440">
-                    <a:lnL w="12240">
-                      <a:solidFill>
-                        <a:srgbClr val="ffffff"/>
-                      </a:solidFill>
-                    </a:lnL>
-                    <a:lnR w="12240">
-                      <a:solidFill>
-                        <a:srgbClr val="ffffff"/>
-                      </a:solidFill>
-                    </a:lnR>
-                    <a:lnT w="12240">
-                      <a:solidFill>
-                        <a:srgbClr val="ffffff"/>
-                      </a:solidFill>
-                    </a:lnT>
-                    <a:lnB w="12240">
-                      <a:solidFill>
-                        <a:srgbClr val="ffffff"/>
-                      </a:solidFill>
-                    </a:lnB>
-                    <a:solidFill>
-                      <a:srgbClr val="ccd3e8"/>
-                    </a:solidFill>
-                  </a:tcPr>
-                </a:tc>
-                <a:tc>
-                  <a:tcPr marL="91440" marR="91440">
-                    <a:lnL w="12240">
-                      <a:solidFill>
-                        <a:srgbClr val="ffffff"/>
-                      </a:solidFill>
-                    </a:lnL>
-                    <a:lnR w="12240">
-                      <a:solidFill>
-                        <a:srgbClr val="ffffff"/>
-                      </a:solidFill>
-                    </a:lnR>
-                    <a:lnT w="12240">
-                      <a:solidFill>
-                        <a:srgbClr val="ffffff"/>
-                      </a:solidFill>
-                    </a:lnT>
-                    <a:lnB w="12240">
-                      <a:solidFill>
-                        <a:srgbClr val="ffffff"/>
-                      </a:solidFill>
-                    </a:lnB>
-                    <a:solidFill>
-                      <a:srgbClr val="ccd3e8"/>
-                    </a:solidFill>
-                  </a:tcPr>
-                </a:tc>
-                <a:tc>
-                  <a:tcPr marL="91440" marR="91440">
-                    <a:lnL w="12240">
-                      <a:solidFill>
-                        <a:srgbClr val="ffffff"/>
-                      </a:solidFill>
-                    </a:lnL>
-                    <a:lnR w="12240">
-                      <a:solidFill>
-                        <a:srgbClr val="ffffff"/>
-                      </a:solidFill>
-                    </a:lnR>
-                    <a:lnT w="12240">
-                      <a:solidFill>
-                        <a:srgbClr val="ffffff"/>
-                      </a:solidFill>
-                    </a:lnT>
-                    <a:lnB w="12240">
-                      <a:solidFill>
-                        <a:srgbClr val="ffffff"/>
-                      </a:solidFill>
-                    </a:lnB>
-                    <a:solidFill>
-                      <a:srgbClr val="ccd3e8"/>
-                    </a:solidFill>
-                  </a:tcPr>
-                </a:tc>
-                <a:tc>
-                  <a:tcPr marL="91440" marR="91440">
-                    <a:lnL w="12240">
-                      <a:solidFill>
-                        <a:srgbClr val="ffffff"/>
-                      </a:solidFill>
-                    </a:lnL>
-                    <a:lnR w="12240">
-                      <a:solidFill>
-                        <a:srgbClr val="ffffff"/>
-                      </a:solidFill>
-                    </a:lnR>
-                    <a:lnT w="12240">
-                      <a:solidFill>
-                        <a:srgbClr val="ffffff"/>
-                      </a:solidFill>
-                    </a:lnT>
-                    <a:lnB w="12240">
-                      <a:solidFill>
-                        <a:srgbClr val="ffffff"/>
-                      </a:solidFill>
-                    </a:lnB>
-                    <a:solidFill>
-                      <a:srgbClr val="ccd3e8"/>
-                    </a:solidFill>
-                  </a:tcPr>
-                </a:tc>
-                <a:tc>
-                  <a:tcPr marL="91440" marR="91440">
-                    <a:lnL w="12240">
-                      <a:solidFill>
-                        <a:srgbClr val="ffffff"/>
-                      </a:solidFill>
-                    </a:lnL>
-                    <a:lnR w="12240">
-                      <a:solidFill>
-                        <a:srgbClr val="ffffff"/>
-                      </a:solidFill>
-                    </a:lnR>
-                    <a:lnT w="12240">
-                      <a:solidFill>
-                        <a:srgbClr val="ffffff"/>
-                      </a:solidFill>
-                    </a:lnT>
-                    <a:lnB w="12240">
-                      <a:solidFill>
-                        <a:srgbClr val="ffffff"/>
-                      </a:solidFill>
-                    </a:lnB>
-                    <a:solidFill>
-                      <a:srgbClr val="ccd3e8"/>
+                      <a:srgbClr val="e7eaf4"/>
+                    </a:solidFill>
+                  </a:tcPr>
+                </a:tc>
+                <a:tc>
+                  <a:txBody>
+                    <a:bodyPr/>
+                    <a:p>
+                      <a:r>
+                        <a:rPr b="0" lang="en-US" sz="2400" spc="-1" strike="noStrike">
+                          <a:latin typeface="Times New Roman"/>
+                        </a:rPr>
+                        <a:t>0.0843</a:t>
+                      </a:r>
+                      <a:endParaRPr b="0" lang="en-US" sz="2400" spc="-1" strike="noStrike">
+                        <a:latin typeface="Times New Roman"/>
+                      </a:endParaRPr>
+                    </a:p>
+                  </a:txBody>
+                  <a:tcPr marL="91440" marR="91440">
+                    <a:lnL w="12240">
+                      <a:solidFill>
+                        <a:srgbClr val="ffffff"/>
+                      </a:solidFill>
+                    </a:lnL>
+                    <a:lnR w="12240">
+                      <a:solidFill>
+                        <a:srgbClr val="ffffff"/>
+                      </a:solidFill>
+                    </a:lnR>
+                    <a:lnT w="12240">
+                      <a:solidFill>
+                        <a:srgbClr val="ffffff"/>
+                      </a:solidFill>
+                    </a:lnT>
+                    <a:lnB w="12240">
+                      <a:solidFill>
+                        <a:srgbClr val="ffffff"/>
+                      </a:solidFill>
+                    </a:lnB>
+                    <a:solidFill>
+                      <a:srgbClr val="e7eaf4"/>
+                    </a:solidFill>
+                  </a:tcPr>
+                </a:tc>
+                <a:tc>
+                  <a:tcPr marL="91440" marR="91440">
+                    <a:lnL w="12240">
+                      <a:solidFill>
+                        <a:srgbClr val="ffffff"/>
+                      </a:solidFill>
+                    </a:lnL>
+                    <a:lnR w="12240">
+                      <a:solidFill>
+                        <a:srgbClr val="ffffff"/>
+                      </a:solidFill>
+                    </a:lnR>
+                    <a:lnT w="12240">
+                      <a:solidFill>
+                        <a:srgbClr val="ffffff"/>
+                      </a:solidFill>
+                    </a:lnT>
+                    <a:lnB w="12240">
+                      <a:solidFill>
+                        <a:srgbClr val="ffffff"/>
+                      </a:solidFill>
+                    </a:lnB>
+                    <a:solidFill>
+                      <a:srgbClr val="e7eaf4"/>
+                    </a:solidFill>
+                  </a:tcPr>
+                </a:tc>
+                <a:tc>
+                  <a:tcPr marL="91440" marR="91440">
+                    <a:lnL w="12240">
+                      <a:solidFill>
+                        <a:srgbClr val="ffffff"/>
+                      </a:solidFill>
+                    </a:lnL>
+                    <a:lnR w="12240">
+                      <a:solidFill>
+                        <a:srgbClr val="ffffff"/>
+                      </a:solidFill>
+                    </a:lnR>
+                    <a:lnT w="12240">
+                      <a:solidFill>
+                        <a:srgbClr val="ffffff"/>
+                      </a:solidFill>
+                    </a:lnT>
+                    <a:lnB w="12240">
+                      <a:solidFill>
+                        <a:srgbClr val="ffffff"/>
+                      </a:solidFill>
+                    </a:lnB>
+                    <a:solidFill>
+                      <a:srgbClr val="e7eaf4"/>
+                    </a:solidFill>
+                  </a:tcPr>
+                </a:tc>
+                <a:tc>
+                  <a:tcPr marL="91440" marR="91440">
+                    <a:lnL w="12240">
+                      <a:solidFill>
+                        <a:srgbClr val="ffffff"/>
+                      </a:solidFill>
+                    </a:lnL>
+                    <a:lnR w="12240">
+                      <a:solidFill>
+                        <a:srgbClr val="ffffff"/>
+                      </a:solidFill>
+                    </a:lnR>
+                    <a:lnT w="12240">
+                      <a:solidFill>
+                        <a:srgbClr val="ffffff"/>
+                      </a:solidFill>
+                    </a:lnT>
+                    <a:lnB w="12240">
+                      <a:solidFill>
+                        <a:srgbClr val="ffffff"/>
+                      </a:solidFill>
+                    </a:lnB>
+                    <a:solidFill>
+                      <a:srgbClr val="e7eaf4"/>
+                    </a:solidFill>
+                  </a:tcPr>
+                </a:tc>
+                <a:tc>
+                  <a:tcPr marL="91440" marR="91440">
+                    <a:lnL w="12240">
+                      <a:solidFill>
+                        <a:srgbClr val="ffffff"/>
+                      </a:solidFill>
+                    </a:lnL>
+                    <a:lnR w="12240">
+                      <a:solidFill>
+                        <a:srgbClr val="ffffff"/>
+                      </a:solidFill>
+                    </a:lnR>
+                    <a:lnT w="12240">
+                      <a:solidFill>
+                        <a:srgbClr val="ffffff"/>
+                      </a:solidFill>
+                    </a:lnT>
+                    <a:lnB w="12240">
+                      <a:solidFill>
+                        <a:srgbClr val="ffffff"/>
+                      </a:solidFill>
+                    </a:lnB>
+                    <a:solidFill>
+                      <a:srgbClr val="e7eaf4"/>
+                    </a:solidFill>
+                  </a:tcPr>
+                </a:tc>
+                <a:tc>
+                  <a:tcPr marL="91440" marR="91440">
+                    <a:lnL w="12240">
+                      <a:solidFill>
+                        <a:srgbClr val="ffffff"/>
+                      </a:solidFill>
+                    </a:lnL>
+                    <a:lnR w="12240">
+                      <a:solidFill>
+                        <a:srgbClr val="ffffff"/>
+                      </a:solidFill>
+                    </a:lnR>
+                    <a:lnT w="12240">
+                      <a:solidFill>
+                        <a:srgbClr val="ffffff"/>
+                      </a:solidFill>
+                    </a:lnT>
+                    <a:lnB w="12240">
+                      <a:solidFill>
+                        <a:srgbClr val="ffffff"/>
+                      </a:solidFill>
+                    </a:lnB>
+                    <a:solidFill>
+                      <a:srgbClr val="e7eaf4"/>
+                    </a:solidFill>
+                  </a:tcPr>
+                </a:tc>
+                <a:tc>
+                  <a:tcPr marL="91440" marR="91440">
+                    <a:lnL w="12240">
+                      <a:solidFill>
+                        <a:srgbClr val="ffffff"/>
+                      </a:solidFill>
+                    </a:lnL>
+                    <a:lnR w="12240">
+                      <a:solidFill>
+                        <a:srgbClr val="ffffff"/>
+                      </a:solidFill>
+                    </a:lnR>
+                    <a:lnT w="12240">
+                      <a:solidFill>
+                        <a:srgbClr val="ffffff"/>
+                      </a:solidFill>
+                    </a:lnT>
+                    <a:lnB w="12240">
+                      <a:solidFill>
+                        <a:srgbClr val="ffffff"/>
+                      </a:solidFill>
+                    </a:lnB>
+                    <a:solidFill>
+                      <a:srgbClr val="e7eaf4"/>
+                    </a:solidFill>
+                  </a:tcPr>
+                </a:tc>
+                <a:tc>
+                  <a:tcPr marL="91440" marR="91440">
+                    <a:lnL w="12240">
+                      <a:solidFill>
+                        <a:srgbClr val="ffffff"/>
+                      </a:solidFill>
+                    </a:lnL>
+                    <a:lnR w="12240">
+                      <a:solidFill>
+                        <a:srgbClr val="ffffff"/>
+                      </a:solidFill>
+                    </a:lnR>
+                    <a:lnT w="12240">
+                      <a:solidFill>
+                        <a:srgbClr val="ffffff"/>
+                      </a:solidFill>
+                    </a:lnT>
+                    <a:lnB w="12240">
+                      <a:solidFill>
+                        <a:srgbClr val="ffffff"/>
+                      </a:solidFill>
+                    </a:lnB>
+                    <a:solidFill>
+                      <a:srgbClr val="e7eaf4"/>
                     </a:solidFill>
                   </a:tcPr>
                 </a:tc>
@@ -5944,7 +6945,7 @@
                           <a:latin typeface="Arial"/>
                           <a:ea typeface="DejaVu Sans"/>
                         </a:rPr>
-                        <a:t>1000</a:t>
+                        <a:t>2828</a:t>
                       </a:r>
                       <a:endParaRPr b="0" lang="en-US" sz="1800" spc="-1" strike="noStrike">
                         <a:latin typeface="Arial"/>
@@ -5973,1280 +6974,312 @@
                       </a:solidFill>
                     </a:lnB>
                     <a:solidFill>
-                      <a:srgbClr val="e7eaf4"/>
-                    </a:solidFill>
-                  </a:tcPr>
-                </a:tc>
-                <a:tc>
-                  <a:txBody>
-                    <a:bodyPr/>
-                    <a:p>
-                      <a:pPr>
-                        <a:lnSpc>
-                          <a:spcPct val="100000"/>
-                        </a:lnSpc>
-                      </a:pPr>
+                      <a:srgbClr val="ccd3e8"/>
+                    </a:solidFill>
+                  </a:tcPr>
+                </a:tc>
+                <a:tc>
+                  <a:txBody>
+                    <a:bodyPr/>
+                    <a:p>
+                      <a:r>
+                        <a:rPr b="0" lang="en-US" sz="2400" spc="-1" strike="noStrike">
+                          <a:latin typeface="Times New Roman"/>
+                        </a:rPr>
+                        <a:t>0.1670</a:t>
+                      </a:r>
+                      <a:endParaRPr b="0" lang="en-US" sz="2400" spc="-1" strike="noStrike">
+                        <a:latin typeface="Times New Roman"/>
+                      </a:endParaRPr>
+                    </a:p>
+                  </a:txBody>
+                  <a:tcPr marL="91440" marR="91440">
+                    <a:lnL w="12240">
+                      <a:solidFill>
+                        <a:srgbClr val="ffffff"/>
+                      </a:solidFill>
+                    </a:lnL>
+                    <a:lnR w="12240">
+                      <a:solidFill>
+                        <a:srgbClr val="ffffff"/>
+                      </a:solidFill>
+                    </a:lnR>
+                    <a:lnT w="12240">
+                      <a:solidFill>
+                        <a:srgbClr val="ffffff"/>
+                      </a:solidFill>
+                    </a:lnT>
+                    <a:lnB w="12240">
+                      <a:solidFill>
+                        <a:srgbClr val="ffffff"/>
+                      </a:solidFill>
+                    </a:lnB>
+                    <a:solidFill>
+                      <a:srgbClr val="ccd3e8"/>
+                    </a:solidFill>
+                  </a:tcPr>
+                </a:tc>
+                <a:tc>
+                  <a:txBody>
+                    <a:bodyPr/>
+                    <a:p>
+                      <a:r>
+                        <a:rPr b="0" lang="en-US" sz="2400" spc="-1" strike="noStrike">
+                          <a:latin typeface="Times New Roman"/>
+                        </a:rPr>
+                        <a:t>0.7180</a:t>
+                      </a:r>
+                      <a:endParaRPr b="0" lang="en-US" sz="2400" spc="-1" strike="noStrike">
+                        <a:latin typeface="Times New Roman"/>
+                      </a:endParaRPr>
+                    </a:p>
+                  </a:txBody>
+                  <a:tcPr marL="91440" marR="91440">
+                    <a:lnL w="12240">
+                      <a:solidFill>
+                        <a:srgbClr val="ffffff"/>
+                      </a:solidFill>
+                    </a:lnL>
+                    <a:lnR w="12240">
+                      <a:solidFill>
+                        <a:srgbClr val="ffffff"/>
+                      </a:solidFill>
+                    </a:lnR>
+                    <a:lnT w="12240">
+                      <a:solidFill>
+                        <a:srgbClr val="ffffff"/>
+                      </a:solidFill>
+                    </a:lnT>
+                    <a:lnB w="12240">
+                      <a:solidFill>
+                        <a:srgbClr val="ffffff"/>
+                      </a:solidFill>
+                    </a:lnB>
+                    <a:solidFill>
+                      <a:srgbClr val="ccd3e8"/>
+                    </a:solidFill>
+                  </a:tcPr>
+                </a:tc>
+                <a:tc>
+                  <a:txBody>
+                    <a:bodyPr/>
+                    <a:p>
+                      <a:r>
+                        <a:rPr b="0" lang="en-US" sz="2400" spc="-1" strike="noStrike">
+                          <a:latin typeface="Times New Roman"/>
+                        </a:rPr>
+                        <a:t>0.4693</a:t>
+                      </a:r>
+                      <a:endParaRPr b="0" lang="en-US" sz="2400" spc="-1" strike="noStrike">
+                        <a:latin typeface="Times New Roman"/>
+                      </a:endParaRPr>
+                    </a:p>
+                  </a:txBody>
+                  <a:tcPr marL="91440" marR="91440">
+                    <a:lnL w="12240">
+                      <a:solidFill>
+                        <a:srgbClr val="ffffff"/>
+                      </a:solidFill>
+                    </a:lnL>
+                    <a:lnR w="12240">
+                      <a:solidFill>
+                        <a:srgbClr val="ffffff"/>
+                      </a:solidFill>
+                    </a:lnR>
+                    <a:lnT w="12240">
+                      <a:solidFill>
+                        <a:srgbClr val="ffffff"/>
+                      </a:solidFill>
+                    </a:lnT>
+                    <a:lnB w="12240">
+                      <a:solidFill>
+                        <a:srgbClr val="ffffff"/>
+                      </a:solidFill>
+                    </a:lnB>
+                    <a:solidFill>
+                      <a:srgbClr val="ccd3e8"/>
+                    </a:solidFill>
+                  </a:tcPr>
+                </a:tc>
+                <a:tc>
+                  <a:txBody>
+                    <a:bodyPr/>
+                    <a:p>
+                      <a:r>
+                        <a:rPr b="0" lang="en-US" sz="2400" spc="-1" strike="noStrike">
+                          <a:latin typeface="Times New Roman"/>
+                        </a:rPr>
+                        <a:t>0.3711</a:t>
+                      </a:r>
+                      <a:endParaRPr b="0" lang="en-US" sz="2400" spc="-1" strike="noStrike">
+                        <a:latin typeface="Times New Roman"/>
+                      </a:endParaRPr>
+                    </a:p>
+                  </a:txBody>
+                  <a:tcPr marL="91440" marR="91440">
+                    <a:lnL w="12240">
+                      <a:solidFill>
+                        <a:srgbClr val="ffffff"/>
+                      </a:solidFill>
+                    </a:lnL>
+                    <a:lnR w="12240">
+                      <a:solidFill>
+                        <a:srgbClr val="ffffff"/>
+                      </a:solidFill>
+                    </a:lnR>
+                    <a:lnT w="12240">
+                      <a:solidFill>
+                        <a:srgbClr val="ffffff"/>
+                      </a:solidFill>
+                    </a:lnT>
+                    <a:lnB w="12240">
+                      <a:solidFill>
+                        <a:srgbClr val="ffffff"/>
+                      </a:solidFill>
+                    </a:lnB>
+                    <a:solidFill>
+                      <a:srgbClr val="ccd3e8"/>
+                    </a:solidFill>
+                  </a:tcPr>
+                </a:tc>
+                <a:tc>
+                  <a:txBody>
+                    <a:bodyPr/>
+                    <a:p>
+                      <a:r>
+                        <a:rPr b="0" lang="en-US" sz="2400" spc="-1" strike="noStrike">
+                          <a:latin typeface="Times New Roman"/>
+                        </a:rPr>
+                        <a:t>0.3846</a:t>
+                      </a:r>
+                      <a:endParaRPr b="0" lang="en-US" sz="2400" spc="-1" strike="noStrike">
+                        <a:latin typeface="Times New Roman"/>
+                      </a:endParaRPr>
+                    </a:p>
+                  </a:txBody>
+                  <a:tcPr marL="91440" marR="91440">
+                    <a:lnL w="12240">
+                      <a:solidFill>
+                        <a:srgbClr val="ffffff"/>
+                      </a:solidFill>
+                    </a:lnL>
+                    <a:lnR w="12240">
+                      <a:solidFill>
+                        <a:srgbClr val="ffffff"/>
+                      </a:solidFill>
+                    </a:lnR>
+                    <a:lnT w="12240">
+                      <a:solidFill>
+                        <a:srgbClr val="ffffff"/>
+                      </a:solidFill>
+                    </a:lnT>
+                    <a:lnB w="12240">
+                      <a:solidFill>
+                        <a:srgbClr val="ffffff"/>
+                      </a:solidFill>
+                    </a:lnB>
+                    <a:solidFill>
+                      <a:srgbClr val="ccd3e8"/>
+                    </a:solidFill>
+                  </a:tcPr>
+                </a:tc>
+                <a:tc>
+                  <a:txBody>
+                    <a:bodyPr/>
+                    <a:p>
+                      <a:r>
+                        <a:rPr b="0" lang="en-US" sz="2400" spc="-1" strike="noStrike">
+                          <a:latin typeface="Times New Roman"/>
+                        </a:rPr>
+                        <a:t>0.1275</a:t>
+                      </a:r>
+                      <a:endParaRPr b="0" lang="en-US" sz="2400" spc="-1" strike="noStrike">
+                        <a:latin typeface="Times New Roman"/>
+                      </a:endParaRPr>
+                    </a:p>
+                  </a:txBody>
+                  <a:tcPr marL="91440" marR="91440">
+                    <a:lnL w="12240">
+                      <a:solidFill>
+                        <a:srgbClr val="ffffff"/>
+                      </a:solidFill>
+                    </a:lnL>
+                    <a:lnR w="12240">
+                      <a:solidFill>
+                        <a:srgbClr val="ffffff"/>
+                      </a:solidFill>
+                    </a:lnR>
+                    <a:lnT w="12240">
+                      <a:solidFill>
+                        <a:srgbClr val="ffffff"/>
+                      </a:solidFill>
+                    </a:lnT>
+                    <a:lnB w="12240">
+                      <a:solidFill>
+                        <a:srgbClr val="ffffff"/>
+                      </a:solidFill>
+                    </a:lnB>
+                    <a:solidFill>
+                      <a:srgbClr val="ccd3e8"/>
+                    </a:solidFill>
+                  </a:tcPr>
+                </a:tc>
+                <a:tc>
+                  <a:txBody>
+                    <a:bodyPr/>
+                    <a:p>
+                      <a:r>
+                        <a:rPr b="0" lang="en-US" sz="2400" spc="-1" strike="noStrike">
+                          <a:latin typeface="Times New Roman"/>
+                        </a:rPr>
+                        <a:t>1.666</a:t>
+                      </a:r>
+                      <a:endParaRPr b="0" lang="en-US" sz="2400" spc="-1" strike="noStrike">
+                        <a:latin typeface="Times New Roman"/>
+                      </a:endParaRPr>
+                    </a:p>
+                  </a:txBody>
+                  <a:tcPr marL="91440" marR="91440">
+                    <a:lnL w="12240">
+                      <a:solidFill>
+                        <a:srgbClr val="ffffff"/>
+                      </a:solidFill>
+                    </a:lnL>
+                    <a:lnR w="12240">
+                      <a:solidFill>
+                        <a:srgbClr val="ffffff"/>
+                      </a:solidFill>
+                    </a:lnR>
+                    <a:lnT w="12240">
+                      <a:solidFill>
+                        <a:srgbClr val="ffffff"/>
+                      </a:solidFill>
+                    </a:lnT>
+                    <a:lnB w="12240">
+                      <a:solidFill>
+                        <a:srgbClr val="ffffff"/>
+                      </a:solidFill>
+                    </a:lnB>
+                    <a:solidFill>
+                      <a:srgbClr val="ccd3e8"/>
+                    </a:solidFill>
+                  </a:tcPr>
+                </a:tc>
+                <a:tc>
+                  <a:txBody>
+                    <a:bodyPr/>
+                    <a:p>
                       <a:r>
                         <a:rPr b="0" lang="en-US" sz="1800" spc="-1" strike="noStrike">
-                          <a:solidFill>
-                            <a:srgbClr val="000000"/>
-                          </a:solidFill>
                           <a:latin typeface="Arial"/>
-                          <a:ea typeface="DejaVu Sans"/>
-                        </a:rPr>
-                        <a:t>048.17</a:t>
+                        </a:rPr>
+                        <a:t>1.8390</a:t>
                       </a:r>
                       <a:endParaRPr b="0" lang="en-US" sz="1800" spc="-1" strike="noStrike">
                         <a:latin typeface="Arial"/>
                       </a:endParaRPr>
                     </a:p>
                   </a:txBody>
-                  <a:tcPr marL="91440" marR="91440">
-                    <a:lnL w="12240">
-                      <a:solidFill>
-                        <a:srgbClr val="ffffff"/>
-                      </a:solidFill>
-                    </a:lnL>
-                    <a:lnR w="12240">
-                      <a:solidFill>
-                        <a:srgbClr val="ffffff"/>
-                      </a:solidFill>
-                    </a:lnR>
-                    <a:lnT w="12240">
-                      <a:solidFill>
-                        <a:srgbClr val="ffffff"/>
-                      </a:solidFill>
-                    </a:lnT>
-                    <a:lnB w="12240">
-                      <a:solidFill>
-                        <a:srgbClr val="ffffff"/>
-                      </a:solidFill>
-                    </a:lnB>
-                    <a:solidFill>
-                      <a:srgbClr val="e7eaf4"/>
-                    </a:solidFill>
-                  </a:tcPr>
-                </a:tc>
-                <a:tc>
-                  <a:txBody>
-                    <a:bodyPr/>
-                    <a:p>
-                      <a:pPr>
-                        <a:lnSpc>
-                          <a:spcPct val="100000"/>
-                        </a:lnSpc>
-                      </a:pPr>
-                      <a:r>
-                        <a:rPr b="0" lang="en-US" sz="1800" spc="-1" strike="noStrike">
-                          <a:solidFill>
-                            <a:srgbClr val="000000"/>
-                          </a:solidFill>
-                          <a:latin typeface="Arial"/>
-                          <a:ea typeface="DejaVu Sans"/>
-                        </a:rPr>
-                        <a:t>076.64</a:t>
-                      </a:r>
-                      <a:endParaRPr b="0" lang="en-US" sz="1800" spc="-1" strike="noStrike">
-                        <a:latin typeface="Arial"/>
-                      </a:endParaRPr>
-                    </a:p>
-                  </a:txBody>
-                  <a:tcPr marL="91440" marR="91440">
-                    <a:lnL w="12240">
-                      <a:solidFill>
-                        <a:srgbClr val="ffffff"/>
-                      </a:solidFill>
-                    </a:lnL>
-                    <a:lnR w="12240">
-                      <a:solidFill>
-                        <a:srgbClr val="ffffff"/>
-                      </a:solidFill>
-                    </a:lnR>
-                    <a:lnT w="12240">
-                      <a:solidFill>
-                        <a:srgbClr val="ffffff"/>
-                      </a:solidFill>
-                    </a:lnT>
-                    <a:lnB w="12240">
-                      <a:solidFill>
-                        <a:srgbClr val="ffffff"/>
-                      </a:solidFill>
-                    </a:lnB>
-                    <a:solidFill>
-                      <a:srgbClr val="e7eaf4"/>
-                    </a:solidFill>
-                  </a:tcPr>
-                </a:tc>
-                <a:tc>
-                  <a:txBody>
-                    <a:bodyPr/>
-                    <a:p>
-                      <a:pPr>
-                        <a:lnSpc>
-                          <a:spcPct val="100000"/>
-                        </a:lnSpc>
-                      </a:pPr>
-                      <a:r>
-                        <a:rPr b="0" lang="en-US" sz="1800" spc="-1" strike="noStrike">
-                          <a:solidFill>
-                            <a:srgbClr val="000000"/>
-                          </a:solidFill>
-                          <a:latin typeface="Arial"/>
-                          <a:ea typeface="DejaVu Sans"/>
-                        </a:rPr>
-                        <a:t>039.97</a:t>
-                      </a:r>
-                      <a:endParaRPr b="0" lang="en-US" sz="1800" spc="-1" strike="noStrike">
-                        <a:latin typeface="Arial"/>
-                      </a:endParaRPr>
-                    </a:p>
-                  </a:txBody>
-                  <a:tcPr marL="91440" marR="91440">
-                    <a:lnL w="12240">
-                      <a:solidFill>
-                        <a:srgbClr val="ffffff"/>
-                      </a:solidFill>
-                    </a:lnL>
-                    <a:lnR w="12240">
-                      <a:solidFill>
-                        <a:srgbClr val="ffffff"/>
-                      </a:solidFill>
-                    </a:lnR>
-                    <a:lnT w="12240">
-                      <a:solidFill>
-                        <a:srgbClr val="ffffff"/>
-                      </a:solidFill>
-                    </a:lnT>
-                    <a:lnB w="12240">
-                      <a:solidFill>
-                        <a:srgbClr val="ffffff"/>
-                      </a:solidFill>
-                    </a:lnB>
-                    <a:solidFill>
-                      <a:srgbClr val="e7eaf4"/>
-                    </a:solidFill>
-                  </a:tcPr>
-                </a:tc>
-                <a:tc>
-                  <a:tcPr marL="91440" marR="91440">
-                    <a:lnL w="12240">
-                      <a:solidFill>
-                        <a:srgbClr val="ffffff"/>
-                      </a:solidFill>
-                    </a:lnL>
-                    <a:lnR w="12240">
-                      <a:solidFill>
-                        <a:srgbClr val="ffffff"/>
-                      </a:solidFill>
-                    </a:lnR>
-                    <a:lnT w="12240">
-                      <a:solidFill>
-                        <a:srgbClr val="ffffff"/>
-                      </a:solidFill>
-                    </a:lnT>
-                    <a:lnB w="12240">
-                      <a:solidFill>
-                        <a:srgbClr val="ffffff"/>
-                      </a:solidFill>
-                    </a:lnB>
-                    <a:solidFill>
-                      <a:srgbClr val="e7eaf4"/>
-                    </a:solidFill>
-                  </a:tcPr>
-                </a:tc>
-                <a:tc>
-                  <a:tcPr marL="91440" marR="91440">
-                    <a:lnL w="12240">
-                      <a:solidFill>
-                        <a:srgbClr val="ffffff"/>
-                      </a:solidFill>
-                    </a:lnL>
-                    <a:lnR w="12240">
-                      <a:solidFill>
-                        <a:srgbClr val="ffffff"/>
-                      </a:solidFill>
-                    </a:lnR>
-                    <a:lnT w="12240">
-                      <a:solidFill>
-                        <a:srgbClr val="ffffff"/>
-                      </a:solidFill>
-                    </a:lnT>
-                    <a:lnB w="12240">
-                      <a:solidFill>
-                        <a:srgbClr val="ffffff"/>
-                      </a:solidFill>
-                    </a:lnB>
-                    <a:solidFill>
-                      <a:srgbClr val="e7eaf4"/>
-                    </a:solidFill>
-                  </a:tcPr>
-                </a:tc>
-                <a:tc>
-                  <a:tcPr marL="91440" marR="91440">
-                    <a:lnL w="12240">
-                      <a:solidFill>
-                        <a:srgbClr val="ffffff"/>
-                      </a:solidFill>
-                    </a:lnL>
-                    <a:lnR w="12240">
-                      <a:solidFill>
-                        <a:srgbClr val="ffffff"/>
-                      </a:solidFill>
-                    </a:lnR>
-                    <a:lnT w="12240">
-                      <a:solidFill>
-                        <a:srgbClr val="ffffff"/>
-                      </a:solidFill>
-                    </a:lnT>
-                    <a:lnB w="12240">
-                      <a:solidFill>
-                        <a:srgbClr val="ffffff"/>
-                      </a:solidFill>
-                    </a:lnB>
-                    <a:solidFill>
-                      <a:srgbClr val="e7eaf4"/>
-                    </a:solidFill>
-                  </a:tcPr>
-                </a:tc>
-                <a:tc>
-                  <a:tcPr marL="91440" marR="91440">
-                    <a:lnL w="12240">
-                      <a:solidFill>
-                        <a:srgbClr val="ffffff"/>
-                      </a:solidFill>
-                    </a:lnL>
-                    <a:lnR w="12240">
-                      <a:solidFill>
-                        <a:srgbClr val="ffffff"/>
-                      </a:solidFill>
-                    </a:lnR>
-                    <a:lnT w="12240">
-                      <a:solidFill>
-                        <a:srgbClr val="ffffff"/>
-                      </a:solidFill>
-                    </a:lnT>
-                    <a:lnB w="12240">
-                      <a:solidFill>
-                        <a:srgbClr val="ffffff"/>
-                      </a:solidFill>
-                    </a:lnB>
-                    <a:solidFill>
-                      <a:srgbClr val="e7eaf4"/>
-                    </a:solidFill>
-                  </a:tcPr>
-                </a:tc>
-                <a:tc>
-                  <a:tcPr marL="91440" marR="91440">
-                    <a:lnL w="12240">
-                      <a:solidFill>
-                        <a:srgbClr val="ffffff"/>
-                      </a:solidFill>
-                    </a:lnL>
-                    <a:lnR w="12240">
-                      <a:solidFill>
-                        <a:srgbClr val="ffffff"/>
-                      </a:solidFill>
-                    </a:lnR>
-                    <a:lnT w="12240">
-                      <a:solidFill>
-                        <a:srgbClr val="ffffff"/>
-                      </a:solidFill>
-                    </a:lnT>
-                    <a:lnB w="12240">
-                      <a:solidFill>
-                        <a:srgbClr val="ffffff"/>
-                      </a:solidFill>
-                    </a:lnB>
-                    <a:solidFill>
-                      <a:srgbClr val="e7eaf4"/>
-                    </a:solidFill>
-                  </a:tcPr>
-                </a:tc>
-              </a:tr>
-              <a:tr h="347760">
-                <a:tc>
-                  <a:txBody>
-                    <a:bodyPr/>
-                    <a:p>
-                      <a:pPr>
-                        <a:lnSpc>
-                          <a:spcPct val="100000"/>
-                        </a:lnSpc>
-                      </a:pPr>
-                      <a:r>
-                        <a:rPr b="0" lang="en-US" sz="1800" spc="-1" strike="noStrike">
-                          <a:solidFill>
-                            <a:srgbClr val="000000"/>
-                          </a:solidFill>
-                          <a:latin typeface="Arial"/>
-                          <a:ea typeface="DejaVu Sans"/>
-                        </a:rPr>
-                        <a:t>1414</a:t>
-                      </a:r>
-                      <a:endParaRPr b="0" lang="en-US" sz="1800" spc="-1" strike="noStrike">
-                        <a:latin typeface="Arial"/>
-                      </a:endParaRPr>
-                    </a:p>
-                  </a:txBody>
-                  <a:tcPr marL="91440" marR="91440">
-                    <a:lnL w="12240">
-                      <a:solidFill>
-                        <a:srgbClr val="ffffff"/>
-                      </a:solidFill>
-                    </a:lnL>
-                    <a:lnR w="12240">
-                      <a:solidFill>
-                        <a:srgbClr val="ffffff"/>
-                      </a:solidFill>
-                    </a:lnR>
-                    <a:lnT w="12240">
-                      <a:solidFill>
-                        <a:srgbClr val="ffffff"/>
-                      </a:solidFill>
-                    </a:lnT>
-                    <a:lnB w="12240">
-                      <a:solidFill>
-                        <a:srgbClr val="ffffff"/>
-                      </a:solidFill>
-                    </a:lnB>
-                    <a:solidFill>
-                      <a:srgbClr val="ccd3e8"/>
-                    </a:solidFill>
-                  </a:tcPr>
-                </a:tc>
-                <a:tc>
-                  <a:txBody>
-                    <a:bodyPr/>
-                    <a:p>
-                      <a:pPr>
-                        <a:lnSpc>
-                          <a:spcPct val="100000"/>
-                        </a:lnSpc>
-                      </a:pPr>
-                      <a:r>
-                        <a:rPr b="0" lang="en-US" sz="1800" spc="-1" strike="noStrike">
-                          <a:solidFill>
-                            <a:srgbClr val="000000"/>
-                          </a:solidFill>
-                          <a:latin typeface="Arial"/>
-                          <a:ea typeface="DejaVu Sans"/>
-                        </a:rPr>
-                        <a:t>093.42</a:t>
-                      </a:r>
-                      <a:endParaRPr b="0" lang="en-US" sz="1800" spc="-1" strike="noStrike">
-                        <a:latin typeface="Arial"/>
-                      </a:endParaRPr>
-                    </a:p>
-                  </a:txBody>
-                  <a:tcPr marL="91440" marR="91440">
-                    <a:lnL w="12240">
-                      <a:solidFill>
-                        <a:srgbClr val="ffffff"/>
-                      </a:solidFill>
-                    </a:lnL>
-                    <a:lnR w="12240">
-                      <a:solidFill>
-                        <a:srgbClr val="ffffff"/>
-                      </a:solidFill>
-                    </a:lnR>
-                    <a:lnT w="12240">
-                      <a:solidFill>
-                        <a:srgbClr val="ffffff"/>
-                      </a:solidFill>
-                    </a:lnT>
-                    <a:lnB w="12240">
-                      <a:solidFill>
-                        <a:srgbClr val="ffffff"/>
-                      </a:solidFill>
-                    </a:lnB>
-                    <a:solidFill>
-                      <a:srgbClr val="ccd3e8"/>
-                    </a:solidFill>
-                  </a:tcPr>
-                </a:tc>
-                <a:tc>
-                  <a:txBody>
-                    <a:bodyPr/>
-                    <a:p>
-                      <a:pPr>
-                        <a:lnSpc>
-                          <a:spcPct val="100000"/>
-                        </a:lnSpc>
-                      </a:pPr>
-                      <a:r>
-                        <a:rPr b="0" lang="en-US" sz="1800" spc="-1" strike="noStrike">
-                          <a:solidFill>
-                            <a:srgbClr val="000000"/>
-                          </a:solidFill>
-                          <a:latin typeface="Arial"/>
-                          <a:ea typeface="DejaVu Sans"/>
-                        </a:rPr>
-                        <a:t>154.34</a:t>
-                      </a:r>
-                      <a:endParaRPr b="0" lang="en-US" sz="1800" spc="-1" strike="noStrike">
-                        <a:latin typeface="Arial"/>
-                      </a:endParaRPr>
-                    </a:p>
-                  </a:txBody>
-                  <a:tcPr marL="91440" marR="91440">
-                    <a:lnL w="12240">
-                      <a:solidFill>
-                        <a:srgbClr val="ffffff"/>
-                      </a:solidFill>
-                    </a:lnL>
-                    <a:lnR w="12240">
-                      <a:solidFill>
-                        <a:srgbClr val="ffffff"/>
-                      </a:solidFill>
-                    </a:lnR>
-                    <a:lnT w="12240">
-                      <a:solidFill>
-                        <a:srgbClr val="ffffff"/>
-                      </a:solidFill>
-                    </a:lnT>
-                    <a:lnB w="12240">
-                      <a:solidFill>
-                        <a:srgbClr val="ffffff"/>
-                      </a:solidFill>
-                    </a:lnB>
-                    <a:solidFill>
-                      <a:srgbClr val="ccd3e8"/>
-                    </a:solidFill>
-                  </a:tcPr>
-                </a:tc>
-                <a:tc>
-                  <a:txBody>
-                    <a:bodyPr/>
-                    <a:p>
-                      <a:pPr>
-                        <a:lnSpc>
-                          <a:spcPct val="100000"/>
-                        </a:lnSpc>
-                      </a:pPr>
-                      <a:r>
-                        <a:rPr b="0" lang="en-US" sz="1800" spc="-1" strike="noStrike">
-                          <a:solidFill>
-                            <a:srgbClr val="000000"/>
-                          </a:solidFill>
-                          <a:latin typeface="Arial"/>
-                          <a:ea typeface="DejaVu Sans"/>
-                        </a:rPr>
-                        <a:t>080.54</a:t>
-                      </a:r>
-                      <a:endParaRPr b="0" lang="en-US" sz="1800" spc="-1" strike="noStrike">
-                        <a:latin typeface="Arial"/>
-                      </a:endParaRPr>
-                    </a:p>
-                  </a:txBody>
-                  <a:tcPr marL="91440" marR="91440">
-                    <a:lnL w="12240">
-                      <a:solidFill>
-                        <a:srgbClr val="ffffff"/>
-                      </a:solidFill>
-                    </a:lnL>
-                    <a:lnR w="12240">
-                      <a:solidFill>
-                        <a:srgbClr val="ffffff"/>
-                      </a:solidFill>
-                    </a:lnR>
-                    <a:lnT w="12240">
-                      <a:solidFill>
-                        <a:srgbClr val="ffffff"/>
-                      </a:solidFill>
-                    </a:lnT>
-                    <a:lnB w="12240">
-                      <a:solidFill>
-                        <a:srgbClr val="ffffff"/>
-                      </a:solidFill>
-                    </a:lnB>
-                    <a:solidFill>
-                      <a:srgbClr val="ccd3e8"/>
-                    </a:solidFill>
-                  </a:tcPr>
-                </a:tc>
-                <a:tc>
-                  <a:tcPr marL="91440" marR="91440">
-                    <a:lnL w="12240">
-                      <a:solidFill>
-                        <a:srgbClr val="ffffff"/>
-                      </a:solidFill>
-                    </a:lnL>
-                    <a:lnR w="12240">
-                      <a:solidFill>
-                        <a:srgbClr val="ffffff"/>
-                      </a:solidFill>
-                    </a:lnR>
-                    <a:lnT w="12240">
-                      <a:solidFill>
-                        <a:srgbClr val="ffffff"/>
-                      </a:solidFill>
-                    </a:lnT>
-                    <a:lnB w="12240">
-                      <a:solidFill>
-                        <a:srgbClr val="ffffff"/>
-                      </a:solidFill>
-                    </a:lnB>
-                    <a:solidFill>
-                      <a:srgbClr val="ccd3e8"/>
-                    </a:solidFill>
-                  </a:tcPr>
-                </a:tc>
-                <a:tc>
-                  <a:tcPr marL="91440" marR="91440">
-                    <a:lnL w="12240">
-                      <a:solidFill>
-                        <a:srgbClr val="ffffff"/>
-                      </a:solidFill>
-                    </a:lnL>
-                    <a:lnR w="12240">
-                      <a:solidFill>
-                        <a:srgbClr val="ffffff"/>
-                      </a:solidFill>
-                    </a:lnR>
-                    <a:lnT w="12240">
-                      <a:solidFill>
-                        <a:srgbClr val="ffffff"/>
-                      </a:solidFill>
-                    </a:lnT>
-                    <a:lnB w="12240">
-                      <a:solidFill>
-                        <a:srgbClr val="ffffff"/>
-                      </a:solidFill>
-                    </a:lnB>
-                    <a:solidFill>
-                      <a:srgbClr val="ccd3e8"/>
-                    </a:solidFill>
-                  </a:tcPr>
-                </a:tc>
-                <a:tc>
-                  <a:tcPr marL="91440" marR="91440">
-                    <a:lnL w="12240">
-                      <a:solidFill>
-                        <a:srgbClr val="ffffff"/>
-                      </a:solidFill>
-                    </a:lnL>
-                    <a:lnR w="12240">
-                      <a:solidFill>
-                        <a:srgbClr val="ffffff"/>
-                      </a:solidFill>
-                    </a:lnR>
-                    <a:lnT w="12240">
-                      <a:solidFill>
-                        <a:srgbClr val="ffffff"/>
-                      </a:solidFill>
-                    </a:lnT>
-                    <a:lnB w="12240">
-                      <a:solidFill>
-                        <a:srgbClr val="ffffff"/>
-                      </a:solidFill>
-                    </a:lnB>
-                    <a:solidFill>
-                      <a:srgbClr val="ccd3e8"/>
-                    </a:solidFill>
-                  </a:tcPr>
-                </a:tc>
-                <a:tc>
-                  <a:tcPr marL="91440" marR="91440">
-                    <a:lnL w="12240">
-                      <a:solidFill>
-                        <a:srgbClr val="ffffff"/>
-                      </a:solidFill>
-                    </a:lnL>
-                    <a:lnR w="12240">
-                      <a:solidFill>
-                        <a:srgbClr val="ffffff"/>
-                      </a:solidFill>
-                    </a:lnR>
-                    <a:lnT w="12240">
-                      <a:solidFill>
-                        <a:srgbClr val="ffffff"/>
-                      </a:solidFill>
-                    </a:lnT>
-                    <a:lnB w="12240">
-                      <a:solidFill>
-                        <a:srgbClr val="ffffff"/>
-                      </a:solidFill>
-                    </a:lnB>
-                    <a:solidFill>
-                      <a:srgbClr val="ccd3e8"/>
-                    </a:solidFill>
-                  </a:tcPr>
-                </a:tc>
-                <a:tc>
-                  <a:tcPr marL="91440" marR="91440">
-                    <a:lnL w="12240">
-                      <a:solidFill>
-                        <a:srgbClr val="ffffff"/>
-                      </a:solidFill>
-                    </a:lnL>
-                    <a:lnR w="12240">
-                      <a:solidFill>
-                        <a:srgbClr val="ffffff"/>
-                      </a:solidFill>
-                    </a:lnR>
-                    <a:lnT w="12240">
-                      <a:solidFill>
-                        <a:srgbClr val="ffffff"/>
-                      </a:solidFill>
-                    </a:lnT>
-                    <a:lnB w="12240">
-                      <a:solidFill>
-                        <a:srgbClr val="ffffff"/>
-                      </a:solidFill>
-                    </a:lnB>
-                    <a:solidFill>
-                      <a:srgbClr val="ccd3e8"/>
-                    </a:solidFill>
-                  </a:tcPr>
-                </a:tc>
-              </a:tr>
-              <a:tr h="347760">
-                <a:tc>
-                  <a:txBody>
-                    <a:bodyPr/>
-                    <a:p>
-                      <a:pPr>
-                        <a:lnSpc>
-                          <a:spcPct val="100000"/>
-                        </a:lnSpc>
-                      </a:pPr>
-                      <a:r>
-                        <a:rPr b="0" lang="en-US" sz="1800" spc="-1" strike="noStrike">
-                          <a:solidFill>
-                            <a:srgbClr val="000000"/>
-                          </a:solidFill>
-                          <a:latin typeface="Arial"/>
-                          <a:ea typeface="DejaVu Sans"/>
-                        </a:rPr>
-                        <a:t>2000</a:t>
-                      </a:r>
-                      <a:endParaRPr b="0" lang="en-US" sz="1800" spc="-1" strike="noStrike">
-                        <a:latin typeface="Arial"/>
-                      </a:endParaRPr>
-                    </a:p>
-                  </a:txBody>
-                  <a:tcPr marL="91440" marR="91440">
-                    <a:lnL w="12240">
-                      <a:solidFill>
-                        <a:srgbClr val="ffffff"/>
-                      </a:solidFill>
-                    </a:lnL>
-                    <a:lnR w="12240">
-                      <a:solidFill>
-                        <a:srgbClr val="ffffff"/>
-                      </a:solidFill>
-                    </a:lnR>
-                    <a:lnT w="12240">
-                      <a:solidFill>
-                        <a:srgbClr val="ffffff"/>
-                      </a:solidFill>
-                    </a:lnT>
-                    <a:lnB w="12240">
-                      <a:solidFill>
-                        <a:srgbClr val="ffffff"/>
-                      </a:solidFill>
-                    </a:lnB>
-                    <a:solidFill>
-                      <a:srgbClr val="e7eaf4"/>
-                    </a:solidFill>
-                  </a:tcPr>
-                </a:tc>
-                <a:tc>
-                  <a:txBody>
-                    <a:bodyPr/>
-                    <a:p>
-                      <a:pPr>
-                        <a:lnSpc>
-                          <a:spcPct val="100000"/>
-                        </a:lnSpc>
-                      </a:pPr>
-                      <a:r>
-                        <a:rPr b="0" lang="en-US" sz="1800" spc="-1" strike="noStrike">
-                          <a:solidFill>
-                            <a:srgbClr val="000000"/>
-                          </a:solidFill>
-                          <a:latin typeface="Arial"/>
-                          <a:ea typeface="DejaVu Sans"/>
-                        </a:rPr>
-                        <a:t>183.14</a:t>
-                      </a:r>
-                      <a:endParaRPr b="0" lang="en-US" sz="1800" spc="-1" strike="noStrike">
-                        <a:latin typeface="Arial"/>
-                      </a:endParaRPr>
-                    </a:p>
-                  </a:txBody>
-                  <a:tcPr marL="91440" marR="91440">
-                    <a:lnL w="12240">
-                      <a:solidFill>
-                        <a:srgbClr val="ffffff"/>
-                      </a:solidFill>
-                    </a:lnL>
-                    <a:lnR w="12240">
-                      <a:solidFill>
-                        <a:srgbClr val="ffffff"/>
-                      </a:solidFill>
-                    </a:lnR>
-                    <a:lnT w="12240">
-                      <a:solidFill>
-                        <a:srgbClr val="ffffff"/>
-                      </a:solidFill>
-                    </a:lnT>
-                    <a:lnB w="12240">
-                      <a:solidFill>
-                        <a:srgbClr val="ffffff"/>
-                      </a:solidFill>
-                    </a:lnB>
-                    <a:solidFill>
-                      <a:srgbClr val="e7eaf4"/>
-                    </a:solidFill>
-                  </a:tcPr>
-                </a:tc>
-                <a:tc>
-                  <a:txBody>
-                    <a:bodyPr/>
-                    <a:p>
-                      <a:pPr>
-                        <a:lnSpc>
-                          <a:spcPct val="100000"/>
-                        </a:lnSpc>
-                      </a:pPr>
-                      <a:r>
-                        <a:rPr b="0" lang="en-US" sz="1800" spc="-1" strike="noStrike">
-                          <a:solidFill>
-                            <a:srgbClr val="000000"/>
-                          </a:solidFill>
-                          <a:latin typeface="Arial"/>
-                          <a:ea typeface="DejaVu Sans"/>
-                        </a:rPr>
-                        <a:t>304.14</a:t>
-                      </a:r>
-                      <a:endParaRPr b="0" lang="en-US" sz="1800" spc="-1" strike="noStrike">
-                        <a:latin typeface="Arial"/>
-                      </a:endParaRPr>
-                    </a:p>
-                  </a:txBody>
-                  <a:tcPr marL="91440" marR="91440">
-                    <a:lnL w="12240">
-                      <a:solidFill>
-                        <a:srgbClr val="ffffff"/>
-                      </a:solidFill>
-                    </a:lnL>
-                    <a:lnR w="12240">
-                      <a:solidFill>
-                        <a:srgbClr val="ffffff"/>
-                      </a:solidFill>
-                    </a:lnR>
-                    <a:lnT w="12240">
-                      <a:solidFill>
-                        <a:srgbClr val="ffffff"/>
-                      </a:solidFill>
-                    </a:lnT>
-                    <a:lnB w="12240">
-                      <a:solidFill>
-                        <a:srgbClr val="ffffff"/>
-                      </a:solidFill>
-                    </a:lnB>
-                    <a:solidFill>
-                      <a:srgbClr val="e7eaf4"/>
-                    </a:solidFill>
-                  </a:tcPr>
-                </a:tc>
-                <a:tc>
-                  <a:txBody>
-                    <a:bodyPr/>
-                    <a:p>
-                      <a:pPr>
-                        <a:lnSpc>
-                          <a:spcPct val="100000"/>
-                        </a:lnSpc>
-                      </a:pPr>
-                      <a:r>
-                        <a:rPr b="0" lang="en-US" sz="1800" spc="-1" strike="noStrike">
-                          <a:solidFill>
-                            <a:srgbClr val="000000"/>
-                          </a:solidFill>
-                          <a:latin typeface="Arial"/>
-                          <a:ea typeface="DejaVu Sans"/>
-                        </a:rPr>
-                        <a:t>142.04</a:t>
-                      </a:r>
-                      <a:endParaRPr b="0" lang="en-US" sz="1800" spc="-1" strike="noStrike">
-                        <a:latin typeface="Arial"/>
-                      </a:endParaRPr>
-                    </a:p>
-                  </a:txBody>
-                  <a:tcPr marL="91440" marR="91440">
-                    <a:lnL w="12240">
-                      <a:solidFill>
-                        <a:srgbClr val="ffffff"/>
-                      </a:solidFill>
-                    </a:lnL>
-                    <a:lnR w="12240">
-                      <a:solidFill>
-                        <a:srgbClr val="ffffff"/>
-                      </a:solidFill>
-                    </a:lnR>
-                    <a:lnT w="12240">
-                      <a:solidFill>
-                        <a:srgbClr val="ffffff"/>
-                      </a:solidFill>
-                    </a:lnT>
-                    <a:lnB w="12240">
-                      <a:solidFill>
-                        <a:srgbClr val="ffffff"/>
-                      </a:solidFill>
-                    </a:lnB>
-                    <a:solidFill>
-                      <a:srgbClr val="e7eaf4"/>
-                    </a:solidFill>
-                  </a:tcPr>
-                </a:tc>
-                <a:tc>
-                  <a:tcPr marL="91440" marR="91440">
-                    <a:lnL w="12240">
-                      <a:solidFill>
-                        <a:srgbClr val="ffffff"/>
-                      </a:solidFill>
-                    </a:lnL>
-                    <a:lnR w="12240">
-                      <a:solidFill>
-                        <a:srgbClr val="ffffff"/>
-                      </a:solidFill>
-                    </a:lnR>
-                    <a:lnT w="12240">
-                      <a:solidFill>
-                        <a:srgbClr val="ffffff"/>
-                      </a:solidFill>
-                    </a:lnT>
-                    <a:lnB w="12240">
-                      <a:solidFill>
-                        <a:srgbClr val="ffffff"/>
-                      </a:solidFill>
-                    </a:lnB>
-                    <a:solidFill>
-                      <a:srgbClr val="e7eaf4"/>
-                    </a:solidFill>
-                  </a:tcPr>
-                </a:tc>
-                <a:tc>
-                  <a:tcPr marL="91440" marR="91440">
-                    <a:lnL w="12240">
-                      <a:solidFill>
-                        <a:srgbClr val="ffffff"/>
-                      </a:solidFill>
-                    </a:lnL>
-                    <a:lnR w="12240">
-                      <a:solidFill>
-                        <a:srgbClr val="ffffff"/>
-                      </a:solidFill>
-                    </a:lnR>
-                    <a:lnT w="12240">
-                      <a:solidFill>
-                        <a:srgbClr val="ffffff"/>
-                      </a:solidFill>
-                    </a:lnT>
-                    <a:lnB w="12240">
-                      <a:solidFill>
-                        <a:srgbClr val="ffffff"/>
-                      </a:solidFill>
-                    </a:lnB>
-                    <a:solidFill>
-                      <a:srgbClr val="e7eaf4"/>
-                    </a:solidFill>
-                  </a:tcPr>
-                </a:tc>
-                <a:tc>
-                  <a:tcPr marL="91440" marR="91440">
-                    <a:lnL w="12240">
-                      <a:solidFill>
-                        <a:srgbClr val="ffffff"/>
-                      </a:solidFill>
-                    </a:lnL>
-                    <a:lnR w="12240">
-                      <a:solidFill>
-                        <a:srgbClr val="ffffff"/>
-                      </a:solidFill>
-                    </a:lnR>
-                    <a:lnT w="12240">
-                      <a:solidFill>
-                        <a:srgbClr val="ffffff"/>
-                      </a:solidFill>
-                    </a:lnT>
-                    <a:lnB w="12240">
-                      <a:solidFill>
-                        <a:srgbClr val="ffffff"/>
-                      </a:solidFill>
-                    </a:lnB>
-                    <a:solidFill>
-                      <a:srgbClr val="e7eaf4"/>
-                    </a:solidFill>
-                  </a:tcPr>
-                </a:tc>
-                <a:tc>
-                  <a:tcPr marL="91440" marR="91440">
-                    <a:lnL w="12240">
-                      <a:solidFill>
-                        <a:srgbClr val="ffffff"/>
-                      </a:solidFill>
-                    </a:lnL>
-                    <a:lnR w="12240">
-                      <a:solidFill>
-                        <a:srgbClr val="ffffff"/>
-                      </a:solidFill>
-                    </a:lnR>
-                    <a:lnT w="12240">
-                      <a:solidFill>
-                        <a:srgbClr val="ffffff"/>
-                      </a:solidFill>
-                    </a:lnT>
-                    <a:lnB w="12240">
-                      <a:solidFill>
-                        <a:srgbClr val="ffffff"/>
-                      </a:solidFill>
-                    </a:lnB>
-                    <a:solidFill>
-                      <a:srgbClr val="e7eaf4"/>
-                    </a:solidFill>
-                  </a:tcPr>
-                </a:tc>
-                <a:tc>
-                  <a:tcPr marL="91440" marR="91440">
-                    <a:lnL w="12240">
-                      <a:solidFill>
-                        <a:srgbClr val="ffffff"/>
-                      </a:solidFill>
-                    </a:lnL>
-                    <a:lnR w="12240">
-                      <a:solidFill>
-                        <a:srgbClr val="ffffff"/>
-                      </a:solidFill>
-                    </a:lnR>
-                    <a:lnT w="12240">
-                      <a:solidFill>
-                        <a:srgbClr val="ffffff"/>
-                      </a:solidFill>
-                    </a:lnT>
-                    <a:lnB w="12240">
-                      <a:solidFill>
-                        <a:srgbClr val="ffffff"/>
-                      </a:solidFill>
-                    </a:lnB>
-                    <a:solidFill>
-                      <a:srgbClr val="e7eaf4"/>
-                    </a:solidFill>
-                  </a:tcPr>
-                </a:tc>
-              </a:tr>
-              <a:tr h="347760">
-                <a:tc>
-                  <a:txBody>
-                    <a:bodyPr/>
-                    <a:p>
-                      <a:pPr>
-                        <a:lnSpc>
-                          <a:spcPct val="100000"/>
-                        </a:lnSpc>
-                      </a:pPr>
-                      <a:r>
-                        <a:rPr b="0" lang="en-US" sz="1800" spc="-1" strike="noStrike">
-                          <a:solidFill>
-                            <a:srgbClr val="000000"/>
-                          </a:solidFill>
-                          <a:latin typeface="Arial"/>
-                          <a:ea typeface="DejaVu Sans"/>
-                        </a:rPr>
-                        <a:t>2828</a:t>
-                      </a:r>
-                      <a:endParaRPr b="0" lang="en-US" sz="1800" spc="-1" strike="noStrike">
-                        <a:latin typeface="Arial"/>
-                      </a:endParaRPr>
-                    </a:p>
-                  </a:txBody>
-                  <a:tcPr marL="91440" marR="91440">
-                    <a:lnL w="12240">
-                      <a:solidFill>
-                        <a:srgbClr val="ffffff"/>
-                      </a:solidFill>
-                    </a:lnL>
-                    <a:lnR w="12240">
-                      <a:solidFill>
-                        <a:srgbClr val="ffffff"/>
-                      </a:solidFill>
-                    </a:lnR>
-                    <a:lnT w="12240">
-                      <a:solidFill>
-                        <a:srgbClr val="ffffff"/>
-                      </a:solidFill>
-                    </a:lnT>
-                    <a:lnB w="12240">
-                      <a:solidFill>
-                        <a:srgbClr val="ffffff"/>
-                      </a:solidFill>
-                    </a:lnB>
-                    <a:solidFill>
-                      <a:srgbClr val="ccd3e8"/>
-                    </a:solidFill>
-                  </a:tcPr>
-                </a:tc>
-                <a:tc>
-                  <a:txBody>
-                    <a:bodyPr/>
-                    <a:p>
-                      <a:pPr>
-                        <a:lnSpc>
-                          <a:spcPct val="100000"/>
-                        </a:lnSpc>
-                      </a:pPr>
-                      <a:r>
-                        <a:rPr b="0" lang="en-US" sz="1800" spc="-1" strike="noStrike">
-                          <a:solidFill>
-                            <a:srgbClr val="000000"/>
-                          </a:solidFill>
-                          <a:latin typeface="Arial"/>
-                          <a:ea typeface="DejaVu Sans"/>
-                        </a:rPr>
-                        <a:t>338.93</a:t>
-                      </a:r>
-                      <a:endParaRPr b="0" lang="en-US" sz="1800" spc="-1" strike="noStrike">
-                        <a:latin typeface="Arial"/>
-                      </a:endParaRPr>
-                    </a:p>
-                  </a:txBody>
-                  <a:tcPr marL="91440" marR="91440">
-                    <a:lnL w="12240">
-                      <a:solidFill>
-                        <a:srgbClr val="ffffff"/>
-                      </a:solidFill>
-                    </a:lnL>
-                    <a:lnR w="12240">
-                      <a:solidFill>
-                        <a:srgbClr val="ffffff"/>
-                      </a:solidFill>
-                    </a:lnR>
-                    <a:lnT w="12240">
-                      <a:solidFill>
-                        <a:srgbClr val="ffffff"/>
-                      </a:solidFill>
-                    </a:lnT>
-                    <a:lnB w="12240">
-                      <a:solidFill>
-                        <a:srgbClr val="ffffff"/>
-                      </a:solidFill>
-                    </a:lnB>
-                    <a:solidFill>
-                      <a:srgbClr val="ccd3e8"/>
-                    </a:solidFill>
-                  </a:tcPr>
-                </a:tc>
-                <a:tc>
-                  <a:txBody>
-                    <a:bodyPr/>
-                    <a:p>
-                      <a:pPr>
-                        <a:lnSpc>
-                          <a:spcPct val="100000"/>
-                        </a:lnSpc>
-                      </a:pPr>
-                      <a:r>
-                        <a:rPr b="0" lang="en-US" sz="1800" spc="-1" strike="noStrike">
-                          <a:solidFill>
-                            <a:srgbClr val="000000"/>
-                          </a:solidFill>
-                          <a:latin typeface="Arial"/>
-                          <a:ea typeface="DejaVu Sans"/>
-                        </a:rPr>
-                        <a:t>545.72</a:t>
-                      </a:r>
-                      <a:endParaRPr b="0" lang="en-US" sz="1800" spc="-1" strike="noStrike">
-                        <a:latin typeface="Arial"/>
-                      </a:endParaRPr>
-                    </a:p>
-                  </a:txBody>
-                  <a:tcPr marL="91440" marR="91440">
-                    <a:lnL w="12240">
-                      <a:solidFill>
-                        <a:srgbClr val="ffffff"/>
-                      </a:solidFill>
-                    </a:lnL>
-                    <a:lnR w="12240">
-                      <a:solidFill>
-                        <a:srgbClr val="ffffff"/>
-                      </a:solidFill>
-                    </a:lnR>
-                    <a:lnT w="12240">
-                      <a:solidFill>
-                        <a:srgbClr val="ffffff"/>
-                      </a:solidFill>
-                    </a:lnT>
-                    <a:lnB w="12240">
-                      <a:solidFill>
-                        <a:srgbClr val="ffffff"/>
-                      </a:solidFill>
-                    </a:lnB>
-                    <a:solidFill>
-                      <a:srgbClr val="ccd3e8"/>
-                    </a:solidFill>
-                  </a:tcPr>
-                </a:tc>
-                <a:tc>
-                  <a:txBody>
-                    <a:bodyPr/>
-                    <a:p>
-                      <a:pPr>
-                        <a:lnSpc>
-                          <a:spcPct val="100000"/>
-                        </a:lnSpc>
-                      </a:pPr>
-                      <a:r>
-                        <a:rPr b="0" lang="en-US" sz="1800" spc="-1" strike="noStrike">
-                          <a:solidFill>
-                            <a:srgbClr val="000000"/>
-                          </a:solidFill>
-                          <a:latin typeface="Arial"/>
-                          <a:ea typeface="DejaVu Sans"/>
-                        </a:rPr>
-                        <a:t>262.74</a:t>
-                      </a:r>
-                      <a:endParaRPr b="0" lang="en-US" sz="1800" spc="-1" strike="noStrike">
-                        <a:latin typeface="Arial"/>
-                      </a:endParaRPr>
-                    </a:p>
-                  </a:txBody>
-                  <a:tcPr marL="91440" marR="91440">
-                    <a:lnL w="12240">
-                      <a:solidFill>
-                        <a:srgbClr val="ffffff"/>
-                      </a:solidFill>
-                    </a:lnL>
-                    <a:lnR w="12240">
-                      <a:solidFill>
-                        <a:srgbClr val="ffffff"/>
-                      </a:solidFill>
-                    </a:lnR>
-                    <a:lnT w="12240">
-                      <a:solidFill>
-                        <a:srgbClr val="ffffff"/>
-                      </a:solidFill>
-                    </a:lnT>
-                    <a:lnB w="12240">
-                      <a:solidFill>
-                        <a:srgbClr val="ffffff"/>
-                      </a:solidFill>
-                    </a:lnB>
-                    <a:solidFill>
-                      <a:srgbClr val="ccd3e8"/>
-                    </a:solidFill>
-                  </a:tcPr>
-                </a:tc>
-                <a:tc>
-                  <a:tcPr marL="91440" marR="91440">
-                    <a:lnL w="12240">
-                      <a:solidFill>
-                        <a:srgbClr val="ffffff"/>
-                      </a:solidFill>
-                    </a:lnL>
-                    <a:lnR w="12240">
-                      <a:solidFill>
-                        <a:srgbClr val="ffffff"/>
-                      </a:solidFill>
-                    </a:lnR>
-                    <a:lnT w="12240">
-                      <a:solidFill>
-                        <a:srgbClr val="ffffff"/>
-                      </a:solidFill>
-                    </a:lnT>
-                    <a:lnB w="12240">
-                      <a:solidFill>
-                        <a:srgbClr val="ffffff"/>
-                      </a:solidFill>
-                    </a:lnB>
-                    <a:solidFill>
-                      <a:srgbClr val="ccd3e8"/>
-                    </a:solidFill>
-                  </a:tcPr>
-                </a:tc>
-                <a:tc>
-                  <a:tcPr marL="91440" marR="91440">
-                    <a:lnL w="12240">
-                      <a:solidFill>
-                        <a:srgbClr val="ffffff"/>
-                      </a:solidFill>
-                    </a:lnL>
-                    <a:lnR w="12240">
-                      <a:solidFill>
-                        <a:srgbClr val="ffffff"/>
-                      </a:solidFill>
-                    </a:lnR>
-                    <a:lnT w="12240">
-                      <a:solidFill>
-                        <a:srgbClr val="ffffff"/>
-                      </a:solidFill>
-                    </a:lnT>
-                    <a:lnB w="12240">
-                      <a:solidFill>
-                        <a:srgbClr val="ffffff"/>
-                      </a:solidFill>
-                    </a:lnB>
-                    <a:solidFill>
-                      <a:srgbClr val="ccd3e8"/>
-                    </a:solidFill>
-                  </a:tcPr>
-                </a:tc>
-                <a:tc>
-                  <a:tcPr marL="91440" marR="91440">
-                    <a:lnL w="12240">
-                      <a:solidFill>
-                        <a:srgbClr val="ffffff"/>
-                      </a:solidFill>
-                    </a:lnL>
-                    <a:lnR w="12240">
-                      <a:solidFill>
-                        <a:srgbClr val="ffffff"/>
-                      </a:solidFill>
-                    </a:lnR>
-                    <a:lnT w="12240">
-                      <a:solidFill>
-                        <a:srgbClr val="ffffff"/>
-                      </a:solidFill>
-                    </a:lnT>
-                    <a:lnB w="12240">
-                      <a:solidFill>
-                        <a:srgbClr val="ffffff"/>
-                      </a:solidFill>
-                    </a:lnB>
-                    <a:solidFill>
-                      <a:srgbClr val="ccd3e8"/>
-                    </a:solidFill>
-                  </a:tcPr>
-                </a:tc>
-                <a:tc>
-                  <a:tcPr marL="91440" marR="91440">
-                    <a:lnL w="12240">
-                      <a:solidFill>
-                        <a:srgbClr val="ffffff"/>
-                      </a:solidFill>
-                    </a:lnL>
-                    <a:lnR w="12240">
-                      <a:solidFill>
-                        <a:srgbClr val="ffffff"/>
-                      </a:solidFill>
-                    </a:lnR>
-                    <a:lnT w="12240">
-                      <a:solidFill>
-                        <a:srgbClr val="ffffff"/>
-                      </a:solidFill>
-                    </a:lnT>
-                    <a:lnB w="12240">
-                      <a:solidFill>
-                        <a:srgbClr val="ffffff"/>
-                      </a:solidFill>
-                    </a:lnB>
-                    <a:solidFill>
-                      <a:srgbClr val="ccd3e8"/>
-                    </a:solidFill>
-                  </a:tcPr>
-                </a:tc>
-                <a:tc>
                   <a:tcPr marL="91440" marR="91440">
                     <a:lnL w="12240">
                       <a:solidFill>
@@ -7285,23 +7318,23 @@
           <p:nvPr/>
         </p:nvGraphicFramePr>
         <p:xfrm>
-          <a:off x="22900680" y="13127760"/>
-          <a:ext cx="9091080" cy="2455920"/>
+          <a:off x="22919760" y="13452120"/>
+          <a:ext cx="9632880" cy="2933640"/>
         </p:xfrm>
         <a:graphic>
           <a:graphicData uri="http://schemas.openxmlformats.org/drawingml/2006/table">
             <a:tbl>
               <a:tblPr/>
               <a:tblGrid>
-                <a:gridCol w="1034280"/>
-                <a:gridCol w="1034280"/>
-                <a:gridCol w="1034280"/>
-                <a:gridCol w="1034280"/>
-                <a:gridCol w="1034280"/>
-                <a:gridCol w="1034280"/>
-                <a:gridCol w="1034280"/>
-                <a:gridCol w="1034280"/>
-                <a:gridCol w="816840"/>
+                <a:gridCol w="1069920"/>
+                <a:gridCol w="1069920"/>
+                <a:gridCol w="1069920"/>
+                <a:gridCol w="1069920"/>
+                <a:gridCol w="1069920"/>
+                <a:gridCol w="1069920"/>
+                <a:gridCol w="1069920"/>
+                <a:gridCol w="1069920"/>
+                <a:gridCol w="1073520"/>
               </a:tblGrid>
               <a:tr h="350640">
                 <a:tc>
@@ -7807,6 +7840,20 @@
                   </a:tcPr>
                 </a:tc>
                 <a:tc>
+                  <a:txBody>
+                    <a:bodyPr/>
+                    <a:p>
+                      <a:r>
+                        <a:rPr b="0" lang="en-US" sz="2400" spc="-1" strike="noStrike">
+                          <a:latin typeface="Times New Roman"/>
+                        </a:rPr>
+                        <a:t>8.6597</a:t>
+                      </a:r>
+                      <a:endParaRPr b="0" lang="en-US" sz="2400" spc="-1" strike="noStrike">
+                        <a:latin typeface="Times New Roman"/>
+                      </a:endParaRPr>
+                    </a:p>
+                  </a:txBody>
                   <a:tcPr marL="91440" marR="91440">
                     <a:lnL w="12240">
                       <a:solidFill>
@@ -7834,6 +7881,20 @@
                   </a:tcPr>
                 </a:tc>
                 <a:tc>
+                  <a:txBody>
+                    <a:bodyPr/>
+                    <a:p>
+                      <a:r>
+                        <a:rPr b="0" lang="en-US" sz="2400" spc="-1" strike="noStrike">
+                          <a:latin typeface="Times New Roman"/>
+                        </a:rPr>
+                        <a:t>11.469</a:t>
+                      </a:r>
+                      <a:endParaRPr b="0" lang="en-US" sz="2400" spc="-1" strike="noStrike">
+                        <a:latin typeface="Times New Roman"/>
+                      </a:endParaRPr>
+                    </a:p>
+                  </a:txBody>
                   <a:tcPr marL="91440" marR="91440">
                     <a:lnL w="12240">
                       <a:solidFill>
@@ -7861,6 +7922,20 @@
                   </a:tcPr>
                 </a:tc>
                 <a:tc>
+                  <a:txBody>
+                    <a:bodyPr/>
+                    <a:p>
+                      <a:r>
+                        <a:rPr b="0" lang="en-US" sz="2400" spc="-1" strike="noStrike">
+                          <a:latin typeface="Times New Roman"/>
+                        </a:rPr>
+                        <a:t>5.8571</a:t>
+                      </a:r>
+                      <a:endParaRPr b="0" lang="en-US" sz="2400" spc="-1" strike="noStrike">
+                        <a:latin typeface="Times New Roman"/>
+                      </a:endParaRPr>
+                    </a:p>
+                  </a:txBody>
                   <a:tcPr marL="91440" marR="91440">
                     <a:lnL w="12240">
                       <a:solidFill>
@@ -7888,6 +7963,20 @@
                   </a:tcPr>
                 </a:tc>
                 <a:tc>
+                  <a:txBody>
+                    <a:bodyPr/>
+                    <a:p>
+                      <a:r>
+                        <a:rPr b="0" lang="en-US" sz="2400" spc="-1" strike="noStrike">
+                          <a:latin typeface="Times New Roman"/>
+                        </a:rPr>
+                        <a:t>3.5034</a:t>
+                      </a:r>
+                      <a:endParaRPr b="0" lang="en-US" sz="2400" spc="-1" strike="noStrike">
+                        <a:latin typeface="Times New Roman"/>
+                      </a:endParaRPr>
+                    </a:p>
+                  </a:txBody>
                   <a:tcPr marL="91440" marR="91440">
                     <a:lnL w="12240">
                       <a:solidFill>
@@ -7915,6 +8004,20 @@
                   </a:tcPr>
                 </a:tc>
                 <a:tc>
+                  <a:txBody>
+                    <a:bodyPr/>
+                    <a:p>
+                      <a:r>
+                        <a:rPr b="0" lang="en-US" sz="2400" spc="-1" strike="noStrike">
+                          <a:latin typeface="Times New Roman"/>
+                        </a:rPr>
+                        <a:t>2.0227</a:t>
+                      </a:r>
+                      <a:endParaRPr b="0" lang="en-US" sz="2400" spc="-1" strike="noStrike">
+                        <a:latin typeface="Times New Roman"/>
+                      </a:endParaRPr>
+                    </a:p>
+                  </a:txBody>
                   <a:tcPr marL="91440" marR="91440">
                     <a:lnL w="12240">
                       <a:solidFill>
@@ -7942,6 +8045,20 @@
                   </a:tcPr>
                 </a:tc>
                 <a:tc>
+                  <a:txBody>
+                    <a:bodyPr/>
+                    <a:p>
+                      <a:r>
+                        <a:rPr b="0" lang="en-US" sz="2400" spc="-1" strike="noStrike">
+                          <a:latin typeface="Times New Roman"/>
+                        </a:rPr>
+                        <a:t>1.2410</a:t>
+                      </a:r>
+                      <a:endParaRPr b="0" lang="en-US" sz="2400" spc="-1" strike="noStrike">
+                        <a:latin typeface="Times New Roman"/>
+                      </a:endParaRPr>
+                    </a:p>
+                  </a:txBody>
                   <a:tcPr marL="91440" marR="91440">
                     <a:lnL w="12240">
                       <a:solidFill>
@@ -7969,6 +8086,20 @@
                   </a:tcPr>
                 </a:tc>
                 <a:tc>
+                  <a:txBody>
+                    <a:bodyPr/>
+                    <a:p>
+                      <a:r>
+                        <a:rPr b="0" lang="en-US" sz="2400" spc="-1" strike="noStrike">
+                          <a:latin typeface="Times New Roman"/>
+                        </a:rPr>
+                        <a:t>1.0573</a:t>
+                      </a:r>
+                      <a:endParaRPr b="0" lang="en-US" sz="2400" spc="-1" strike="noStrike">
+                        <a:latin typeface="Times New Roman"/>
+                      </a:endParaRPr>
+                    </a:p>
+                  </a:txBody>
                   <a:tcPr marL="91440" marR="91440">
                     <a:lnL w="12240">
                       <a:solidFill>
@@ -7996,6 +8127,20 @@
                   </a:tcPr>
                 </a:tc>
                 <a:tc>
+                  <a:txBody>
+                    <a:bodyPr/>
+                    <a:p>
+                      <a:r>
+                        <a:rPr b="0" lang="en-US" sz="2400" spc="-1" strike="noStrike">
+                          <a:latin typeface="Times New Roman"/>
+                        </a:rPr>
+                        <a:t>1.2641</a:t>
+                      </a:r>
+                      <a:endParaRPr b="0" lang="en-US" sz="2400" spc="-1" strike="noStrike">
+                        <a:latin typeface="Times New Roman"/>
+                      </a:endParaRPr>
+                    </a:p>
+                  </a:txBody>
                   <a:tcPr marL="91440" marR="91440">
                     <a:lnL w="12240">
                       <a:solidFill>
@@ -8075,6 +8220,20 @@
                   </a:tcPr>
                 </a:tc>
                 <a:tc>
+                  <a:txBody>
+                    <a:bodyPr/>
+                    <a:p>
+                      <a:r>
+                        <a:rPr b="0" lang="en-US" sz="2400" spc="-1" strike="noStrike">
+                          <a:latin typeface="Times New Roman"/>
+                        </a:rPr>
+                        <a:t>26.493</a:t>
+                      </a:r>
+                      <a:endParaRPr b="0" lang="en-US" sz="2400" spc="-1" strike="noStrike">
+                        <a:latin typeface="Times New Roman"/>
+                      </a:endParaRPr>
+                    </a:p>
+                  </a:txBody>
                   <a:tcPr marL="91440" marR="91440">
                     <a:lnL w="12240">
                       <a:solidFill>
@@ -8343,6 +8502,20 @@
                   </a:tcPr>
                 </a:tc>
                 <a:tc>
+                  <a:txBody>
+                    <a:bodyPr/>
+                    <a:p>
+                      <a:r>
+                        <a:rPr b="0" lang="en-US" sz="2400" spc="-1" strike="noStrike">
+                          <a:latin typeface="Times New Roman"/>
+                        </a:rPr>
+                        <a:t>93.425</a:t>
+                      </a:r>
+                      <a:endParaRPr b="0" lang="en-US" sz="2400" spc="-1" strike="noStrike">
+                        <a:latin typeface="Times New Roman"/>
+                      </a:endParaRPr>
+                    </a:p>
+                  </a:txBody>
                   <a:tcPr marL="91440" marR="91440">
                     <a:lnL w="12240">
                       <a:solidFill>
@@ -8611,6 +8784,20 @@
                   </a:tcPr>
                 </a:tc>
                 <a:tc>
+                  <a:txBody>
+                    <a:bodyPr/>
+                    <a:p>
+                      <a:r>
+                        <a:rPr b="0" lang="en-US" sz="2400" spc="-1" strike="noStrike">
+                          <a:latin typeface="Times New Roman"/>
+                        </a:rPr>
+                        <a:t>338.93</a:t>
+                      </a:r>
+                      <a:endParaRPr b="0" lang="en-US" sz="2400" spc="-1" strike="noStrike">
+                        <a:latin typeface="Times New Roman"/>
+                      </a:endParaRPr>
+                    </a:p>
+                  </a:txBody>
                   <a:tcPr marL="91440" marR="91440">
                     <a:lnL w="12240">
                       <a:solidFill>
@@ -8827,7 +9014,7 @@
                   </a:tcPr>
                 </a:tc>
               </a:tr>
-              <a:tr h="350640">
+              <a:tr h="350280">
                 <a:tc>
                   <a:txBody>
                     <a:bodyPr/>
@@ -8879,6 +9066,20 @@
                   </a:tcPr>
                 </a:tc>
                 <a:tc>
+                  <a:txBody>
+                    <a:bodyPr/>
+                    <a:p>
+                      <a:r>
+                        <a:rPr b="0" lang="en-US" sz="2400" spc="-1" strike="noStrike">
+                          <a:latin typeface="Times New Roman"/>
+                        </a:rPr>
+                        <a:t>1183.3</a:t>
+                      </a:r>
+                      <a:endParaRPr b="0" lang="en-US" sz="2400" spc="-1" strike="noStrike">
+                        <a:latin typeface="Times New Roman"/>
+                      </a:endParaRPr>
+                    </a:p>
+                  </a:txBody>
                   <a:tcPr marL="91440" marR="91440">
                     <a:lnL w="12240">
                       <a:solidFill>
@@ -8906,6 +9107,20 @@
                   </a:tcPr>
                 </a:tc>
                 <a:tc>
+                  <a:txBody>
+                    <a:bodyPr/>
+                    <a:p>
+                      <a:r>
+                        <a:rPr b="0" lang="en-US" sz="2400" spc="-1" strike="noStrike">
+                          <a:latin typeface="Times New Roman"/>
+                        </a:rPr>
+                        <a:t>1920.1</a:t>
+                      </a:r>
+                      <a:endParaRPr b="0" lang="en-US" sz="2400" spc="-1" strike="noStrike">
+                        <a:latin typeface="Times New Roman"/>
+                      </a:endParaRPr>
+                    </a:p>
+                  </a:txBody>
                   <a:tcPr marL="91440" marR="91440">
                     <a:lnL w="12240">
                       <a:solidFill>
@@ -8933,6 +9148,20 @@
                   </a:tcPr>
                 </a:tc>
                 <a:tc>
+                  <a:txBody>
+                    <a:bodyPr/>
+                    <a:p>
+                      <a:r>
+                        <a:rPr b="0" lang="en-US" sz="2400" spc="-1" strike="noStrike">
+                          <a:latin typeface="Times New Roman"/>
+                        </a:rPr>
+                        <a:t>953.18</a:t>
+                      </a:r>
+                      <a:endParaRPr b="0" lang="en-US" sz="2400" spc="-1" strike="noStrike">
+                        <a:latin typeface="Times New Roman"/>
+                      </a:endParaRPr>
+                    </a:p>
+                  </a:txBody>
                   <a:tcPr marL="91440" marR="91440">
                     <a:lnL w="12240">
                       <a:solidFill>
@@ -8960,6 +9189,20 @@
                   </a:tcPr>
                 </a:tc>
                 <a:tc>
+                  <a:txBody>
+                    <a:bodyPr/>
+                    <a:p>
+                      <a:r>
+                        <a:rPr b="0" lang="en-US" sz="2400" spc="-1" strike="noStrike">
+                          <a:latin typeface="Times New Roman"/>
+                        </a:rPr>
+                        <a:t>558.72</a:t>
+                      </a:r>
+                      <a:endParaRPr b="0" lang="en-US" sz="2400" spc="-1" strike="noStrike">
+                        <a:latin typeface="Times New Roman"/>
+                      </a:endParaRPr>
+                    </a:p>
+                  </a:txBody>
                   <a:tcPr marL="91440" marR="91440">
                     <a:lnL w="12240">
                       <a:solidFill>
@@ -8987,6 +9230,20 @@
                   </a:tcPr>
                 </a:tc>
                 <a:tc>
+                  <a:txBody>
+                    <a:bodyPr/>
+                    <a:p>
+                      <a:r>
+                        <a:rPr b="0" lang="en-US" sz="2400" spc="-1" strike="noStrike">
+                          <a:latin typeface="Times New Roman"/>
+                        </a:rPr>
+                        <a:t>353.40</a:t>
+                      </a:r>
+                      <a:endParaRPr b="0" lang="en-US" sz="2400" spc="-1" strike="noStrike">
+                        <a:latin typeface="Times New Roman"/>
+                      </a:endParaRPr>
+                    </a:p>
+                  </a:txBody>
                   <a:tcPr marL="91440" marR="91440">
                     <a:lnL w="12240">
                       <a:solidFill>
@@ -9014,6 +9271,20 @@
                   </a:tcPr>
                 </a:tc>
                 <a:tc>
+                  <a:txBody>
+                    <a:bodyPr/>
+                    <a:p>
+                      <a:r>
+                        <a:rPr b="0" lang="en-US" sz="2400" spc="-1" strike="noStrike">
+                          <a:latin typeface="Times New Roman"/>
+                        </a:rPr>
+                        <a:t>193.04</a:t>
+                      </a:r>
+                      <a:endParaRPr b="0" lang="en-US" sz="2400" spc="-1" strike="noStrike">
+                        <a:latin typeface="Times New Roman"/>
+                      </a:endParaRPr>
+                    </a:p>
+                  </a:txBody>
                   <a:tcPr marL="91440" marR="91440">
                     <a:lnL w="12240">
                       <a:solidFill>
@@ -9041,6 +9312,20 @@
                   </a:tcPr>
                 </a:tc>
                 <a:tc>
+                  <a:txBody>
+                    <a:bodyPr/>
+                    <a:p>
+                      <a:r>
+                        <a:rPr b="0" lang="en-US" sz="2400" spc="-1" strike="noStrike">
+                          <a:latin typeface="Times New Roman"/>
+                        </a:rPr>
+                        <a:t>95.516</a:t>
+                      </a:r>
+                      <a:endParaRPr b="0" lang="en-US" sz="2400" spc="-1" strike="noStrike">
+                        <a:latin typeface="Times New Roman"/>
+                      </a:endParaRPr>
+                    </a:p>
+                  </a:txBody>
                   <a:tcPr marL="91440" marR="91440">
                     <a:lnL w="12240">
                       <a:solidFill>
@@ -9068,6 +9353,20 @@
                   </a:tcPr>
                 </a:tc>
                 <a:tc>
+                  <a:txBody>
+                    <a:bodyPr/>
+                    <a:p>
+                      <a:r>
+                        <a:rPr b="0" lang="en-US" sz="1800" spc="-1" strike="noStrike">
+                          <a:latin typeface="Arial"/>
+                        </a:rPr>
+                        <a:t>47.2552</a:t>
+                      </a:r>
+                      <a:endParaRPr b="0" lang="en-US" sz="1800" spc="-1" strike="noStrike">
+                        <a:latin typeface="Arial"/>
+                      </a:endParaRPr>
+                    </a:p>
+                  </a:txBody>
                   <a:tcPr marL="91440" marR="91440">
                     <a:lnL w="12240">
                       <a:solidFill>
